--- a/_mysource/演示文稿1.pptx
+++ b/_mysource/演示文稿1.pptx
@@ -12,6 +12,12 @@
     <p:sldId id="258" r:id="rId6"/>
     <p:sldId id="259" r:id="rId7"/>
     <p:sldId id="261" r:id="rId8"/>
+    <p:sldId id="263" r:id="rId9"/>
+    <p:sldId id="264" r:id="rId10"/>
+    <p:sldId id="265" r:id="rId11"/>
+    <p:sldId id="266" r:id="rId12"/>
+    <p:sldId id="267" r:id="rId13"/>
+    <p:sldId id="268" r:id="rId14"/>
   </p:sldIdLst>
   <p:sldSz cx="12192000" cy="6858000"/>
   <p:notesSz cx="6858000" cy="9144000"/>
@@ -110,6 +116,11 @@
       </a:defRPr>
     </a:lvl9pPr>
   </p:defaultTextStyle>
+  <p:extLst>
+    <p:ext uri="{EFAFB233-063F-42B5-8137-9DF3F51BA10A}">
+      <p15:sldGuideLst xmlns:p15="http://schemas.microsoft.com/office/powerpoint/2012/main"/>
+    </p:ext>
+  </p:extLst>
 </p:presentation>
 </file>
 
@@ -244,7 +255,7 @@
           <a:p>
             <a:fld id="{952DCE33-D63D-4374-9E7F-E4DF57911103}" type="datetimeFigureOut">
               <a:rPr lang="zh-CN" altLang="en-US" smtClean="0"/>
-              <a:t>2017/10/1</a:t>
+              <a:t>2017/10/2</a:t>
             </a:fld>
             <a:endParaRPr lang="zh-CN" altLang="en-US"/>
           </a:p>
@@ -414,7 +425,7 @@
           <a:p>
             <a:fld id="{952DCE33-D63D-4374-9E7F-E4DF57911103}" type="datetimeFigureOut">
               <a:rPr lang="zh-CN" altLang="en-US" smtClean="0"/>
-              <a:t>2017/10/1</a:t>
+              <a:t>2017/10/2</a:t>
             </a:fld>
             <a:endParaRPr lang="zh-CN" altLang="en-US"/>
           </a:p>
@@ -594,7 +605,7 @@
           <a:p>
             <a:fld id="{952DCE33-D63D-4374-9E7F-E4DF57911103}" type="datetimeFigureOut">
               <a:rPr lang="zh-CN" altLang="en-US" smtClean="0"/>
-              <a:t>2017/10/1</a:t>
+              <a:t>2017/10/2</a:t>
             </a:fld>
             <a:endParaRPr lang="zh-CN" altLang="en-US"/>
           </a:p>
@@ -764,7 +775,7 @@
           <a:p>
             <a:fld id="{952DCE33-D63D-4374-9E7F-E4DF57911103}" type="datetimeFigureOut">
               <a:rPr lang="zh-CN" altLang="en-US" smtClean="0"/>
-              <a:t>2017/10/1</a:t>
+              <a:t>2017/10/2</a:t>
             </a:fld>
             <a:endParaRPr lang="zh-CN" altLang="en-US"/>
           </a:p>
@@ -1010,7 +1021,7 @@
           <a:p>
             <a:fld id="{952DCE33-D63D-4374-9E7F-E4DF57911103}" type="datetimeFigureOut">
               <a:rPr lang="zh-CN" altLang="en-US" smtClean="0"/>
-              <a:t>2017/10/1</a:t>
+              <a:t>2017/10/2</a:t>
             </a:fld>
             <a:endParaRPr lang="zh-CN" altLang="en-US"/>
           </a:p>
@@ -1242,7 +1253,7 @@
           <a:p>
             <a:fld id="{952DCE33-D63D-4374-9E7F-E4DF57911103}" type="datetimeFigureOut">
               <a:rPr lang="zh-CN" altLang="en-US" smtClean="0"/>
-              <a:t>2017/10/1</a:t>
+              <a:t>2017/10/2</a:t>
             </a:fld>
             <a:endParaRPr lang="zh-CN" altLang="en-US"/>
           </a:p>
@@ -1609,7 +1620,7 @@
           <a:p>
             <a:fld id="{952DCE33-D63D-4374-9E7F-E4DF57911103}" type="datetimeFigureOut">
               <a:rPr lang="zh-CN" altLang="en-US" smtClean="0"/>
-              <a:t>2017/10/1</a:t>
+              <a:t>2017/10/2</a:t>
             </a:fld>
             <a:endParaRPr lang="zh-CN" altLang="en-US"/>
           </a:p>
@@ -1727,7 +1738,7 @@
           <a:p>
             <a:fld id="{952DCE33-D63D-4374-9E7F-E4DF57911103}" type="datetimeFigureOut">
               <a:rPr lang="zh-CN" altLang="en-US" smtClean="0"/>
-              <a:t>2017/10/1</a:t>
+              <a:t>2017/10/2</a:t>
             </a:fld>
             <a:endParaRPr lang="zh-CN" altLang="en-US"/>
           </a:p>
@@ -1822,7 +1833,7 @@
           <a:p>
             <a:fld id="{952DCE33-D63D-4374-9E7F-E4DF57911103}" type="datetimeFigureOut">
               <a:rPr lang="zh-CN" altLang="en-US" smtClean="0"/>
-              <a:t>2017/10/1</a:t>
+              <a:t>2017/10/2</a:t>
             </a:fld>
             <a:endParaRPr lang="zh-CN" altLang="en-US"/>
           </a:p>
@@ -2099,7 +2110,7 @@
           <a:p>
             <a:fld id="{952DCE33-D63D-4374-9E7F-E4DF57911103}" type="datetimeFigureOut">
               <a:rPr lang="zh-CN" altLang="en-US" smtClean="0"/>
-              <a:t>2017/10/1</a:t>
+              <a:t>2017/10/2</a:t>
             </a:fld>
             <a:endParaRPr lang="zh-CN" altLang="en-US"/>
           </a:p>
@@ -2352,7 +2363,7 @@
           <a:p>
             <a:fld id="{952DCE33-D63D-4374-9E7F-E4DF57911103}" type="datetimeFigureOut">
               <a:rPr lang="zh-CN" altLang="en-US" smtClean="0"/>
-              <a:t>2017/10/1</a:t>
+              <a:t>2017/10/2</a:t>
             </a:fld>
             <a:endParaRPr lang="zh-CN" altLang="en-US"/>
           </a:p>
@@ -2565,7 +2576,7 @@
           <a:p>
             <a:fld id="{952DCE33-D63D-4374-9E7F-E4DF57911103}" type="datetimeFigureOut">
               <a:rPr lang="zh-CN" altLang="en-US" smtClean="0"/>
-              <a:t>2017/10/1</a:t>
+              <a:t>2017/10/2</a:t>
             </a:fld>
             <a:endParaRPr lang="zh-CN" altLang="en-US"/>
           </a:p>
@@ -2970,8 +2981,8 @@
           <a:chExt cx="0" cy="0"/>
         </a:xfrm>
       </p:grpSpPr>
-      <mc:AlternateContent xmlns:mc="http://schemas.openxmlformats.org/markup-compatibility/2006">
-        <mc:Choice xmlns:a14="http://schemas.microsoft.com/office/drawing/2010/main" Requires="a14">
+      <mc:AlternateContent xmlns:mc="http://schemas.openxmlformats.org/markup-compatibility/2006" xmlns:a14="http://schemas.microsoft.com/office/drawing/2010/main">
+        <mc:Choice Requires="a14">
           <p:sp>
             <p:nvSpPr>
               <p:cNvPr id="4" name="椭圆 3"/>
@@ -3097,7 +3108,7 @@
             </p:txBody>
           </p:sp>
         </mc:Choice>
-        <mc:Fallback>
+        <mc:Fallback xmlns="">
           <p:sp>
             <p:nvSpPr>
               <p:cNvPr id="4" name="椭圆 3"/>
@@ -3141,8 +3152,8 @@
           </p:sp>
         </mc:Fallback>
       </mc:AlternateContent>
-      <mc:AlternateContent xmlns:mc="http://schemas.openxmlformats.org/markup-compatibility/2006">
-        <mc:Choice xmlns:a14="http://schemas.microsoft.com/office/drawing/2010/main" Requires="a14">
+      <mc:AlternateContent xmlns:mc="http://schemas.openxmlformats.org/markup-compatibility/2006" xmlns:a14="http://schemas.microsoft.com/office/drawing/2010/main">
+        <mc:Choice Requires="a14">
           <p:sp>
             <p:nvSpPr>
               <p:cNvPr id="5" name="椭圆 4"/>
@@ -3268,7 +3279,7 @@
             </p:txBody>
           </p:sp>
         </mc:Choice>
-        <mc:Fallback>
+        <mc:Fallback xmlns="">
           <p:sp>
             <p:nvSpPr>
               <p:cNvPr id="5" name="椭圆 4"/>
@@ -3312,8 +3323,8 @@
           </p:sp>
         </mc:Fallback>
       </mc:AlternateContent>
-      <mc:AlternateContent xmlns:mc="http://schemas.openxmlformats.org/markup-compatibility/2006">
-        <mc:Choice xmlns:a14="http://schemas.microsoft.com/office/drawing/2010/main" Requires="a14">
+      <mc:AlternateContent xmlns:mc="http://schemas.openxmlformats.org/markup-compatibility/2006" xmlns:a14="http://schemas.microsoft.com/office/drawing/2010/main">
+        <mc:Choice Requires="a14">
           <p:sp>
             <p:nvSpPr>
               <p:cNvPr id="6" name="椭圆 5"/>
@@ -3439,7 +3450,7 @@
             </p:txBody>
           </p:sp>
         </mc:Choice>
-        <mc:Fallback>
+        <mc:Fallback xmlns="">
           <p:sp>
             <p:nvSpPr>
               <p:cNvPr id="6" name="椭圆 5"/>
@@ -3483,8 +3494,8 @@
           </p:sp>
         </mc:Fallback>
       </mc:AlternateContent>
-      <mc:AlternateContent xmlns:mc="http://schemas.openxmlformats.org/markup-compatibility/2006">
-        <mc:Choice xmlns:a14="http://schemas.microsoft.com/office/drawing/2010/main" Requires="a14">
+      <mc:AlternateContent xmlns:mc="http://schemas.openxmlformats.org/markup-compatibility/2006" xmlns:a14="http://schemas.microsoft.com/office/drawing/2010/main">
+        <mc:Choice Requires="a14">
           <p:sp>
             <p:nvSpPr>
               <p:cNvPr id="7" name="椭圆 6"/>
@@ -3610,7 +3621,7 @@
             </p:txBody>
           </p:sp>
         </mc:Choice>
-        <mc:Fallback>
+        <mc:Fallback xmlns="">
           <p:sp>
             <p:nvSpPr>
               <p:cNvPr id="7" name="椭圆 6"/>
@@ -3654,8 +3665,8 @@
           </p:sp>
         </mc:Fallback>
       </mc:AlternateContent>
-      <mc:AlternateContent xmlns:mc="http://schemas.openxmlformats.org/markup-compatibility/2006">
-        <mc:Choice xmlns:a14="http://schemas.microsoft.com/office/drawing/2010/main" Requires="a14">
+      <mc:AlternateContent xmlns:mc="http://schemas.openxmlformats.org/markup-compatibility/2006" xmlns:a14="http://schemas.microsoft.com/office/drawing/2010/main">
+        <mc:Choice Requires="a14">
           <p:sp>
             <p:nvSpPr>
               <p:cNvPr id="8" name="椭圆 7"/>
@@ -3781,7 +3792,7 @@
             </p:txBody>
           </p:sp>
         </mc:Choice>
-        <mc:Fallback>
+        <mc:Fallback xmlns="">
           <p:sp>
             <p:nvSpPr>
               <p:cNvPr id="8" name="椭圆 7"/>
@@ -3825,8 +3836,8 @@
           </p:sp>
         </mc:Fallback>
       </mc:AlternateContent>
-      <mc:AlternateContent xmlns:mc="http://schemas.openxmlformats.org/markup-compatibility/2006">
-        <mc:Choice xmlns:a14="http://schemas.microsoft.com/office/drawing/2010/main" Requires="a14">
+      <mc:AlternateContent xmlns:mc="http://schemas.openxmlformats.org/markup-compatibility/2006" xmlns:a14="http://schemas.microsoft.com/office/drawing/2010/main">
+        <mc:Choice Requires="a14">
           <p:sp>
             <p:nvSpPr>
               <p:cNvPr id="9" name="椭圆 8"/>
@@ -3977,7 +3988,7 @@
             </p:txBody>
           </p:sp>
         </mc:Choice>
-        <mc:Fallback>
+        <mc:Fallback xmlns="">
           <p:sp>
             <p:nvSpPr>
               <p:cNvPr id="9" name="椭圆 8"/>
@@ -4021,8 +4032,8 @@
           </p:sp>
         </mc:Fallback>
       </mc:AlternateContent>
-      <mc:AlternateContent xmlns:mc="http://schemas.openxmlformats.org/markup-compatibility/2006">
-        <mc:Choice xmlns:a14="http://schemas.microsoft.com/office/drawing/2010/main" Requires="a14">
+      <mc:AlternateContent xmlns:mc="http://schemas.openxmlformats.org/markup-compatibility/2006" xmlns:a14="http://schemas.microsoft.com/office/drawing/2010/main">
+        <mc:Choice Requires="a14">
           <p:sp>
             <p:nvSpPr>
               <p:cNvPr id="12" name="椭圆 11"/>
@@ -4148,7 +4159,7 @@
             </p:txBody>
           </p:sp>
         </mc:Choice>
-        <mc:Fallback>
+        <mc:Fallback xmlns="">
           <p:sp>
             <p:nvSpPr>
               <p:cNvPr id="12" name="椭圆 11"/>
@@ -4192,8 +4203,8 @@
           </p:sp>
         </mc:Fallback>
       </mc:AlternateContent>
-      <mc:AlternateContent xmlns:mc="http://schemas.openxmlformats.org/markup-compatibility/2006">
-        <mc:Choice xmlns:a14="http://schemas.microsoft.com/office/drawing/2010/main" Requires="a14">
+      <mc:AlternateContent xmlns:mc="http://schemas.openxmlformats.org/markup-compatibility/2006" xmlns:a14="http://schemas.microsoft.com/office/drawing/2010/main">
+        <mc:Choice Requires="a14">
           <p:sp>
             <p:nvSpPr>
               <p:cNvPr id="13" name="椭圆 12"/>
@@ -4319,7 +4330,7 @@
             </p:txBody>
           </p:sp>
         </mc:Choice>
-        <mc:Fallback>
+        <mc:Fallback xmlns="">
           <p:sp>
             <p:nvSpPr>
               <p:cNvPr id="13" name="椭圆 12"/>
@@ -4363,8 +4374,8 @@
           </p:sp>
         </mc:Fallback>
       </mc:AlternateContent>
-      <mc:AlternateContent xmlns:mc="http://schemas.openxmlformats.org/markup-compatibility/2006">
-        <mc:Choice xmlns:a14="http://schemas.microsoft.com/office/drawing/2010/main" Requires="a14">
+      <mc:AlternateContent xmlns:mc="http://schemas.openxmlformats.org/markup-compatibility/2006" xmlns:a14="http://schemas.microsoft.com/office/drawing/2010/main">
+        <mc:Choice Requires="a14">
           <p:sp>
             <p:nvSpPr>
               <p:cNvPr id="14" name="椭圆 13"/>
@@ -4526,7 +4537,7 @@
             </p:txBody>
           </p:sp>
         </mc:Choice>
-        <mc:Fallback>
+        <mc:Fallback xmlns="">
           <p:sp>
             <p:nvSpPr>
               <p:cNvPr id="14" name="椭圆 13"/>
@@ -4570,8 +4581,8 @@
           </p:sp>
         </mc:Fallback>
       </mc:AlternateContent>
-      <mc:AlternateContent xmlns:mc="http://schemas.openxmlformats.org/markup-compatibility/2006">
-        <mc:Choice xmlns:a14="http://schemas.microsoft.com/office/drawing/2010/main" Requires="a14">
+      <mc:AlternateContent xmlns:mc="http://schemas.openxmlformats.org/markup-compatibility/2006" xmlns:a14="http://schemas.microsoft.com/office/drawing/2010/main">
+        <mc:Choice Requires="a14">
           <p:sp>
             <p:nvSpPr>
               <p:cNvPr id="15" name="椭圆 14"/>
@@ -4697,7 +4708,7 @@
             </p:txBody>
           </p:sp>
         </mc:Choice>
-        <mc:Fallback>
+        <mc:Fallback xmlns="">
           <p:sp>
             <p:nvSpPr>
               <p:cNvPr id="15" name="椭圆 14"/>
@@ -4741,8 +4752,8 @@
           </p:sp>
         </mc:Fallback>
       </mc:AlternateContent>
-      <mc:AlternateContent xmlns:mc="http://schemas.openxmlformats.org/markup-compatibility/2006">
-        <mc:Choice xmlns:a14="http://schemas.microsoft.com/office/drawing/2010/main" Requires="a14">
+      <mc:AlternateContent xmlns:mc="http://schemas.openxmlformats.org/markup-compatibility/2006" xmlns:a14="http://schemas.microsoft.com/office/drawing/2010/main">
+        <mc:Choice Requires="a14">
           <p:sp>
             <p:nvSpPr>
               <p:cNvPr id="16" name="椭圆 15"/>
@@ -4868,7 +4879,7 @@
             </p:txBody>
           </p:sp>
         </mc:Choice>
-        <mc:Fallback>
+        <mc:Fallback xmlns="">
           <p:sp>
             <p:nvSpPr>
               <p:cNvPr id="16" name="椭圆 15"/>
@@ -4912,8 +4923,8 @@
           </p:sp>
         </mc:Fallback>
       </mc:AlternateContent>
-      <mc:AlternateContent xmlns:mc="http://schemas.openxmlformats.org/markup-compatibility/2006">
-        <mc:Choice xmlns:a14="http://schemas.microsoft.com/office/drawing/2010/main" Requires="a14">
+      <mc:AlternateContent xmlns:mc="http://schemas.openxmlformats.org/markup-compatibility/2006" xmlns:a14="http://schemas.microsoft.com/office/drawing/2010/main">
+        <mc:Choice Requires="a14">
           <p:sp>
             <p:nvSpPr>
               <p:cNvPr id="17" name="椭圆 16"/>
@@ -5075,7 +5086,7 @@
             </p:txBody>
           </p:sp>
         </mc:Choice>
-        <mc:Fallback>
+        <mc:Fallback xmlns="">
           <p:sp>
             <p:nvSpPr>
               <p:cNvPr id="17" name="椭圆 16"/>
@@ -5119,8 +5130,8 @@
           </p:sp>
         </mc:Fallback>
       </mc:AlternateContent>
-      <mc:AlternateContent xmlns:mc="http://schemas.openxmlformats.org/markup-compatibility/2006">
-        <mc:Choice xmlns:a14="http://schemas.microsoft.com/office/drawing/2010/main" Requires="a14">
+      <mc:AlternateContent xmlns:mc="http://schemas.openxmlformats.org/markup-compatibility/2006" xmlns:a14="http://schemas.microsoft.com/office/drawing/2010/main">
+        <mc:Choice Requires="a14">
           <p:sp>
             <p:nvSpPr>
               <p:cNvPr id="18" name="椭圆 17"/>
@@ -5264,7 +5275,7 @@
             </p:txBody>
           </p:sp>
         </mc:Choice>
-        <mc:Fallback>
+        <mc:Fallback xmlns="">
           <p:sp>
             <p:nvSpPr>
               <p:cNvPr id="18" name="椭圆 17"/>
@@ -5308,8 +5319,8 @@
           </p:sp>
         </mc:Fallback>
       </mc:AlternateContent>
-      <mc:AlternateContent xmlns:mc="http://schemas.openxmlformats.org/markup-compatibility/2006">
-        <mc:Choice xmlns:a14="http://schemas.microsoft.com/office/drawing/2010/main" Requires="a14">
+      <mc:AlternateContent xmlns:mc="http://schemas.openxmlformats.org/markup-compatibility/2006" xmlns:a14="http://schemas.microsoft.com/office/drawing/2010/main">
+        <mc:Choice Requires="a14">
           <p:sp>
             <p:nvSpPr>
               <p:cNvPr id="19" name="椭圆 18"/>
@@ -5453,7 +5464,7 @@
             </p:txBody>
           </p:sp>
         </mc:Choice>
-        <mc:Fallback>
+        <mc:Fallback xmlns="">
           <p:sp>
             <p:nvSpPr>
               <p:cNvPr id="19" name="椭圆 18"/>
@@ -5497,8 +5508,8 @@
           </p:sp>
         </mc:Fallback>
       </mc:AlternateContent>
-      <mc:AlternateContent xmlns:mc="http://schemas.openxmlformats.org/markup-compatibility/2006">
-        <mc:Choice xmlns:a14="http://schemas.microsoft.com/office/drawing/2010/main" Requires="a14">
+      <mc:AlternateContent xmlns:mc="http://schemas.openxmlformats.org/markup-compatibility/2006" xmlns:a14="http://schemas.microsoft.com/office/drawing/2010/main">
+        <mc:Choice Requires="a14">
           <p:sp>
             <p:nvSpPr>
               <p:cNvPr id="20" name="椭圆 19"/>
@@ -5642,7 +5653,7 @@
             </p:txBody>
           </p:sp>
         </mc:Choice>
-        <mc:Fallback>
+        <mc:Fallback xmlns="">
           <p:sp>
             <p:nvSpPr>
               <p:cNvPr id="20" name="椭圆 19"/>
@@ -5686,8 +5697,8 @@
           </p:sp>
         </mc:Fallback>
       </mc:AlternateContent>
-      <mc:AlternateContent xmlns:mc="http://schemas.openxmlformats.org/markup-compatibility/2006">
-        <mc:Choice xmlns:a14="http://schemas.microsoft.com/office/drawing/2010/main" Requires="a14">
+      <mc:AlternateContent xmlns:mc="http://schemas.openxmlformats.org/markup-compatibility/2006" xmlns:a14="http://schemas.microsoft.com/office/drawing/2010/main">
+        <mc:Choice Requires="a14">
           <p:sp>
             <p:nvSpPr>
               <p:cNvPr id="21" name="椭圆 20"/>
@@ -5831,7 +5842,7 @@
             </p:txBody>
           </p:sp>
         </mc:Choice>
-        <mc:Fallback>
+        <mc:Fallback xmlns="">
           <p:sp>
             <p:nvSpPr>
               <p:cNvPr id="21" name="椭圆 20"/>
@@ -5875,8 +5886,8 @@
           </p:sp>
         </mc:Fallback>
       </mc:AlternateContent>
-      <mc:AlternateContent xmlns:mc="http://schemas.openxmlformats.org/markup-compatibility/2006">
-        <mc:Choice xmlns:a14="http://schemas.microsoft.com/office/drawing/2010/main" Requires="a14">
+      <mc:AlternateContent xmlns:mc="http://schemas.openxmlformats.org/markup-compatibility/2006" xmlns:a14="http://schemas.microsoft.com/office/drawing/2010/main">
+        <mc:Choice Requires="a14">
           <p:sp>
             <p:nvSpPr>
               <p:cNvPr id="22" name="椭圆 21"/>
@@ -6074,7 +6085,7 @@
             </p:txBody>
           </p:sp>
         </mc:Choice>
-        <mc:Fallback>
+        <mc:Fallback xmlns="">
           <p:sp>
             <p:nvSpPr>
               <p:cNvPr id="22" name="椭圆 21"/>
@@ -6118,8 +6129,8 @@
           </p:sp>
         </mc:Fallback>
       </mc:AlternateContent>
-      <mc:AlternateContent xmlns:mc="http://schemas.openxmlformats.org/markup-compatibility/2006">
-        <mc:Choice xmlns:a14="http://schemas.microsoft.com/office/drawing/2010/main" Requires="a14">
+      <mc:AlternateContent xmlns:mc="http://schemas.openxmlformats.org/markup-compatibility/2006" xmlns:a14="http://schemas.microsoft.com/office/drawing/2010/main">
+        <mc:Choice Requires="a14">
           <p:sp>
             <p:nvSpPr>
               <p:cNvPr id="23" name="椭圆 22"/>
@@ -6263,7 +6274,7 @@
             </p:txBody>
           </p:sp>
         </mc:Choice>
-        <mc:Fallback>
+        <mc:Fallback xmlns="">
           <p:sp>
             <p:nvSpPr>
               <p:cNvPr id="23" name="椭圆 22"/>
@@ -6307,8 +6318,8 @@
           </p:sp>
         </mc:Fallback>
       </mc:AlternateContent>
-      <mc:AlternateContent xmlns:mc="http://schemas.openxmlformats.org/markup-compatibility/2006">
-        <mc:Choice xmlns:a14="http://schemas.microsoft.com/office/drawing/2010/main" Requires="a14">
+      <mc:AlternateContent xmlns:mc="http://schemas.openxmlformats.org/markup-compatibility/2006" xmlns:a14="http://schemas.microsoft.com/office/drawing/2010/main">
+        <mc:Choice Requires="a14">
           <p:sp>
             <p:nvSpPr>
               <p:cNvPr id="24" name="椭圆 23"/>
@@ -6452,7 +6463,7 @@
             </p:txBody>
           </p:sp>
         </mc:Choice>
-        <mc:Fallback>
+        <mc:Fallback xmlns="">
           <p:sp>
             <p:nvSpPr>
               <p:cNvPr id="24" name="椭圆 23"/>
@@ -6496,8 +6507,8 @@
           </p:sp>
         </mc:Fallback>
       </mc:AlternateContent>
-      <mc:AlternateContent xmlns:mc="http://schemas.openxmlformats.org/markup-compatibility/2006">
-        <mc:Choice xmlns:a14="http://schemas.microsoft.com/office/drawing/2010/main" Requires="a14">
+      <mc:AlternateContent xmlns:mc="http://schemas.openxmlformats.org/markup-compatibility/2006" xmlns:a14="http://schemas.microsoft.com/office/drawing/2010/main">
+        <mc:Choice Requires="a14">
           <p:sp>
             <p:nvSpPr>
               <p:cNvPr id="25" name="椭圆 24"/>
@@ -6695,7 +6706,7 @@
             </p:txBody>
           </p:sp>
         </mc:Choice>
-        <mc:Fallback>
+        <mc:Fallback xmlns="">
           <p:sp>
             <p:nvSpPr>
               <p:cNvPr id="25" name="椭圆 24"/>
@@ -9154,8 +9165,8 @@
           </a:p>
         </p:txBody>
       </p:sp>
-      <mc:AlternateContent xmlns:mc="http://schemas.openxmlformats.org/markup-compatibility/2006">
-        <mc:Choice xmlns:a14="http://schemas.microsoft.com/office/drawing/2010/main" Requires="a14">
+      <mc:AlternateContent xmlns:mc="http://schemas.openxmlformats.org/markup-compatibility/2006" xmlns:a14="http://schemas.microsoft.com/office/drawing/2010/main">
+        <mc:Choice Requires="a14">
           <p:sp>
             <p:nvSpPr>
               <p:cNvPr id="109" name="矩形 108"/>
@@ -9254,7 +9265,7 @@
             </p:txBody>
           </p:sp>
         </mc:Choice>
-        <mc:Fallback>
+        <mc:Fallback xmlns="">
           <p:sp>
             <p:nvSpPr>
               <p:cNvPr id="109" name="矩形 108"/>
@@ -9293,8 +9304,8 @@
           </p:sp>
         </mc:Fallback>
       </mc:AlternateContent>
-      <mc:AlternateContent xmlns:mc="http://schemas.openxmlformats.org/markup-compatibility/2006">
-        <mc:Choice xmlns:a14="http://schemas.microsoft.com/office/drawing/2010/main" Requires="a14">
+      <mc:AlternateContent xmlns:mc="http://schemas.openxmlformats.org/markup-compatibility/2006" xmlns:a14="http://schemas.microsoft.com/office/drawing/2010/main">
+        <mc:Choice Requires="a14">
           <p:sp>
             <p:nvSpPr>
               <p:cNvPr id="110" name="矩形 109"/>
@@ -9393,7 +9404,7 @@
             </p:txBody>
           </p:sp>
         </mc:Choice>
-        <mc:Fallback>
+        <mc:Fallback xmlns="">
           <p:sp>
             <p:nvSpPr>
               <p:cNvPr id="110" name="矩形 109"/>
@@ -9432,8 +9443,8 @@
           </p:sp>
         </mc:Fallback>
       </mc:AlternateContent>
-      <mc:AlternateContent xmlns:mc="http://schemas.openxmlformats.org/markup-compatibility/2006">
-        <mc:Choice xmlns:a14="http://schemas.microsoft.com/office/drawing/2010/main" Requires="a14">
+      <mc:AlternateContent xmlns:mc="http://schemas.openxmlformats.org/markup-compatibility/2006" xmlns:a14="http://schemas.microsoft.com/office/drawing/2010/main">
+        <mc:Choice Requires="a14">
           <p:sp>
             <p:nvSpPr>
               <p:cNvPr id="111" name="矩形 110"/>
@@ -9532,7 +9543,7 @@
             </p:txBody>
           </p:sp>
         </mc:Choice>
-        <mc:Fallback>
+        <mc:Fallback xmlns="">
           <p:sp>
             <p:nvSpPr>
               <p:cNvPr id="111" name="矩形 110"/>
@@ -9571,8 +9582,8 @@
           </p:sp>
         </mc:Fallback>
       </mc:AlternateContent>
-      <mc:AlternateContent xmlns:mc="http://schemas.openxmlformats.org/markup-compatibility/2006">
-        <mc:Choice xmlns:a14="http://schemas.microsoft.com/office/drawing/2010/main" Requires="a14">
+      <mc:AlternateContent xmlns:mc="http://schemas.openxmlformats.org/markup-compatibility/2006" xmlns:a14="http://schemas.microsoft.com/office/drawing/2010/main">
+        <mc:Choice Requires="a14">
           <p:sp>
             <p:nvSpPr>
               <p:cNvPr id="112" name="矩形 111"/>
@@ -9690,7 +9701,7 @@
             </p:txBody>
           </p:sp>
         </mc:Choice>
-        <mc:Fallback>
+        <mc:Fallback xmlns="">
           <p:sp>
             <p:nvSpPr>
               <p:cNvPr id="112" name="矩形 111"/>
@@ -9993,8 +10004,8 @@
           </a:fontRef>
         </p:style>
       </p:cxnSp>
-      <mc:AlternateContent xmlns:mc="http://schemas.openxmlformats.org/markup-compatibility/2006">
-        <mc:Choice xmlns:a14="http://schemas.microsoft.com/office/drawing/2010/main" Requires="a14">
+      <mc:AlternateContent xmlns:mc="http://schemas.openxmlformats.org/markup-compatibility/2006" xmlns:a14="http://schemas.microsoft.com/office/drawing/2010/main">
+        <mc:Choice Requires="a14">
           <p:sp>
             <p:nvSpPr>
               <p:cNvPr id="125" name="五边形 124"/>
@@ -10139,7 +10150,7 @@
             </p:txBody>
           </p:sp>
         </mc:Choice>
-        <mc:Fallback>
+        <mc:Fallback xmlns="">
           <p:sp>
             <p:nvSpPr>
               <p:cNvPr id="125" name="五边形 124"/>
@@ -10185,8 +10196,8 @@
           </p:sp>
         </mc:Fallback>
       </mc:AlternateContent>
-      <mc:AlternateContent xmlns:mc="http://schemas.openxmlformats.org/markup-compatibility/2006">
-        <mc:Choice xmlns:a14="http://schemas.microsoft.com/office/drawing/2010/main" Requires="a14">
+      <mc:AlternateContent xmlns:mc="http://schemas.openxmlformats.org/markup-compatibility/2006" xmlns:a14="http://schemas.microsoft.com/office/drawing/2010/main">
+        <mc:Choice Requires="a14">
           <p:sp>
             <p:nvSpPr>
               <p:cNvPr id="126" name="五边形 125"/>
@@ -10331,7 +10342,7 @@
             </p:txBody>
           </p:sp>
         </mc:Choice>
-        <mc:Fallback>
+        <mc:Fallback xmlns="">
           <p:sp>
             <p:nvSpPr>
               <p:cNvPr id="126" name="五边形 125"/>
@@ -10377,8 +10388,8 @@
           </p:sp>
         </mc:Fallback>
       </mc:AlternateContent>
-      <mc:AlternateContent xmlns:mc="http://schemas.openxmlformats.org/markup-compatibility/2006">
-        <mc:Choice xmlns:a14="http://schemas.microsoft.com/office/drawing/2010/main" Requires="a14">
+      <mc:AlternateContent xmlns:mc="http://schemas.openxmlformats.org/markup-compatibility/2006" xmlns:a14="http://schemas.microsoft.com/office/drawing/2010/main">
+        <mc:Choice Requires="a14">
           <p:sp>
             <p:nvSpPr>
               <p:cNvPr id="127" name="五边形 126"/>
@@ -10523,7 +10534,7 @@
             </p:txBody>
           </p:sp>
         </mc:Choice>
-        <mc:Fallback>
+        <mc:Fallback xmlns="">
           <p:sp>
             <p:nvSpPr>
               <p:cNvPr id="127" name="五边形 126"/>
@@ -10569,8 +10580,8 @@
           </p:sp>
         </mc:Fallback>
       </mc:AlternateContent>
-      <mc:AlternateContent xmlns:mc="http://schemas.openxmlformats.org/markup-compatibility/2006">
-        <mc:Choice xmlns:a14="http://schemas.microsoft.com/office/drawing/2010/main" Requires="a14">
+      <mc:AlternateContent xmlns:mc="http://schemas.openxmlformats.org/markup-compatibility/2006" xmlns:a14="http://schemas.microsoft.com/office/drawing/2010/main">
+        <mc:Choice Requires="a14">
           <p:sp>
             <p:nvSpPr>
               <p:cNvPr id="128" name="五边形 127"/>
@@ -10740,7 +10751,7 @@
             </p:txBody>
           </p:sp>
         </mc:Choice>
-        <mc:Fallback>
+        <mc:Fallback xmlns="">
           <p:sp>
             <p:nvSpPr>
               <p:cNvPr id="128" name="五边形 127"/>
@@ -10790,6 +10801,3649 @@
     <p:extLst>
       <p:ext uri="{BB962C8B-B14F-4D97-AF65-F5344CB8AC3E}">
         <p14:creationId xmlns:p14="http://schemas.microsoft.com/office/powerpoint/2010/main" val="3948941443"/>
+      </p:ext>
+    </p:extLst>
+  </p:cSld>
+  <p:clrMapOvr>
+    <a:masterClrMapping/>
+  </p:clrMapOvr>
+</p:sld>
+</file>
+
+<file path=ppt/slides/slide10.xml><?xml version="1.0" encoding="utf-8"?>
+<p:sld xmlns:a="http://schemas.openxmlformats.org/drawingml/2006/main" xmlns:r="http://schemas.openxmlformats.org/officeDocument/2006/relationships" xmlns:p="http://schemas.openxmlformats.org/presentationml/2006/main">
+  <p:cSld>
+    <p:spTree>
+      <p:nvGrpSpPr>
+        <p:cNvPr id="1" name=""/>
+        <p:cNvGrpSpPr/>
+        <p:nvPr/>
+      </p:nvGrpSpPr>
+      <p:grpSpPr>
+        <a:xfrm>
+          <a:off x="0" y="0"/>
+          <a:ext cx="0" cy="0"/>
+          <a:chOff x="0" y="0"/>
+          <a:chExt cx="0" cy="0"/>
+        </a:xfrm>
+      </p:grpSpPr>
+      <p:grpSp>
+        <p:nvGrpSpPr>
+          <p:cNvPr id="37" name="组合 36"/>
+          <p:cNvGrpSpPr/>
+          <p:nvPr/>
+        </p:nvGrpSpPr>
+        <p:grpSpPr>
+          <a:xfrm>
+            <a:off x="705108" y="809624"/>
+            <a:ext cx="10708686" cy="4600576"/>
+            <a:chOff x="705108" y="809624"/>
+            <a:chExt cx="10708686" cy="4600576"/>
+          </a:xfrm>
+        </p:grpSpPr>
+        <p:cxnSp>
+          <p:nvCxnSpPr>
+            <p:cNvPr id="5" name="直接连接符 4"/>
+            <p:cNvCxnSpPr/>
+            <p:nvPr/>
+          </p:nvCxnSpPr>
+          <p:spPr>
+            <a:xfrm>
+              <a:off x="9359894" y="4524806"/>
+              <a:ext cx="0" cy="401976"/>
+            </a:xfrm>
+            <a:prstGeom prst="line">
+              <a:avLst/>
+            </a:prstGeom>
+            <a:ln>
+              <a:prstDash val="dash"/>
+            </a:ln>
+          </p:spPr>
+          <p:style>
+            <a:lnRef idx="3">
+              <a:schemeClr val="accent2"/>
+            </a:lnRef>
+            <a:fillRef idx="0">
+              <a:schemeClr val="accent2"/>
+            </a:fillRef>
+            <a:effectRef idx="2">
+              <a:schemeClr val="accent2"/>
+            </a:effectRef>
+            <a:fontRef idx="minor">
+              <a:schemeClr val="tx1"/>
+            </a:fontRef>
+          </p:style>
+        </p:cxnSp>
+        <p:cxnSp>
+          <p:nvCxnSpPr>
+            <p:cNvPr id="6" name="直接连接符 5"/>
+            <p:cNvCxnSpPr/>
+            <p:nvPr/>
+          </p:nvCxnSpPr>
+          <p:spPr>
+            <a:xfrm flipV="1">
+              <a:off x="1103416" y="2522764"/>
+              <a:ext cx="2986891" cy="2404021"/>
+            </a:xfrm>
+            <a:prstGeom prst="line">
+              <a:avLst/>
+            </a:prstGeom>
+            <a:ln w="28575"/>
+          </p:spPr>
+          <p:style>
+            <a:lnRef idx="3">
+              <a:schemeClr val="accent1"/>
+            </a:lnRef>
+            <a:fillRef idx="0">
+              <a:schemeClr val="accent1"/>
+            </a:fillRef>
+            <a:effectRef idx="2">
+              <a:schemeClr val="accent1"/>
+            </a:effectRef>
+            <a:fontRef idx="minor">
+              <a:schemeClr val="tx1"/>
+            </a:fontRef>
+          </p:style>
+        </p:cxnSp>
+        <p:cxnSp>
+          <p:nvCxnSpPr>
+            <p:cNvPr id="7" name="直接箭头连接符 6"/>
+            <p:cNvCxnSpPr/>
+            <p:nvPr/>
+          </p:nvCxnSpPr>
+          <p:spPr>
+            <a:xfrm flipV="1">
+              <a:off x="1103416" y="2419183"/>
+              <a:ext cx="0" cy="2507600"/>
+            </a:xfrm>
+            <a:prstGeom prst="straightConnector1">
+              <a:avLst/>
+            </a:prstGeom>
+            <a:ln w="38100">
+              <a:tailEnd type="triangle"/>
+            </a:ln>
+          </p:spPr>
+          <p:style>
+            <a:lnRef idx="3">
+              <a:schemeClr val="dk1"/>
+            </a:lnRef>
+            <a:fillRef idx="0">
+              <a:schemeClr val="dk1"/>
+            </a:fillRef>
+            <a:effectRef idx="2">
+              <a:schemeClr val="dk1"/>
+            </a:effectRef>
+            <a:fontRef idx="minor">
+              <a:schemeClr val="tx1"/>
+            </a:fontRef>
+          </p:style>
+        </p:cxnSp>
+        <p:cxnSp>
+          <p:nvCxnSpPr>
+            <p:cNvPr id="8" name="直接箭头连接符 7"/>
+            <p:cNvCxnSpPr/>
+            <p:nvPr/>
+          </p:nvCxnSpPr>
+          <p:spPr>
+            <a:xfrm>
+              <a:off x="1080305" y="4926784"/>
+              <a:ext cx="3281837" cy="0"/>
+            </a:xfrm>
+            <a:prstGeom prst="straightConnector1">
+              <a:avLst/>
+            </a:prstGeom>
+            <a:ln w="38100">
+              <a:tailEnd type="triangle"/>
+            </a:ln>
+          </p:spPr>
+          <p:style>
+            <a:lnRef idx="3">
+              <a:schemeClr val="dk1"/>
+            </a:lnRef>
+            <a:fillRef idx="0">
+              <a:schemeClr val="dk1"/>
+            </a:fillRef>
+            <a:effectRef idx="2">
+              <a:schemeClr val="dk1"/>
+            </a:effectRef>
+            <a:fontRef idx="minor">
+              <a:schemeClr val="tx1"/>
+            </a:fontRef>
+          </p:style>
+        </p:cxnSp>
+        <p:sp>
+          <p:nvSpPr>
+            <p:cNvPr id="9" name="乘号 8"/>
+            <p:cNvSpPr/>
+            <p:nvPr/>
+          </p:nvSpPr>
+          <p:spPr>
+            <a:xfrm>
+              <a:off x="1871391" y="3785443"/>
+              <a:ext cx="312006" cy="312006"/>
+            </a:xfrm>
+            <a:prstGeom prst="mathMultiply">
+              <a:avLst/>
+            </a:prstGeom>
+            <a:solidFill>
+              <a:srgbClr val="FF0000"/>
+            </a:solidFill>
+            <a:ln>
+              <a:solidFill>
+                <a:srgbClr val="FF0000"/>
+              </a:solidFill>
+            </a:ln>
+          </p:spPr>
+          <p:style>
+            <a:lnRef idx="2">
+              <a:schemeClr val="accent1">
+                <a:shade val="50000"/>
+              </a:schemeClr>
+            </a:lnRef>
+            <a:fillRef idx="1">
+              <a:schemeClr val="accent1"/>
+            </a:fillRef>
+            <a:effectRef idx="0">
+              <a:schemeClr val="accent1"/>
+            </a:effectRef>
+            <a:fontRef idx="minor">
+              <a:schemeClr val="lt1"/>
+            </a:fontRef>
+          </p:style>
+          <p:txBody>
+            <a:bodyPr rtlCol="0" anchor="ctr"/>
+            <a:lstStyle/>
+            <a:p>
+              <a:pPr algn="ctr"/>
+              <a:endParaRPr lang="zh-CN" altLang="en-US"/>
+            </a:p>
+          </p:txBody>
+        </p:sp>
+        <p:sp>
+          <p:nvSpPr>
+            <p:cNvPr id="10" name="乘号 9"/>
+            <p:cNvSpPr/>
+            <p:nvPr/>
+          </p:nvSpPr>
+          <p:spPr>
+            <a:xfrm>
+              <a:off x="2160768" y="3301546"/>
+              <a:ext cx="312006" cy="312006"/>
+            </a:xfrm>
+            <a:prstGeom prst="mathMultiply">
+              <a:avLst/>
+            </a:prstGeom>
+            <a:solidFill>
+              <a:srgbClr val="FF0000"/>
+            </a:solidFill>
+            <a:ln>
+              <a:solidFill>
+                <a:srgbClr val="FF0000"/>
+              </a:solidFill>
+            </a:ln>
+          </p:spPr>
+          <p:style>
+            <a:lnRef idx="2">
+              <a:schemeClr val="accent1">
+                <a:shade val="50000"/>
+              </a:schemeClr>
+            </a:lnRef>
+            <a:fillRef idx="1">
+              <a:schemeClr val="accent1"/>
+            </a:fillRef>
+            <a:effectRef idx="0">
+              <a:schemeClr val="accent1"/>
+            </a:effectRef>
+            <a:fontRef idx="minor">
+              <a:schemeClr val="lt1"/>
+            </a:fontRef>
+          </p:style>
+          <p:txBody>
+            <a:bodyPr rtlCol="0" anchor="ctr"/>
+            <a:lstStyle/>
+            <a:p>
+              <a:pPr algn="ctr"/>
+              <a:endParaRPr lang="zh-CN" altLang="en-US"/>
+            </a:p>
+          </p:txBody>
+        </p:sp>
+        <p:sp>
+          <p:nvSpPr>
+            <p:cNvPr id="11" name="乘号 10"/>
+            <p:cNvSpPr/>
+            <p:nvPr/>
+          </p:nvSpPr>
+          <p:spPr>
+            <a:xfrm>
+              <a:off x="2651886" y="3661427"/>
+              <a:ext cx="312006" cy="312006"/>
+            </a:xfrm>
+            <a:prstGeom prst="mathMultiply">
+              <a:avLst/>
+            </a:prstGeom>
+            <a:solidFill>
+              <a:srgbClr val="FF0000"/>
+            </a:solidFill>
+            <a:ln>
+              <a:solidFill>
+                <a:srgbClr val="FF0000"/>
+              </a:solidFill>
+            </a:ln>
+          </p:spPr>
+          <p:style>
+            <a:lnRef idx="2">
+              <a:schemeClr val="accent1">
+                <a:shade val="50000"/>
+              </a:schemeClr>
+            </a:lnRef>
+            <a:fillRef idx="1">
+              <a:schemeClr val="accent1"/>
+            </a:fillRef>
+            <a:effectRef idx="0">
+              <a:schemeClr val="accent1"/>
+            </a:effectRef>
+            <a:fontRef idx="minor">
+              <a:schemeClr val="lt1"/>
+            </a:fontRef>
+          </p:style>
+          <p:txBody>
+            <a:bodyPr rtlCol="0" anchor="ctr"/>
+            <a:lstStyle/>
+            <a:p>
+              <a:pPr algn="ctr"/>
+              <a:endParaRPr lang="zh-CN" altLang="en-US"/>
+            </a:p>
+          </p:txBody>
+        </p:sp>
+        <p:sp>
+          <p:nvSpPr>
+            <p:cNvPr id="12" name="乘号 11"/>
+            <p:cNvSpPr/>
+            <p:nvPr/>
+          </p:nvSpPr>
+          <p:spPr>
+            <a:xfrm>
+              <a:off x="2987003" y="3158749"/>
+              <a:ext cx="312006" cy="312006"/>
+            </a:xfrm>
+            <a:prstGeom prst="mathMultiply">
+              <a:avLst/>
+            </a:prstGeom>
+            <a:solidFill>
+              <a:srgbClr val="FF0000"/>
+            </a:solidFill>
+            <a:ln>
+              <a:solidFill>
+                <a:srgbClr val="FF0000"/>
+              </a:solidFill>
+            </a:ln>
+          </p:spPr>
+          <p:style>
+            <a:lnRef idx="2">
+              <a:schemeClr val="accent1">
+                <a:shade val="50000"/>
+              </a:schemeClr>
+            </a:lnRef>
+            <a:fillRef idx="1">
+              <a:schemeClr val="accent1"/>
+            </a:fillRef>
+            <a:effectRef idx="0">
+              <a:schemeClr val="accent1"/>
+            </a:effectRef>
+            <a:fontRef idx="minor">
+              <a:schemeClr val="lt1"/>
+            </a:fontRef>
+          </p:style>
+          <p:txBody>
+            <a:bodyPr rtlCol="0" anchor="ctr"/>
+            <a:lstStyle/>
+            <a:p>
+              <a:pPr algn="ctr"/>
+              <a:endParaRPr lang="zh-CN" altLang="en-US"/>
+            </a:p>
+          </p:txBody>
+        </p:sp>
+        <p:sp>
+          <p:nvSpPr>
+            <p:cNvPr id="13" name="乘号 12"/>
+            <p:cNvSpPr/>
+            <p:nvPr/>
+          </p:nvSpPr>
+          <p:spPr>
+            <a:xfrm>
+              <a:off x="3367658" y="2664739"/>
+              <a:ext cx="312006" cy="312006"/>
+            </a:xfrm>
+            <a:prstGeom prst="mathMultiply">
+              <a:avLst/>
+            </a:prstGeom>
+            <a:solidFill>
+              <a:srgbClr val="FF0000"/>
+            </a:solidFill>
+            <a:ln>
+              <a:solidFill>
+                <a:srgbClr val="FF0000"/>
+              </a:solidFill>
+            </a:ln>
+          </p:spPr>
+          <p:style>
+            <a:lnRef idx="2">
+              <a:schemeClr val="accent1">
+                <a:shade val="50000"/>
+              </a:schemeClr>
+            </a:lnRef>
+            <a:fillRef idx="1">
+              <a:schemeClr val="accent1"/>
+            </a:fillRef>
+            <a:effectRef idx="0">
+              <a:schemeClr val="accent1"/>
+            </a:effectRef>
+            <a:fontRef idx="minor">
+              <a:schemeClr val="lt1"/>
+            </a:fontRef>
+          </p:style>
+          <p:txBody>
+            <a:bodyPr rtlCol="0" anchor="ctr"/>
+            <a:lstStyle/>
+            <a:p>
+              <a:pPr algn="ctr"/>
+              <a:endParaRPr lang="zh-CN" altLang="en-US"/>
+            </a:p>
+          </p:txBody>
+        </p:sp>
+        <p:sp>
+          <p:nvSpPr>
+            <p:cNvPr id="14" name="乘号 13"/>
+            <p:cNvSpPr/>
+            <p:nvPr/>
+          </p:nvSpPr>
+          <p:spPr>
+            <a:xfrm>
+              <a:off x="3847906" y="2754296"/>
+              <a:ext cx="312006" cy="312006"/>
+            </a:xfrm>
+            <a:prstGeom prst="mathMultiply">
+              <a:avLst/>
+            </a:prstGeom>
+            <a:solidFill>
+              <a:srgbClr val="FF0000"/>
+            </a:solidFill>
+            <a:ln>
+              <a:solidFill>
+                <a:srgbClr val="FF0000"/>
+              </a:solidFill>
+            </a:ln>
+          </p:spPr>
+          <p:style>
+            <a:lnRef idx="2">
+              <a:schemeClr val="accent1">
+                <a:shade val="50000"/>
+              </a:schemeClr>
+            </a:lnRef>
+            <a:fillRef idx="1">
+              <a:schemeClr val="accent1"/>
+            </a:fillRef>
+            <a:effectRef idx="0">
+              <a:schemeClr val="accent1"/>
+            </a:effectRef>
+            <a:fontRef idx="minor">
+              <a:schemeClr val="lt1"/>
+            </a:fontRef>
+          </p:style>
+          <p:txBody>
+            <a:bodyPr rtlCol="0" anchor="ctr"/>
+            <a:lstStyle/>
+            <a:p>
+              <a:pPr algn="ctr"/>
+              <a:endParaRPr lang="zh-CN" altLang="en-US"/>
+            </a:p>
+          </p:txBody>
+        </p:sp>
+        <mc:AlternateContent xmlns:mc="http://schemas.openxmlformats.org/markup-compatibility/2006">
+          <mc:Choice xmlns:a14="http://schemas.microsoft.com/office/drawing/2010/main" Requires="a14">
+            <p:sp>
+              <p:nvSpPr>
+                <p:cNvPr id="15" name="文本框 14"/>
+                <p:cNvSpPr txBox="1"/>
+                <p:nvPr/>
+              </p:nvSpPr>
+              <p:spPr>
+                <a:xfrm>
+                  <a:off x="1886752" y="2397719"/>
+                  <a:ext cx="1723183" cy="392066"/>
+                </a:xfrm>
+                <a:prstGeom prst="rect">
+                  <a:avLst/>
+                </a:prstGeom>
+                <a:noFill/>
+              </p:spPr>
+              <p:txBody>
+                <a:bodyPr wrap="none" lIns="0" tIns="0" rIns="0" bIns="0" rtlCol="0">
+                  <a:spAutoFit/>
+                </a:bodyPr>
+                <a:lstStyle/>
+                <a:p>
+                  <a14:m>
+                    <m:oMathPara xmlns:m="http://schemas.openxmlformats.org/officeDocument/2006/math">
+                      <m:oMathParaPr>
+                        <m:jc m:val="centerGroup"/>
+                      </m:oMathParaPr>
+                      <m:oMath xmlns:m="http://schemas.openxmlformats.org/officeDocument/2006/math">
+                        <m:sSub>
+                          <m:sSubPr>
+                            <m:ctrlPr>
+                              <a:rPr lang="en-US" altLang="zh-CN" b="1" i="1" smtClean="0">
+                                <a:latin typeface="Cambria Math" panose="02040503050406030204" pitchFamily="18" charset="0"/>
+                              </a:rPr>
+                            </m:ctrlPr>
+                          </m:sSubPr>
+                          <m:e>
+                            <m:r>
+                              <a:rPr lang="en-US" altLang="zh-CN" b="1" i="1" smtClean="0">
+                                <a:latin typeface="Cambria Math" panose="02040503050406030204" pitchFamily="18" charset="0"/>
+                              </a:rPr>
+                              <m:t>𝒉</m:t>
+                            </m:r>
+                          </m:e>
+                          <m:sub>
+                            <m:r>
+                              <a:rPr lang="zh-CN" altLang="en-US" b="1" i="1" smtClean="0">
+                                <a:latin typeface="Cambria Math" panose="02040503050406030204" pitchFamily="18" charset="0"/>
+                              </a:rPr>
+                              <m:t>𝜽</m:t>
+                            </m:r>
+                          </m:sub>
+                        </m:sSub>
+                        <m:d>
+                          <m:dPr>
+                            <m:ctrlPr>
+                              <a:rPr lang="en-US" altLang="zh-CN" b="1" i="1" smtClean="0">
+                                <a:latin typeface="Cambria Math" panose="02040503050406030204" pitchFamily="18" charset="0"/>
+                              </a:rPr>
+                            </m:ctrlPr>
+                          </m:dPr>
+                          <m:e>
+                            <m:r>
+                              <a:rPr lang="en-US" altLang="zh-CN" b="1" i="1" smtClean="0">
+                                <a:latin typeface="Cambria Math" panose="02040503050406030204" pitchFamily="18" charset="0"/>
+                              </a:rPr>
+                              <m:t>𝒙</m:t>
+                            </m:r>
+                          </m:e>
+                        </m:d>
+                        <m:r>
+                          <a:rPr lang="en-US" altLang="zh-CN" b="1" i="1" smtClean="0">
+                            <a:latin typeface="Cambria Math" panose="02040503050406030204" pitchFamily="18" charset="0"/>
+                          </a:rPr>
+                          <m:t>=</m:t>
+                        </m:r>
+                        <m:r>
+                          <a:rPr lang="zh-CN" altLang="en-US" b="1" i="1" smtClean="0">
+                            <a:latin typeface="Cambria Math" panose="02040503050406030204" pitchFamily="18" charset="0"/>
+                          </a:rPr>
+                          <m:t>𝜽</m:t>
+                        </m:r>
+                        <m:r>
+                          <a:rPr lang="en-US" altLang="zh-CN" b="1" i="1" smtClean="0">
+                            <a:latin typeface="Cambria Math" panose="02040503050406030204" pitchFamily="18" charset="0"/>
+                          </a:rPr>
+                          <m:t>𝒙</m:t>
+                        </m:r>
+                      </m:oMath>
+                    </m:oMathPara>
+                  </a14:m>
+                  <a:endParaRPr lang="zh-CN" altLang="en-US" b="1" dirty="0"/>
+                </a:p>
+              </p:txBody>
+            </p:sp>
+          </mc:Choice>
+          <mc:Fallback>
+            <p:sp>
+              <p:nvSpPr>
+                <p:cNvPr id="15" name="文本框 14"/>
+                <p:cNvSpPr txBox="1">
+                  <a:spLocks noRot="1" noChangeAspect="1" noMove="1" noResize="1" noEditPoints="1" noAdjustHandles="1" noChangeArrowheads="1" noChangeShapeType="1" noTextEdit="1"/>
+                </p:cNvSpPr>
+                <p:nvPr/>
+              </p:nvSpPr>
+              <p:spPr>
+                <a:xfrm>
+                  <a:off x="1886752" y="2397719"/>
+                  <a:ext cx="1723183" cy="392066"/>
+                </a:xfrm>
+                <a:prstGeom prst="rect">
+                  <a:avLst/>
+                </a:prstGeom>
+                <a:blipFill rotWithShape="0">
+                  <a:blip r:embed="rId2"/>
+                  <a:stretch>
+                    <a:fillRect/>
+                  </a:stretch>
+                </a:blipFill>
+              </p:spPr>
+              <p:txBody>
+                <a:bodyPr/>
+                <a:lstStyle/>
+                <a:p>
+                  <a:r>
+                    <a:rPr lang="zh-CN" altLang="en-US">
+                      <a:noFill/>
+                    </a:rPr>
+                    <a:t> </a:t>
+                  </a:r>
+                </a:p>
+              </p:txBody>
+            </p:sp>
+          </mc:Fallback>
+        </mc:AlternateContent>
+        <p:cxnSp>
+          <p:nvCxnSpPr>
+            <p:cNvPr id="22" name="直接箭头连接符 21"/>
+            <p:cNvCxnSpPr/>
+            <p:nvPr/>
+          </p:nvCxnSpPr>
+          <p:spPr>
+            <a:xfrm flipV="1">
+              <a:off x="7817315" y="2419186"/>
+              <a:ext cx="0" cy="2507600"/>
+            </a:xfrm>
+            <a:prstGeom prst="straightConnector1">
+              <a:avLst/>
+            </a:prstGeom>
+            <a:ln w="38100">
+              <a:tailEnd type="triangle"/>
+            </a:ln>
+          </p:spPr>
+          <p:style>
+            <a:lnRef idx="3">
+              <a:schemeClr val="dk1"/>
+            </a:lnRef>
+            <a:fillRef idx="0">
+              <a:schemeClr val="dk1"/>
+            </a:fillRef>
+            <a:effectRef idx="2">
+              <a:schemeClr val="dk1"/>
+            </a:effectRef>
+            <a:fontRef idx="minor">
+              <a:schemeClr val="tx1"/>
+            </a:fontRef>
+          </p:style>
+        </p:cxnSp>
+        <p:cxnSp>
+          <p:nvCxnSpPr>
+            <p:cNvPr id="23" name="直接箭头连接符 22"/>
+            <p:cNvCxnSpPr/>
+            <p:nvPr/>
+          </p:nvCxnSpPr>
+          <p:spPr>
+            <a:xfrm>
+              <a:off x="7794205" y="4926787"/>
+              <a:ext cx="3281837" cy="0"/>
+            </a:xfrm>
+            <a:prstGeom prst="straightConnector1">
+              <a:avLst/>
+            </a:prstGeom>
+            <a:ln w="38100">
+              <a:tailEnd type="triangle"/>
+            </a:ln>
+          </p:spPr>
+          <p:style>
+            <a:lnRef idx="3">
+              <a:schemeClr val="dk1"/>
+            </a:lnRef>
+            <a:fillRef idx="0">
+              <a:schemeClr val="dk1"/>
+            </a:fillRef>
+            <a:effectRef idx="2">
+              <a:schemeClr val="dk1"/>
+            </a:effectRef>
+            <a:fontRef idx="minor">
+              <a:schemeClr val="tx1"/>
+            </a:fontRef>
+          </p:style>
+        </p:cxnSp>
+        <p:sp>
+          <p:nvSpPr>
+            <p:cNvPr id="24" name="弧形 23"/>
+            <p:cNvSpPr/>
+            <p:nvPr/>
+          </p:nvSpPr>
+          <p:spPr>
+            <a:xfrm rot="5400000">
+              <a:off x="7499015" y="1602397"/>
+              <a:ext cx="3715182" cy="2129636"/>
+            </a:xfrm>
+            <a:prstGeom prst="arc">
+              <a:avLst>
+                <a:gd name="adj1" fmla="val 16864053"/>
+                <a:gd name="adj2" fmla="val 4214281"/>
+              </a:avLst>
+            </a:prstGeom>
+            <a:ln w="28575"/>
+          </p:spPr>
+          <p:style>
+            <a:lnRef idx="3">
+              <a:schemeClr val="accent1"/>
+            </a:lnRef>
+            <a:fillRef idx="0">
+              <a:schemeClr val="accent1"/>
+            </a:fillRef>
+            <a:effectRef idx="2">
+              <a:schemeClr val="accent1"/>
+            </a:effectRef>
+            <a:fontRef idx="minor">
+              <a:schemeClr val="tx1"/>
+            </a:fontRef>
+          </p:style>
+          <p:txBody>
+            <a:bodyPr rtlCol="0" anchor="ctr"/>
+            <a:lstStyle/>
+            <a:p>
+              <a:pPr algn="ctr"/>
+              <a:endParaRPr lang="zh-CN" altLang="en-US"/>
+            </a:p>
+          </p:txBody>
+        </p:sp>
+        <mc:AlternateContent xmlns:mc="http://schemas.openxmlformats.org/markup-compatibility/2006">
+          <mc:Choice xmlns:a14="http://schemas.microsoft.com/office/drawing/2010/main" Requires="a14">
+            <p:sp>
+              <p:nvSpPr>
+                <p:cNvPr id="25" name="文本框 24"/>
+                <p:cNvSpPr txBox="1"/>
+                <p:nvPr/>
+              </p:nvSpPr>
+              <p:spPr>
+                <a:xfrm>
+                  <a:off x="9217069" y="5018134"/>
+                  <a:ext cx="279074" cy="392066"/>
+                </a:xfrm>
+                <a:prstGeom prst="rect">
+                  <a:avLst/>
+                </a:prstGeom>
+                <a:noFill/>
+              </p:spPr>
+              <p:txBody>
+                <a:bodyPr wrap="none" lIns="0" tIns="0" rIns="0" bIns="0" rtlCol="0">
+                  <a:spAutoFit/>
+                </a:bodyPr>
+                <a:lstStyle/>
+                <a:p>
+                  <a14:m>
+                    <m:oMathPara xmlns:m="http://schemas.openxmlformats.org/officeDocument/2006/math">
+                      <m:oMathParaPr>
+                        <m:jc m:val="centerGroup"/>
+                      </m:oMathParaPr>
+                      <m:oMath xmlns:m="http://schemas.openxmlformats.org/officeDocument/2006/math">
+                        <m:r>
+                          <a:rPr lang="zh-CN" altLang="en-US" b="1" i="1" smtClean="0">
+                            <a:latin typeface="Cambria Math" panose="02040503050406030204" pitchFamily="18" charset="0"/>
+                          </a:rPr>
+                          <m:t>𝜽</m:t>
+                        </m:r>
+                      </m:oMath>
+                    </m:oMathPara>
+                  </a14:m>
+                  <a:endParaRPr lang="zh-CN" altLang="en-US" b="1" dirty="0"/>
+                </a:p>
+              </p:txBody>
+            </p:sp>
+          </mc:Choice>
+          <mc:Fallback>
+            <p:sp>
+              <p:nvSpPr>
+                <p:cNvPr id="25" name="文本框 24"/>
+                <p:cNvSpPr txBox="1">
+                  <a:spLocks noRot="1" noChangeAspect="1" noMove="1" noResize="1" noEditPoints="1" noAdjustHandles="1" noChangeArrowheads="1" noChangeShapeType="1" noTextEdit="1"/>
+                </p:cNvSpPr>
+                <p:nvPr/>
+              </p:nvSpPr>
+              <p:spPr>
+                <a:xfrm>
+                  <a:off x="9217069" y="5018134"/>
+                  <a:ext cx="279074" cy="392066"/>
+                </a:xfrm>
+                <a:prstGeom prst="rect">
+                  <a:avLst/>
+                </a:prstGeom>
+                <a:blipFill rotWithShape="0">
+                  <a:blip r:embed="rId3"/>
+                  <a:stretch>
+                    <a:fillRect l="-6522" r="-4348"/>
+                  </a:stretch>
+                </a:blipFill>
+              </p:spPr>
+              <p:txBody>
+                <a:bodyPr/>
+                <a:lstStyle/>
+                <a:p>
+                  <a:r>
+                    <a:rPr lang="zh-CN" altLang="en-US">
+                      <a:noFill/>
+                    </a:rPr>
+                    <a:t> </a:t>
+                  </a:r>
+                </a:p>
+              </p:txBody>
+            </p:sp>
+          </mc:Fallback>
+        </mc:AlternateContent>
+        <mc:AlternateContent xmlns:mc="http://schemas.openxmlformats.org/markup-compatibility/2006">
+          <mc:Choice xmlns:a14="http://schemas.microsoft.com/office/drawing/2010/main" Requires="a14">
+            <p:sp>
+              <p:nvSpPr>
+                <p:cNvPr id="26" name="文本框 25"/>
+                <p:cNvSpPr txBox="1"/>
+                <p:nvPr/>
+              </p:nvSpPr>
+              <p:spPr>
+                <a:xfrm>
+                  <a:off x="6848763" y="2362230"/>
+                  <a:ext cx="770337" cy="392066"/>
+                </a:xfrm>
+                <a:prstGeom prst="rect">
+                  <a:avLst/>
+                </a:prstGeom>
+                <a:noFill/>
+              </p:spPr>
+              <p:txBody>
+                <a:bodyPr wrap="none" lIns="0" tIns="0" rIns="0" bIns="0" rtlCol="0">
+                  <a:spAutoFit/>
+                </a:bodyPr>
+                <a:lstStyle/>
+                <a:p>
+                  <a14:m>
+                    <m:oMathPara xmlns:m="http://schemas.openxmlformats.org/officeDocument/2006/math">
+                      <m:oMathParaPr>
+                        <m:jc m:val="centerGroup"/>
+                      </m:oMathParaPr>
+                      <m:oMath xmlns:m="http://schemas.openxmlformats.org/officeDocument/2006/math">
+                        <m:r>
+                          <a:rPr lang="zh-CN" altLang="en-US" b="1" i="1" smtClean="0">
+                            <a:latin typeface="Cambria Math" panose="02040503050406030204" pitchFamily="18" charset="0"/>
+                          </a:rPr>
+                          <m:t>𝓙</m:t>
+                        </m:r>
+                        <m:d>
+                          <m:dPr>
+                            <m:ctrlPr>
+                              <a:rPr lang="en-US" altLang="zh-CN" b="1" i="1" smtClean="0">
+                                <a:latin typeface="Cambria Math" panose="02040503050406030204" pitchFamily="18" charset="0"/>
+                              </a:rPr>
+                            </m:ctrlPr>
+                          </m:dPr>
+                          <m:e>
+                            <m:r>
+                              <a:rPr lang="zh-CN" altLang="en-US" b="1" i="1" smtClean="0">
+                                <a:latin typeface="Cambria Math" panose="02040503050406030204" pitchFamily="18" charset="0"/>
+                              </a:rPr>
+                              <m:t>𝜽</m:t>
+                            </m:r>
+                          </m:e>
+                        </m:d>
+                      </m:oMath>
+                    </m:oMathPara>
+                  </a14:m>
+                  <a:endParaRPr lang="zh-CN" altLang="en-US" b="1" dirty="0"/>
+                </a:p>
+              </p:txBody>
+            </p:sp>
+          </mc:Choice>
+          <mc:Fallback>
+            <p:sp>
+              <p:nvSpPr>
+                <p:cNvPr id="26" name="文本框 25"/>
+                <p:cNvSpPr txBox="1">
+                  <a:spLocks noRot="1" noChangeAspect="1" noMove="1" noResize="1" noEditPoints="1" noAdjustHandles="1" noChangeArrowheads="1" noChangeShapeType="1" noTextEdit="1"/>
+                </p:cNvSpPr>
+                <p:nvPr/>
+              </p:nvSpPr>
+              <p:spPr>
+                <a:xfrm>
+                  <a:off x="6848763" y="2362230"/>
+                  <a:ext cx="770337" cy="392066"/>
+                </a:xfrm>
+                <a:prstGeom prst="rect">
+                  <a:avLst/>
+                </a:prstGeom>
+                <a:blipFill rotWithShape="0">
+                  <a:blip r:embed="rId4"/>
+                  <a:stretch>
+                    <a:fillRect/>
+                  </a:stretch>
+                </a:blipFill>
+              </p:spPr>
+              <p:txBody>
+                <a:bodyPr/>
+                <a:lstStyle/>
+                <a:p>
+                  <a:r>
+                    <a:rPr lang="zh-CN" altLang="en-US">
+                      <a:noFill/>
+                    </a:rPr>
+                    <a:t> </a:t>
+                  </a:r>
+                </a:p>
+              </p:txBody>
+            </p:sp>
+          </mc:Fallback>
+        </mc:AlternateContent>
+        <mc:AlternateContent xmlns:mc="http://schemas.openxmlformats.org/markup-compatibility/2006">
+          <mc:Choice xmlns:a14="http://schemas.microsoft.com/office/drawing/2010/main" Requires="a14">
+            <p:sp>
+              <p:nvSpPr>
+                <p:cNvPr id="27" name="文本框 26"/>
+                <p:cNvSpPr txBox="1"/>
+                <p:nvPr/>
+              </p:nvSpPr>
+              <p:spPr>
+                <a:xfrm>
+                  <a:off x="4430308" y="4730749"/>
+                  <a:ext cx="263192" cy="392066"/>
+                </a:xfrm>
+                <a:prstGeom prst="rect">
+                  <a:avLst/>
+                </a:prstGeom>
+                <a:noFill/>
+              </p:spPr>
+              <p:txBody>
+                <a:bodyPr wrap="none" lIns="0" tIns="0" rIns="0" bIns="0" rtlCol="0">
+                  <a:spAutoFit/>
+                </a:bodyPr>
+                <a:lstStyle/>
+                <a:p>
+                  <a14:m>
+                    <m:oMathPara xmlns:m="http://schemas.openxmlformats.org/officeDocument/2006/math">
+                      <m:oMathParaPr>
+                        <m:jc m:val="centerGroup"/>
+                      </m:oMathParaPr>
+                      <m:oMath xmlns:m="http://schemas.openxmlformats.org/officeDocument/2006/math">
+                        <m:r>
+                          <a:rPr lang="en-US" altLang="zh-CN" b="1" i="1" smtClean="0">
+                            <a:latin typeface="Cambria Math" panose="02040503050406030204" pitchFamily="18" charset="0"/>
+                          </a:rPr>
+                          <m:t>𝒙</m:t>
+                        </m:r>
+                      </m:oMath>
+                    </m:oMathPara>
+                  </a14:m>
+                  <a:endParaRPr lang="zh-CN" altLang="en-US" b="1" dirty="0"/>
+                </a:p>
+              </p:txBody>
+            </p:sp>
+          </mc:Choice>
+          <mc:Fallback>
+            <p:sp>
+              <p:nvSpPr>
+                <p:cNvPr id="27" name="文本框 26"/>
+                <p:cNvSpPr txBox="1">
+                  <a:spLocks noRot="1" noChangeAspect="1" noMove="1" noResize="1" noEditPoints="1" noAdjustHandles="1" noChangeArrowheads="1" noChangeShapeType="1" noTextEdit="1"/>
+                </p:cNvSpPr>
+                <p:nvPr/>
+              </p:nvSpPr>
+              <p:spPr>
+                <a:xfrm>
+                  <a:off x="4430308" y="4730749"/>
+                  <a:ext cx="263192" cy="392066"/>
+                </a:xfrm>
+                <a:prstGeom prst="rect">
+                  <a:avLst/>
+                </a:prstGeom>
+                <a:blipFill rotWithShape="0">
+                  <a:blip r:embed="rId5"/>
+                  <a:stretch>
+                    <a:fillRect/>
+                  </a:stretch>
+                </a:blipFill>
+              </p:spPr>
+              <p:txBody>
+                <a:bodyPr/>
+                <a:lstStyle/>
+                <a:p>
+                  <a:r>
+                    <a:rPr lang="zh-CN" altLang="en-US">
+                      <a:noFill/>
+                    </a:rPr>
+                    <a:t> </a:t>
+                  </a:r>
+                </a:p>
+              </p:txBody>
+            </p:sp>
+          </mc:Fallback>
+        </mc:AlternateContent>
+        <mc:AlternateContent xmlns:mc="http://schemas.openxmlformats.org/markup-compatibility/2006">
+          <mc:Choice xmlns:a14="http://schemas.microsoft.com/office/drawing/2010/main" Requires="a14">
+            <p:sp>
+              <p:nvSpPr>
+                <p:cNvPr id="28" name="文本框 27"/>
+                <p:cNvSpPr txBox="1"/>
+                <p:nvPr/>
+              </p:nvSpPr>
+              <p:spPr>
+                <a:xfrm>
+                  <a:off x="705108" y="2272673"/>
+                  <a:ext cx="269998" cy="392066"/>
+                </a:xfrm>
+                <a:prstGeom prst="rect">
+                  <a:avLst/>
+                </a:prstGeom>
+                <a:noFill/>
+              </p:spPr>
+              <p:txBody>
+                <a:bodyPr wrap="none" lIns="0" tIns="0" rIns="0" bIns="0" rtlCol="0">
+                  <a:spAutoFit/>
+                </a:bodyPr>
+                <a:lstStyle/>
+                <a:p>
+                  <a14:m>
+                    <m:oMathPara xmlns:m="http://schemas.openxmlformats.org/officeDocument/2006/math">
+                      <m:oMathParaPr>
+                        <m:jc m:val="centerGroup"/>
+                      </m:oMathParaPr>
+                      <m:oMath xmlns:m="http://schemas.openxmlformats.org/officeDocument/2006/math">
+                        <m:r>
+                          <a:rPr lang="en-US" altLang="zh-CN" b="1" i="1" smtClean="0">
+                            <a:latin typeface="Cambria Math" panose="02040503050406030204" pitchFamily="18" charset="0"/>
+                          </a:rPr>
+                          <m:t>𝒚</m:t>
+                        </m:r>
+                      </m:oMath>
+                    </m:oMathPara>
+                  </a14:m>
+                  <a:endParaRPr lang="zh-CN" altLang="en-US" b="1" dirty="0"/>
+                </a:p>
+              </p:txBody>
+            </p:sp>
+          </mc:Choice>
+          <mc:Fallback>
+            <p:sp>
+              <p:nvSpPr>
+                <p:cNvPr id="28" name="文本框 27"/>
+                <p:cNvSpPr txBox="1">
+                  <a:spLocks noRot="1" noChangeAspect="1" noMove="1" noResize="1" noEditPoints="1" noAdjustHandles="1" noChangeArrowheads="1" noChangeShapeType="1" noTextEdit="1"/>
+                </p:cNvSpPr>
+                <p:nvPr/>
+              </p:nvSpPr>
+              <p:spPr>
+                <a:xfrm>
+                  <a:off x="705108" y="2272673"/>
+                  <a:ext cx="269998" cy="392066"/>
+                </a:xfrm>
+                <a:prstGeom prst="rect">
+                  <a:avLst/>
+                </a:prstGeom>
+                <a:blipFill rotWithShape="0">
+                  <a:blip r:embed="rId6"/>
+                  <a:stretch>
+                    <a:fillRect l="-6818" r="-9091"/>
+                  </a:stretch>
+                </a:blipFill>
+              </p:spPr>
+              <p:txBody>
+                <a:bodyPr/>
+                <a:lstStyle/>
+                <a:p>
+                  <a:r>
+                    <a:rPr lang="zh-CN" altLang="en-US">
+                      <a:noFill/>
+                    </a:rPr>
+                    <a:t> </a:t>
+                  </a:r>
+                </a:p>
+              </p:txBody>
+            </p:sp>
+          </mc:Fallback>
+        </mc:AlternateContent>
+        <mc:AlternateContent xmlns:mc="http://schemas.openxmlformats.org/markup-compatibility/2006">
+          <mc:Choice xmlns:a14="http://schemas.microsoft.com/office/drawing/2010/main" Requires="a14">
+            <p:sp>
+              <p:nvSpPr>
+                <p:cNvPr id="29" name="文本框 28"/>
+                <p:cNvSpPr txBox="1"/>
+                <p:nvPr/>
+              </p:nvSpPr>
+              <p:spPr>
+                <a:xfrm>
+                  <a:off x="11134720" y="4730748"/>
+                  <a:ext cx="279074" cy="392066"/>
+                </a:xfrm>
+                <a:prstGeom prst="rect">
+                  <a:avLst/>
+                </a:prstGeom>
+                <a:noFill/>
+              </p:spPr>
+              <p:txBody>
+                <a:bodyPr wrap="none" lIns="0" tIns="0" rIns="0" bIns="0" rtlCol="0">
+                  <a:spAutoFit/>
+                </a:bodyPr>
+                <a:lstStyle/>
+                <a:p>
+                  <a14:m>
+                    <m:oMathPara xmlns:m="http://schemas.openxmlformats.org/officeDocument/2006/math">
+                      <m:oMathParaPr>
+                        <m:jc m:val="centerGroup"/>
+                      </m:oMathParaPr>
+                      <m:oMath xmlns:m="http://schemas.openxmlformats.org/officeDocument/2006/math">
+                        <m:r>
+                          <a:rPr lang="zh-CN" altLang="en-US" b="1" i="1" smtClean="0">
+                            <a:latin typeface="Cambria Math" panose="02040503050406030204" pitchFamily="18" charset="0"/>
+                          </a:rPr>
+                          <m:t>𝜽</m:t>
+                        </m:r>
+                      </m:oMath>
+                    </m:oMathPara>
+                  </a14:m>
+                  <a:endParaRPr lang="zh-CN" altLang="en-US" b="1" dirty="0"/>
+                </a:p>
+              </p:txBody>
+            </p:sp>
+          </mc:Choice>
+          <mc:Fallback>
+            <p:sp>
+              <p:nvSpPr>
+                <p:cNvPr id="29" name="文本框 28"/>
+                <p:cNvSpPr txBox="1">
+                  <a:spLocks noRot="1" noChangeAspect="1" noMove="1" noResize="1" noEditPoints="1" noAdjustHandles="1" noChangeArrowheads="1" noChangeShapeType="1" noTextEdit="1"/>
+                </p:cNvSpPr>
+                <p:nvPr/>
+              </p:nvSpPr>
+              <p:spPr>
+                <a:xfrm>
+                  <a:off x="11134720" y="4730748"/>
+                  <a:ext cx="279074" cy="392066"/>
+                </a:xfrm>
+                <a:prstGeom prst="rect">
+                  <a:avLst/>
+                </a:prstGeom>
+                <a:blipFill rotWithShape="0">
+                  <a:blip r:embed="rId7"/>
+                  <a:stretch>
+                    <a:fillRect l="-6667" r="-6667"/>
+                  </a:stretch>
+                </a:blipFill>
+              </p:spPr>
+              <p:txBody>
+                <a:bodyPr/>
+                <a:lstStyle/>
+                <a:p>
+                  <a:r>
+                    <a:rPr lang="zh-CN" altLang="en-US">
+                      <a:noFill/>
+                    </a:rPr>
+                    <a:t> </a:t>
+                  </a:r>
+                </a:p>
+              </p:txBody>
+            </p:sp>
+          </mc:Fallback>
+        </mc:AlternateContent>
+      </p:grpSp>
+    </p:spTree>
+    <p:extLst>
+      <p:ext uri="{BB962C8B-B14F-4D97-AF65-F5344CB8AC3E}">
+        <p14:creationId xmlns:p14="http://schemas.microsoft.com/office/powerpoint/2010/main" val="532046089"/>
+      </p:ext>
+    </p:extLst>
+  </p:cSld>
+  <p:clrMapOvr>
+    <a:masterClrMapping/>
+  </p:clrMapOvr>
+</p:sld>
+</file>
+
+<file path=ppt/slides/slide11.xml><?xml version="1.0" encoding="utf-8"?>
+<p:sld xmlns:a="http://schemas.openxmlformats.org/drawingml/2006/main" xmlns:r="http://schemas.openxmlformats.org/officeDocument/2006/relationships" xmlns:p="http://schemas.openxmlformats.org/presentationml/2006/main">
+  <p:cSld>
+    <p:spTree>
+      <p:nvGrpSpPr>
+        <p:cNvPr id="1" name=""/>
+        <p:cNvGrpSpPr/>
+        <p:nvPr/>
+      </p:nvGrpSpPr>
+      <p:grpSpPr>
+        <a:xfrm>
+          <a:off x="0" y="0"/>
+          <a:ext cx="0" cy="0"/>
+          <a:chOff x="0" y="0"/>
+          <a:chExt cx="0" cy="0"/>
+        </a:xfrm>
+      </p:grpSpPr>
+      <p:grpSp>
+        <p:nvGrpSpPr>
+          <p:cNvPr id="48" name="组合 47"/>
+          <p:cNvGrpSpPr/>
+          <p:nvPr/>
+        </p:nvGrpSpPr>
+        <p:grpSpPr>
+          <a:xfrm>
+            <a:off x="2350241" y="-757918"/>
+            <a:ext cx="6499844" cy="6550454"/>
+            <a:chOff x="2350241" y="-757918"/>
+            <a:chExt cx="6499844" cy="6550454"/>
+          </a:xfrm>
+        </p:grpSpPr>
+        <p:grpSp>
+          <p:nvGrpSpPr>
+            <p:cNvPr id="30" name="组合 29"/>
+            <p:cNvGrpSpPr/>
+            <p:nvPr/>
+          </p:nvGrpSpPr>
+          <p:grpSpPr>
+            <a:xfrm>
+              <a:off x="2350241" y="-757918"/>
+              <a:ext cx="6499844" cy="6550454"/>
+              <a:chOff x="2252270" y="140153"/>
+              <a:chExt cx="4565031" cy="4600576"/>
+            </a:xfrm>
+          </p:grpSpPr>
+          <p:cxnSp>
+            <p:nvCxnSpPr>
+              <p:cNvPr id="42" name="直接连接符 41"/>
+              <p:cNvCxnSpPr/>
+              <p:nvPr/>
+            </p:nvCxnSpPr>
+            <p:spPr>
+              <a:xfrm>
+                <a:off x="4760113" y="3855335"/>
+                <a:ext cx="0" cy="407326"/>
+              </a:xfrm>
+              <a:prstGeom prst="line">
+                <a:avLst/>
+              </a:prstGeom>
+              <a:ln>
+                <a:prstDash val="dash"/>
+              </a:ln>
+            </p:spPr>
+            <p:style>
+              <a:lnRef idx="3">
+                <a:schemeClr val="accent2"/>
+              </a:lnRef>
+              <a:fillRef idx="0">
+                <a:schemeClr val="accent2"/>
+              </a:fillRef>
+              <a:effectRef idx="2">
+                <a:schemeClr val="accent2"/>
+              </a:effectRef>
+              <a:fontRef idx="minor">
+                <a:schemeClr val="tx1"/>
+              </a:fontRef>
+            </p:style>
+          </p:cxnSp>
+          <p:cxnSp>
+            <p:nvCxnSpPr>
+              <p:cNvPr id="5" name="直接连接符 4"/>
+              <p:cNvCxnSpPr/>
+              <p:nvPr/>
+            </p:nvCxnSpPr>
+            <p:spPr>
+              <a:xfrm>
+                <a:off x="3971465" y="3237998"/>
+                <a:ext cx="0" cy="1019313"/>
+              </a:xfrm>
+              <a:prstGeom prst="line">
+                <a:avLst/>
+              </a:prstGeom>
+              <a:ln>
+                <a:prstDash val="dash"/>
+              </a:ln>
+            </p:spPr>
+            <p:style>
+              <a:lnRef idx="3">
+                <a:schemeClr val="accent2"/>
+              </a:lnRef>
+              <a:fillRef idx="0">
+                <a:schemeClr val="accent2"/>
+              </a:fillRef>
+              <a:effectRef idx="2">
+                <a:schemeClr val="accent2"/>
+              </a:effectRef>
+              <a:fontRef idx="minor">
+                <a:schemeClr val="tx1"/>
+              </a:fontRef>
+            </p:style>
+          </p:cxnSp>
+          <p:cxnSp>
+            <p:nvCxnSpPr>
+              <p:cNvPr id="22" name="直接箭头连接符 21"/>
+              <p:cNvCxnSpPr/>
+              <p:nvPr/>
+            </p:nvCxnSpPr>
+            <p:spPr>
+              <a:xfrm flipV="1">
+                <a:off x="3220822" y="1749715"/>
+                <a:ext cx="0" cy="2507600"/>
+              </a:xfrm>
+              <a:prstGeom prst="straightConnector1">
+                <a:avLst/>
+              </a:prstGeom>
+              <a:ln w="38100">
+                <a:tailEnd type="triangle"/>
+              </a:ln>
+            </p:spPr>
+            <p:style>
+              <a:lnRef idx="3">
+                <a:schemeClr val="dk1"/>
+              </a:lnRef>
+              <a:fillRef idx="0">
+                <a:schemeClr val="dk1"/>
+              </a:fillRef>
+              <a:effectRef idx="2">
+                <a:schemeClr val="dk1"/>
+              </a:effectRef>
+              <a:fontRef idx="minor">
+                <a:schemeClr val="tx1"/>
+              </a:fontRef>
+            </p:style>
+          </p:cxnSp>
+          <p:cxnSp>
+            <p:nvCxnSpPr>
+              <p:cNvPr id="23" name="直接箭头连接符 22"/>
+              <p:cNvCxnSpPr/>
+              <p:nvPr/>
+            </p:nvCxnSpPr>
+            <p:spPr>
+              <a:xfrm>
+                <a:off x="3197712" y="4257316"/>
+                <a:ext cx="3281837" cy="0"/>
+              </a:xfrm>
+              <a:prstGeom prst="straightConnector1">
+                <a:avLst/>
+              </a:prstGeom>
+              <a:ln w="38100">
+                <a:tailEnd type="triangle"/>
+              </a:ln>
+            </p:spPr>
+            <p:style>
+              <a:lnRef idx="3">
+                <a:schemeClr val="dk1"/>
+              </a:lnRef>
+              <a:fillRef idx="0">
+                <a:schemeClr val="dk1"/>
+              </a:fillRef>
+              <a:effectRef idx="2">
+                <a:schemeClr val="dk1"/>
+              </a:effectRef>
+              <a:fontRef idx="minor">
+                <a:schemeClr val="tx1"/>
+              </a:fontRef>
+            </p:style>
+          </p:cxnSp>
+          <p:sp>
+            <p:nvSpPr>
+              <p:cNvPr id="24" name="弧形 23"/>
+              <p:cNvSpPr/>
+              <p:nvPr/>
+            </p:nvSpPr>
+            <p:spPr>
+              <a:xfrm rot="5400000">
+                <a:off x="2902522" y="932926"/>
+                <a:ext cx="3715182" cy="2129636"/>
+              </a:xfrm>
+              <a:prstGeom prst="arc">
+                <a:avLst>
+                  <a:gd name="adj1" fmla="val 16864053"/>
+                  <a:gd name="adj2" fmla="val 4214281"/>
+                </a:avLst>
+              </a:prstGeom>
+              <a:ln w="28575"/>
+            </p:spPr>
+            <p:style>
+              <a:lnRef idx="3">
+                <a:schemeClr val="accent1"/>
+              </a:lnRef>
+              <a:fillRef idx="0">
+                <a:schemeClr val="accent1"/>
+              </a:fillRef>
+              <a:effectRef idx="2">
+                <a:schemeClr val="accent1"/>
+              </a:effectRef>
+              <a:fontRef idx="minor">
+                <a:schemeClr val="tx1"/>
+              </a:fontRef>
+            </p:style>
+            <p:txBody>
+              <a:bodyPr rtlCol="0" anchor="ctr"/>
+              <a:lstStyle/>
+              <a:p>
+                <a:pPr algn="ctr"/>
+                <a:endParaRPr lang="zh-CN" altLang="en-US"/>
+              </a:p>
+            </p:txBody>
+          </p:sp>
+          <mc:AlternateContent xmlns:mc="http://schemas.openxmlformats.org/markup-compatibility/2006">
+            <mc:Choice xmlns:a14="http://schemas.microsoft.com/office/drawing/2010/main" Requires="a14">
+              <p:sp>
+                <p:nvSpPr>
+                  <p:cNvPr id="25" name="文本框 24"/>
+                  <p:cNvSpPr txBox="1"/>
+                  <p:nvPr/>
+                </p:nvSpPr>
+                <p:spPr>
+                  <a:xfrm>
+                    <a:off x="3831927" y="4348663"/>
+                    <a:ext cx="279074" cy="392066"/>
+                  </a:xfrm>
+                  <a:prstGeom prst="rect">
+                    <a:avLst/>
+                  </a:prstGeom>
+                  <a:noFill/>
+                </p:spPr>
+                <p:txBody>
+                  <a:bodyPr wrap="none" lIns="0" tIns="0" rIns="0" bIns="0" rtlCol="0">
+                    <a:spAutoFit/>
+                  </a:bodyPr>
+                  <a:lstStyle/>
+                  <a:p>
+                    <a14:m>
+                      <m:oMathPara xmlns:m="http://schemas.openxmlformats.org/officeDocument/2006/math">
+                        <m:oMathParaPr>
+                          <m:jc m:val="centerGroup"/>
+                        </m:oMathParaPr>
+                        <m:oMath xmlns:m="http://schemas.openxmlformats.org/officeDocument/2006/math">
+                          <m:r>
+                            <a:rPr lang="zh-CN" altLang="en-US" b="1" i="1" smtClean="0">
+                              <a:latin typeface="Cambria Math" panose="02040503050406030204" pitchFamily="18" charset="0"/>
+                            </a:rPr>
+                            <m:t>𝜽</m:t>
+                          </m:r>
+                        </m:oMath>
+                      </m:oMathPara>
+                    </a14:m>
+                    <a:endParaRPr lang="zh-CN" altLang="en-US" b="1" dirty="0"/>
+                  </a:p>
+                </p:txBody>
+              </p:sp>
+            </mc:Choice>
+            <mc:Fallback>
+              <p:sp>
+                <p:nvSpPr>
+                  <p:cNvPr id="25" name="文本框 24"/>
+                  <p:cNvSpPr txBox="1">
+                    <a:spLocks noRot="1" noChangeAspect="1" noMove="1" noResize="1" noEditPoints="1" noAdjustHandles="1" noChangeArrowheads="1" noChangeShapeType="1" noTextEdit="1"/>
+                  </p:cNvSpPr>
+                  <p:nvPr/>
+                </p:nvSpPr>
+                <p:spPr>
+                  <a:xfrm>
+                    <a:off x="3831927" y="4348663"/>
+                    <a:ext cx="279074" cy="392066"/>
+                  </a:xfrm>
+                  <a:prstGeom prst="rect">
+                    <a:avLst/>
+                  </a:prstGeom>
+                  <a:blipFill rotWithShape="0">
+                    <a:blip r:embed="rId2"/>
+                    <a:stretch>
+                      <a:fillRect/>
+                    </a:stretch>
+                  </a:blipFill>
+                </p:spPr>
+                <p:txBody>
+                  <a:bodyPr/>
+                  <a:lstStyle/>
+                  <a:p>
+                    <a:r>
+                      <a:rPr lang="zh-CN" altLang="en-US">
+                        <a:noFill/>
+                      </a:rPr>
+                      <a:t> </a:t>
+                    </a:r>
+                  </a:p>
+                </p:txBody>
+              </p:sp>
+            </mc:Fallback>
+          </mc:AlternateContent>
+          <mc:AlternateContent xmlns:mc="http://schemas.openxmlformats.org/markup-compatibility/2006">
+            <mc:Choice xmlns:a14="http://schemas.microsoft.com/office/drawing/2010/main" Requires="a14">
+              <p:sp>
+                <p:nvSpPr>
+                  <p:cNvPr id="26" name="文本框 25"/>
+                  <p:cNvSpPr txBox="1"/>
+                  <p:nvPr/>
+                </p:nvSpPr>
+                <p:spPr>
+                  <a:xfrm>
+                    <a:off x="2252270" y="1692759"/>
+                    <a:ext cx="770337" cy="392066"/>
+                  </a:xfrm>
+                  <a:prstGeom prst="rect">
+                    <a:avLst/>
+                  </a:prstGeom>
+                  <a:noFill/>
+                </p:spPr>
+                <p:txBody>
+                  <a:bodyPr wrap="none" lIns="0" tIns="0" rIns="0" bIns="0" rtlCol="0">
+                    <a:spAutoFit/>
+                  </a:bodyPr>
+                  <a:lstStyle/>
+                  <a:p>
+                    <a14:m>
+                      <m:oMathPara xmlns:m="http://schemas.openxmlformats.org/officeDocument/2006/math">
+                        <m:oMathParaPr>
+                          <m:jc m:val="centerGroup"/>
+                        </m:oMathParaPr>
+                        <m:oMath xmlns:m="http://schemas.openxmlformats.org/officeDocument/2006/math">
+                          <m:r>
+                            <a:rPr lang="zh-CN" altLang="en-US" b="1" i="1" smtClean="0">
+                              <a:latin typeface="Cambria Math" panose="02040503050406030204" pitchFamily="18" charset="0"/>
+                            </a:rPr>
+                            <m:t>𝓙</m:t>
+                          </m:r>
+                          <m:d>
+                            <m:dPr>
+                              <m:ctrlPr>
+                                <a:rPr lang="en-US" altLang="zh-CN" b="1" i="1" smtClean="0">
+                                  <a:latin typeface="Cambria Math" panose="02040503050406030204" pitchFamily="18" charset="0"/>
+                                </a:rPr>
+                              </m:ctrlPr>
+                            </m:dPr>
+                            <m:e>
+                              <m:r>
+                                <a:rPr lang="zh-CN" altLang="en-US" b="1" i="1" smtClean="0">
+                                  <a:latin typeface="Cambria Math" panose="02040503050406030204" pitchFamily="18" charset="0"/>
+                                </a:rPr>
+                                <m:t>𝜽</m:t>
+                              </m:r>
+                            </m:e>
+                          </m:d>
+                        </m:oMath>
+                      </m:oMathPara>
+                    </a14:m>
+                    <a:endParaRPr lang="zh-CN" altLang="en-US" b="1" dirty="0"/>
+                  </a:p>
+                </p:txBody>
+              </p:sp>
+            </mc:Choice>
+            <mc:Fallback>
+              <p:sp>
+                <p:nvSpPr>
+                  <p:cNvPr id="26" name="文本框 25"/>
+                  <p:cNvSpPr txBox="1">
+                    <a:spLocks noRot="1" noChangeAspect="1" noMove="1" noResize="1" noEditPoints="1" noAdjustHandles="1" noChangeArrowheads="1" noChangeShapeType="1" noTextEdit="1"/>
+                  </p:cNvSpPr>
+                  <p:nvPr/>
+                </p:nvSpPr>
+                <p:spPr>
+                  <a:xfrm>
+                    <a:off x="2252270" y="1692759"/>
+                    <a:ext cx="770337" cy="392066"/>
+                  </a:xfrm>
+                  <a:prstGeom prst="rect">
+                    <a:avLst/>
+                  </a:prstGeom>
+                  <a:blipFill rotWithShape="0">
+                    <a:blip r:embed="rId3"/>
+                    <a:stretch>
+                      <a:fillRect/>
+                    </a:stretch>
+                  </a:blipFill>
+                </p:spPr>
+                <p:txBody>
+                  <a:bodyPr/>
+                  <a:lstStyle/>
+                  <a:p>
+                    <a:r>
+                      <a:rPr lang="zh-CN" altLang="en-US">
+                        <a:noFill/>
+                      </a:rPr>
+                      <a:t> </a:t>
+                    </a:r>
+                  </a:p>
+                </p:txBody>
+              </p:sp>
+            </mc:Fallback>
+          </mc:AlternateContent>
+          <mc:AlternateContent xmlns:mc="http://schemas.openxmlformats.org/markup-compatibility/2006">
+            <mc:Choice xmlns:a14="http://schemas.microsoft.com/office/drawing/2010/main" Requires="a14">
+              <p:sp>
+                <p:nvSpPr>
+                  <p:cNvPr id="29" name="文本框 28"/>
+                  <p:cNvSpPr txBox="1"/>
+                  <p:nvPr/>
+                </p:nvSpPr>
+                <p:spPr>
+                  <a:xfrm>
+                    <a:off x="6538227" y="4061277"/>
+                    <a:ext cx="279074" cy="392066"/>
+                  </a:xfrm>
+                  <a:prstGeom prst="rect">
+                    <a:avLst/>
+                  </a:prstGeom>
+                  <a:noFill/>
+                </p:spPr>
+                <p:txBody>
+                  <a:bodyPr wrap="none" lIns="0" tIns="0" rIns="0" bIns="0" rtlCol="0">
+                    <a:spAutoFit/>
+                  </a:bodyPr>
+                  <a:lstStyle/>
+                  <a:p>
+                    <a14:m>
+                      <m:oMathPara xmlns:m="http://schemas.openxmlformats.org/officeDocument/2006/math">
+                        <m:oMathParaPr>
+                          <m:jc m:val="centerGroup"/>
+                        </m:oMathParaPr>
+                        <m:oMath xmlns:m="http://schemas.openxmlformats.org/officeDocument/2006/math">
+                          <m:r>
+                            <a:rPr lang="zh-CN" altLang="en-US" b="1" i="1" smtClean="0">
+                              <a:latin typeface="Cambria Math" panose="02040503050406030204" pitchFamily="18" charset="0"/>
+                            </a:rPr>
+                            <m:t>𝜽</m:t>
+                          </m:r>
+                        </m:oMath>
+                      </m:oMathPara>
+                    </a14:m>
+                    <a:endParaRPr lang="zh-CN" altLang="en-US" b="1" dirty="0"/>
+                  </a:p>
+                </p:txBody>
+              </p:sp>
+            </mc:Choice>
+            <mc:Fallback>
+              <p:sp>
+                <p:nvSpPr>
+                  <p:cNvPr id="29" name="文本框 28"/>
+                  <p:cNvSpPr txBox="1">
+                    <a:spLocks noRot="1" noChangeAspect="1" noMove="1" noResize="1" noEditPoints="1" noAdjustHandles="1" noChangeArrowheads="1" noChangeShapeType="1" noTextEdit="1"/>
+                  </p:cNvSpPr>
+                  <p:nvPr/>
+                </p:nvSpPr>
+                <p:spPr>
+                  <a:xfrm>
+                    <a:off x="6538227" y="4061277"/>
+                    <a:ext cx="279074" cy="392066"/>
+                  </a:xfrm>
+                  <a:prstGeom prst="rect">
+                    <a:avLst/>
+                  </a:prstGeom>
+                  <a:blipFill rotWithShape="0">
+                    <a:blip r:embed="rId4"/>
+                    <a:stretch>
+                      <a:fillRect/>
+                    </a:stretch>
+                  </a:blipFill>
+                </p:spPr>
+                <p:txBody>
+                  <a:bodyPr/>
+                  <a:lstStyle/>
+                  <a:p>
+                    <a:r>
+                      <a:rPr lang="zh-CN" altLang="en-US">
+                        <a:noFill/>
+                      </a:rPr>
+                      <a:t> </a:t>
+                    </a:r>
+                  </a:p>
+                </p:txBody>
+              </p:sp>
+            </mc:Fallback>
+          </mc:AlternateContent>
+          <mc:AlternateContent xmlns:mc="http://schemas.openxmlformats.org/markup-compatibility/2006">
+            <mc:Choice xmlns:a14="http://schemas.microsoft.com/office/drawing/2010/main" Requires="a14">
+              <p:sp>
+                <p:nvSpPr>
+                  <p:cNvPr id="40" name="文本框 39"/>
+                  <p:cNvSpPr txBox="1"/>
+                  <p:nvPr/>
+                </p:nvSpPr>
+                <p:spPr>
+                  <a:xfrm>
+                    <a:off x="3852336" y="2904110"/>
+                    <a:ext cx="791218" cy="288214"/>
+                  </a:xfrm>
+                  <a:prstGeom prst="rect">
+                    <a:avLst/>
+                  </a:prstGeom>
+                  <a:noFill/>
+                </p:spPr>
+                <p:txBody>
+                  <a:bodyPr wrap="square" lIns="0" tIns="0" rIns="0" bIns="0" rtlCol="0">
+                    <a:spAutoFit/>
+                  </a:bodyPr>
+                  <a:lstStyle/>
+                  <a:p>
+                    <a14:m>
+                      <m:oMathPara xmlns:m="http://schemas.openxmlformats.org/officeDocument/2006/math">
+                        <m:oMathParaPr>
+                          <m:jc m:val="centerGroup"/>
+                        </m:oMathParaPr>
+                        <m:oMath xmlns:m="http://schemas.openxmlformats.org/officeDocument/2006/math">
+                          <m:box>
+                            <m:boxPr>
+                              <m:ctrlPr>
+                                <a:rPr lang="zh-CN" altLang="en-US" sz="1400" b="1" i="1" smtClean="0">
+                                  <a:latin typeface="Cambria Math" panose="02040503050406030204" pitchFamily="18" charset="0"/>
+                                </a:rPr>
+                              </m:ctrlPr>
+                            </m:boxPr>
+                            <m:e>
+                              <m:f>
+                                <m:fPr>
+                                  <m:ctrlPr>
+                                    <a:rPr lang="en-US" altLang="zh-CN" sz="1400" b="1" i="1" smtClean="0">
+                                      <a:latin typeface="Cambria Math" panose="02040503050406030204" pitchFamily="18" charset="0"/>
+                                    </a:rPr>
+                                  </m:ctrlPr>
+                                </m:fPr>
+                                <m:num>
+                                  <m:r>
+                                    <a:rPr lang="en-US" altLang="zh-CN" sz="1400" b="1" i="1" smtClean="0">
+                                      <a:latin typeface="Cambria Math" panose="02040503050406030204" pitchFamily="18" charset="0"/>
+                                    </a:rPr>
+                                    <m:t>𝒅</m:t>
+                                  </m:r>
+                                  <m:r>
+                                    <a:rPr lang="zh-CN" altLang="en-US" sz="1400" b="1" i="1" smtClean="0">
+                                      <a:latin typeface="Cambria Math" panose="02040503050406030204" pitchFamily="18" charset="0"/>
+                                    </a:rPr>
+                                    <m:t>𝓙</m:t>
+                                  </m:r>
+                                  <m:r>
+                                    <a:rPr lang="en-US" altLang="zh-CN" sz="1400" b="1" i="1" smtClean="0">
+                                      <a:latin typeface="Cambria Math" panose="02040503050406030204" pitchFamily="18" charset="0"/>
+                                    </a:rPr>
+                                    <m:t>(</m:t>
+                                  </m:r>
+                                  <m:r>
+                                    <a:rPr lang="zh-CN" altLang="en-US" sz="1400" b="1" i="1" smtClean="0">
+                                      <a:latin typeface="Cambria Math" panose="02040503050406030204" pitchFamily="18" charset="0"/>
+                                    </a:rPr>
+                                    <m:t>𝜽</m:t>
+                                  </m:r>
+                                  <m:r>
+                                    <a:rPr lang="en-US" altLang="zh-CN" sz="1400" b="1" i="1" smtClean="0">
+                                      <a:latin typeface="Cambria Math" panose="02040503050406030204" pitchFamily="18" charset="0"/>
+                                    </a:rPr>
+                                    <m:t>)</m:t>
+                                  </m:r>
+                                </m:num>
+                                <m:den>
+                                  <m:r>
+                                    <a:rPr lang="en-US" altLang="zh-CN" sz="1400" b="1" i="1" smtClean="0">
+                                      <a:latin typeface="Cambria Math" panose="02040503050406030204" pitchFamily="18" charset="0"/>
+                                    </a:rPr>
+                                    <m:t>𝒅</m:t>
+                                  </m:r>
+                                  <m:r>
+                                    <a:rPr lang="zh-CN" altLang="en-US" sz="1400" b="1" i="1" smtClean="0">
+                                      <a:latin typeface="Cambria Math" panose="02040503050406030204" pitchFamily="18" charset="0"/>
+                                    </a:rPr>
+                                    <m:t>𝜽</m:t>
+                                  </m:r>
+                                </m:den>
+                              </m:f>
+                            </m:e>
+                          </m:box>
+                          <m:r>
+                            <a:rPr lang="en-US" altLang="zh-CN" sz="1400" b="1" i="1" smtClean="0">
+                              <a:latin typeface="Cambria Math" panose="02040503050406030204" pitchFamily="18" charset="0"/>
+                              <a:ea typeface="Cambria Math" panose="02040503050406030204" pitchFamily="18" charset="0"/>
+                            </a:rPr>
+                            <m:t>&lt;</m:t>
+                          </m:r>
+                          <m:r>
+                            <a:rPr lang="en-US" altLang="zh-CN" sz="1400" b="1" i="1" smtClean="0">
+                              <a:latin typeface="Cambria Math" panose="02040503050406030204" pitchFamily="18" charset="0"/>
+                              <a:ea typeface="Cambria Math" panose="02040503050406030204" pitchFamily="18" charset="0"/>
+                            </a:rPr>
+                            <m:t>𝟎</m:t>
+                          </m:r>
+                        </m:oMath>
+                      </m:oMathPara>
+                    </a14:m>
+                    <a:endParaRPr lang="zh-CN" altLang="en-US" sz="1400" b="1" dirty="0"/>
+                  </a:p>
+                </p:txBody>
+              </p:sp>
+            </mc:Choice>
+            <mc:Fallback>
+              <p:sp>
+                <p:nvSpPr>
+                  <p:cNvPr id="40" name="文本框 39"/>
+                  <p:cNvSpPr txBox="1">
+                    <a:spLocks noRot="1" noChangeAspect="1" noMove="1" noResize="1" noEditPoints="1" noAdjustHandles="1" noChangeArrowheads="1" noChangeShapeType="1" noTextEdit="1"/>
+                  </p:cNvSpPr>
+                  <p:nvPr/>
+                </p:nvSpPr>
+                <p:spPr>
+                  <a:xfrm>
+                    <a:off x="3852336" y="2904110"/>
+                    <a:ext cx="791218" cy="288214"/>
+                  </a:xfrm>
+                  <a:prstGeom prst="rect">
+                    <a:avLst/>
+                  </a:prstGeom>
+                  <a:blipFill rotWithShape="0">
+                    <a:blip r:embed="rId5"/>
+                    <a:stretch>
+                      <a:fillRect t="-2941" b="-13235"/>
+                    </a:stretch>
+                  </a:blipFill>
+                </p:spPr>
+                <p:txBody>
+                  <a:bodyPr/>
+                  <a:lstStyle/>
+                  <a:p>
+                    <a:r>
+                      <a:rPr lang="zh-CN" altLang="en-US">
+                        <a:noFill/>
+                      </a:rPr>
+                      <a:t> </a:t>
+                    </a:r>
+                  </a:p>
+                </p:txBody>
+              </p:sp>
+            </mc:Fallback>
+          </mc:AlternateContent>
+        </p:grpSp>
+        <p:cxnSp>
+          <p:nvCxnSpPr>
+            <p:cNvPr id="34" name="直接连接符 33"/>
+            <p:cNvCxnSpPr/>
+            <p:nvPr/>
+          </p:nvCxnSpPr>
+          <p:spPr>
+            <a:xfrm>
+              <a:off x="4532494" y="3206750"/>
+              <a:ext cx="531631" cy="1006789"/>
+            </a:xfrm>
+            <a:prstGeom prst="line">
+              <a:avLst/>
+            </a:prstGeom>
+            <a:ln>
+              <a:solidFill>
+                <a:srgbClr val="00B050"/>
+              </a:solidFill>
+            </a:ln>
+          </p:spPr>
+          <p:style>
+            <a:lnRef idx="3">
+              <a:schemeClr val="accent2"/>
+            </a:lnRef>
+            <a:fillRef idx="0">
+              <a:schemeClr val="accent2"/>
+            </a:fillRef>
+            <a:effectRef idx="2">
+              <a:schemeClr val="accent2"/>
+            </a:effectRef>
+            <a:fontRef idx="minor">
+              <a:schemeClr val="tx1"/>
+            </a:fontRef>
+          </p:style>
+        </p:cxnSp>
+        <mc:AlternateContent xmlns:mc="http://schemas.openxmlformats.org/markup-compatibility/2006">
+          <mc:Choice xmlns:a14="http://schemas.microsoft.com/office/drawing/2010/main" Requires="a14">
+            <p:sp>
+              <p:nvSpPr>
+                <p:cNvPr id="41" name="矩形 40"/>
+                <p:cNvSpPr/>
+                <p:nvPr/>
+              </p:nvSpPr>
+              <p:spPr>
+                <a:xfrm>
+                  <a:off x="5359297" y="5175982"/>
+                  <a:ext cx="1282210" cy="414729"/>
+                </a:xfrm>
+                <a:prstGeom prst="rect">
+                  <a:avLst/>
+                </a:prstGeom>
+              </p:spPr>
+              <p:txBody>
+                <a:bodyPr wrap="none">
+                  <a:spAutoFit/>
+                </a:bodyPr>
+                <a:lstStyle/>
+                <a:p>
+                  <a:pPr/>
+                  <a14:m>
+                    <m:oMathPara xmlns:m="http://schemas.openxmlformats.org/officeDocument/2006/math">
+                      <m:oMathParaPr>
+                        <m:jc m:val="centerGroup"/>
+                      </m:oMathParaPr>
+                      <m:oMath xmlns:m="http://schemas.openxmlformats.org/officeDocument/2006/math">
+                        <m:box>
+                          <m:boxPr>
+                            <m:ctrlPr>
+                              <a:rPr lang="zh-CN" altLang="en-US" sz="1100" b="1" i="1" smtClean="0">
+                                <a:latin typeface="Cambria Math" panose="02040503050406030204" pitchFamily="18" charset="0"/>
+                              </a:rPr>
+                            </m:ctrlPr>
+                          </m:boxPr>
+                          <m:e>
+                            <m:r>
+                              <a:rPr lang="zh-CN" altLang="en-US" sz="1100" b="1" i="1" smtClean="0">
+                                <a:latin typeface="Cambria Math" panose="02040503050406030204" pitchFamily="18" charset="0"/>
+                              </a:rPr>
+                              <m:t>𝜽</m:t>
+                            </m:r>
+                            <m:box>
+                              <m:boxPr>
+                                <m:ctrlPr>
+                                  <a:rPr lang="zh-CN" altLang="en-US" sz="1100" b="1" i="1" smtClean="0">
+                                    <a:latin typeface="Cambria Math" panose="02040503050406030204" pitchFamily="18" charset="0"/>
+                                  </a:rPr>
+                                </m:ctrlPr>
+                              </m:boxPr>
+                              <m:e>
+                                <m:r>
+                                  <a:rPr lang="en-US" altLang="zh-CN" sz="1100" b="1" i="1" smtClean="0">
+                                    <a:latin typeface="Cambria Math" panose="02040503050406030204" pitchFamily="18" charset="0"/>
+                                  </a:rPr>
+                                  <m:t>≔</m:t>
+                                </m:r>
+                              </m:e>
+                            </m:box>
+                            <m:r>
+                              <a:rPr lang="zh-CN" altLang="en-US" sz="1100" b="1" i="1" smtClean="0">
+                                <a:latin typeface="Cambria Math" panose="02040503050406030204" pitchFamily="18" charset="0"/>
+                              </a:rPr>
+                              <m:t>𝜽</m:t>
+                            </m:r>
+                            <m:r>
+                              <a:rPr lang="en-US" altLang="zh-CN" sz="1100" b="1" i="1" smtClean="0">
+                                <a:latin typeface="Cambria Math" panose="02040503050406030204" pitchFamily="18" charset="0"/>
+                              </a:rPr>
+                              <m:t>−</m:t>
+                            </m:r>
+                            <m:r>
+                              <a:rPr lang="zh-CN" altLang="en-US" sz="1100" b="1" i="1" smtClean="0">
+                                <a:latin typeface="Cambria Math" panose="02040503050406030204" pitchFamily="18" charset="0"/>
+                              </a:rPr>
+                              <m:t>𝜶</m:t>
+                            </m:r>
+                            <m:f>
+                              <m:fPr>
+                                <m:ctrlPr>
+                                  <a:rPr lang="en-US" altLang="zh-CN" sz="1100" b="1" i="1">
+                                    <a:latin typeface="Cambria Math" panose="02040503050406030204" pitchFamily="18" charset="0"/>
+                                  </a:rPr>
+                                </m:ctrlPr>
+                              </m:fPr>
+                              <m:num>
+                                <m:r>
+                                  <a:rPr lang="en-US" altLang="zh-CN" sz="1100" b="1" i="1">
+                                    <a:latin typeface="Cambria Math" panose="02040503050406030204" pitchFamily="18" charset="0"/>
+                                  </a:rPr>
+                                  <m:t>𝒅</m:t>
+                                </m:r>
+                                <m:r>
+                                  <a:rPr lang="zh-CN" altLang="en-US" sz="1100" b="1" i="1">
+                                    <a:latin typeface="Cambria Math" panose="02040503050406030204" pitchFamily="18" charset="0"/>
+                                  </a:rPr>
+                                  <m:t>𝓙</m:t>
+                                </m:r>
+                                <m:r>
+                                  <a:rPr lang="en-US" altLang="zh-CN" sz="1100" b="1" i="1">
+                                    <a:latin typeface="Cambria Math" panose="02040503050406030204" pitchFamily="18" charset="0"/>
+                                  </a:rPr>
+                                  <m:t>(</m:t>
+                                </m:r>
+                                <m:r>
+                                  <a:rPr lang="zh-CN" altLang="en-US" sz="1100" b="1" i="1">
+                                    <a:latin typeface="Cambria Math" panose="02040503050406030204" pitchFamily="18" charset="0"/>
+                                  </a:rPr>
+                                  <m:t>𝜽</m:t>
+                                </m:r>
+                                <m:r>
+                                  <a:rPr lang="en-US" altLang="zh-CN" sz="1100" b="1" i="1">
+                                    <a:latin typeface="Cambria Math" panose="02040503050406030204" pitchFamily="18" charset="0"/>
+                                  </a:rPr>
+                                  <m:t>)</m:t>
+                                </m:r>
+                              </m:num>
+                              <m:den>
+                                <m:r>
+                                  <a:rPr lang="en-US" altLang="zh-CN" sz="1100" b="1" i="1">
+                                    <a:latin typeface="Cambria Math" panose="02040503050406030204" pitchFamily="18" charset="0"/>
+                                  </a:rPr>
+                                  <m:t>𝒅</m:t>
+                                </m:r>
+                                <m:r>
+                                  <a:rPr lang="zh-CN" altLang="en-US" sz="1100" b="1" i="1">
+                                    <a:latin typeface="Cambria Math" panose="02040503050406030204" pitchFamily="18" charset="0"/>
+                                  </a:rPr>
+                                  <m:t>𝜽</m:t>
+                                </m:r>
+                              </m:den>
+                            </m:f>
+                          </m:e>
+                        </m:box>
+                      </m:oMath>
+                    </m:oMathPara>
+                  </a14:m>
+                  <a:endParaRPr lang="zh-CN" altLang="en-US" sz="1400" b="1" dirty="0"/>
+                </a:p>
+              </p:txBody>
+            </p:sp>
+          </mc:Choice>
+          <mc:Fallback>
+            <p:sp>
+              <p:nvSpPr>
+                <p:cNvPr id="41" name="矩形 40"/>
+                <p:cNvSpPr>
+                  <a:spLocks noRot="1" noChangeAspect="1" noMove="1" noResize="1" noEditPoints="1" noAdjustHandles="1" noChangeArrowheads="1" noChangeShapeType="1" noTextEdit="1"/>
+                </p:cNvSpPr>
+                <p:nvPr/>
+              </p:nvSpPr>
+              <p:spPr>
+                <a:xfrm>
+                  <a:off x="5359297" y="5175982"/>
+                  <a:ext cx="1282210" cy="414729"/>
+                </a:xfrm>
+                <a:prstGeom prst="rect">
+                  <a:avLst/>
+                </a:prstGeom>
+                <a:blipFill rotWithShape="0">
+                  <a:blip r:embed="rId6"/>
+                  <a:stretch>
+                    <a:fillRect b="-1471"/>
+                  </a:stretch>
+                </a:blipFill>
+              </p:spPr>
+              <p:txBody>
+                <a:bodyPr/>
+                <a:lstStyle/>
+                <a:p>
+                  <a:r>
+                    <a:rPr lang="zh-CN" altLang="en-US">
+                      <a:noFill/>
+                    </a:rPr>
+                    <a:t> </a:t>
+                  </a:r>
+                </a:p>
+              </p:txBody>
+            </p:sp>
+          </mc:Fallback>
+        </mc:AlternateContent>
+        <p:cxnSp>
+          <p:nvCxnSpPr>
+            <p:cNvPr id="47" name="直接箭头连接符 46"/>
+            <p:cNvCxnSpPr/>
+            <p:nvPr/>
+          </p:nvCxnSpPr>
+          <p:spPr>
+            <a:xfrm>
+              <a:off x="4954471" y="4814244"/>
+              <a:ext cx="840132" cy="0"/>
+            </a:xfrm>
+            <a:prstGeom prst="straightConnector1">
+              <a:avLst/>
+            </a:prstGeom>
+            <a:ln>
+              <a:prstDash val="dash"/>
+              <a:headEnd type="none" w="med" len="med"/>
+              <a:tailEnd type="arrow" w="med" len="med"/>
+            </a:ln>
+          </p:spPr>
+          <p:style>
+            <a:lnRef idx="3">
+              <a:schemeClr val="accent1"/>
+            </a:lnRef>
+            <a:fillRef idx="0">
+              <a:schemeClr val="accent1"/>
+            </a:fillRef>
+            <a:effectRef idx="2">
+              <a:schemeClr val="accent1"/>
+            </a:effectRef>
+            <a:fontRef idx="minor">
+              <a:schemeClr val="tx1"/>
+            </a:fontRef>
+          </p:style>
+        </p:cxnSp>
+      </p:grpSp>
+    </p:spTree>
+    <p:extLst>
+      <p:ext uri="{BB962C8B-B14F-4D97-AF65-F5344CB8AC3E}">
+        <p14:creationId xmlns:p14="http://schemas.microsoft.com/office/powerpoint/2010/main" val="3436735042"/>
+      </p:ext>
+    </p:extLst>
+  </p:cSld>
+  <p:clrMapOvr>
+    <a:masterClrMapping/>
+  </p:clrMapOvr>
+</p:sld>
+</file>
+
+<file path=ppt/slides/slide12.xml><?xml version="1.0" encoding="utf-8"?>
+<p:sld xmlns:a="http://schemas.openxmlformats.org/drawingml/2006/main" xmlns:r="http://schemas.openxmlformats.org/officeDocument/2006/relationships" xmlns:p="http://schemas.openxmlformats.org/presentationml/2006/main">
+  <p:cSld>
+    <p:spTree>
+      <p:nvGrpSpPr>
+        <p:cNvPr id="1" name=""/>
+        <p:cNvGrpSpPr/>
+        <p:nvPr/>
+      </p:nvGrpSpPr>
+      <p:grpSpPr>
+        <a:xfrm>
+          <a:off x="0" y="0"/>
+          <a:ext cx="0" cy="0"/>
+          <a:chOff x="0" y="0"/>
+          <a:chExt cx="0" cy="0"/>
+        </a:xfrm>
+      </p:grpSpPr>
+      <p:cxnSp>
+        <p:nvCxnSpPr>
+          <p:cNvPr id="5" name="直接连接符 4"/>
+          <p:cNvCxnSpPr/>
+          <p:nvPr/>
+        </p:nvCxnSpPr>
+        <p:spPr>
+          <a:xfrm>
+            <a:off x="7393065" y="3316121"/>
+            <a:ext cx="0" cy="2059948"/>
+          </a:xfrm>
+          <a:prstGeom prst="line">
+            <a:avLst/>
+          </a:prstGeom>
+          <a:ln>
+            <a:prstDash val="dash"/>
+          </a:ln>
+        </p:spPr>
+        <p:style>
+          <a:lnRef idx="3">
+            <a:schemeClr val="accent2"/>
+          </a:lnRef>
+          <a:fillRef idx="0">
+            <a:schemeClr val="accent2"/>
+          </a:fillRef>
+          <a:effectRef idx="2">
+            <a:schemeClr val="accent2"/>
+          </a:effectRef>
+          <a:fontRef idx="minor">
+            <a:schemeClr val="tx1"/>
+          </a:fontRef>
+        </p:style>
+      </p:cxnSp>
+      <p:cxnSp>
+        <p:nvCxnSpPr>
+          <p:cNvPr id="6" name="直接箭头连接符 5"/>
+          <p:cNvCxnSpPr/>
+          <p:nvPr/>
+        </p:nvCxnSpPr>
+        <p:spPr>
+          <a:xfrm flipV="1">
+            <a:off x="3930302" y="1933483"/>
+            <a:ext cx="0" cy="3442591"/>
+          </a:xfrm>
+          <a:prstGeom prst="straightConnector1">
+            <a:avLst/>
+          </a:prstGeom>
+          <a:ln w="38100">
+            <a:tailEnd type="triangle"/>
+          </a:ln>
+        </p:spPr>
+        <p:style>
+          <a:lnRef idx="3">
+            <a:schemeClr val="dk1"/>
+          </a:lnRef>
+          <a:fillRef idx="0">
+            <a:schemeClr val="dk1"/>
+          </a:fillRef>
+          <a:effectRef idx="2">
+            <a:schemeClr val="dk1"/>
+          </a:effectRef>
+          <a:fontRef idx="minor">
+            <a:schemeClr val="tx1"/>
+          </a:fontRef>
+        </p:style>
+      </p:cxnSp>
+      <p:cxnSp>
+        <p:nvCxnSpPr>
+          <p:cNvPr id="7" name="直接箭头连接符 6"/>
+          <p:cNvCxnSpPr/>
+          <p:nvPr/>
+        </p:nvCxnSpPr>
+        <p:spPr>
+          <a:xfrm>
+            <a:off x="3898575" y="5376075"/>
+            <a:ext cx="4505512" cy="0"/>
+          </a:xfrm>
+          <a:prstGeom prst="straightConnector1">
+            <a:avLst/>
+          </a:prstGeom>
+          <a:ln w="38100">
+            <a:tailEnd type="triangle"/>
+          </a:ln>
+        </p:spPr>
+        <p:style>
+          <a:lnRef idx="3">
+            <a:schemeClr val="dk1"/>
+          </a:lnRef>
+          <a:fillRef idx="0">
+            <a:schemeClr val="dk1"/>
+          </a:fillRef>
+          <a:effectRef idx="2">
+            <a:schemeClr val="dk1"/>
+          </a:effectRef>
+          <a:fontRef idx="minor">
+            <a:schemeClr val="tx1"/>
+          </a:fontRef>
+        </p:style>
+      </p:cxnSp>
+      <p:sp>
+        <p:nvSpPr>
+          <p:cNvPr id="8" name="弧形 7"/>
+          <p:cNvSpPr/>
+          <p:nvPr/>
+        </p:nvSpPr>
+        <p:spPr>
+          <a:xfrm rot="5400000">
+            <a:off x="3493320" y="812144"/>
+            <a:ext cx="5100435" cy="2923698"/>
+          </a:xfrm>
+          <a:prstGeom prst="arc">
+            <a:avLst>
+              <a:gd name="adj1" fmla="val 16864053"/>
+              <a:gd name="adj2" fmla="val 4214281"/>
+            </a:avLst>
+          </a:prstGeom>
+          <a:ln w="28575"/>
+        </p:spPr>
+        <p:style>
+          <a:lnRef idx="3">
+            <a:schemeClr val="accent1"/>
+          </a:lnRef>
+          <a:fillRef idx="0">
+            <a:schemeClr val="accent1"/>
+          </a:fillRef>
+          <a:effectRef idx="2">
+            <a:schemeClr val="accent1"/>
+          </a:effectRef>
+          <a:fontRef idx="minor">
+            <a:schemeClr val="tx1"/>
+          </a:fontRef>
+        </p:style>
+        <p:txBody>
+          <a:bodyPr rtlCol="0" anchor="ctr"/>
+          <a:lstStyle/>
+          <a:p>
+            <a:pPr algn="ctr"/>
+            <a:endParaRPr lang="zh-CN" altLang="en-US"/>
+          </a:p>
+        </p:txBody>
+      </p:sp>
+      <mc:AlternateContent xmlns:mc="http://schemas.openxmlformats.org/markup-compatibility/2006">
+        <mc:Choice xmlns:a14="http://schemas.microsoft.com/office/drawing/2010/main" Requires="a14">
+          <p:sp>
+            <p:nvSpPr>
+              <p:cNvPr id="9" name="文本框 8"/>
+              <p:cNvSpPr txBox="1"/>
+              <p:nvPr/>
+            </p:nvSpPr>
+            <p:spPr>
+              <a:xfrm>
+                <a:off x="7201500" y="5501482"/>
+                <a:ext cx="383130" cy="538253"/>
+              </a:xfrm>
+              <a:prstGeom prst="rect">
+                <a:avLst/>
+              </a:prstGeom>
+              <a:noFill/>
+            </p:spPr>
+            <p:txBody>
+              <a:bodyPr wrap="none" lIns="0" tIns="0" rIns="0" bIns="0" rtlCol="0">
+                <a:spAutoFit/>
+              </a:bodyPr>
+              <a:lstStyle/>
+              <a:p>
+                <a14:m>
+                  <m:oMathPara xmlns:m="http://schemas.openxmlformats.org/officeDocument/2006/math">
+                    <m:oMathParaPr>
+                      <m:jc m:val="centerGroup"/>
+                    </m:oMathParaPr>
+                    <m:oMath xmlns:m="http://schemas.openxmlformats.org/officeDocument/2006/math">
+                      <m:r>
+                        <a:rPr lang="zh-CN" altLang="en-US" b="1" i="1" smtClean="0">
+                          <a:latin typeface="Cambria Math" panose="02040503050406030204" pitchFamily="18" charset="0"/>
+                        </a:rPr>
+                        <m:t>𝜽</m:t>
+                      </m:r>
+                    </m:oMath>
+                  </m:oMathPara>
+                </a14:m>
+                <a:endParaRPr lang="zh-CN" altLang="en-US" b="1" dirty="0"/>
+              </a:p>
+            </p:txBody>
+          </p:sp>
+        </mc:Choice>
+        <mc:Fallback>
+          <p:sp>
+            <p:nvSpPr>
+              <p:cNvPr id="9" name="文本框 8"/>
+              <p:cNvSpPr txBox="1">
+                <a:spLocks noRot="1" noChangeAspect="1" noMove="1" noResize="1" noEditPoints="1" noAdjustHandles="1" noChangeArrowheads="1" noChangeShapeType="1" noTextEdit="1"/>
+              </p:cNvSpPr>
+              <p:nvPr/>
+            </p:nvSpPr>
+            <p:spPr>
+              <a:xfrm>
+                <a:off x="7201500" y="5501482"/>
+                <a:ext cx="383130" cy="538253"/>
+              </a:xfrm>
+              <a:prstGeom prst="rect">
+                <a:avLst/>
+              </a:prstGeom>
+              <a:blipFill rotWithShape="0">
+                <a:blip r:embed="rId2"/>
+                <a:stretch>
+                  <a:fillRect/>
+                </a:stretch>
+              </a:blipFill>
+            </p:spPr>
+            <p:txBody>
+              <a:bodyPr/>
+              <a:lstStyle/>
+              <a:p>
+                <a:r>
+                  <a:rPr lang="zh-CN" altLang="en-US">
+                    <a:noFill/>
+                  </a:rPr>
+                  <a:t> </a:t>
+                </a:r>
+              </a:p>
+            </p:txBody>
+          </p:sp>
+        </mc:Fallback>
+      </mc:AlternateContent>
+      <mc:AlternateContent xmlns:mc="http://schemas.openxmlformats.org/markup-compatibility/2006">
+        <mc:Choice xmlns:a14="http://schemas.microsoft.com/office/drawing/2010/main" Requires="a14">
+          <p:sp>
+            <p:nvSpPr>
+              <p:cNvPr id="10" name="文本框 9"/>
+              <p:cNvSpPr txBox="1"/>
+              <p:nvPr/>
+            </p:nvSpPr>
+            <p:spPr>
+              <a:xfrm>
+                <a:off x="2600613" y="1855290"/>
+                <a:ext cx="1057567" cy="538253"/>
+              </a:xfrm>
+              <a:prstGeom prst="rect">
+                <a:avLst/>
+              </a:prstGeom>
+              <a:noFill/>
+            </p:spPr>
+            <p:txBody>
+              <a:bodyPr wrap="none" lIns="0" tIns="0" rIns="0" bIns="0" rtlCol="0">
+                <a:spAutoFit/>
+              </a:bodyPr>
+              <a:lstStyle/>
+              <a:p>
+                <a14:m>
+                  <m:oMathPara xmlns:m="http://schemas.openxmlformats.org/officeDocument/2006/math">
+                    <m:oMathParaPr>
+                      <m:jc m:val="centerGroup"/>
+                    </m:oMathParaPr>
+                    <m:oMath xmlns:m="http://schemas.openxmlformats.org/officeDocument/2006/math">
+                      <m:r>
+                        <a:rPr lang="zh-CN" altLang="en-US" b="1" i="1" smtClean="0">
+                          <a:latin typeface="Cambria Math" panose="02040503050406030204" pitchFamily="18" charset="0"/>
+                        </a:rPr>
+                        <m:t>𝓙</m:t>
+                      </m:r>
+                      <m:d>
+                        <m:dPr>
+                          <m:ctrlPr>
+                            <a:rPr lang="en-US" altLang="zh-CN" b="1" i="1" smtClean="0">
+                              <a:latin typeface="Cambria Math" panose="02040503050406030204" pitchFamily="18" charset="0"/>
+                            </a:rPr>
+                          </m:ctrlPr>
+                        </m:dPr>
+                        <m:e>
+                          <m:r>
+                            <a:rPr lang="zh-CN" altLang="en-US" b="1" i="1" smtClean="0">
+                              <a:latin typeface="Cambria Math" panose="02040503050406030204" pitchFamily="18" charset="0"/>
+                            </a:rPr>
+                            <m:t>𝜽</m:t>
+                          </m:r>
+                        </m:e>
+                      </m:d>
+                    </m:oMath>
+                  </m:oMathPara>
+                </a14:m>
+                <a:endParaRPr lang="zh-CN" altLang="en-US" b="1" dirty="0"/>
+              </a:p>
+            </p:txBody>
+          </p:sp>
+        </mc:Choice>
+        <mc:Fallback>
+          <p:sp>
+            <p:nvSpPr>
+              <p:cNvPr id="10" name="文本框 9"/>
+              <p:cNvSpPr txBox="1">
+                <a:spLocks noRot="1" noChangeAspect="1" noMove="1" noResize="1" noEditPoints="1" noAdjustHandles="1" noChangeArrowheads="1" noChangeShapeType="1" noTextEdit="1"/>
+              </p:cNvSpPr>
+              <p:nvPr/>
+            </p:nvSpPr>
+            <p:spPr>
+              <a:xfrm>
+                <a:off x="2600613" y="1855290"/>
+                <a:ext cx="1057567" cy="538253"/>
+              </a:xfrm>
+              <a:prstGeom prst="rect">
+                <a:avLst/>
+              </a:prstGeom>
+              <a:blipFill rotWithShape="0">
+                <a:blip r:embed="rId3"/>
+                <a:stretch>
+                  <a:fillRect/>
+                </a:stretch>
+              </a:blipFill>
+            </p:spPr>
+            <p:txBody>
+              <a:bodyPr/>
+              <a:lstStyle/>
+              <a:p>
+                <a:r>
+                  <a:rPr lang="zh-CN" altLang="en-US">
+                    <a:noFill/>
+                  </a:rPr>
+                  <a:t> </a:t>
+                </a:r>
+              </a:p>
+            </p:txBody>
+          </p:sp>
+        </mc:Fallback>
+      </mc:AlternateContent>
+      <mc:AlternateContent xmlns:mc="http://schemas.openxmlformats.org/markup-compatibility/2006">
+        <mc:Choice xmlns:a14="http://schemas.microsoft.com/office/drawing/2010/main" Requires="a14">
+          <p:sp>
+            <p:nvSpPr>
+              <p:cNvPr id="11" name="文本框 10"/>
+              <p:cNvSpPr txBox="1"/>
+              <p:nvPr/>
+            </p:nvSpPr>
+            <p:spPr>
+              <a:xfrm>
+                <a:off x="8484645" y="5106941"/>
+                <a:ext cx="383130" cy="538253"/>
+              </a:xfrm>
+              <a:prstGeom prst="rect">
+                <a:avLst/>
+              </a:prstGeom>
+              <a:noFill/>
+            </p:spPr>
+            <p:txBody>
+              <a:bodyPr wrap="none" lIns="0" tIns="0" rIns="0" bIns="0" rtlCol="0">
+                <a:spAutoFit/>
+              </a:bodyPr>
+              <a:lstStyle/>
+              <a:p>
+                <a14:m>
+                  <m:oMathPara xmlns:m="http://schemas.openxmlformats.org/officeDocument/2006/math">
+                    <m:oMathParaPr>
+                      <m:jc m:val="centerGroup"/>
+                    </m:oMathParaPr>
+                    <m:oMath xmlns:m="http://schemas.openxmlformats.org/officeDocument/2006/math">
+                      <m:r>
+                        <a:rPr lang="zh-CN" altLang="en-US" b="1" i="1" smtClean="0">
+                          <a:latin typeface="Cambria Math" panose="02040503050406030204" pitchFamily="18" charset="0"/>
+                        </a:rPr>
+                        <m:t>𝜽</m:t>
+                      </m:r>
+                    </m:oMath>
+                  </m:oMathPara>
+                </a14:m>
+                <a:endParaRPr lang="zh-CN" altLang="en-US" b="1" dirty="0"/>
+              </a:p>
+            </p:txBody>
+          </p:sp>
+        </mc:Choice>
+        <mc:Fallback>
+          <p:sp>
+            <p:nvSpPr>
+              <p:cNvPr id="11" name="文本框 10"/>
+              <p:cNvSpPr txBox="1">
+                <a:spLocks noRot="1" noChangeAspect="1" noMove="1" noResize="1" noEditPoints="1" noAdjustHandles="1" noChangeArrowheads="1" noChangeShapeType="1" noTextEdit="1"/>
+              </p:cNvSpPr>
+              <p:nvPr/>
+            </p:nvSpPr>
+            <p:spPr>
+              <a:xfrm>
+                <a:off x="8484645" y="5106941"/>
+                <a:ext cx="383130" cy="538253"/>
+              </a:xfrm>
+              <a:prstGeom prst="rect">
+                <a:avLst/>
+              </a:prstGeom>
+              <a:blipFill rotWithShape="0">
+                <a:blip r:embed="rId4"/>
+                <a:stretch>
+                  <a:fillRect/>
+                </a:stretch>
+              </a:blipFill>
+            </p:spPr>
+            <p:txBody>
+              <a:bodyPr/>
+              <a:lstStyle/>
+              <a:p>
+                <a:r>
+                  <a:rPr lang="zh-CN" altLang="en-US">
+                    <a:noFill/>
+                  </a:rPr>
+                  <a:t> </a:t>
+                </a:r>
+              </a:p>
+            </p:txBody>
+          </p:sp>
+        </mc:Fallback>
+      </mc:AlternateContent>
+      <p:cxnSp>
+        <p:nvCxnSpPr>
+          <p:cNvPr id="12" name="直接连接符 11"/>
+          <p:cNvCxnSpPr/>
+          <p:nvPr/>
+        </p:nvCxnSpPr>
+        <p:spPr>
+          <a:xfrm>
+            <a:off x="6043537" y="4824211"/>
+            <a:ext cx="0" cy="551856"/>
+          </a:xfrm>
+          <a:prstGeom prst="line">
+            <a:avLst/>
+          </a:prstGeom>
+          <a:ln>
+            <a:prstDash val="dash"/>
+          </a:ln>
+        </p:spPr>
+        <p:style>
+          <a:lnRef idx="3">
+            <a:schemeClr val="accent2"/>
+          </a:lnRef>
+          <a:fillRef idx="0">
+            <a:schemeClr val="accent2"/>
+          </a:fillRef>
+          <a:effectRef idx="2">
+            <a:schemeClr val="accent2"/>
+          </a:effectRef>
+          <a:fontRef idx="minor">
+            <a:schemeClr val="tx1"/>
+          </a:fontRef>
+        </p:style>
+      </p:cxnSp>
+      <p:cxnSp>
+        <p:nvCxnSpPr>
+          <p:cNvPr id="14" name="直接连接符 13"/>
+          <p:cNvCxnSpPr/>
+          <p:nvPr/>
+        </p:nvCxnSpPr>
+        <p:spPr>
+          <a:xfrm flipH="1">
+            <a:off x="7226300" y="2704773"/>
+            <a:ext cx="331091" cy="1308427"/>
+          </a:xfrm>
+          <a:prstGeom prst="line">
+            <a:avLst/>
+          </a:prstGeom>
+          <a:ln>
+            <a:solidFill>
+              <a:srgbClr val="00B050"/>
+            </a:solidFill>
+          </a:ln>
+        </p:spPr>
+        <p:style>
+          <a:lnRef idx="3">
+            <a:schemeClr val="accent2"/>
+          </a:lnRef>
+          <a:fillRef idx="0">
+            <a:schemeClr val="accent2"/>
+          </a:fillRef>
+          <a:effectRef idx="2">
+            <a:schemeClr val="accent2"/>
+          </a:effectRef>
+          <a:fontRef idx="minor">
+            <a:schemeClr val="tx1"/>
+          </a:fontRef>
+        </p:style>
+      </p:cxnSp>
+      <mc:AlternateContent xmlns:mc="http://schemas.openxmlformats.org/markup-compatibility/2006">
+        <mc:Choice xmlns:a14="http://schemas.microsoft.com/office/drawing/2010/main" Requires="a14">
+          <p:sp>
+            <p:nvSpPr>
+              <p:cNvPr id="18" name="矩形 17"/>
+              <p:cNvSpPr/>
+              <p:nvPr/>
+            </p:nvSpPr>
+            <p:spPr>
+              <a:xfrm>
+                <a:off x="5961872" y="3006132"/>
+                <a:ext cx="1317989" cy="619978"/>
+              </a:xfrm>
+              <a:prstGeom prst="rect">
+                <a:avLst/>
+              </a:prstGeom>
+            </p:spPr>
+            <p:txBody>
+              <a:bodyPr wrap="none">
+                <a:spAutoFit/>
+              </a:bodyPr>
+              <a:lstStyle/>
+              <a:p>
+                <a:pPr/>
+                <a14:m>
+                  <m:oMathPara xmlns:m="http://schemas.openxmlformats.org/officeDocument/2006/math">
+                    <m:oMathParaPr>
+                      <m:jc m:val="centerGroup"/>
+                    </m:oMathParaPr>
+                    <m:oMath xmlns:m="http://schemas.openxmlformats.org/officeDocument/2006/math">
+                      <m:box>
+                        <m:boxPr>
+                          <m:ctrlPr>
+                            <a:rPr lang="zh-CN" altLang="en-US" b="1" i="1" smtClean="0">
+                              <a:latin typeface="Cambria Math" panose="02040503050406030204" pitchFamily="18" charset="0"/>
+                            </a:rPr>
+                          </m:ctrlPr>
+                        </m:boxPr>
+                        <m:e>
+                          <m:f>
+                            <m:fPr>
+                              <m:ctrlPr>
+                                <a:rPr lang="en-US" altLang="zh-CN" b="1" i="1">
+                                  <a:latin typeface="Cambria Math" panose="02040503050406030204" pitchFamily="18" charset="0"/>
+                                </a:rPr>
+                              </m:ctrlPr>
+                            </m:fPr>
+                            <m:num>
+                              <m:r>
+                                <a:rPr lang="en-US" altLang="zh-CN" b="1" i="1">
+                                  <a:latin typeface="Cambria Math" panose="02040503050406030204" pitchFamily="18" charset="0"/>
+                                </a:rPr>
+                                <m:t>𝒅</m:t>
+                              </m:r>
+                              <m:r>
+                                <a:rPr lang="zh-CN" altLang="en-US" b="1" i="1">
+                                  <a:latin typeface="Cambria Math" panose="02040503050406030204" pitchFamily="18" charset="0"/>
+                                </a:rPr>
+                                <m:t>𝓙</m:t>
+                              </m:r>
+                              <m:r>
+                                <a:rPr lang="en-US" altLang="zh-CN" b="1" i="1">
+                                  <a:latin typeface="Cambria Math" panose="02040503050406030204" pitchFamily="18" charset="0"/>
+                                </a:rPr>
+                                <m:t>(</m:t>
+                              </m:r>
+                              <m:r>
+                                <a:rPr lang="zh-CN" altLang="en-US" b="1" i="1">
+                                  <a:latin typeface="Cambria Math" panose="02040503050406030204" pitchFamily="18" charset="0"/>
+                                </a:rPr>
+                                <m:t>𝜽</m:t>
+                              </m:r>
+                              <m:r>
+                                <a:rPr lang="en-US" altLang="zh-CN" b="1" i="1">
+                                  <a:latin typeface="Cambria Math" panose="02040503050406030204" pitchFamily="18" charset="0"/>
+                                </a:rPr>
+                                <m:t>)</m:t>
+                              </m:r>
+                            </m:num>
+                            <m:den>
+                              <m:r>
+                                <a:rPr lang="en-US" altLang="zh-CN" b="1" i="1">
+                                  <a:latin typeface="Cambria Math" panose="02040503050406030204" pitchFamily="18" charset="0"/>
+                                </a:rPr>
+                                <m:t>𝒅</m:t>
+                              </m:r>
+                              <m:r>
+                                <a:rPr lang="zh-CN" altLang="en-US" b="1" i="1">
+                                  <a:latin typeface="Cambria Math" panose="02040503050406030204" pitchFamily="18" charset="0"/>
+                                </a:rPr>
+                                <m:t>𝜽</m:t>
+                              </m:r>
+                            </m:den>
+                          </m:f>
+                        </m:e>
+                      </m:box>
+                      <m:r>
+                        <a:rPr lang="en-US" altLang="zh-CN" b="1" i="1" smtClean="0">
+                          <a:latin typeface="Cambria Math" panose="02040503050406030204" pitchFamily="18" charset="0"/>
+                          <a:ea typeface="Cambria Math" panose="02040503050406030204" pitchFamily="18" charset="0"/>
+                        </a:rPr>
+                        <m:t>&gt;</m:t>
+                      </m:r>
+                      <m:r>
+                        <a:rPr lang="en-US" altLang="zh-CN" b="1" i="1">
+                          <a:latin typeface="Cambria Math" panose="02040503050406030204" pitchFamily="18" charset="0"/>
+                          <a:ea typeface="Cambria Math" panose="02040503050406030204" pitchFamily="18" charset="0"/>
+                        </a:rPr>
+                        <m:t>𝟎</m:t>
+                      </m:r>
+                    </m:oMath>
+                  </m:oMathPara>
+                </a14:m>
+                <a:endParaRPr lang="zh-CN" altLang="en-US" b="1" dirty="0"/>
+              </a:p>
+            </p:txBody>
+          </p:sp>
+        </mc:Choice>
+        <mc:Fallback>
+          <p:sp>
+            <p:nvSpPr>
+              <p:cNvPr id="18" name="矩形 17"/>
+              <p:cNvSpPr>
+                <a:spLocks noRot="1" noChangeAspect="1" noMove="1" noResize="1" noEditPoints="1" noAdjustHandles="1" noChangeArrowheads="1" noChangeShapeType="1" noTextEdit="1"/>
+              </p:cNvSpPr>
+              <p:nvPr/>
+            </p:nvSpPr>
+            <p:spPr>
+              <a:xfrm>
+                <a:off x="5961872" y="3006132"/>
+                <a:ext cx="1317989" cy="619978"/>
+              </a:xfrm>
+              <a:prstGeom prst="rect">
+                <a:avLst/>
+              </a:prstGeom>
+              <a:blipFill rotWithShape="0">
+                <a:blip r:embed="rId5"/>
+                <a:stretch>
+                  <a:fillRect/>
+                </a:stretch>
+              </a:blipFill>
+            </p:spPr>
+            <p:txBody>
+              <a:bodyPr/>
+              <a:lstStyle/>
+              <a:p>
+                <a:r>
+                  <a:rPr lang="zh-CN" altLang="en-US">
+                    <a:noFill/>
+                  </a:rPr>
+                  <a:t> </a:t>
+                </a:r>
+              </a:p>
+            </p:txBody>
+          </p:sp>
+        </mc:Fallback>
+      </mc:AlternateContent>
+      <mc:AlternateContent xmlns:mc="http://schemas.openxmlformats.org/markup-compatibility/2006">
+        <mc:Choice xmlns:a14="http://schemas.microsoft.com/office/drawing/2010/main" Requires="a14">
+          <p:sp>
+            <p:nvSpPr>
+              <p:cNvPr id="19" name="矩形 18"/>
+              <p:cNvSpPr/>
+              <p:nvPr/>
+            </p:nvSpPr>
+            <p:spPr>
+              <a:xfrm>
+                <a:off x="5418866" y="5414167"/>
+                <a:ext cx="1382110" cy="444032"/>
+              </a:xfrm>
+              <a:prstGeom prst="rect">
+                <a:avLst/>
+              </a:prstGeom>
+            </p:spPr>
+            <p:txBody>
+              <a:bodyPr wrap="none">
+                <a:spAutoFit/>
+              </a:bodyPr>
+              <a:lstStyle/>
+              <a:p>
+                <a:pPr/>
+                <a14:m>
+                  <m:oMathPara xmlns:m="http://schemas.openxmlformats.org/officeDocument/2006/math">
+                    <m:oMathParaPr>
+                      <m:jc m:val="centerGroup"/>
+                    </m:oMathParaPr>
+                    <m:oMath xmlns:m="http://schemas.openxmlformats.org/officeDocument/2006/math">
+                      <m:box>
+                        <m:boxPr>
+                          <m:ctrlPr>
+                            <a:rPr lang="zh-CN" altLang="en-US" sz="1200" b="1" i="1">
+                              <a:latin typeface="Cambria Math" panose="02040503050406030204" pitchFamily="18" charset="0"/>
+                            </a:rPr>
+                          </m:ctrlPr>
+                        </m:boxPr>
+                        <m:e>
+                          <m:r>
+                            <a:rPr lang="zh-CN" altLang="en-US" sz="1200" b="1" i="1">
+                              <a:latin typeface="Cambria Math" panose="02040503050406030204" pitchFamily="18" charset="0"/>
+                            </a:rPr>
+                            <m:t>𝜽</m:t>
+                          </m:r>
+                          <m:box>
+                            <m:boxPr>
+                              <m:ctrlPr>
+                                <a:rPr lang="zh-CN" altLang="en-US" sz="1200" b="1" i="1">
+                                  <a:latin typeface="Cambria Math" panose="02040503050406030204" pitchFamily="18" charset="0"/>
+                                </a:rPr>
+                              </m:ctrlPr>
+                            </m:boxPr>
+                            <m:e>
+                              <m:r>
+                                <a:rPr lang="en-US" altLang="zh-CN" sz="1200" b="1" i="1">
+                                  <a:latin typeface="Cambria Math" panose="02040503050406030204" pitchFamily="18" charset="0"/>
+                                </a:rPr>
+                                <m:t>≔</m:t>
+                              </m:r>
+                            </m:e>
+                          </m:box>
+                          <m:r>
+                            <a:rPr lang="zh-CN" altLang="en-US" sz="1200" b="1" i="1">
+                              <a:latin typeface="Cambria Math" panose="02040503050406030204" pitchFamily="18" charset="0"/>
+                            </a:rPr>
+                            <m:t>𝜽</m:t>
+                          </m:r>
+                          <m:r>
+                            <a:rPr lang="en-US" altLang="zh-CN" sz="1200" b="1" i="1">
+                              <a:latin typeface="Cambria Math" panose="02040503050406030204" pitchFamily="18" charset="0"/>
+                            </a:rPr>
+                            <m:t>−</m:t>
+                          </m:r>
+                          <m:r>
+                            <a:rPr lang="zh-CN" altLang="en-US" sz="1200" b="1" i="1">
+                              <a:latin typeface="Cambria Math" panose="02040503050406030204" pitchFamily="18" charset="0"/>
+                            </a:rPr>
+                            <m:t>𝜶</m:t>
+                          </m:r>
+                          <m:f>
+                            <m:fPr>
+                              <m:ctrlPr>
+                                <a:rPr lang="en-US" altLang="zh-CN" sz="1200" b="1" i="1">
+                                  <a:latin typeface="Cambria Math" panose="02040503050406030204" pitchFamily="18" charset="0"/>
+                                </a:rPr>
+                              </m:ctrlPr>
+                            </m:fPr>
+                            <m:num>
+                              <m:r>
+                                <a:rPr lang="en-US" altLang="zh-CN" sz="1200" b="1" i="1">
+                                  <a:latin typeface="Cambria Math" panose="02040503050406030204" pitchFamily="18" charset="0"/>
+                                </a:rPr>
+                                <m:t>𝒅</m:t>
+                              </m:r>
+                              <m:r>
+                                <a:rPr lang="zh-CN" altLang="en-US" sz="1200" b="1" i="1">
+                                  <a:latin typeface="Cambria Math" panose="02040503050406030204" pitchFamily="18" charset="0"/>
+                                </a:rPr>
+                                <m:t>𝓙</m:t>
+                              </m:r>
+                              <m:r>
+                                <a:rPr lang="en-US" altLang="zh-CN" sz="1200" b="1" i="1">
+                                  <a:latin typeface="Cambria Math" panose="02040503050406030204" pitchFamily="18" charset="0"/>
+                                </a:rPr>
+                                <m:t>(</m:t>
+                              </m:r>
+                              <m:r>
+                                <a:rPr lang="zh-CN" altLang="en-US" sz="1200" b="1" i="1">
+                                  <a:latin typeface="Cambria Math" panose="02040503050406030204" pitchFamily="18" charset="0"/>
+                                </a:rPr>
+                                <m:t>𝜽</m:t>
+                              </m:r>
+                              <m:r>
+                                <a:rPr lang="en-US" altLang="zh-CN" sz="1200" b="1" i="1">
+                                  <a:latin typeface="Cambria Math" panose="02040503050406030204" pitchFamily="18" charset="0"/>
+                                </a:rPr>
+                                <m:t>)</m:t>
+                              </m:r>
+                            </m:num>
+                            <m:den>
+                              <m:r>
+                                <a:rPr lang="en-US" altLang="zh-CN" sz="1200" b="1" i="1">
+                                  <a:latin typeface="Cambria Math" panose="02040503050406030204" pitchFamily="18" charset="0"/>
+                                </a:rPr>
+                                <m:t>𝒅</m:t>
+                              </m:r>
+                              <m:r>
+                                <a:rPr lang="zh-CN" altLang="en-US" sz="1200" b="1" i="1">
+                                  <a:latin typeface="Cambria Math" panose="02040503050406030204" pitchFamily="18" charset="0"/>
+                                </a:rPr>
+                                <m:t>𝜽</m:t>
+                              </m:r>
+                            </m:den>
+                          </m:f>
+                        </m:e>
+                      </m:box>
+                    </m:oMath>
+                  </m:oMathPara>
+                </a14:m>
+                <a:endParaRPr lang="zh-CN" altLang="en-US" sz="1600" b="1" dirty="0"/>
+              </a:p>
+            </p:txBody>
+          </p:sp>
+        </mc:Choice>
+        <mc:Fallback>
+          <p:sp>
+            <p:nvSpPr>
+              <p:cNvPr id="19" name="矩形 18"/>
+              <p:cNvSpPr>
+                <a:spLocks noRot="1" noChangeAspect="1" noMove="1" noResize="1" noEditPoints="1" noAdjustHandles="1" noChangeArrowheads="1" noChangeShapeType="1" noTextEdit="1"/>
+              </p:cNvSpPr>
+              <p:nvPr/>
+            </p:nvSpPr>
+            <p:spPr>
+              <a:xfrm>
+                <a:off x="5418866" y="5414167"/>
+                <a:ext cx="1382110" cy="444032"/>
+              </a:xfrm>
+              <a:prstGeom prst="rect">
+                <a:avLst/>
+              </a:prstGeom>
+              <a:blipFill rotWithShape="0">
+                <a:blip r:embed="rId6"/>
+                <a:stretch>
+                  <a:fillRect b="-2740"/>
+                </a:stretch>
+              </a:blipFill>
+            </p:spPr>
+            <p:txBody>
+              <a:bodyPr/>
+              <a:lstStyle/>
+              <a:p>
+                <a:r>
+                  <a:rPr lang="zh-CN" altLang="en-US">
+                    <a:noFill/>
+                  </a:rPr>
+                  <a:t> </a:t>
+                </a:r>
+              </a:p>
+            </p:txBody>
+          </p:sp>
+        </mc:Fallback>
+      </mc:AlternateContent>
+      <p:cxnSp>
+        <p:nvCxnSpPr>
+          <p:cNvPr id="20" name="直接箭头连接符 19"/>
+          <p:cNvCxnSpPr/>
+          <p:nvPr/>
+        </p:nvCxnSpPr>
+        <p:spPr>
+          <a:xfrm flipH="1">
+            <a:off x="6324600" y="5055544"/>
+            <a:ext cx="773421" cy="0"/>
+          </a:xfrm>
+          <a:prstGeom prst="straightConnector1">
+            <a:avLst/>
+          </a:prstGeom>
+          <a:ln>
+            <a:prstDash val="dash"/>
+            <a:headEnd type="none" w="med" len="med"/>
+            <a:tailEnd type="arrow" w="med" len="med"/>
+          </a:ln>
+        </p:spPr>
+        <p:style>
+          <a:lnRef idx="3">
+            <a:schemeClr val="accent1"/>
+          </a:lnRef>
+          <a:fillRef idx="0">
+            <a:schemeClr val="accent1"/>
+          </a:fillRef>
+          <a:effectRef idx="2">
+            <a:schemeClr val="accent1"/>
+          </a:effectRef>
+          <a:fontRef idx="minor">
+            <a:schemeClr val="tx1"/>
+          </a:fontRef>
+        </p:style>
+      </p:cxnSp>
+    </p:spTree>
+    <p:extLst>
+      <p:ext uri="{BB962C8B-B14F-4D97-AF65-F5344CB8AC3E}">
+        <p14:creationId xmlns:p14="http://schemas.microsoft.com/office/powerpoint/2010/main" val="3737641007"/>
+      </p:ext>
+    </p:extLst>
+  </p:cSld>
+  <p:clrMapOvr>
+    <a:masterClrMapping/>
+  </p:clrMapOvr>
+</p:sld>
+</file>
+
+<file path=ppt/slides/slide13.xml><?xml version="1.0" encoding="utf-8"?>
+<p:sld xmlns:a="http://schemas.openxmlformats.org/drawingml/2006/main" xmlns:r="http://schemas.openxmlformats.org/officeDocument/2006/relationships" xmlns:p="http://schemas.openxmlformats.org/presentationml/2006/main">
+  <p:cSld>
+    <p:spTree>
+      <p:nvGrpSpPr>
+        <p:cNvPr id="1" name=""/>
+        <p:cNvGrpSpPr/>
+        <p:nvPr/>
+      </p:nvGrpSpPr>
+      <p:grpSpPr>
+        <a:xfrm>
+          <a:off x="0" y="0"/>
+          <a:ext cx="0" cy="0"/>
+          <a:chOff x="0" y="0"/>
+          <a:chExt cx="0" cy="0"/>
+        </a:xfrm>
+      </p:grpSpPr>
+      <p:grpSp>
+        <p:nvGrpSpPr>
+          <p:cNvPr id="28" name="组合 27"/>
+          <p:cNvGrpSpPr/>
+          <p:nvPr/>
+        </p:nvGrpSpPr>
+        <p:grpSpPr>
+          <a:xfrm>
+            <a:off x="2600613" y="-276225"/>
+            <a:ext cx="6267162" cy="5921419"/>
+            <a:chOff x="2600613" y="-276225"/>
+            <a:chExt cx="6267162" cy="5921419"/>
+          </a:xfrm>
+        </p:grpSpPr>
+        <p:cxnSp>
+          <p:nvCxnSpPr>
+            <p:cNvPr id="4" name="直接箭头连接符 3"/>
+            <p:cNvCxnSpPr/>
+            <p:nvPr/>
+          </p:nvCxnSpPr>
+          <p:spPr>
+            <a:xfrm flipV="1">
+              <a:off x="3930302" y="1933483"/>
+              <a:ext cx="0" cy="3442591"/>
+            </a:xfrm>
+            <a:prstGeom prst="straightConnector1">
+              <a:avLst/>
+            </a:prstGeom>
+            <a:ln w="38100">
+              <a:tailEnd type="triangle"/>
+            </a:ln>
+          </p:spPr>
+          <p:style>
+            <a:lnRef idx="3">
+              <a:schemeClr val="dk1"/>
+            </a:lnRef>
+            <a:fillRef idx="0">
+              <a:schemeClr val="dk1"/>
+            </a:fillRef>
+            <a:effectRef idx="2">
+              <a:schemeClr val="dk1"/>
+            </a:effectRef>
+            <a:fontRef idx="minor">
+              <a:schemeClr val="tx1"/>
+            </a:fontRef>
+          </p:style>
+        </p:cxnSp>
+        <p:cxnSp>
+          <p:nvCxnSpPr>
+            <p:cNvPr id="5" name="直接箭头连接符 4"/>
+            <p:cNvCxnSpPr/>
+            <p:nvPr/>
+          </p:nvCxnSpPr>
+          <p:spPr>
+            <a:xfrm>
+              <a:off x="3898575" y="5376075"/>
+              <a:ext cx="4505512" cy="0"/>
+            </a:xfrm>
+            <a:prstGeom prst="straightConnector1">
+              <a:avLst/>
+            </a:prstGeom>
+            <a:ln w="38100">
+              <a:tailEnd type="triangle"/>
+            </a:ln>
+          </p:spPr>
+          <p:style>
+            <a:lnRef idx="3">
+              <a:schemeClr val="dk1"/>
+            </a:lnRef>
+            <a:fillRef idx="0">
+              <a:schemeClr val="dk1"/>
+            </a:fillRef>
+            <a:effectRef idx="2">
+              <a:schemeClr val="dk1"/>
+            </a:effectRef>
+            <a:fontRef idx="minor">
+              <a:schemeClr val="tx1"/>
+            </a:fontRef>
+          </p:style>
+        </p:cxnSp>
+        <p:sp>
+          <p:nvSpPr>
+            <p:cNvPr id="6" name="弧形 5"/>
+            <p:cNvSpPr/>
+            <p:nvPr/>
+          </p:nvSpPr>
+          <p:spPr>
+            <a:xfrm rot="5400000">
+              <a:off x="3493320" y="812144"/>
+              <a:ext cx="5100435" cy="2923698"/>
+            </a:xfrm>
+            <a:prstGeom prst="arc">
+              <a:avLst>
+                <a:gd name="adj1" fmla="val 16864053"/>
+                <a:gd name="adj2" fmla="val 4214281"/>
+              </a:avLst>
+            </a:prstGeom>
+            <a:ln w="28575"/>
+          </p:spPr>
+          <p:style>
+            <a:lnRef idx="3">
+              <a:schemeClr val="accent1"/>
+            </a:lnRef>
+            <a:fillRef idx="0">
+              <a:schemeClr val="accent1"/>
+            </a:fillRef>
+            <a:effectRef idx="2">
+              <a:schemeClr val="accent1"/>
+            </a:effectRef>
+            <a:fontRef idx="minor">
+              <a:schemeClr val="tx1"/>
+            </a:fontRef>
+          </p:style>
+          <p:txBody>
+            <a:bodyPr rtlCol="0" anchor="ctr"/>
+            <a:lstStyle/>
+            <a:p>
+              <a:pPr algn="ctr"/>
+              <a:endParaRPr lang="zh-CN" altLang="en-US"/>
+            </a:p>
+          </p:txBody>
+        </p:sp>
+        <mc:AlternateContent xmlns:mc="http://schemas.openxmlformats.org/markup-compatibility/2006">
+          <mc:Choice xmlns:a14="http://schemas.microsoft.com/office/drawing/2010/main" Requires="a14">
+            <p:sp>
+              <p:nvSpPr>
+                <p:cNvPr id="7" name="文本框 6"/>
+                <p:cNvSpPr txBox="1"/>
+                <p:nvPr/>
+              </p:nvSpPr>
+              <p:spPr>
+                <a:xfrm>
+                  <a:off x="2600613" y="1855290"/>
+                  <a:ext cx="1057567" cy="538253"/>
+                </a:xfrm>
+                <a:prstGeom prst="rect">
+                  <a:avLst/>
+                </a:prstGeom>
+                <a:noFill/>
+              </p:spPr>
+              <p:txBody>
+                <a:bodyPr wrap="none" lIns="0" tIns="0" rIns="0" bIns="0" rtlCol="0">
+                  <a:spAutoFit/>
+                </a:bodyPr>
+                <a:lstStyle/>
+                <a:p>
+                  <a14:m>
+                    <m:oMathPara xmlns:m="http://schemas.openxmlformats.org/officeDocument/2006/math">
+                      <m:oMathParaPr>
+                        <m:jc m:val="centerGroup"/>
+                      </m:oMathParaPr>
+                      <m:oMath xmlns:m="http://schemas.openxmlformats.org/officeDocument/2006/math">
+                        <m:r>
+                          <a:rPr lang="zh-CN" altLang="en-US" b="1" i="1" smtClean="0">
+                            <a:latin typeface="Cambria Math" panose="02040503050406030204" pitchFamily="18" charset="0"/>
+                          </a:rPr>
+                          <m:t>𝓙</m:t>
+                        </m:r>
+                        <m:d>
+                          <m:dPr>
+                            <m:ctrlPr>
+                              <a:rPr lang="en-US" altLang="zh-CN" b="1" i="1" smtClean="0">
+                                <a:latin typeface="Cambria Math" panose="02040503050406030204" pitchFamily="18" charset="0"/>
+                              </a:rPr>
+                            </m:ctrlPr>
+                          </m:dPr>
+                          <m:e>
+                            <m:r>
+                              <a:rPr lang="zh-CN" altLang="en-US" b="1" i="1" smtClean="0">
+                                <a:latin typeface="Cambria Math" panose="02040503050406030204" pitchFamily="18" charset="0"/>
+                              </a:rPr>
+                              <m:t>𝜽</m:t>
+                            </m:r>
+                          </m:e>
+                        </m:d>
+                      </m:oMath>
+                    </m:oMathPara>
+                  </a14:m>
+                  <a:endParaRPr lang="zh-CN" altLang="en-US" b="1" dirty="0"/>
+                </a:p>
+              </p:txBody>
+            </p:sp>
+          </mc:Choice>
+          <mc:Fallback>
+            <p:sp>
+              <p:nvSpPr>
+                <p:cNvPr id="7" name="文本框 6"/>
+                <p:cNvSpPr txBox="1">
+                  <a:spLocks noRot="1" noChangeAspect="1" noMove="1" noResize="1" noEditPoints="1" noAdjustHandles="1" noChangeArrowheads="1" noChangeShapeType="1" noTextEdit="1"/>
+                </p:cNvSpPr>
+                <p:nvPr/>
+              </p:nvSpPr>
+              <p:spPr>
+                <a:xfrm>
+                  <a:off x="2600613" y="1855290"/>
+                  <a:ext cx="1057567" cy="538253"/>
+                </a:xfrm>
+                <a:prstGeom prst="rect">
+                  <a:avLst/>
+                </a:prstGeom>
+                <a:blipFill rotWithShape="0">
+                  <a:blip r:embed="rId2"/>
+                  <a:stretch>
+                    <a:fillRect/>
+                  </a:stretch>
+                </a:blipFill>
+              </p:spPr>
+              <p:txBody>
+                <a:bodyPr/>
+                <a:lstStyle/>
+                <a:p>
+                  <a:r>
+                    <a:rPr lang="zh-CN" altLang="en-US">
+                      <a:noFill/>
+                    </a:rPr>
+                    <a:t> </a:t>
+                  </a:r>
+                </a:p>
+              </p:txBody>
+            </p:sp>
+          </mc:Fallback>
+        </mc:AlternateContent>
+        <mc:AlternateContent xmlns:mc="http://schemas.openxmlformats.org/markup-compatibility/2006">
+          <mc:Choice xmlns:a14="http://schemas.microsoft.com/office/drawing/2010/main" Requires="a14">
+            <p:sp>
+              <p:nvSpPr>
+                <p:cNvPr id="8" name="文本框 7"/>
+                <p:cNvSpPr txBox="1"/>
+                <p:nvPr/>
+              </p:nvSpPr>
+              <p:spPr>
+                <a:xfrm>
+                  <a:off x="8484645" y="5106941"/>
+                  <a:ext cx="383130" cy="538253"/>
+                </a:xfrm>
+                <a:prstGeom prst="rect">
+                  <a:avLst/>
+                </a:prstGeom>
+                <a:noFill/>
+              </p:spPr>
+              <p:txBody>
+                <a:bodyPr wrap="none" lIns="0" tIns="0" rIns="0" bIns="0" rtlCol="0">
+                  <a:spAutoFit/>
+                </a:bodyPr>
+                <a:lstStyle/>
+                <a:p>
+                  <a14:m>
+                    <m:oMathPara xmlns:m="http://schemas.openxmlformats.org/officeDocument/2006/math">
+                      <m:oMathParaPr>
+                        <m:jc m:val="centerGroup"/>
+                      </m:oMathParaPr>
+                      <m:oMath xmlns:m="http://schemas.openxmlformats.org/officeDocument/2006/math">
+                        <m:r>
+                          <a:rPr lang="zh-CN" altLang="en-US" b="1" i="1" smtClean="0">
+                            <a:latin typeface="Cambria Math" panose="02040503050406030204" pitchFamily="18" charset="0"/>
+                          </a:rPr>
+                          <m:t>𝜽</m:t>
+                        </m:r>
+                      </m:oMath>
+                    </m:oMathPara>
+                  </a14:m>
+                  <a:endParaRPr lang="zh-CN" altLang="en-US" b="1" dirty="0"/>
+                </a:p>
+              </p:txBody>
+            </p:sp>
+          </mc:Choice>
+          <mc:Fallback>
+            <p:sp>
+              <p:nvSpPr>
+                <p:cNvPr id="8" name="文本框 7"/>
+                <p:cNvSpPr txBox="1">
+                  <a:spLocks noRot="1" noChangeAspect="1" noMove="1" noResize="1" noEditPoints="1" noAdjustHandles="1" noChangeArrowheads="1" noChangeShapeType="1" noTextEdit="1"/>
+                </p:cNvSpPr>
+                <p:nvPr/>
+              </p:nvSpPr>
+              <p:spPr>
+                <a:xfrm>
+                  <a:off x="8484645" y="5106941"/>
+                  <a:ext cx="383130" cy="538253"/>
+                </a:xfrm>
+                <a:prstGeom prst="rect">
+                  <a:avLst/>
+                </a:prstGeom>
+                <a:blipFill rotWithShape="0">
+                  <a:blip r:embed="rId3"/>
+                  <a:stretch>
+                    <a:fillRect/>
+                  </a:stretch>
+                </a:blipFill>
+              </p:spPr>
+              <p:txBody>
+                <a:bodyPr/>
+                <a:lstStyle/>
+                <a:p>
+                  <a:r>
+                    <a:rPr lang="zh-CN" altLang="en-US">
+                      <a:noFill/>
+                    </a:rPr>
+                    <a:t> </a:t>
+                  </a:r>
+                </a:p>
+              </p:txBody>
+            </p:sp>
+          </mc:Fallback>
+        </mc:AlternateContent>
+        <p:cxnSp>
+          <p:nvCxnSpPr>
+            <p:cNvPr id="10" name="直接箭头连接符 9"/>
+            <p:cNvCxnSpPr/>
+            <p:nvPr/>
+          </p:nvCxnSpPr>
+          <p:spPr>
+            <a:xfrm flipV="1">
+              <a:off x="5781675" y="4581525"/>
+              <a:ext cx="863600" cy="187325"/>
+            </a:xfrm>
+            <a:prstGeom prst="straightConnector1">
+              <a:avLst/>
+            </a:prstGeom>
+            <a:ln w="19050">
+              <a:solidFill>
+                <a:srgbClr val="FF0000"/>
+              </a:solidFill>
+              <a:tailEnd type="triangle"/>
+            </a:ln>
+          </p:spPr>
+          <p:style>
+            <a:lnRef idx="1">
+              <a:schemeClr val="accent1"/>
+            </a:lnRef>
+            <a:fillRef idx="0">
+              <a:schemeClr val="accent1"/>
+            </a:fillRef>
+            <a:effectRef idx="0">
+              <a:schemeClr val="accent1"/>
+            </a:effectRef>
+            <a:fontRef idx="minor">
+              <a:schemeClr val="tx1"/>
+            </a:fontRef>
+          </p:style>
+        </p:cxnSp>
+        <p:cxnSp>
+          <p:nvCxnSpPr>
+            <p:cNvPr id="12" name="直接箭头连接符 11"/>
+            <p:cNvCxnSpPr/>
+            <p:nvPr/>
+          </p:nvCxnSpPr>
+          <p:spPr>
+            <a:xfrm flipH="1" flipV="1">
+              <a:off x="5257137" y="4432502"/>
+              <a:ext cx="1386394" cy="149024"/>
+            </a:xfrm>
+            <a:prstGeom prst="straightConnector1">
+              <a:avLst/>
+            </a:prstGeom>
+            <a:ln w="19050">
+              <a:solidFill>
+                <a:srgbClr val="FF0000"/>
+              </a:solidFill>
+              <a:tailEnd type="triangle"/>
+            </a:ln>
+          </p:spPr>
+          <p:style>
+            <a:lnRef idx="1">
+              <a:schemeClr val="accent1"/>
+            </a:lnRef>
+            <a:fillRef idx="0">
+              <a:schemeClr val="accent1"/>
+            </a:fillRef>
+            <a:effectRef idx="0">
+              <a:schemeClr val="accent1"/>
+            </a:effectRef>
+            <a:fontRef idx="minor">
+              <a:schemeClr val="tx1"/>
+            </a:fontRef>
+          </p:style>
+        </p:cxnSp>
+        <p:cxnSp>
+          <p:nvCxnSpPr>
+            <p:cNvPr id="15" name="直接箭头连接符 14"/>
+            <p:cNvCxnSpPr/>
+            <p:nvPr/>
+          </p:nvCxnSpPr>
+          <p:spPr>
+            <a:xfrm flipH="1" flipV="1">
+              <a:off x="4924425" y="3905152"/>
+              <a:ext cx="2062006" cy="221646"/>
+            </a:xfrm>
+            <a:prstGeom prst="straightConnector1">
+              <a:avLst/>
+            </a:prstGeom>
+            <a:ln w="19050">
+              <a:solidFill>
+                <a:srgbClr val="FF0000"/>
+              </a:solidFill>
+              <a:tailEnd type="triangle"/>
+            </a:ln>
+          </p:spPr>
+          <p:style>
+            <a:lnRef idx="1">
+              <a:schemeClr val="accent1"/>
+            </a:lnRef>
+            <a:fillRef idx="0">
+              <a:schemeClr val="accent1"/>
+            </a:fillRef>
+            <a:effectRef idx="0">
+              <a:schemeClr val="accent1"/>
+            </a:effectRef>
+            <a:fontRef idx="minor">
+              <a:schemeClr val="tx1"/>
+            </a:fontRef>
+          </p:style>
+        </p:cxnSp>
+        <p:cxnSp>
+          <p:nvCxnSpPr>
+            <p:cNvPr id="16" name="直接箭头连接符 15"/>
+            <p:cNvCxnSpPr/>
+            <p:nvPr/>
+          </p:nvCxnSpPr>
+          <p:spPr>
+            <a:xfrm flipV="1">
+              <a:off x="5303595" y="4126798"/>
+              <a:ext cx="1744905" cy="305704"/>
+            </a:xfrm>
+            <a:prstGeom prst="straightConnector1">
+              <a:avLst/>
+            </a:prstGeom>
+            <a:ln w="19050">
+              <a:solidFill>
+                <a:srgbClr val="FF0000"/>
+              </a:solidFill>
+              <a:tailEnd type="triangle"/>
+            </a:ln>
+          </p:spPr>
+          <p:style>
+            <a:lnRef idx="1">
+              <a:schemeClr val="accent1"/>
+            </a:lnRef>
+            <a:fillRef idx="0">
+              <a:schemeClr val="accent1"/>
+            </a:fillRef>
+            <a:effectRef idx="0">
+              <a:schemeClr val="accent1"/>
+            </a:effectRef>
+            <a:fontRef idx="minor">
+              <a:schemeClr val="tx1"/>
+            </a:fontRef>
+          </p:style>
+        </p:cxnSp>
+        <p:cxnSp>
+          <p:nvCxnSpPr>
+            <p:cNvPr id="19" name="直接箭头连接符 18"/>
+            <p:cNvCxnSpPr/>
+            <p:nvPr/>
+          </p:nvCxnSpPr>
+          <p:spPr>
+            <a:xfrm flipV="1">
+              <a:off x="4924425" y="3483846"/>
+              <a:ext cx="2404743" cy="421306"/>
+            </a:xfrm>
+            <a:prstGeom prst="straightConnector1">
+              <a:avLst/>
+            </a:prstGeom>
+            <a:ln w="19050">
+              <a:solidFill>
+                <a:srgbClr val="FF0000"/>
+              </a:solidFill>
+              <a:tailEnd type="triangle"/>
+            </a:ln>
+          </p:spPr>
+          <p:style>
+            <a:lnRef idx="1">
+              <a:schemeClr val="accent1"/>
+            </a:lnRef>
+            <a:fillRef idx="0">
+              <a:schemeClr val="accent1"/>
+            </a:fillRef>
+            <a:effectRef idx="0">
+              <a:schemeClr val="accent1"/>
+            </a:effectRef>
+            <a:fontRef idx="minor">
+              <a:schemeClr val="tx1"/>
+            </a:fontRef>
+          </p:style>
+        </p:cxnSp>
+        <p:cxnSp>
+          <p:nvCxnSpPr>
+            <p:cNvPr id="21" name="直接箭头连接符 20"/>
+            <p:cNvCxnSpPr/>
+            <p:nvPr/>
+          </p:nvCxnSpPr>
+          <p:spPr>
+            <a:xfrm flipH="1" flipV="1">
+              <a:off x="5502275" y="3288549"/>
+              <a:ext cx="1816868" cy="195296"/>
+            </a:xfrm>
+            <a:prstGeom prst="straightConnector1">
+              <a:avLst/>
+            </a:prstGeom>
+            <a:ln w="19050">
+              <a:solidFill>
+                <a:srgbClr val="FF0000"/>
+              </a:solidFill>
+              <a:prstDash val="dash"/>
+              <a:headEnd type="none" w="med" len="med"/>
+              <a:tailEnd type="arrow" w="med" len="med"/>
+            </a:ln>
+          </p:spPr>
+          <p:style>
+            <a:lnRef idx="1">
+              <a:schemeClr val="accent1"/>
+            </a:lnRef>
+            <a:fillRef idx="0">
+              <a:schemeClr val="accent1"/>
+            </a:fillRef>
+            <a:effectRef idx="0">
+              <a:schemeClr val="accent1"/>
+            </a:effectRef>
+            <a:fontRef idx="minor">
+              <a:schemeClr val="tx1"/>
+            </a:fontRef>
+          </p:style>
+        </p:cxnSp>
+        <p:cxnSp>
+          <p:nvCxnSpPr>
+            <p:cNvPr id="24" name="直接箭头连接符 23"/>
+            <p:cNvCxnSpPr/>
+            <p:nvPr/>
+          </p:nvCxnSpPr>
+          <p:spPr>
+            <a:xfrm>
+              <a:off x="6213475" y="5106941"/>
+              <a:ext cx="478080" cy="0"/>
+            </a:xfrm>
+            <a:prstGeom prst="straightConnector1">
+              <a:avLst/>
+            </a:prstGeom>
+            <a:ln w="19050">
+              <a:solidFill>
+                <a:schemeClr val="tx1"/>
+              </a:solidFill>
+              <a:prstDash val="dash"/>
+              <a:tailEnd type="triangle"/>
+            </a:ln>
+          </p:spPr>
+          <p:style>
+            <a:lnRef idx="1">
+              <a:schemeClr val="accent1"/>
+            </a:lnRef>
+            <a:fillRef idx="0">
+              <a:schemeClr val="accent1"/>
+            </a:fillRef>
+            <a:effectRef idx="0">
+              <a:schemeClr val="accent1"/>
+            </a:effectRef>
+            <a:fontRef idx="minor">
+              <a:schemeClr val="tx1"/>
+            </a:fontRef>
+          </p:style>
+        </p:cxnSp>
+        <p:cxnSp>
+          <p:nvCxnSpPr>
+            <p:cNvPr id="25" name="直接箭头连接符 24"/>
+            <p:cNvCxnSpPr/>
+            <p:nvPr/>
+          </p:nvCxnSpPr>
+          <p:spPr>
+            <a:xfrm flipH="1">
+              <a:off x="5439159" y="5106941"/>
+              <a:ext cx="479425" cy="0"/>
+            </a:xfrm>
+            <a:prstGeom prst="straightConnector1">
+              <a:avLst/>
+            </a:prstGeom>
+            <a:ln w="19050">
+              <a:solidFill>
+                <a:schemeClr val="tx1"/>
+              </a:solidFill>
+              <a:prstDash val="dash"/>
+              <a:tailEnd type="triangle"/>
+            </a:ln>
+          </p:spPr>
+          <p:style>
+            <a:lnRef idx="1">
+              <a:schemeClr val="accent1"/>
+            </a:lnRef>
+            <a:fillRef idx="0">
+              <a:schemeClr val="accent1"/>
+            </a:fillRef>
+            <a:effectRef idx="0">
+              <a:schemeClr val="accent1"/>
+            </a:effectRef>
+            <a:fontRef idx="minor">
+              <a:schemeClr val="tx1"/>
+            </a:fontRef>
+          </p:style>
+        </p:cxnSp>
+        <mc:AlternateContent xmlns:mc="http://schemas.openxmlformats.org/markup-compatibility/2006">
+          <mc:Choice xmlns:a14="http://schemas.microsoft.com/office/drawing/2010/main" Requires="a14">
+            <p:sp>
+              <p:nvSpPr>
+                <p:cNvPr id="27" name="文本框 26"/>
+                <p:cNvSpPr txBox="1"/>
+                <p:nvPr/>
+              </p:nvSpPr>
+              <p:spPr>
+                <a:xfrm>
+                  <a:off x="5874945" y="4973234"/>
+                  <a:ext cx="383130" cy="538253"/>
+                </a:xfrm>
+                <a:prstGeom prst="rect">
+                  <a:avLst/>
+                </a:prstGeom>
+                <a:noFill/>
+              </p:spPr>
+              <p:txBody>
+                <a:bodyPr wrap="none" lIns="0" tIns="0" rIns="0" bIns="0" rtlCol="0">
+                  <a:spAutoFit/>
+                </a:bodyPr>
+                <a:lstStyle/>
+                <a:p>
+                  <a14:m>
+                    <m:oMathPara xmlns:m="http://schemas.openxmlformats.org/officeDocument/2006/math">
+                      <m:oMathParaPr>
+                        <m:jc m:val="centerGroup"/>
+                      </m:oMathParaPr>
+                      <m:oMath xmlns:m="http://schemas.openxmlformats.org/officeDocument/2006/math">
+                        <m:r>
+                          <a:rPr lang="zh-CN" altLang="en-US" b="1" i="1" smtClean="0">
+                            <a:latin typeface="Cambria Math" panose="02040503050406030204" pitchFamily="18" charset="0"/>
+                          </a:rPr>
+                          <m:t>𝜽</m:t>
+                        </m:r>
+                      </m:oMath>
+                    </m:oMathPara>
+                  </a14:m>
+                  <a:endParaRPr lang="zh-CN" altLang="en-US" b="1" dirty="0"/>
+                </a:p>
+              </p:txBody>
+            </p:sp>
+          </mc:Choice>
+          <mc:Fallback>
+            <p:sp>
+              <p:nvSpPr>
+                <p:cNvPr id="27" name="文本框 26"/>
+                <p:cNvSpPr txBox="1">
+                  <a:spLocks noRot="1" noChangeAspect="1" noMove="1" noResize="1" noEditPoints="1" noAdjustHandles="1" noChangeArrowheads="1" noChangeShapeType="1" noTextEdit="1"/>
+                </p:cNvSpPr>
+                <p:nvPr/>
+              </p:nvSpPr>
+              <p:spPr>
+                <a:xfrm>
+                  <a:off x="5874945" y="4973234"/>
+                  <a:ext cx="383130" cy="538253"/>
+                </a:xfrm>
+                <a:prstGeom prst="rect">
+                  <a:avLst/>
+                </a:prstGeom>
+                <a:blipFill rotWithShape="0">
+                  <a:blip r:embed="rId4"/>
+                  <a:stretch>
+                    <a:fillRect/>
+                  </a:stretch>
+                </a:blipFill>
+              </p:spPr>
+              <p:txBody>
+                <a:bodyPr/>
+                <a:lstStyle/>
+                <a:p>
+                  <a:r>
+                    <a:rPr lang="zh-CN" altLang="en-US">
+                      <a:noFill/>
+                    </a:rPr>
+                    <a:t> </a:t>
+                  </a:r>
+                </a:p>
+              </p:txBody>
+            </p:sp>
+          </mc:Fallback>
+        </mc:AlternateContent>
+      </p:grpSp>
+    </p:spTree>
+    <p:extLst>
+      <p:ext uri="{BB962C8B-B14F-4D97-AF65-F5344CB8AC3E}">
+        <p14:creationId xmlns:p14="http://schemas.microsoft.com/office/powerpoint/2010/main" val="906509004"/>
       </p:ext>
     </p:extLst>
   </p:cSld>
@@ -10894,8 +14548,8 @@
           </a:p>
         </p:txBody>
       </p:sp>
-      <mc:AlternateContent xmlns:mc="http://schemas.openxmlformats.org/markup-compatibility/2006">
-        <mc:Choice xmlns:a14="http://schemas.microsoft.com/office/drawing/2010/main" Requires="a14">
+      <mc:AlternateContent xmlns:mc="http://schemas.openxmlformats.org/markup-compatibility/2006" xmlns:a14="http://schemas.microsoft.com/office/drawing/2010/main">
+        <mc:Choice Requires="a14">
           <p:sp>
             <p:nvSpPr>
               <p:cNvPr id="157" name="文本框 156"/>
@@ -10918,6 +14572,7 @@
               </a:bodyPr>
               <a:lstStyle/>
               <a:p>
+                <a:pPr/>
                 <a14:m>
                   <m:oMathPara xmlns:m="http://schemas.openxmlformats.org/officeDocument/2006/math">
                     <m:oMathParaPr>
@@ -11281,7 +14936,7 @@
             </p:txBody>
           </p:sp>
         </mc:Choice>
-        <mc:Fallback>
+        <mc:Fallback xmlns="">
           <p:sp>
             <p:nvSpPr>
               <p:cNvPr id="157" name="文本框 156"/>
@@ -11320,8 +14975,8 @@
           </p:sp>
         </mc:Fallback>
       </mc:AlternateContent>
-      <mc:AlternateContent xmlns:mc="http://schemas.openxmlformats.org/markup-compatibility/2006">
-        <mc:Choice xmlns:a14="http://schemas.microsoft.com/office/drawing/2010/main" Requires="a14">
+      <mc:AlternateContent xmlns:mc="http://schemas.openxmlformats.org/markup-compatibility/2006" xmlns:a14="http://schemas.microsoft.com/office/drawing/2010/main">
+        <mc:Choice Requires="a14">
           <p:sp>
             <p:nvSpPr>
               <p:cNvPr id="159" name="文本框 158"/>
@@ -11344,6 +14999,7 @@
               </a:bodyPr>
               <a:lstStyle/>
               <a:p>
+                <a:pPr/>
                 <a14:m>
                   <m:oMathPara xmlns:m="http://schemas.openxmlformats.org/officeDocument/2006/math">
                     <m:oMathParaPr>
@@ -11410,7 +15066,7 @@
             </p:txBody>
           </p:sp>
         </mc:Choice>
-        <mc:Fallback>
+        <mc:Fallback xmlns="">
           <p:sp>
             <p:nvSpPr>
               <p:cNvPr id="159" name="文本框 158"/>
@@ -11497,8 +15153,8 @@
           </a:p>
         </p:txBody>
       </p:sp>
-      <mc:AlternateContent xmlns:mc="http://schemas.openxmlformats.org/markup-compatibility/2006">
-        <mc:Choice xmlns:a14="http://schemas.microsoft.com/office/drawing/2010/main" Requires="a14">
+      <mc:AlternateContent xmlns:mc="http://schemas.openxmlformats.org/markup-compatibility/2006" xmlns:a14="http://schemas.microsoft.com/office/drawing/2010/main">
+        <mc:Choice Requires="a14">
           <p:sp>
             <p:nvSpPr>
               <p:cNvPr id="161" name="矩形 160"/>
@@ -11884,7 +15540,7 @@
             </p:txBody>
           </p:sp>
         </mc:Choice>
-        <mc:Fallback>
+        <mc:Fallback xmlns="">
           <p:sp>
             <p:nvSpPr>
               <p:cNvPr id="161" name="矩形 160"/>
@@ -11923,8 +15579,8 @@
           </p:sp>
         </mc:Fallback>
       </mc:AlternateContent>
-      <mc:AlternateContent xmlns:mc="http://schemas.openxmlformats.org/markup-compatibility/2006">
-        <mc:Choice xmlns:a14="http://schemas.microsoft.com/office/drawing/2010/main" Requires="a14">
+      <mc:AlternateContent xmlns:mc="http://schemas.openxmlformats.org/markup-compatibility/2006" xmlns:a14="http://schemas.microsoft.com/office/drawing/2010/main">
+        <mc:Choice Requires="a14">
           <p:sp>
             <p:nvSpPr>
               <p:cNvPr id="163" name="文本框 162"/>
@@ -11947,6 +15603,7 @@
               </a:bodyPr>
               <a:lstStyle/>
               <a:p>
+                <a:pPr/>
                 <a14:m>
                   <m:oMathPara xmlns:m="http://schemas.openxmlformats.org/officeDocument/2006/math">
                     <m:oMathParaPr>
@@ -12013,7 +15670,7 @@
             </p:txBody>
           </p:sp>
         </mc:Choice>
-        <mc:Fallback>
+        <mc:Fallback xmlns="">
           <p:sp>
             <p:nvSpPr>
               <p:cNvPr id="163" name="文本框 162"/>
@@ -12650,8 +16307,8 @@
           </a:fontRef>
         </p:style>
       </p:cxnSp>
-      <mc:AlternateContent xmlns:mc="http://schemas.openxmlformats.org/markup-compatibility/2006">
-        <mc:Choice xmlns:a14="http://schemas.microsoft.com/office/drawing/2010/main" Requires="a14">
+      <mc:AlternateContent xmlns:mc="http://schemas.openxmlformats.org/markup-compatibility/2006" xmlns:a14="http://schemas.microsoft.com/office/drawing/2010/main">
+        <mc:Choice Requires="a14">
           <p:sp>
             <p:nvSpPr>
               <p:cNvPr id="199" name="文本框 198"/>
@@ -12674,6 +16331,7 @@
               </a:bodyPr>
               <a:lstStyle/>
               <a:p>
+                <a:pPr/>
                 <a14:m>
                   <m:oMathPara xmlns:m="http://schemas.openxmlformats.org/officeDocument/2006/math">
                     <m:oMathParaPr>
@@ -12866,7 +16524,7 @@
             </p:txBody>
           </p:sp>
         </mc:Choice>
-        <mc:Fallback>
+        <mc:Fallback xmlns="">
           <p:sp>
             <p:nvSpPr>
               <p:cNvPr id="199" name="文本框 198"/>
@@ -13378,8 +17036,8 @@
             </a:p>
           </p:txBody>
         </p:sp>
-        <mc:AlternateContent xmlns:mc="http://schemas.openxmlformats.org/markup-compatibility/2006">
-          <mc:Choice xmlns:a14="http://schemas.microsoft.com/office/drawing/2010/main" Requires="a14">
+        <mc:AlternateContent xmlns:mc="http://schemas.openxmlformats.org/markup-compatibility/2006" xmlns:a14="http://schemas.microsoft.com/office/drawing/2010/main">
+          <mc:Choice Requires="a14">
             <p:sp>
               <p:nvSpPr>
                 <p:cNvPr id="5" name="文本框 4"/>
@@ -13402,6 +17060,7 @@
                 </a:bodyPr>
                 <a:lstStyle/>
                 <a:p>
+                  <a:pPr/>
                   <a14:m>
                     <m:oMathPara xmlns:m="http://schemas.openxmlformats.org/officeDocument/2006/math">
                       <m:oMathParaPr>
@@ -13897,7 +17556,7 @@
               </p:txBody>
             </p:sp>
           </mc:Choice>
-          <mc:Fallback>
+          <mc:Fallback xmlns="">
             <p:sp>
               <p:nvSpPr>
                 <p:cNvPr id="5" name="文本框 4"/>
@@ -13970,8 +17629,8 @@
             </a:fontRef>
           </p:style>
         </p:cxnSp>
-        <mc:AlternateContent xmlns:mc="http://schemas.openxmlformats.org/markup-compatibility/2006">
-          <mc:Choice xmlns:a14="http://schemas.microsoft.com/office/drawing/2010/main" Requires="a14">
+        <mc:AlternateContent xmlns:mc="http://schemas.openxmlformats.org/markup-compatibility/2006" xmlns:a14="http://schemas.microsoft.com/office/drawing/2010/main">
+          <mc:Choice Requires="a14">
             <p:sp>
               <p:nvSpPr>
                 <p:cNvPr id="10" name="文本框 9"/>
@@ -13994,6 +17653,7 @@
                 </a:bodyPr>
                 <a:lstStyle/>
                 <a:p>
+                  <a:pPr/>
                   <a14:m>
                     <m:oMathPara xmlns:m="http://schemas.openxmlformats.org/officeDocument/2006/math">
                       <m:oMathParaPr>
@@ -14082,7 +17742,7 @@
               </p:txBody>
             </p:sp>
           </mc:Choice>
-          <mc:Fallback>
+          <mc:Fallback xmlns="">
             <p:sp>
               <p:nvSpPr>
                 <p:cNvPr id="10" name="文本框 9"/>
@@ -14391,8 +18051,8 @@
             </a:p>
           </p:txBody>
         </p:sp>
-        <mc:AlternateContent xmlns:mc="http://schemas.openxmlformats.org/markup-compatibility/2006">
-          <mc:Choice xmlns:a14="http://schemas.microsoft.com/office/drawing/2010/main" Requires="a14">
+        <mc:AlternateContent xmlns:mc="http://schemas.openxmlformats.org/markup-compatibility/2006" xmlns:a14="http://schemas.microsoft.com/office/drawing/2010/main">
+          <mc:Choice Requires="a14">
             <p:sp>
               <p:nvSpPr>
                 <p:cNvPr id="22" name="文本框 21"/>
@@ -14415,6 +18075,7 @@
                 </a:bodyPr>
                 <a:lstStyle/>
                 <a:p>
+                  <a:pPr/>
                   <a14:m>
                     <m:oMathPara xmlns:m="http://schemas.openxmlformats.org/officeDocument/2006/math">
                       <m:oMathParaPr>
@@ -14581,7 +18242,7 @@
               </p:txBody>
             </p:sp>
           </mc:Choice>
-          <mc:Fallback>
+          <mc:Fallback xmlns="">
             <p:sp>
               <p:nvSpPr>
                 <p:cNvPr id="22" name="文本框 21"/>
@@ -14674,8 +18335,8 @@
             </a:p>
           </p:txBody>
         </p:sp>
-        <mc:AlternateContent xmlns:mc="http://schemas.openxmlformats.org/markup-compatibility/2006">
-          <mc:Choice xmlns:a14="http://schemas.microsoft.com/office/drawing/2010/main" Requires="a14">
+        <mc:AlternateContent xmlns:mc="http://schemas.openxmlformats.org/markup-compatibility/2006" xmlns:a14="http://schemas.microsoft.com/office/drawing/2010/main">
+          <mc:Choice Requires="a14">
             <p:sp>
               <p:nvSpPr>
                 <p:cNvPr id="23" name="文本框 22"/>
@@ -14698,6 +18359,7 @@
                 </a:bodyPr>
                 <a:lstStyle/>
                 <a:p>
+                  <a:pPr/>
                   <a14:m>
                     <m:oMathPara xmlns:m="http://schemas.openxmlformats.org/officeDocument/2006/math">
                       <m:oMathParaPr>
@@ -14896,7 +18558,7 @@
               </p:txBody>
             </p:sp>
           </mc:Choice>
-          <mc:Fallback>
+          <mc:Fallback xmlns="">
             <p:sp>
               <p:nvSpPr>
                 <p:cNvPr id="23" name="文本框 22"/>
@@ -15004,8 +18666,8 @@
             </a:fontRef>
           </p:style>
         </p:cxnSp>
-        <mc:AlternateContent xmlns:mc="http://schemas.openxmlformats.org/markup-compatibility/2006">
-          <mc:Choice xmlns:a14="http://schemas.microsoft.com/office/drawing/2010/main" Requires="a14">
+        <mc:AlternateContent xmlns:mc="http://schemas.openxmlformats.org/markup-compatibility/2006" xmlns:a14="http://schemas.microsoft.com/office/drawing/2010/main">
+          <mc:Choice Requires="a14">
             <p:sp>
               <p:nvSpPr>
                 <p:cNvPr id="32" name="文本框 31"/>
@@ -15028,6 +18690,7 @@
                 </a:bodyPr>
                 <a:lstStyle/>
                 <a:p>
+                  <a:pPr/>
                   <a14:m>
                     <m:oMathPara xmlns:m="http://schemas.openxmlformats.org/officeDocument/2006/math">
                       <m:oMathParaPr>
@@ -15178,7 +18841,7 @@
               </p:txBody>
             </p:sp>
           </mc:Choice>
-          <mc:Fallback>
+          <mc:Fallback xmlns="">
             <p:sp>
               <p:nvSpPr>
                 <p:cNvPr id="32" name="文本框 31"/>
@@ -15217,8 +18880,8 @@
             </p:sp>
           </mc:Fallback>
         </mc:AlternateContent>
-        <mc:AlternateContent xmlns:mc="http://schemas.openxmlformats.org/markup-compatibility/2006">
-          <mc:Choice xmlns:a14="http://schemas.microsoft.com/office/drawing/2010/main" Requires="a14">
+        <mc:AlternateContent xmlns:mc="http://schemas.openxmlformats.org/markup-compatibility/2006" xmlns:a14="http://schemas.microsoft.com/office/drawing/2010/main">
+          <mc:Choice Requires="a14">
             <p:sp>
               <p:nvSpPr>
                 <p:cNvPr id="33" name="矩形 32"/>
@@ -15349,13 +19012,7 @@
                                             <a:rPr lang="en-US" altLang="zh-CN" sz="1200" b="0" i="1" smtClean="0">
                                               <a:latin typeface="Cambria Math" panose="02040503050406030204" pitchFamily="18" charset="0"/>
                                             </a:rPr>
-                                            <m:t>1</m:t>
-                                          </m:r>
-                                          <m:r>
-                                            <a:rPr lang="en-US" altLang="zh-CN" sz="1200" b="0" i="1" smtClean="0">
-                                              <a:latin typeface="Cambria Math" panose="02040503050406030204" pitchFamily="18" charset="0"/>
-                                            </a:rPr>
-                                            <m:t>1</m:t>
+                                            <m:t>11</m:t>
                                           </m:r>
                                         </m:sub>
                                         <m:sup>
@@ -15410,13 +19067,7 @@
                                             <a:rPr lang="en-US" altLang="zh-CN" sz="1200" b="0" i="1" smtClean="0">
                                               <a:latin typeface="Cambria Math" panose="02040503050406030204" pitchFamily="18" charset="0"/>
                                             </a:rPr>
-                                            <m:t>1</m:t>
-                                          </m:r>
-                                          <m:r>
-                                            <a:rPr lang="en-US" altLang="zh-CN" sz="1200" b="0" i="1" smtClean="0">
-                                              <a:latin typeface="Cambria Math" panose="02040503050406030204" pitchFamily="18" charset="0"/>
-                                            </a:rPr>
-                                            <m:t>,</m:t>
+                                            <m:t>1,</m:t>
                                           </m:r>
                                           <m:sSubSup>
                                             <m:sSubSupPr>
@@ -15864,7 +19515,7 @@
               </p:txBody>
             </p:sp>
           </mc:Choice>
-          <mc:Fallback>
+          <mc:Fallback xmlns="">
             <p:sp>
               <p:nvSpPr>
                 <p:cNvPr id="33" name="矩形 32"/>
@@ -15903,8 +19554,8 @@
             </p:sp>
           </mc:Fallback>
         </mc:AlternateContent>
-        <mc:AlternateContent xmlns:mc="http://schemas.openxmlformats.org/markup-compatibility/2006">
-          <mc:Choice xmlns:a14="http://schemas.microsoft.com/office/drawing/2010/main" Requires="a14">
+        <mc:AlternateContent xmlns:mc="http://schemas.openxmlformats.org/markup-compatibility/2006" xmlns:a14="http://schemas.microsoft.com/office/drawing/2010/main">
+          <mc:Choice Requires="a14">
             <p:sp>
               <p:nvSpPr>
                 <p:cNvPr id="34" name="文本框 33"/>
@@ -15927,6 +19578,7 @@
                 </a:bodyPr>
                 <a:lstStyle/>
                 <a:p>
+                  <a:pPr/>
                   <a14:m>
                     <m:oMathPara xmlns:m="http://schemas.openxmlformats.org/officeDocument/2006/math">
                       <m:oMathParaPr>
@@ -16130,7 +19782,7 @@
               </p:txBody>
             </p:sp>
           </mc:Choice>
-          <mc:Fallback>
+          <mc:Fallback xmlns="">
             <p:sp>
               <p:nvSpPr>
                 <p:cNvPr id="34" name="文本框 33"/>
@@ -16369,8 +20021,8 @@
             </a:fontRef>
           </p:style>
         </p:cxnSp>
-        <mc:AlternateContent xmlns:mc="http://schemas.openxmlformats.org/markup-compatibility/2006">
-          <mc:Choice xmlns:a14="http://schemas.microsoft.com/office/drawing/2010/main" Requires="a14">
+        <mc:AlternateContent xmlns:mc="http://schemas.openxmlformats.org/markup-compatibility/2006" xmlns:a14="http://schemas.microsoft.com/office/drawing/2010/main">
+          <mc:Choice Requires="a14">
             <p:sp>
               <p:nvSpPr>
                 <p:cNvPr id="53" name="矩形 52"/>
@@ -16785,7 +20437,7 @@
               </p:txBody>
             </p:sp>
           </mc:Choice>
-          <mc:Fallback>
+          <mc:Fallback xmlns="">
             <p:sp>
               <p:nvSpPr>
                 <p:cNvPr id="53" name="矩形 52"/>
@@ -16878,8 +20530,8 @@
             </a:p>
           </p:txBody>
         </p:sp>
-        <mc:AlternateContent xmlns:mc="http://schemas.openxmlformats.org/markup-compatibility/2006">
-          <mc:Choice xmlns:a14="http://schemas.microsoft.com/office/drawing/2010/main" Requires="a14">
+        <mc:AlternateContent xmlns:mc="http://schemas.openxmlformats.org/markup-compatibility/2006" xmlns:a14="http://schemas.microsoft.com/office/drawing/2010/main">
+          <mc:Choice Requires="a14">
             <p:sp>
               <p:nvSpPr>
                 <p:cNvPr id="62" name="文本框 61"/>
@@ -16902,6 +20554,7 @@
                 </a:bodyPr>
                 <a:lstStyle/>
                 <a:p>
+                  <a:pPr/>
                   <a14:m>
                     <m:oMathPara xmlns:m="http://schemas.openxmlformats.org/officeDocument/2006/math">
                       <m:oMathParaPr>
@@ -17062,7 +20715,7 @@
               </p:txBody>
             </p:sp>
           </mc:Choice>
-          <mc:Fallback>
+          <mc:Fallback xmlns="">
             <p:sp>
               <p:nvSpPr>
                 <p:cNvPr id="62" name="文本框 61"/>
@@ -17155,8 +20808,8 @@
             </a:p>
           </p:txBody>
         </p:sp>
-        <mc:AlternateContent xmlns:mc="http://schemas.openxmlformats.org/markup-compatibility/2006">
-          <mc:Choice xmlns:a14="http://schemas.microsoft.com/office/drawing/2010/main" Requires="a14">
+        <mc:AlternateContent xmlns:mc="http://schemas.openxmlformats.org/markup-compatibility/2006" xmlns:a14="http://schemas.microsoft.com/office/drawing/2010/main">
+          <mc:Choice Requires="a14">
             <p:sp>
               <p:nvSpPr>
                 <p:cNvPr id="64" name="文本框 63"/>
@@ -17179,6 +20832,7 @@
                 </a:bodyPr>
                 <a:lstStyle/>
                 <a:p>
+                  <a:pPr/>
                   <a14:m>
                     <m:oMathPara xmlns:m="http://schemas.openxmlformats.org/officeDocument/2006/math">
                       <m:oMathParaPr>
@@ -17365,7 +21019,7 @@
               </p:txBody>
             </p:sp>
           </mc:Choice>
-          <mc:Fallback>
+          <mc:Fallback xmlns="">
             <p:sp>
               <p:nvSpPr>
                 <p:cNvPr id="64" name="文本框 63"/>
@@ -17796,8 +21450,8 @@
             </a:fontRef>
           </p:style>
         </p:cxnSp>
-        <mc:AlternateContent xmlns:mc="http://schemas.openxmlformats.org/markup-compatibility/2006">
-          <mc:Choice xmlns:a14="http://schemas.microsoft.com/office/drawing/2010/main" Requires="a14">
+        <mc:AlternateContent xmlns:mc="http://schemas.openxmlformats.org/markup-compatibility/2006" xmlns:a14="http://schemas.microsoft.com/office/drawing/2010/main">
+          <mc:Choice Requires="a14">
             <p:sp>
               <p:nvSpPr>
                 <p:cNvPr id="85" name="文本框 84"/>
@@ -18103,7 +21757,7 @@
               </p:txBody>
             </p:sp>
           </mc:Choice>
-          <mc:Fallback>
+          <mc:Fallback xmlns="">
             <p:sp>
               <p:nvSpPr>
                 <p:cNvPr id="85" name="文本框 84"/>
@@ -18307,8 +21961,8 @@
           </a:prstGeom>
         </p:spPr>
       </p:pic>
-      <mc:AlternateContent xmlns:mc="http://schemas.openxmlformats.org/markup-compatibility/2006">
-        <mc:Choice xmlns:a14="http://schemas.microsoft.com/office/drawing/2010/main" Requires="a14">
+      <mc:AlternateContent xmlns:mc="http://schemas.openxmlformats.org/markup-compatibility/2006" xmlns:a14="http://schemas.microsoft.com/office/drawing/2010/main">
+        <mc:Choice Requires="a14">
           <p:sp>
             <p:nvSpPr>
               <p:cNvPr id="5" name="文本框 4"/>
@@ -18331,6 +21985,7 @@
               </a:bodyPr>
               <a:lstStyle/>
               <a:p>
+                <a:pPr/>
                 <a14:m>
                   <m:oMathPara xmlns:m="http://schemas.openxmlformats.org/officeDocument/2006/math">
                     <m:oMathParaPr>
@@ -18696,7 +22351,7 @@
             </p:txBody>
           </p:sp>
         </mc:Choice>
-        <mc:Fallback>
+        <mc:Fallback xmlns="">
           <p:sp>
             <p:nvSpPr>
               <p:cNvPr id="5" name="文本框 4"/>
@@ -18735,8 +22390,8 @@
           </p:sp>
         </mc:Fallback>
       </mc:AlternateContent>
-      <mc:AlternateContent xmlns:mc="http://schemas.openxmlformats.org/markup-compatibility/2006">
-        <mc:Choice xmlns:a14="http://schemas.microsoft.com/office/drawing/2010/main" Requires="a14">
+      <mc:AlternateContent xmlns:mc="http://schemas.openxmlformats.org/markup-compatibility/2006" xmlns:a14="http://schemas.microsoft.com/office/drawing/2010/main">
+        <mc:Choice Requires="a14">
           <p:sp>
             <p:nvSpPr>
               <p:cNvPr id="6" name="矩形 5"/>
@@ -18758,6 +22413,7 @@
               </a:bodyPr>
               <a:lstStyle/>
               <a:p>
+                <a:pPr/>
                 <a14:m>
                   <m:oMathPara xmlns:m="http://schemas.openxmlformats.org/officeDocument/2006/math">
                     <m:oMathParaPr>
@@ -19128,7 +22784,7 @@
             </p:txBody>
           </p:sp>
         </mc:Choice>
-        <mc:Fallback>
+        <mc:Fallback xmlns="">
           <p:sp>
             <p:nvSpPr>
               <p:cNvPr id="6" name="矩形 5"/>
@@ -19167,8 +22823,8 @@
           </p:sp>
         </mc:Fallback>
       </mc:AlternateContent>
-      <mc:AlternateContent xmlns:mc="http://schemas.openxmlformats.org/markup-compatibility/2006">
-        <mc:Choice xmlns:a14="http://schemas.microsoft.com/office/drawing/2010/main" Requires="a14">
+      <mc:AlternateContent xmlns:mc="http://schemas.openxmlformats.org/markup-compatibility/2006" xmlns:a14="http://schemas.microsoft.com/office/drawing/2010/main">
+        <mc:Choice Requires="a14">
           <p:sp>
             <p:nvSpPr>
               <p:cNvPr id="7" name="矩形 6"/>
@@ -19236,13 +22892,7 @@
                             <a:rPr lang="en-US" altLang="zh-CN" sz="1200" b="0" i="1" smtClean="0">
                               <a:latin typeface="Cambria Math" panose="02040503050406030204" pitchFamily="18" charset="0"/>
                             </a:rPr>
-                            <m:t>−1</m:t>
-                          </m:r>
-                          <m:r>
-                            <a:rPr lang="en-US" altLang="zh-CN" sz="1200" b="0" i="1" smtClean="0">
-                              <a:latin typeface="Cambria Math" panose="02040503050406030204" pitchFamily="18" charset="0"/>
-                            </a:rPr>
-                            <m:t>]</m:t>
+                            <m:t>−1]</m:t>
                           </m:r>
                         </m:sup>
                       </m:sSup>
@@ -19539,7 +23189,7 @@
             </p:txBody>
           </p:sp>
         </mc:Choice>
-        <mc:Fallback>
+        <mc:Fallback xmlns="">
           <p:sp>
             <p:nvSpPr>
               <p:cNvPr id="7" name="矩形 6"/>
@@ -19578,8 +23228,8 @@
           </p:sp>
         </mc:Fallback>
       </mc:AlternateContent>
-      <mc:AlternateContent xmlns:mc="http://schemas.openxmlformats.org/markup-compatibility/2006">
-        <mc:Choice xmlns:a14="http://schemas.microsoft.com/office/drawing/2010/main" Requires="a14">
+      <mc:AlternateContent xmlns:mc="http://schemas.openxmlformats.org/markup-compatibility/2006" xmlns:a14="http://schemas.microsoft.com/office/drawing/2010/main">
+        <mc:Choice Requires="a14">
           <p:sp>
             <p:nvSpPr>
               <p:cNvPr id="8" name="文本框 7"/>
@@ -19602,6 +23252,7 @@
               </a:bodyPr>
               <a:lstStyle/>
               <a:p>
+                <a:pPr/>
                 <a14:m>
                   <m:oMathPara xmlns:m="http://schemas.openxmlformats.org/officeDocument/2006/math">
                     <m:oMathParaPr>
@@ -19622,7 +23273,7 @@
             </p:txBody>
           </p:sp>
         </mc:Choice>
-        <mc:Fallback>
+        <mc:Fallback xmlns="">
           <p:sp>
             <p:nvSpPr>
               <p:cNvPr id="8" name="文本框 7"/>
@@ -19661,8 +23312,8 @@
           </p:sp>
         </mc:Fallback>
       </mc:AlternateContent>
-      <mc:AlternateContent xmlns:mc="http://schemas.openxmlformats.org/markup-compatibility/2006">
-        <mc:Choice xmlns:a14="http://schemas.microsoft.com/office/drawing/2010/main" Requires="a14">
+      <mc:AlternateContent xmlns:mc="http://schemas.openxmlformats.org/markup-compatibility/2006" xmlns:a14="http://schemas.microsoft.com/office/drawing/2010/main">
+        <mc:Choice Requires="a14">
           <p:sp>
             <p:nvSpPr>
               <p:cNvPr id="9" name="矩形 8"/>
@@ -19806,19 +23457,7 @@
                                     <a:rPr lang="en-US" altLang="zh-CN" sz="1200" b="0" i="1" smtClean="0">
                                       <a:latin typeface="Cambria Math" panose="02040503050406030204" pitchFamily="18" charset="0"/>
                                     </a:rPr>
-                                    <m:t>[</m:t>
-                                  </m:r>
-                                  <m:r>
-                                    <a:rPr lang="en-US" altLang="zh-CN" sz="1200" b="0" i="1" smtClean="0">
-                                      <a:latin typeface="Cambria Math" panose="02040503050406030204" pitchFamily="18" charset="0"/>
-                                    </a:rPr>
-                                    <m:t>2</m:t>
-                                  </m:r>
-                                  <m:r>
-                                    <a:rPr lang="en-US" altLang="zh-CN" sz="1200" b="0" i="1" smtClean="0">
-                                      <a:latin typeface="Cambria Math" panose="02040503050406030204" pitchFamily="18" charset="0"/>
-                                    </a:rPr>
-                                    <m:t>]</m:t>
+                                    <m:t>[2]</m:t>
                                   </m:r>
                                 </m:sup>
                               </m:sSup>
@@ -19859,19 +23498,7 @@
                                 <a:rPr lang="en-US" altLang="zh-CN" sz="1200" b="0" i="1" smtClean="0">
                                   <a:latin typeface="Cambria Math" panose="02040503050406030204" pitchFamily="18" charset="0"/>
                                 </a:rPr>
-                                <m:t>[</m:t>
-                              </m:r>
-                              <m:r>
-                                <a:rPr lang="en-US" altLang="zh-CN" sz="1200" b="0" i="1" smtClean="0">
-                                  <a:latin typeface="Cambria Math" panose="02040503050406030204" pitchFamily="18" charset="0"/>
-                                </a:rPr>
-                                <m:t>2</m:t>
-                              </m:r>
-                              <m:r>
-                                <a:rPr lang="en-US" altLang="zh-CN" sz="1200" b="0" i="1" smtClean="0">
-                                  <a:latin typeface="Cambria Math" panose="02040503050406030204" pitchFamily="18" charset="0"/>
-                                </a:rPr>
-                                <m:t>]</m:t>
+                                <m:t>[2]</m:t>
                               </m:r>
                             </m:sup>
                           </m:sSup>
@@ -19987,7 +23614,7 @@
             </p:txBody>
           </p:sp>
         </mc:Choice>
-        <mc:Fallback>
+        <mc:Fallback xmlns="">
           <p:sp>
             <p:nvSpPr>
               <p:cNvPr id="9" name="矩形 8"/>
@@ -20026,8 +23653,8 @@
           </p:sp>
         </mc:Fallback>
       </mc:AlternateContent>
-      <mc:AlternateContent xmlns:mc="http://schemas.openxmlformats.org/markup-compatibility/2006">
-        <mc:Choice xmlns:a14="http://schemas.microsoft.com/office/drawing/2010/main" Requires="a14">
+      <mc:AlternateContent xmlns:mc="http://schemas.openxmlformats.org/markup-compatibility/2006" xmlns:a14="http://schemas.microsoft.com/office/drawing/2010/main">
+        <mc:Choice Requires="a14">
           <p:sp>
             <p:nvSpPr>
               <p:cNvPr id="10" name="矩形 9"/>
@@ -20251,7 +23878,7 @@
             </p:txBody>
           </p:sp>
         </mc:Choice>
-        <mc:Fallback>
+        <mc:Fallback xmlns="">
           <p:sp>
             <p:nvSpPr>
               <p:cNvPr id="10" name="矩形 9"/>
@@ -20290,8 +23917,8 @@
           </p:sp>
         </mc:Fallback>
       </mc:AlternateContent>
-      <mc:AlternateContent xmlns:mc="http://schemas.openxmlformats.org/markup-compatibility/2006">
-        <mc:Choice xmlns:a14="http://schemas.microsoft.com/office/drawing/2010/main" Requires="a14">
+      <mc:AlternateContent xmlns:mc="http://schemas.openxmlformats.org/markup-compatibility/2006" xmlns:a14="http://schemas.microsoft.com/office/drawing/2010/main">
+        <mc:Choice Requires="a14">
           <p:sp>
             <p:nvSpPr>
               <p:cNvPr id="13" name="矩形 12"/>
@@ -20359,13 +23986,7 @@
                             <a:rPr lang="en-US" altLang="zh-CN" sz="1200" b="0" i="1" smtClean="0">
                               <a:latin typeface="Cambria Math" panose="02040503050406030204" pitchFamily="18" charset="0"/>
                             </a:rPr>
-                            <m:t>−1</m:t>
-                          </m:r>
-                          <m:r>
-                            <a:rPr lang="en-US" altLang="zh-CN" sz="1200" b="0" i="1" smtClean="0">
-                              <a:latin typeface="Cambria Math" panose="02040503050406030204" pitchFamily="18" charset="0"/>
-                            </a:rPr>
-                            <m:t>]</m:t>
+                            <m:t>−1]</m:t>
                           </m:r>
                         </m:sup>
                       </m:sSup>
@@ -20521,7 +24142,7 @@
             </p:txBody>
           </p:sp>
         </mc:Choice>
-        <mc:Fallback>
+        <mc:Fallback xmlns="">
           <p:sp>
             <p:nvSpPr>
               <p:cNvPr id="13" name="矩形 12"/>
@@ -20560,8 +24181,8 @@
           </p:sp>
         </mc:Fallback>
       </mc:AlternateContent>
-      <mc:AlternateContent xmlns:mc="http://schemas.openxmlformats.org/markup-compatibility/2006">
-        <mc:Choice xmlns:a14="http://schemas.microsoft.com/office/drawing/2010/main" Requires="a14">
+      <mc:AlternateContent xmlns:mc="http://schemas.openxmlformats.org/markup-compatibility/2006" xmlns:a14="http://schemas.microsoft.com/office/drawing/2010/main">
+        <mc:Choice Requires="a14">
           <p:sp>
             <p:nvSpPr>
               <p:cNvPr id="14" name="矩形 13"/>
@@ -20617,19 +24238,7 @@
                             <a:rPr lang="en-US" altLang="zh-CN" sz="1200" b="0" i="1" smtClean="0">
                               <a:latin typeface="Cambria Math" panose="02040503050406030204" pitchFamily="18" charset="0"/>
                             </a:rPr>
-                            <m:t>[</m:t>
-                          </m:r>
-                          <m:r>
-                            <a:rPr lang="en-US" altLang="zh-CN" sz="1200" b="0" i="1" smtClean="0">
-                              <a:latin typeface="Cambria Math" panose="02040503050406030204" pitchFamily="18" charset="0"/>
-                            </a:rPr>
-                            <m:t>1</m:t>
-                          </m:r>
-                          <m:r>
-                            <a:rPr lang="en-US" altLang="zh-CN" sz="1200" b="0" i="1" smtClean="0">
-                              <a:latin typeface="Cambria Math" panose="02040503050406030204" pitchFamily="18" charset="0"/>
-                            </a:rPr>
-                            <m:t>]</m:t>
+                            <m:t>[1]</m:t>
                           </m:r>
                         </m:sup>
                       </m:sSup>
@@ -20761,7 +24370,7 @@
             </p:txBody>
           </p:sp>
         </mc:Choice>
-        <mc:Fallback>
+        <mc:Fallback xmlns="">
           <p:sp>
             <p:nvSpPr>
               <p:cNvPr id="14" name="矩形 13"/>
@@ -20800,8 +24409,8 @@
           </p:sp>
         </mc:Fallback>
       </mc:AlternateContent>
-      <mc:AlternateContent xmlns:mc="http://schemas.openxmlformats.org/markup-compatibility/2006">
-        <mc:Choice xmlns:a14="http://schemas.microsoft.com/office/drawing/2010/main" Requires="a14">
+      <mc:AlternateContent xmlns:mc="http://schemas.openxmlformats.org/markup-compatibility/2006" xmlns:a14="http://schemas.microsoft.com/office/drawing/2010/main">
+        <mc:Choice Requires="a14">
           <p:sp>
             <p:nvSpPr>
               <p:cNvPr id="17" name="文本框 16"/>
@@ -20824,6 +24433,7 @@
               </a:bodyPr>
               <a:lstStyle/>
               <a:p>
+                <a:pPr/>
                 <a14:m>
                   <m:oMathPara xmlns:m="http://schemas.openxmlformats.org/officeDocument/2006/math">
                     <m:oMathParaPr>
@@ -20844,7 +24454,7 @@
             </p:txBody>
           </p:sp>
         </mc:Choice>
-        <mc:Fallback>
+        <mc:Fallback xmlns="">
           <p:sp>
             <p:nvSpPr>
               <p:cNvPr id="17" name="文本框 16"/>
@@ -20883,8 +24493,8 @@
           </p:sp>
         </mc:Fallback>
       </mc:AlternateContent>
-      <mc:AlternateContent xmlns:mc="http://schemas.openxmlformats.org/markup-compatibility/2006">
-        <mc:Choice xmlns:a14="http://schemas.microsoft.com/office/drawing/2010/main" Requires="a14">
+      <mc:AlternateContent xmlns:mc="http://schemas.openxmlformats.org/markup-compatibility/2006" xmlns:a14="http://schemas.microsoft.com/office/drawing/2010/main">
+        <mc:Choice Requires="a14">
           <p:sp>
             <p:nvSpPr>
               <p:cNvPr id="21" name="矩形 20"/>
@@ -20991,7 +24601,13 @@
                                 <a:rPr lang="en-US" altLang="zh-CN" sz="1200" b="0" i="1" smtClean="0">
                                   <a:latin typeface="Cambria Math" panose="02040503050406030204" pitchFamily="18" charset="0"/>
                                 </a:rPr>
-                                <m:t>𝑟𝑜𝑤</m:t>
+                                <m:t>𝑟</m:t>
+                              </m:r>
+                              <m:r>
+                                <a:rPr lang="en-US" altLang="zh-CN" sz="1200" b="0" i="1" smtClean="0">
+                                  <a:latin typeface="Cambria Math" panose="02040503050406030204" pitchFamily="18" charset="0"/>
+                                </a:rPr>
+                                <m:t>𝑜𝑤</m:t>
                               </m:r>
                               <m:r>
                                 <a:rPr lang="en-US" altLang="zh-CN" sz="1200" b="0" i="1" smtClean="0">
@@ -21115,7 +24731,7 @@
             </p:txBody>
           </p:sp>
         </mc:Choice>
-        <mc:Fallback>
+        <mc:Fallback xmlns="">
           <p:sp>
             <p:nvSpPr>
               <p:cNvPr id="21" name="矩形 20"/>
@@ -21438,8 +25054,8 @@
             <a:chExt cx="6827157" cy="3721065"/>
           </a:xfrm>
         </p:grpSpPr>
-        <mc:AlternateContent xmlns:mc="http://schemas.openxmlformats.org/markup-compatibility/2006">
-          <mc:Choice xmlns:a14="http://schemas.microsoft.com/office/drawing/2010/main" Requires="a14">
+        <mc:AlternateContent xmlns:mc="http://schemas.openxmlformats.org/markup-compatibility/2006" xmlns:a14="http://schemas.microsoft.com/office/drawing/2010/main">
+          <mc:Choice Requires="a14">
             <p:sp>
               <p:nvSpPr>
                 <p:cNvPr id="4" name="椭圆 3"/>
@@ -21547,7 +25163,7 @@
               </p:txBody>
             </p:sp>
           </mc:Choice>
-          <mc:Fallback>
+          <mc:Fallback xmlns="">
             <p:sp>
               <p:nvSpPr>
                 <p:cNvPr id="4" name="椭圆 3"/>
@@ -21591,8 +25207,8 @@
             </p:sp>
           </mc:Fallback>
         </mc:AlternateContent>
-        <mc:AlternateContent xmlns:mc="http://schemas.openxmlformats.org/markup-compatibility/2006">
-          <mc:Choice xmlns:a14="http://schemas.microsoft.com/office/drawing/2010/main" Requires="a14">
+        <mc:AlternateContent xmlns:mc="http://schemas.openxmlformats.org/markup-compatibility/2006" xmlns:a14="http://schemas.microsoft.com/office/drawing/2010/main">
+          <mc:Choice Requires="a14">
             <p:sp>
               <p:nvSpPr>
                 <p:cNvPr id="5" name="椭圆 4"/>
@@ -21718,7 +25334,7 @@
               </p:txBody>
             </p:sp>
           </mc:Choice>
-          <mc:Fallback>
+          <mc:Fallback xmlns="">
             <p:sp>
               <p:nvSpPr>
                 <p:cNvPr id="5" name="椭圆 4"/>
@@ -21762,8 +25378,8 @@
             </p:sp>
           </mc:Fallback>
         </mc:AlternateContent>
-        <mc:AlternateContent xmlns:mc="http://schemas.openxmlformats.org/markup-compatibility/2006">
-          <mc:Choice xmlns:a14="http://schemas.microsoft.com/office/drawing/2010/main" Requires="a14">
+        <mc:AlternateContent xmlns:mc="http://schemas.openxmlformats.org/markup-compatibility/2006" xmlns:a14="http://schemas.microsoft.com/office/drawing/2010/main">
+          <mc:Choice Requires="a14">
             <p:sp>
               <p:nvSpPr>
                 <p:cNvPr id="6" name="椭圆 5"/>
@@ -21871,7 +25487,7 @@
               </p:txBody>
             </p:sp>
           </mc:Choice>
-          <mc:Fallback>
+          <mc:Fallback xmlns="">
             <p:sp>
               <p:nvSpPr>
                 <p:cNvPr id="6" name="椭圆 5"/>
@@ -21915,8 +25531,8 @@
             </p:sp>
           </mc:Fallback>
         </mc:AlternateContent>
-        <mc:AlternateContent xmlns:mc="http://schemas.openxmlformats.org/markup-compatibility/2006">
-          <mc:Choice xmlns:a14="http://schemas.microsoft.com/office/drawing/2010/main" Requires="a14">
+        <mc:AlternateContent xmlns:mc="http://schemas.openxmlformats.org/markup-compatibility/2006" xmlns:a14="http://schemas.microsoft.com/office/drawing/2010/main">
+          <mc:Choice Requires="a14">
             <p:sp>
               <p:nvSpPr>
                 <p:cNvPr id="7" name="椭圆 6"/>
@@ -22042,7 +25658,7 @@
               </p:txBody>
             </p:sp>
           </mc:Choice>
-          <mc:Fallback>
+          <mc:Fallback xmlns="">
             <p:sp>
               <p:nvSpPr>
                 <p:cNvPr id="7" name="椭圆 6"/>
@@ -22086,8 +25702,8 @@
             </p:sp>
           </mc:Fallback>
         </mc:AlternateContent>
-        <mc:AlternateContent xmlns:mc="http://schemas.openxmlformats.org/markup-compatibility/2006">
-          <mc:Choice xmlns:a14="http://schemas.microsoft.com/office/drawing/2010/main" Requires="a14">
+        <mc:AlternateContent xmlns:mc="http://schemas.openxmlformats.org/markup-compatibility/2006" xmlns:a14="http://schemas.microsoft.com/office/drawing/2010/main">
+          <mc:Choice Requires="a14">
             <p:sp>
               <p:nvSpPr>
                 <p:cNvPr id="8" name="椭圆 7"/>
@@ -22213,7 +25829,7 @@
               </p:txBody>
             </p:sp>
           </mc:Choice>
-          <mc:Fallback>
+          <mc:Fallback xmlns="">
             <p:sp>
               <p:nvSpPr>
                 <p:cNvPr id="8" name="椭圆 7"/>
@@ -22257,8 +25873,8 @@
             </p:sp>
           </mc:Fallback>
         </mc:AlternateContent>
-        <mc:AlternateContent xmlns:mc="http://schemas.openxmlformats.org/markup-compatibility/2006">
-          <mc:Choice xmlns:a14="http://schemas.microsoft.com/office/drawing/2010/main" Requires="a14">
+        <mc:AlternateContent xmlns:mc="http://schemas.openxmlformats.org/markup-compatibility/2006" xmlns:a14="http://schemas.microsoft.com/office/drawing/2010/main">
+          <mc:Choice Requires="a14">
             <p:sp>
               <p:nvSpPr>
                 <p:cNvPr id="9" name="椭圆 8"/>
@@ -22409,7 +26025,7 @@
               </p:txBody>
             </p:sp>
           </mc:Choice>
-          <mc:Fallback>
+          <mc:Fallback xmlns="">
             <p:sp>
               <p:nvSpPr>
                 <p:cNvPr id="9" name="椭圆 8"/>
@@ -22453,8 +26069,8 @@
             </p:sp>
           </mc:Fallback>
         </mc:AlternateContent>
-        <mc:AlternateContent xmlns:mc="http://schemas.openxmlformats.org/markup-compatibility/2006">
-          <mc:Choice xmlns:a14="http://schemas.microsoft.com/office/drawing/2010/main" Requires="a14">
+        <mc:AlternateContent xmlns:mc="http://schemas.openxmlformats.org/markup-compatibility/2006" xmlns:a14="http://schemas.microsoft.com/office/drawing/2010/main">
+          <mc:Choice Requires="a14">
             <p:sp>
               <p:nvSpPr>
                 <p:cNvPr id="10" name="椭圆 9"/>
@@ -22580,7 +26196,7 @@
               </p:txBody>
             </p:sp>
           </mc:Choice>
-          <mc:Fallback>
+          <mc:Fallback xmlns="">
             <p:sp>
               <p:nvSpPr>
                 <p:cNvPr id="10" name="椭圆 9"/>
@@ -22624,8 +26240,8 @@
             </p:sp>
           </mc:Fallback>
         </mc:AlternateContent>
-        <mc:AlternateContent xmlns:mc="http://schemas.openxmlformats.org/markup-compatibility/2006">
-          <mc:Choice xmlns:a14="http://schemas.microsoft.com/office/drawing/2010/main" Requires="a14">
+        <mc:AlternateContent xmlns:mc="http://schemas.openxmlformats.org/markup-compatibility/2006" xmlns:a14="http://schemas.microsoft.com/office/drawing/2010/main">
+          <mc:Choice Requires="a14">
             <p:sp>
               <p:nvSpPr>
                 <p:cNvPr id="11" name="椭圆 10"/>
@@ -22751,7 +26367,7 @@
               </p:txBody>
             </p:sp>
           </mc:Choice>
-          <mc:Fallback>
+          <mc:Fallback xmlns="">
             <p:sp>
               <p:nvSpPr>
                 <p:cNvPr id="11" name="椭圆 10"/>
@@ -22795,8 +26411,8 @@
             </p:sp>
           </mc:Fallback>
         </mc:AlternateContent>
-        <mc:AlternateContent xmlns:mc="http://schemas.openxmlformats.org/markup-compatibility/2006">
-          <mc:Choice xmlns:a14="http://schemas.microsoft.com/office/drawing/2010/main" Requires="a14">
+        <mc:AlternateContent xmlns:mc="http://schemas.openxmlformats.org/markup-compatibility/2006" xmlns:a14="http://schemas.microsoft.com/office/drawing/2010/main">
+          <mc:Choice Requires="a14">
             <p:sp>
               <p:nvSpPr>
                 <p:cNvPr id="12" name="椭圆 11"/>
@@ -22950,7 +26566,7 @@
               </p:txBody>
             </p:sp>
           </mc:Choice>
-          <mc:Fallback>
+          <mc:Fallback xmlns="">
             <p:sp>
               <p:nvSpPr>
                 <p:cNvPr id="12" name="椭圆 11"/>
@@ -22994,8 +26610,8 @@
             </p:sp>
           </mc:Fallback>
         </mc:AlternateContent>
-        <mc:AlternateContent xmlns:mc="http://schemas.openxmlformats.org/markup-compatibility/2006">
-          <mc:Choice xmlns:a14="http://schemas.microsoft.com/office/drawing/2010/main" Requires="a14">
+        <mc:AlternateContent xmlns:mc="http://schemas.openxmlformats.org/markup-compatibility/2006" xmlns:a14="http://schemas.microsoft.com/office/drawing/2010/main">
+          <mc:Choice Requires="a14">
             <p:sp>
               <p:nvSpPr>
                 <p:cNvPr id="13" name="椭圆 12"/>
@@ -23103,7 +26719,7 @@
               </p:txBody>
             </p:sp>
           </mc:Choice>
-          <mc:Fallback>
+          <mc:Fallback xmlns="">
             <p:sp>
               <p:nvSpPr>
                 <p:cNvPr id="13" name="椭圆 12"/>
@@ -23147,8 +26763,8 @@
             </p:sp>
           </mc:Fallback>
         </mc:AlternateContent>
-        <mc:AlternateContent xmlns:mc="http://schemas.openxmlformats.org/markup-compatibility/2006">
-          <mc:Choice xmlns:a14="http://schemas.microsoft.com/office/drawing/2010/main" Requires="a14">
+        <mc:AlternateContent xmlns:mc="http://schemas.openxmlformats.org/markup-compatibility/2006" xmlns:a14="http://schemas.microsoft.com/office/drawing/2010/main">
+          <mc:Choice Requires="a14">
             <p:sp>
               <p:nvSpPr>
                 <p:cNvPr id="14" name="椭圆 13"/>
@@ -23256,7 +26872,7 @@
               </p:txBody>
             </p:sp>
           </mc:Choice>
-          <mc:Fallback>
+          <mc:Fallback xmlns="">
             <p:sp>
               <p:nvSpPr>
                 <p:cNvPr id="14" name="椭圆 13"/>
@@ -23300,8 +26916,8 @@
             </p:sp>
           </mc:Fallback>
         </mc:AlternateContent>
-        <mc:AlternateContent xmlns:mc="http://schemas.openxmlformats.org/markup-compatibility/2006">
-          <mc:Choice xmlns:a14="http://schemas.microsoft.com/office/drawing/2010/main" Requires="a14">
+        <mc:AlternateContent xmlns:mc="http://schemas.openxmlformats.org/markup-compatibility/2006" xmlns:a14="http://schemas.microsoft.com/office/drawing/2010/main">
+          <mc:Choice Requires="a14">
             <p:sp>
               <p:nvSpPr>
                 <p:cNvPr id="15" name="椭圆 14"/>
@@ -23434,7 +27050,7 @@
               </p:txBody>
             </p:sp>
           </mc:Choice>
-          <mc:Fallback>
+          <mc:Fallback xmlns="">
             <p:sp>
               <p:nvSpPr>
                 <p:cNvPr id="15" name="椭圆 14"/>
@@ -23478,8 +27094,8 @@
             </p:sp>
           </mc:Fallback>
         </mc:AlternateContent>
-        <mc:AlternateContent xmlns:mc="http://schemas.openxmlformats.org/markup-compatibility/2006">
-          <mc:Choice xmlns:a14="http://schemas.microsoft.com/office/drawing/2010/main" Requires="a14">
+        <mc:AlternateContent xmlns:mc="http://schemas.openxmlformats.org/markup-compatibility/2006" xmlns:a14="http://schemas.microsoft.com/office/drawing/2010/main">
+          <mc:Choice Requires="a14">
             <p:sp>
               <p:nvSpPr>
                 <p:cNvPr id="16" name="椭圆 15"/>
@@ -23592,7 +27208,7 @@
                                 </a:solidFill>
                                 <a:latin typeface="Cambria Math" panose="02040503050406030204" pitchFamily="18" charset="0"/>
                               </a:rPr>
-                              <m:t>-1)</m:t>
+                              <m:t>−1)</m:t>
                             </m:r>
                           </m:sup>
                         </m:sSubSup>
@@ -23608,7 +27224,7 @@
               </p:txBody>
             </p:sp>
           </mc:Choice>
-          <mc:Fallback>
+          <mc:Fallback xmlns="">
             <p:sp>
               <p:nvSpPr>
                 <p:cNvPr id="16" name="椭圆 15"/>
@@ -23652,8 +27268,8 @@
             </p:sp>
           </mc:Fallback>
         </mc:AlternateContent>
-        <mc:AlternateContent xmlns:mc="http://schemas.openxmlformats.org/markup-compatibility/2006">
-          <mc:Choice xmlns:a14="http://schemas.microsoft.com/office/drawing/2010/main" Requires="a14">
+        <mc:AlternateContent xmlns:mc="http://schemas.openxmlformats.org/markup-compatibility/2006" xmlns:a14="http://schemas.microsoft.com/office/drawing/2010/main">
+          <mc:Choice Requires="a14">
             <p:sp>
               <p:nvSpPr>
                 <p:cNvPr id="17" name="椭圆 16"/>
@@ -23782,7 +27398,7 @@
               </p:txBody>
             </p:sp>
           </mc:Choice>
-          <mc:Fallback>
+          <mc:Fallback xmlns="">
             <p:sp>
               <p:nvSpPr>
                 <p:cNvPr id="17" name="椭圆 16"/>
@@ -23826,8 +27442,8 @@
             </p:sp>
           </mc:Fallback>
         </mc:AlternateContent>
-        <mc:AlternateContent xmlns:mc="http://schemas.openxmlformats.org/markup-compatibility/2006">
-          <mc:Choice xmlns:a14="http://schemas.microsoft.com/office/drawing/2010/main" Requires="a14">
+        <mc:AlternateContent xmlns:mc="http://schemas.openxmlformats.org/markup-compatibility/2006" xmlns:a14="http://schemas.microsoft.com/office/drawing/2010/main">
+          <mc:Choice Requires="a14">
             <p:sp>
               <p:nvSpPr>
                 <p:cNvPr id="18" name="椭圆 17"/>
@@ -23953,7 +27569,7 @@
               </p:txBody>
             </p:sp>
           </mc:Choice>
-          <mc:Fallback>
+          <mc:Fallback xmlns="">
             <p:sp>
               <p:nvSpPr>
                 <p:cNvPr id="18" name="椭圆 17"/>
@@ -23997,8 +27613,8 @@
             </p:sp>
           </mc:Fallback>
         </mc:AlternateContent>
-        <mc:AlternateContent xmlns:mc="http://schemas.openxmlformats.org/markup-compatibility/2006">
-          <mc:Choice xmlns:a14="http://schemas.microsoft.com/office/drawing/2010/main" Requires="a14">
+        <mc:AlternateContent xmlns:mc="http://schemas.openxmlformats.org/markup-compatibility/2006" xmlns:a14="http://schemas.microsoft.com/office/drawing/2010/main">
+          <mc:Choice Requires="a14">
             <p:sp>
               <p:nvSpPr>
                 <p:cNvPr id="19" name="椭圆 18"/>
@@ -24124,7 +27740,7 @@
               </p:txBody>
             </p:sp>
           </mc:Choice>
-          <mc:Fallback>
+          <mc:Fallback xmlns="">
             <p:sp>
               <p:nvSpPr>
                 <p:cNvPr id="19" name="椭圆 18"/>
@@ -24168,8 +27784,8 @@
             </p:sp>
           </mc:Fallback>
         </mc:AlternateContent>
-        <mc:AlternateContent xmlns:mc="http://schemas.openxmlformats.org/markup-compatibility/2006">
-          <mc:Choice xmlns:a14="http://schemas.microsoft.com/office/drawing/2010/main" Requires="a14">
+        <mc:AlternateContent xmlns:mc="http://schemas.openxmlformats.org/markup-compatibility/2006" xmlns:a14="http://schemas.microsoft.com/office/drawing/2010/main">
+          <mc:Choice Requires="a14">
             <p:sp>
               <p:nvSpPr>
                 <p:cNvPr id="20" name="椭圆 19"/>
@@ -24329,7 +27945,7 @@
               </p:txBody>
             </p:sp>
           </mc:Choice>
-          <mc:Fallback>
+          <mc:Fallback xmlns="">
             <p:sp>
               <p:nvSpPr>
                 <p:cNvPr id="20" name="椭圆 19"/>
@@ -24373,8 +27989,8 @@
             </p:sp>
           </mc:Fallback>
         </mc:AlternateContent>
-        <mc:AlternateContent xmlns:mc="http://schemas.openxmlformats.org/markup-compatibility/2006">
-          <mc:Choice xmlns:a14="http://schemas.microsoft.com/office/drawing/2010/main" Requires="a14">
+        <mc:AlternateContent xmlns:mc="http://schemas.openxmlformats.org/markup-compatibility/2006" xmlns:a14="http://schemas.microsoft.com/office/drawing/2010/main">
+          <mc:Choice Requires="a14">
             <p:sp>
               <p:nvSpPr>
                 <p:cNvPr id="21" name="椭圆 20"/>
@@ -24503,7 +28119,7 @@
               </p:txBody>
             </p:sp>
           </mc:Choice>
-          <mc:Fallback>
+          <mc:Fallback xmlns="">
             <p:sp>
               <p:nvSpPr>
                 <p:cNvPr id="21" name="椭圆 20"/>
@@ -24547,8 +28163,8 @@
             </p:sp>
           </mc:Fallback>
         </mc:AlternateContent>
-        <mc:AlternateContent xmlns:mc="http://schemas.openxmlformats.org/markup-compatibility/2006">
-          <mc:Choice xmlns:a14="http://schemas.microsoft.com/office/drawing/2010/main" Requires="a14">
+        <mc:AlternateContent xmlns:mc="http://schemas.openxmlformats.org/markup-compatibility/2006" xmlns:a14="http://schemas.microsoft.com/office/drawing/2010/main">
+          <mc:Choice Requires="a14">
             <p:sp>
               <p:nvSpPr>
                 <p:cNvPr id="22" name="椭圆 21"/>
@@ -24674,7 +28290,7 @@
               </p:txBody>
             </p:sp>
           </mc:Choice>
-          <mc:Fallback>
+          <mc:Fallback xmlns="">
             <p:sp>
               <p:nvSpPr>
                 <p:cNvPr id="22" name="椭圆 21"/>
@@ -24718,8 +28334,8 @@
             </p:sp>
           </mc:Fallback>
         </mc:AlternateContent>
-        <mc:AlternateContent xmlns:mc="http://schemas.openxmlformats.org/markup-compatibility/2006">
-          <mc:Choice xmlns:a14="http://schemas.microsoft.com/office/drawing/2010/main" Requires="a14">
+        <mc:AlternateContent xmlns:mc="http://schemas.openxmlformats.org/markup-compatibility/2006" xmlns:a14="http://schemas.microsoft.com/office/drawing/2010/main">
+          <mc:Choice Requires="a14">
             <p:sp>
               <p:nvSpPr>
                 <p:cNvPr id="23" name="椭圆 22"/>
@@ -24870,7 +28486,7 @@
               </p:txBody>
             </p:sp>
           </mc:Choice>
-          <mc:Fallback>
+          <mc:Fallback xmlns="">
             <p:sp>
               <p:nvSpPr>
                 <p:cNvPr id="23" name="椭圆 22"/>
@@ -27329,8 +30945,8 @@
             </a:p>
           </p:txBody>
         </p:sp>
-        <mc:AlternateContent xmlns:mc="http://schemas.openxmlformats.org/markup-compatibility/2006">
-          <mc:Choice xmlns:a14="http://schemas.microsoft.com/office/drawing/2010/main" Requires="a14">
+        <mc:AlternateContent xmlns:mc="http://schemas.openxmlformats.org/markup-compatibility/2006" xmlns:a14="http://schemas.microsoft.com/office/drawing/2010/main">
+          <mc:Choice Requires="a14">
             <p:sp>
               <p:nvSpPr>
                 <p:cNvPr id="91" name="矩形 90"/>
@@ -27429,7 +31045,7 @@
               </p:txBody>
             </p:sp>
           </mc:Choice>
-          <mc:Fallback>
+          <mc:Fallback xmlns="">
             <p:sp>
               <p:nvSpPr>
                 <p:cNvPr id="91" name="矩形 90"/>
@@ -27468,8 +31084,8 @@
             </p:sp>
           </mc:Fallback>
         </mc:AlternateContent>
-        <mc:AlternateContent xmlns:mc="http://schemas.openxmlformats.org/markup-compatibility/2006">
-          <mc:Choice xmlns:a14="http://schemas.microsoft.com/office/drawing/2010/main" Requires="a14">
+        <mc:AlternateContent xmlns:mc="http://schemas.openxmlformats.org/markup-compatibility/2006" xmlns:a14="http://schemas.microsoft.com/office/drawing/2010/main">
+          <mc:Choice Requires="a14">
             <p:sp>
               <p:nvSpPr>
                 <p:cNvPr id="92" name="矩形 91"/>
@@ -27568,7 +31184,7 @@
               </p:txBody>
             </p:sp>
           </mc:Choice>
-          <mc:Fallback>
+          <mc:Fallback xmlns="">
             <p:sp>
               <p:nvSpPr>
                 <p:cNvPr id="92" name="矩形 91"/>
@@ -27607,8 +31223,8 @@
             </p:sp>
           </mc:Fallback>
         </mc:AlternateContent>
-        <mc:AlternateContent xmlns:mc="http://schemas.openxmlformats.org/markup-compatibility/2006">
-          <mc:Choice xmlns:a14="http://schemas.microsoft.com/office/drawing/2010/main" Requires="a14">
+        <mc:AlternateContent xmlns:mc="http://schemas.openxmlformats.org/markup-compatibility/2006" xmlns:a14="http://schemas.microsoft.com/office/drawing/2010/main">
+          <mc:Choice Requires="a14">
             <p:sp>
               <p:nvSpPr>
                 <p:cNvPr id="93" name="矩形 92"/>
@@ -27707,7 +31323,7 @@
               </p:txBody>
             </p:sp>
           </mc:Choice>
-          <mc:Fallback>
+          <mc:Fallback xmlns="">
             <p:sp>
               <p:nvSpPr>
                 <p:cNvPr id="93" name="矩形 92"/>
@@ -27746,8 +31362,8 @@
             </p:sp>
           </mc:Fallback>
         </mc:AlternateContent>
-        <mc:AlternateContent xmlns:mc="http://schemas.openxmlformats.org/markup-compatibility/2006">
-          <mc:Choice xmlns:a14="http://schemas.microsoft.com/office/drawing/2010/main" Requires="a14">
+        <mc:AlternateContent xmlns:mc="http://schemas.openxmlformats.org/markup-compatibility/2006" xmlns:a14="http://schemas.microsoft.com/office/drawing/2010/main">
+          <mc:Choice Requires="a14">
             <p:sp>
               <p:nvSpPr>
                 <p:cNvPr id="94" name="矩形 93"/>
@@ -27865,7 +31481,7 @@
               </p:txBody>
             </p:sp>
           </mc:Choice>
-          <mc:Fallback>
+          <mc:Fallback xmlns="">
             <p:sp>
               <p:nvSpPr>
                 <p:cNvPr id="94" name="矩形 93"/>
@@ -28168,8 +31784,8 @@
             </a:fontRef>
           </p:style>
         </p:cxnSp>
-        <mc:AlternateContent xmlns:mc="http://schemas.openxmlformats.org/markup-compatibility/2006">
-          <mc:Choice xmlns:a14="http://schemas.microsoft.com/office/drawing/2010/main" Requires="a14">
+        <mc:AlternateContent xmlns:mc="http://schemas.openxmlformats.org/markup-compatibility/2006" xmlns:a14="http://schemas.microsoft.com/office/drawing/2010/main">
+          <mc:Choice Requires="a14">
             <p:sp>
               <p:nvSpPr>
                 <p:cNvPr id="103" name="五边形 102"/>
@@ -28374,7 +31990,7 @@
               </p:txBody>
             </p:sp>
           </mc:Choice>
-          <mc:Fallback>
+          <mc:Fallback xmlns="">
             <p:sp>
               <p:nvSpPr>
                 <p:cNvPr id="103" name="五边形 102"/>
@@ -28420,8 +32036,8 @@
             </p:sp>
           </mc:Fallback>
         </mc:AlternateContent>
-        <mc:AlternateContent xmlns:mc="http://schemas.openxmlformats.org/markup-compatibility/2006">
-          <mc:Choice xmlns:a14="http://schemas.microsoft.com/office/drawing/2010/main" Requires="a14">
+        <mc:AlternateContent xmlns:mc="http://schemas.openxmlformats.org/markup-compatibility/2006" xmlns:a14="http://schemas.microsoft.com/office/drawing/2010/main">
+          <mc:Choice Requires="a14">
             <p:sp>
               <p:nvSpPr>
                 <p:cNvPr id="112" name="椭圆 111"/>
@@ -28502,7 +32118,7 @@
               </p:txBody>
             </p:sp>
           </mc:Choice>
-          <mc:Fallback>
+          <mc:Fallback xmlns="">
             <p:sp>
               <p:nvSpPr>
                 <p:cNvPr id="112" name="椭圆 111"/>
@@ -28546,8 +32162,8 @@
             </p:sp>
           </mc:Fallback>
         </mc:AlternateContent>
-        <mc:AlternateContent xmlns:mc="http://schemas.openxmlformats.org/markup-compatibility/2006">
-          <mc:Choice xmlns:a14="http://schemas.microsoft.com/office/drawing/2010/main" Requires="a14">
+        <mc:AlternateContent xmlns:mc="http://schemas.openxmlformats.org/markup-compatibility/2006" xmlns:a14="http://schemas.microsoft.com/office/drawing/2010/main">
+          <mc:Choice Requires="a14">
             <p:sp>
               <p:nvSpPr>
                 <p:cNvPr id="113" name="矩形 112"/>
@@ -28646,7 +32262,7 @@
               </p:txBody>
             </p:sp>
           </mc:Choice>
-          <mc:Fallback>
+          <mc:Fallback xmlns="">
             <p:sp>
               <p:nvSpPr>
                 <p:cNvPr id="113" name="矩形 112"/>
@@ -28718,8 +32334,8 @@
             </a:fontRef>
           </p:style>
         </p:cxnSp>
-        <mc:AlternateContent xmlns:mc="http://schemas.openxmlformats.org/markup-compatibility/2006">
-          <mc:Choice xmlns:a14="http://schemas.microsoft.com/office/drawing/2010/main" Requires="a14">
+        <mc:AlternateContent xmlns:mc="http://schemas.openxmlformats.org/markup-compatibility/2006" xmlns:a14="http://schemas.microsoft.com/office/drawing/2010/main">
+          <mc:Choice Requires="a14">
             <p:sp>
               <p:nvSpPr>
                 <p:cNvPr id="119" name="椭圆 118"/>
@@ -28800,7 +32416,7 @@
               </p:txBody>
             </p:sp>
           </mc:Choice>
-          <mc:Fallback>
+          <mc:Fallback xmlns="">
             <p:sp>
               <p:nvSpPr>
                 <p:cNvPr id="119" name="椭圆 118"/>
@@ -28844,8 +32460,8 @@
             </p:sp>
           </mc:Fallback>
         </mc:AlternateContent>
-        <mc:AlternateContent xmlns:mc="http://schemas.openxmlformats.org/markup-compatibility/2006">
-          <mc:Choice xmlns:a14="http://schemas.microsoft.com/office/drawing/2010/main" Requires="a14">
+        <mc:AlternateContent xmlns:mc="http://schemas.openxmlformats.org/markup-compatibility/2006" xmlns:a14="http://schemas.microsoft.com/office/drawing/2010/main">
+          <mc:Choice Requires="a14">
             <p:sp>
               <p:nvSpPr>
                 <p:cNvPr id="120" name="椭圆 119"/>
@@ -28926,7 +32542,7 @@
               </p:txBody>
             </p:sp>
           </mc:Choice>
-          <mc:Fallback>
+          <mc:Fallback xmlns="">
             <p:sp>
               <p:nvSpPr>
                 <p:cNvPr id="120" name="椭圆 119"/>
@@ -28970,8 +32586,8 @@
             </p:sp>
           </mc:Fallback>
         </mc:AlternateContent>
-        <mc:AlternateContent xmlns:mc="http://schemas.openxmlformats.org/markup-compatibility/2006">
-          <mc:Choice xmlns:a14="http://schemas.microsoft.com/office/drawing/2010/main" Requires="a14">
+        <mc:AlternateContent xmlns:mc="http://schemas.openxmlformats.org/markup-compatibility/2006" xmlns:a14="http://schemas.microsoft.com/office/drawing/2010/main">
+          <mc:Choice Requires="a14">
             <p:sp>
               <p:nvSpPr>
                 <p:cNvPr id="121" name="椭圆 120"/>
@@ -29052,7 +32668,7 @@
               </p:txBody>
             </p:sp>
           </mc:Choice>
-          <mc:Fallback>
+          <mc:Fallback xmlns="">
             <p:sp>
               <p:nvSpPr>
                 <p:cNvPr id="121" name="椭圆 120"/>
@@ -29516,8 +33132,8 @@
             </a:fontRef>
           </p:style>
         </p:cxnSp>
-        <mc:AlternateContent xmlns:mc="http://schemas.openxmlformats.org/markup-compatibility/2006">
-          <mc:Choice xmlns:a14="http://schemas.microsoft.com/office/drawing/2010/main" Requires="a14">
+        <mc:AlternateContent xmlns:mc="http://schemas.openxmlformats.org/markup-compatibility/2006" xmlns:a14="http://schemas.microsoft.com/office/drawing/2010/main">
+          <mc:Choice Requires="a14">
             <p:sp>
               <p:nvSpPr>
                 <p:cNvPr id="140" name="五边形 139"/>
@@ -29722,7 +33338,7 @@
               </p:txBody>
             </p:sp>
           </mc:Choice>
-          <mc:Fallback>
+          <mc:Fallback xmlns="">
             <p:sp>
               <p:nvSpPr>
                 <p:cNvPr id="140" name="五边形 139"/>
@@ -29768,8 +33384,8 @@
             </p:sp>
           </mc:Fallback>
         </mc:AlternateContent>
-        <mc:AlternateContent xmlns:mc="http://schemas.openxmlformats.org/markup-compatibility/2006">
-          <mc:Choice xmlns:a14="http://schemas.microsoft.com/office/drawing/2010/main" Requires="a14">
+        <mc:AlternateContent xmlns:mc="http://schemas.openxmlformats.org/markup-compatibility/2006" xmlns:a14="http://schemas.microsoft.com/office/drawing/2010/main">
+          <mc:Choice Requires="a14">
             <p:sp>
               <p:nvSpPr>
                 <p:cNvPr id="141" name="五边形 140"/>
@@ -29974,7 +33590,7 @@
               </p:txBody>
             </p:sp>
           </mc:Choice>
-          <mc:Fallback>
+          <mc:Fallback xmlns="">
             <p:sp>
               <p:nvSpPr>
                 <p:cNvPr id="141" name="五边形 140"/>
@@ -30020,8 +33636,8 @@
             </p:sp>
           </mc:Fallback>
         </mc:AlternateContent>
-        <mc:AlternateContent xmlns:mc="http://schemas.openxmlformats.org/markup-compatibility/2006">
-          <mc:Choice xmlns:a14="http://schemas.microsoft.com/office/drawing/2010/main" Requires="a14">
+        <mc:AlternateContent xmlns:mc="http://schemas.openxmlformats.org/markup-compatibility/2006" xmlns:a14="http://schemas.microsoft.com/office/drawing/2010/main">
+          <mc:Choice Requires="a14">
             <p:sp>
               <p:nvSpPr>
                 <p:cNvPr id="142" name="五边形 141"/>
@@ -30251,7 +33867,7 @@
               </p:txBody>
             </p:sp>
           </mc:Choice>
-          <mc:Fallback>
+          <mc:Fallback xmlns="">
             <p:sp>
               <p:nvSpPr>
                 <p:cNvPr id="142" name="五边形 141"/>
@@ -30438,8 +34054,8 @@
             </a:p>
           </p:txBody>
         </p:sp>
-        <mc:AlternateContent xmlns:mc="http://schemas.openxmlformats.org/markup-compatibility/2006">
-          <mc:Choice xmlns:a14="http://schemas.microsoft.com/office/drawing/2010/main" Requires="a14">
+        <mc:AlternateContent xmlns:mc="http://schemas.openxmlformats.org/markup-compatibility/2006" xmlns:a14="http://schemas.microsoft.com/office/drawing/2010/main">
+          <mc:Choice Requires="a14">
             <p:sp>
               <p:nvSpPr>
                 <p:cNvPr id="5" name="矩形 4"/>
@@ -30525,7 +34141,13 @@
                                         <a:rPr lang="en-US" altLang="zh-CN" sz="1400" b="0" i="1" smtClean="0">
                                           <a:latin typeface="Cambria Math" panose="02040503050406030204" pitchFamily="18" charset="0"/>
                                         </a:rPr>
-                                        <m:t>1    </m:t>
+                                        <m:t>1</m:t>
+                                      </m:r>
+                                      <m:r>
+                                        <a:rPr lang="en-US" altLang="zh-CN" sz="1400" b="0" i="1" smtClean="0">
+                                          <a:latin typeface="Cambria Math" panose="02040503050406030204" pitchFamily="18" charset="0"/>
+                                        </a:rPr>
+                                        <m:t>    </m:t>
                                       </m:r>
                                       <m:sSubSup>
                                         <m:sSubSupPr>
@@ -30618,19 +34240,7 @@
                                             <a:rPr lang="en-US" altLang="zh-CN" sz="1400" b="0" i="1" smtClean="0">
                                               <a:latin typeface="Cambria Math" panose="02040503050406030204" pitchFamily="18" charset="0"/>
                                             </a:rPr>
-                                            <m:t>(</m:t>
-                                          </m:r>
-                                          <m:r>
-                                            <a:rPr lang="en-US" altLang="zh-CN" sz="1400" b="0" i="1" smtClean="0">
-                                              <a:latin typeface="Cambria Math" panose="02040503050406030204" pitchFamily="18" charset="0"/>
-                                            </a:rPr>
-                                            <m:t>1</m:t>
-                                          </m:r>
-                                          <m:r>
-                                            <a:rPr lang="en-US" altLang="zh-CN" sz="1400" b="0" i="1" smtClean="0">
-                                              <a:latin typeface="Cambria Math" panose="02040503050406030204" pitchFamily="18" charset="0"/>
-                                            </a:rPr>
-                                            <m:t>)</m:t>
+                                            <m:t>(1)</m:t>
                                           </m:r>
                                         </m:sup>
                                       </m:sSubSup>
@@ -30873,7 +34483,7 @@
               </p:txBody>
             </p:sp>
           </mc:Choice>
-          <mc:Fallback>
+          <mc:Fallback xmlns="">
             <p:sp>
               <p:nvSpPr>
                 <p:cNvPr id="5" name="矩形 4"/>
@@ -30938,8 +34548,8 @@
             </a:p>
           </p:txBody>
         </p:sp>
-        <mc:AlternateContent xmlns:mc="http://schemas.openxmlformats.org/markup-compatibility/2006">
-          <mc:Choice xmlns:a14="http://schemas.microsoft.com/office/drawing/2010/main" Requires="a14">
+        <mc:AlternateContent xmlns:mc="http://schemas.openxmlformats.org/markup-compatibility/2006" xmlns:a14="http://schemas.microsoft.com/office/drawing/2010/main">
+          <mc:Choice Requires="a14">
             <p:sp>
               <p:nvSpPr>
                 <p:cNvPr id="8" name="矩形 7"/>
@@ -31028,7 +34638,7 @@
               </p:txBody>
             </p:sp>
           </mc:Choice>
-          <mc:Fallback>
+          <mc:Fallback xmlns="">
             <p:sp>
               <p:nvSpPr>
                 <p:cNvPr id="8" name="矩形 7"/>
@@ -31185,8 +34795,8 @@
             </a:fontRef>
           </p:style>
         </p:cxnSp>
-        <mc:AlternateContent xmlns:mc="http://schemas.openxmlformats.org/markup-compatibility/2006">
-          <mc:Choice xmlns:a14="http://schemas.microsoft.com/office/drawing/2010/main" Requires="a14">
+        <mc:AlternateContent xmlns:mc="http://schemas.openxmlformats.org/markup-compatibility/2006" xmlns:a14="http://schemas.microsoft.com/office/drawing/2010/main">
+          <mc:Choice Requires="a14">
             <p:sp>
               <p:nvSpPr>
                 <p:cNvPr id="20" name="矩形 19"/>
@@ -31614,7 +35224,7 @@
               </p:txBody>
             </p:sp>
           </mc:Choice>
-          <mc:Fallback>
+          <mc:Fallback xmlns="">
             <p:sp>
               <p:nvSpPr>
                 <p:cNvPr id="20" name="矩形 19"/>
@@ -31813,8 +35423,8 @@
             </a:fontRef>
           </p:style>
         </p:cxnSp>
-        <mc:AlternateContent xmlns:mc="http://schemas.openxmlformats.org/markup-compatibility/2006">
-          <mc:Choice xmlns:a14="http://schemas.microsoft.com/office/drawing/2010/main" Requires="a14">
+        <mc:AlternateContent xmlns:mc="http://schemas.openxmlformats.org/markup-compatibility/2006" xmlns:a14="http://schemas.microsoft.com/office/drawing/2010/main">
+          <mc:Choice Requires="a14">
             <p:sp>
               <p:nvSpPr>
                 <p:cNvPr id="29" name="矩形 28"/>
@@ -31906,7 +35516,7 @@
               </p:txBody>
             </p:sp>
           </mc:Choice>
-          <mc:Fallback>
+          <mc:Fallback xmlns="">
             <p:sp>
               <p:nvSpPr>
                 <p:cNvPr id="29" name="矩形 28"/>
@@ -32213,8 +35823,8 @@
             </a:fontRef>
           </p:style>
         </p:cxnSp>
-        <mc:AlternateContent xmlns:mc="http://schemas.openxmlformats.org/markup-compatibility/2006">
-          <mc:Choice xmlns:a14="http://schemas.microsoft.com/office/drawing/2010/main" Requires="a14">
+        <mc:AlternateContent xmlns:mc="http://schemas.openxmlformats.org/markup-compatibility/2006" xmlns:a14="http://schemas.microsoft.com/office/drawing/2010/main">
+          <mc:Choice Requires="a14">
             <p:sp>
               <p:nvSpPr>
                 <p:cNvPr id="55" name="文本框 54"/>
@@ -32237,6 +35847,7 @@
                 </a:bodyPr>
                 <a:lstStyle/>
                 <a:p>
+                  <a:pPr/>
                   <a14:m>
                     <m:oMathPara xmlns:m="http://schemas.openxmlformats.org/officeDocument/2006/math">
                       <m:oMathParaPr>
@@ -32825,7 +36436,7 @@
               </p:txBody>
             </p:sp>
           </mc:Choice>
-          <mc:Fallback>
+          <mc:Fallback xmlns="">
             <p:sp>
               <p:nvSpPr>
                 <p:cNvPr id="55" name="文本框 54"/>
@@ -33287,8 +36898,8 @@
             </a:p>
           </p:txBody>
         </p:sp>
-        <mc:AlternateContent xmlns:mc="http://schemas.openxmlformats.org/markup-compatibility/2006">
-          <mc:Choice xmlns:a14="http://schemas.microsoft.com/office/drawing/2010/main" Requires="a14">
+        <mc:AlternateContent xmlns:mc="http://schemas.openxmlformats.org/markup-compatibility/2006" xmlns:a14="http://schemas.microsoft.com/office/drawing/2010/main">
+          <mc:Choice Requires="a14">
             <p:sp>
               <p:nvSpPr>
                 <p:cNvPr id="7" name="矩形 6"/>
@@ -33374,7 +36985,13 @@
                                         <a:rPr lang="en-US" altLang="zh-CN" sz="1400" b="0" i="1" smtClean="0">
                                           <a:latin typeface="Cambria Math" panose="02040503050406030204" pitchFamily="18" charset="0"/>
                                         </a:rPr>
-                                        <m:t>1    </m:t>
+                                        <m:t>1</m:t>
+                                      </m:r>
+                                      <m:r>
+                                        <a:rPr lang="en-US" altLang="zh-CN" sz="1400" b="0" i="1" smtClean="0">
+                                          <a:latin typeface="Cambria Math" panose="02040503050406030204" pitchFamily="18" charset="0"/>
+                                        </a:rPr>
+                                        <m:t>    </m:t>
                                       </m:r>
                                       <m:sSubSup>
                                         <m:sSubSupPr>
@@ -33467,19 +37084,7 @@
                                             <a:rPr lang="en-US" altLang="zh-CN" sz="1400" b="0" i="1" smtClean="0">
                                               <a:latin typeface="Cambria Math" panose="02040503050406030204" pitchFamily="18" charset="0"/>
                                             </a:rPr>
-                                            <m:t>(</m:t>
-                                          </m:r>
-                                          <m:r>
-                                            <a:rPr lang="en-US" altLang="zh-CN" sz="1400" b="0" i="1" smtClean="0">
-                                              <a:latin typeface="Cambria Math" panose="02040503050406030204" pitchFamily="18" charset="0"/>
-                                            </a:rPr>
-                                            <m:t>1</m:t>
-                                          </m:r>
-                                          <m:r>
-                                            <a:rPr lang="en-US" altLang="zh-CN" sz="1400" b="0" i="1" smtClean="0">
-                                              <a:latin typeface="Cambria Math" panose="02040503050406030204" pitchFamily="18" charset="0"/>
-                                            </a:rPr>
-                                            <m:t>)</m:t>
+                                            <m:t>(1)</m:t>
                                           </m:r>
                                         </m:sup>
                                       </m:sSubSup>
@@ -33722,7 +37327,7 @@
               </p:txBody>
             </p:sp>
           </mc:Choice>
-          <mc:Fallback>
+          <mc:Fallback xmlns="">
             <p:sp>
               <p:nvSpPr>
                 <p:cNvPr id="7" name="矩形 6"/>
@@ -33787,8 +37392,8 @@
             </a:p>
           </p:txBody>
         </p:sp>
-        <mc:AlternateContent xmlns:mc="http://schemas.openxmlformats.org/markup-compatibility/2006">
-          <mc:Choice xmlns:a14="http://schemas.microsoft.com/office/drawing/2010/main" Requires="a14">
+        <mc:AlternateContent xmlns:mc="http://schemas.openxmlformats.org/markup-compatibility/2006" xmlns:a14="http://schemas.microsoft.com/office/drawing/2010/main">
+          <mc:Choice Requires="a14">
             <p:sp>
               <p:nvSpPr>
                 <p:cNvPr id="9" name="矩形 8"/>
@@ -33877,7 +37482,7 @@
               </p:txBody>
             </p:sp>
           </mc:Choice>
-          <mc:Fallback>
+          <mc:Fallback xmlns="">
             <p:sp>
               <p:nvSpPr>
                 <p:cNvPr id="9" name="矩形 8"/>
@@ -34034,8 +37639,8 @@
             </a:fontRef>
           </p:style>
         </p:cxnSp>
-        <mc:AlternateContent xmlns:mc="http://schemas.openxmlformats.org/markup-compatibility/2006">
-          <mc:Choice xmlns:a14="http://schemas.microsoft.com/office/drawing/2010/main" Requires="a14">
+        <mc:AlternateContent xmlns:mc="http://schemas.openxmlformats.org/markup-compatibility/2006" xmlns:a14="http://schemas.microsoft.com/office/drawing/2010/main">
+          <mc:Choice Requires="a14">
             <p:sp>
               <p:nvSpPr>
                 <p:cNvPr id="13" name="矩形 12"/>
@@ -34463,7 +38068,7 @@
               </p:txBody>
             </p:sp>
           </mc:Choice>
-          <mc:Fallback>
+          <mc:Fallback xmlns="">
             <p:sp>
               <p:nvSpPr>
                 <p:cNvPr id="13" name="矩形 12"/>
@@ -34662,8 +38267,8 @@
             </a:fontRef>
           </p:style>
         </p:cxnSp>
-        <mc:AlternateContent xmlns:mc="http://schemas.openxmlformats.org/markup-compatibility/2006">
-          <mc:Choice xmlns:a14="http://schemas.microsoft.com/office/drawing/2010/main" Requires="a14">
+        <mc:AlternateContent xmlns:mc="http://schemas.openxmlformats.org/markup-compatibility/2006" xmlns:a14="http://schemas.microsoft.com/office/drawing/2010/main">
+          <mc:Choice Requires="a14">
             <p:sp>
               <p:nvSpPr>
                 <p:cNvPr id="18" name="矩形 17"/>
@@ -34755,7 +38360,7 @@
               </p:txBody>
             </p:sp>
           </mc:Choice>
-          <mc:Fallback>
+          <mc:Fallback xmlns="">
             <p:sp>
               <p:nvSpPr>
                 <p:cNvPr id="18" name="矩形 17"/>
@@ -35062,8 +38667,8 @@
             </a:fontRef>
           </p:style>
         </p:cxnSp>
-        <mc:AlternateContent xmlns:mc="http://schemas.openxmlformats.org/markup-compatibility/2006">
-          <mc:Choice xmlns:a14="http://schemas.microsoft.com/office/drawing/2010/main" Requires="a14">
+        <mc:AlternateContent xmlns:mc="http://schemas.openxmlformats.org/markup-compatibility/2006" xmlns:a14="http://schemas.microsoft.com/office/drawing/2010/main">
+          <mc:Choice Requires="a14">
             <p:sp>
               <p:nvSpPr>
                 <p:cNvPr id="27" name="文本框 26"/>
@@ -35086,6 +38691,7 @@
                 </a:bodyPr>
                 <a:lstStyle/>
                 <a:p>
+                  <a:pPr/>
                   <a14:m>
                     <m:oMathPara xmlns:m="http://schemas.openxmlformats.org/officeDocument/2006/math">
                       <m:oMathParaPr>
@@ -35674,7 +39280,7 @@
               </p:txBody>
             </p:sp>
           </mc:Choice>
-          <mc:Fallback>
+          <mc:Fallback xmlns="">
             <p:sp>
               <p:nvSpPr>
                 <p:cNvPr id="27" name="文本框 26"/>
@@ -36009,6 +39615,2826 @@
 </p:sld>
 </file>
 
+<file path=ppt/slides/slide8.xml><?xml version="1.0" encoding="utf-8"?>
+<p:sld xmlns:a="http://schemas.openxmlformats.org/drawingml/2006/main" xmlns:r="http://schemas.openxmlformats.org/officeDocument/2006/relationships" xmlns:p="http://schemas.openxmlformats.org/presentationml/2006/main">
+  <p:cSld>
+    <p:spTree>
+      <p:nvGrpSpPr>
+        <p:cNvPr id="1" name=""/>
+        <p:cNvGrpSpPr/>
+        <p:nvPr/>
+      </p:nvGrpSpPr>
+      <p:grpSpPr>
+        <a:xfrm>
+          <a:off x="0" y="0"/>
+          <a:ext cx="0" cy="0"/>
+          <a:chOff x="0" y="0"/>
+          <a:chExt cx="0" cy="0"/>
+        </a:xfrm>
+      </p:grpSpPr>
+      <p:grpSp>
+        <p:nvGrpSpPr>
+          <p:cNvPr id="61" name="组合 60"/>
+          <p:cNvGrpSpPr/>
+          <p:nvPr/>
+        </p:nvGrpSpPr>
+        <p:grpSpPr>
+          <a:xfrm>
+            <a:off x="705108" y="809625"/>
+            <a:ext cx="10708686" cy="4600575"/>
+            <a:chOff x="1857634" y="-443206"/>
+            <a:chExt cx="7565814" cy="3250361"/>
+          </a:xfrm>
+        </p:grpSpPr>
+        <p:cxnSp>
+          <p:nvCxnSpPr>
+            <p:cNvPr id="54" name="直接连接符 53"/>
+            <p:cNvCxnSpPr/>
+            <p:nvPr/>
+          </p:nvCxnSpPr>
+          <p:spPr>
+            <a:xfrm>
+              <a:off x="7412831" y="1745458"/>
+              <a:ext cx="0" cy="720157"/>
+            </a:xfrm>
+            <a:prstGeom prst="line">
+              <a:avLst/>
+            </a:prstGeom>
+            <a:ln>
+              <a:prstDash val="dash"/>
+            </a:ln>
+          </p:spPr>
+          <p:style>
+            <a:lnRef idx="3">
+              <a:schemeClr val="accent2"/>
+            </a:lnRef>
+            <a:fillRef idx="0">
+              <a:schemeClr val="accent2"/>
+            </a:fillRef>
+            <a:effectRef idx="2">
+              <a:schemeClr val="accent2"/>
+            </a:effectRef>
+            <a:fontRef idx="minor">
+              <a:schemeClr val="tx1"/>
+            </a:fontRef>
+          </p:style>
+        </p:cxnSp>
+        <p:cxnSp>
+          <p:nvCxnSpPr>
+            <p:cNvPr id="21" name="直接连接符 20"/>
+            <p:cNvCxnSpPr/>
+            <p:nvPr/>
+          </p:nvCxnSpPr>
+          <p:spPr>
+            <a:xfrm flipV="1">
+              <a:off x="2139043" y="1547132"/>
+              <a:ext cx="2155371" cy="918484"/>
+            </a:xfrm>
+            <a:prstGeom prst="line">
+              <a:avLst/>
+            </a:prstGeom>
+            <a:ln w="28575"/>
+          </p:spPr>
+          <p:style>
+            <a:lnRef idx="3">
+              <a:schemeClr val="accent1"/>
+            </a:lnRef>
+            <a:fillRef idx="0">
+              <a:schemeClr val="accent1"/>
+            </a:fillRef>
+            <a:effectRef idx="2">
+              <a:schemeClr val="accent1"/>
+            </a:effectRef>
+            <a:fontRef idx="minor">
+              <a:schemeClr val="tx1"/>
+            </a:fontRef>
+          </p:style>
+        </p:cxnSp>
+        <p:cxnSp>
+          <p:nvCxnSpPr>
+            <p:cNvPr id="8" name="直接箭头连接符 7"/>
+            <p:cNvCxnSpPr/>
+            <p:nvPr/>
+          </p:nvCxnSpPr>
+          <p:spPr>
+            <a:xfrm flipV="1">
+              <a:off x="2139043" y="693966"/>
+              <a:ext cx="0" cy="1771649"/>
+            </a:xfrm>
+            <a:prstGeom prst="straightConnector1">
+              <a:avLst/>
+            </a:prstGeom>
+            <a:ln w="38100">
+              <a:tailEnd type="triangle"/>
+            </a:ln>
+          </p:spPr>
+          <p:style>
+            <a:lnRef idx="3">
+              <a:schemeClr val="dk1"/>
+            </a:lnRef>
+            <a:fillRef idx="0">
+              <a:schemeClr val="dk1"/>
+            </a:fillRef>
+            <a:effectRef idx="2">
+              <a:schemeClr val="dk1"/>
+            </a:effectRef>
+            <a:fontRef idx="minor">
+              <a:schemeClr val="tx1"/>
+            </a:fontRef>
+          </p:style>
+        </p:cxnSp>
+        <p:cxnSp>
+          <p:nvCxnSpPr>
+            <p:cNvPr id="10" name="直接箭头连接符 9"/>
+            <p:cNvCxnSpPr/>
+            <p:nvPr/>
+          </p:nvCxnSpPr>
+          <p:spPr>
+            <a:xfrm>
+              <a:off x="2122715" y="2465616"/>
+              <a:ext cx="2318657" cy="0"/>
+            </a:xfrm>
+            <a:prstGeom prst="straightConnector1">
+              <a:avLst/>
+            </a:prstGeom>
+            <a:ln w="38100">
+              <a:tailEnd type="triangle"/>
+            </a:ln>
+          </p:spPr>
+          <p:style>
+            <a:lnRef idx="3">
+              <a:schemeClr val="dk1"/>
+            </a:lnRef>
+            <a:fillRef idx="0">
+              <a:schemeClr val="dk1"/>
+            </a:fillRef>
+            <a:effectRef idx="2">
+              <a:schemeClr val="dk1"/>
+            </a:effectRef>
+            <a:fontRef idx="minor">
+              <a:schemeClr val="tx1"/>
+            </a:fontRef>
+          </p:style>
+        </p:cxnSp>
+        <p:sp>
+          <p:nvSpPr>
+            <p:cNvPr id="14" name="乘号 13"/>
+            <p:cNvSpPr/>
+            <p:nvPr/>
+          </p:nvSpPr>
+          <p:spPr>
+            <a:xfrm>
+              <a:off x="2681627" y="1659245"/>
+              <a:ext cx="220436" cy="220436"/>
+            </a:xfrm>
+            <a:prstGeom prst="mathMultiply">
+              <a:avLst/>
+            </a:prstGeom>
+            <a:solidFill>
+              <a:srgbClr val="FF0000"/>
+            </a:solidFill>
+            <a:ln>
+              <a:solidFill>
+                <a:srgbClr val="FF0000"/>
+              </a:solidFill>
+            </a:ln>
+          </p:spPr>
+          <p:style>
+            <a:lnRef idx="2">
+              <a:schemeClr val="accent1">
+                <a:shade val="50000"/>
+              </a:schemeClr>
+            </a:lnRef>
+            <a:fillRef idx="1">
+              <a:schemeClr val="accent1"/>
+            </a:fillRef>
+            <a:effectRef idx="0">
+              <a:schemeClr val="accent1"/>
+            </a:effectRef>
+            <a:fontRef idx="minor">
+              <a:schemeClr val="lt1"/>
+            </a:fontRef>
+          </p:style>
+          <p:txBody>
+            <a:bodyPr rtlCol="0" anchor="ctr"/>
+            <a:lstStyle/>
+            <a:p>
+              <a:pPr algn="ctr"/>
+              <a:endParaRPr lang="zh-CN" altLang="en-US"/>
+            </a:p>
+          </p:txBody>
+        </p:sp>
+        <p:sp>
+          <p:nvSpPr>
+            <p:cNvPr id="15" name="乘号 14"/>
+            <p:cNvSpPr/>
+            <p:nvPr/>
+          </p:nvSpPr>
+          <p:spPr>
+            <a:xfrm>
+              <a:off x="2886075" y="1317366"/>
+              <a:ext cx="220436" cy="220436"/>
+            </a:xfrm>
+            <a:prstGeom prst="mathMultiply">
+              <a:avLst/>
+            </a:prstGeom>
+            <a:solidFill>
+              <a:srgbClr val="FF0000"/>
+            </a:solidFill>
+            <a:ln>
+              <a:solidFill>
+                <a:srgbClr val="FF0000"/>
+              </a:solidFill>
+            </a:ln>
+          </p:spPr>
+          <p:style>
+            <a:lnRef idx="2">
+              <a:schemeClr val="accent1">
+                <a:shade val="50000"/>
+              </a:schemeClr>
+            </a:lnRef>
+            <a:fillRef idx="1">
+              <a:schemeClr val="accent1"/>
+            </a:fillRef>
+            <a:effectRef idx="0">
+              <a:schemeClr val="accent1"/>
+            </a:effectRef>
+            <a:fontRef idx="minor">
+              <a:schemeClr val="lt1"/>
+            </a:fontRef>
+          </p:style>
+          <p:txBody>
+            <a:bodyPr rtlCol="0" anchor="ctr"/>
+            <a:lstStyle/>
+            <a:p>
+              <a:pPr algn="ctr"/>
+              <a:endParaRPr lang="zh-CN" altLang="en-US"/>
+            </a:p>
+          </p:txBody>
+        </p:sp>
+        <p:sp>
+          <p:nvSpPr>
+            <p:cNvPr id="16" name="乘号 15"/>
+            <p:cNvSpPr/>
+            <p:nvPr/>
+          </p:nvSpPr>
+          <p:spPr>
+            <a:xfrm>
+              <a:off x="3233056" y="1571626"/>
+              <a:ext cx="220436" cy="220436"/>
+            </a:xfrm>
+            <a:prstGeom prst="mathMultiply">
+              <a:avLst/>
+            </a:prstGeom>
+            <a:solidFill>
+              <a:srgbClr val="FF0000"/>
+            </a:solidFill>
+            <a:ln>
+              <a:solidFill>
+                <a:srgbClr val="FF0000"/>
+              </a:solidFill>
+            </a:ln>
+          </p:spPr>
+          <p:style>
+            <a:lnRef idx="2">
+              <a:schemeClr val="accent1">
+                <a:shade val="50000"/>
+              </a:schemeClr>
+            </a:lnRef>
+            <a:fillRef idx="1">
+              <a:schemeClr val="accent1"/>
+            </a:fillRef>
+            <a:effectRef idx="0">
+              <a:schemeClr val="accent1"/>
+            </a:effectRef>
+            <a:fontRef idx="minor">
+              <a:schemeClr val="lt1"/>
+            </a:fontRef>
+          </p:style>
+          <p:txBody>
+            <a:bodyPr rtlCol="0" anchor="ctr"/>
+            <a:lstStyle/>
+            <a:p>
+              <a:pPr algn="ctr"/>
+              <a:endParaRPr lang="zh-CN" altLang="en-US"/>
+            </a:p>
+          </p:txBody>
+        </p:sp>
+        <p:sp>
+          <p:nvSpPr>
+            <p:cNvPr id="17" name="乘号 16"/>
+            <p:cNvSpPr/>
+            <p:nvPr/>
+          </p:nvSpPr>
+          <p:spPr>
+            <a:xfrm>
+              <a:off x="3469820" y="1216478"/>
+              <a:ext cx="220436" cy="220436"/>
+            </a:xfrm>
+            <a:prstGeom prst="mathMultiply">
+              <a:avLst/>
+            </a:prstGeom>
+            <a:solidFill>
+              <a:srgbClr val="FF0000"/>
+            </a:solidFill>
+            <a:ln>
+              <a:solidFill>
+                <a:srgbClr val="FF0000"/>
+              </a:solidFill>
+            </a:ln>
+          </p:spPr>
+          <p:style>
+            <a:lnRef idx="2">
+              <a:schemeClr val="accent1">
+                <a:shade val="50000"/>
+              </a:schemeClr>
+            </a:lnRef>
+            <a:fillRef idx="1">
+              <a:schemeClr val="accent1"/>
+            </a:fillRef>
+            <a:effectRef idx="0">
+              <a:schemeClr val="accent1"/>
+            </a:effectRef>
+            <a:fontRef idx="minor">
+              <a:schemeClr val="lt1"/>
+            </a:fontRef>
+          </p:style>
+          <p:txBody>
+            <a:bodyPr rtlCol="0" anchor="ctr"/>
+            <a:lstStyle/>
+            <a:p>
+              <a:pPr algn="ctr"/>
+              <a:endParaRPr lang="zh-CN" altLang="en-US"/>
+            </a:p>
+          </p:txBody>
+        </p:sp>
+        <p:sp>
+          <p:nvSpPr>
+            <p:cNvPr id="18" name="乘号 17"/>
+            <p:cNvSpPr/>
+            <p:nvPr/>
+          </p:nvSpPr>
+          <p:spPr>
+            <a:xfrm>
+              <a:off x="3738757" y="867454"/>
+              <a:ext cx="220436" cy="220436"/>
+            </a:xfrm>
+            <a:prstGeom prst="mathMultiply">
+              <a:avLst/>
+            </a:prstGeom>
+            <a:solidFill>
+              <a:srgbClr val="FF0000"/>
+            </a:solidFill>
+            <a:ln>
+              <a:solidFill>
+                <a:srgbClr val="FF0000"/>
+              </a:solidFill>
+            </a:ln>
+          </p:spPr>
+          <p:style>
+            <a:lnRef idx="2">
+              <a:schemeClr val="accent1">
+                <a:shade val="50000"/>
+              </a:schemeClr>
+            </a:lnRef>
+            <a:fillRef idx="1">
+              <a:schemeClr val="accent1"/>
+            </a:fillRef>
+            <a:effectRef idx="0">
+              <a:schemeClr val="accent1"/>
+            </a:effectRef>
+            <a:fontRef idx="minor">
+              <a:schemeClr val="lt1"/>
+            </a:fontRef>
+          </p:style>
+          <p:txBody>
+            <a:bodyPr rtlCol="0" anchor="ctr"/>
+            <a:lstStyle/>
+            <a:p>
+              <a:pPr algn="ctr"/>
+              <a:endParaRPr lang="zh-CN" altLang="en-US"/>
+            </a:p>
+          </p:txBody>
+        </p:sp>
+        <p:sp>
+          <p:nvSpPr>
+            <p:cNvPr id="19" name="乘号 18"/>
+            <p:cNvSpPr/>
+            <p:nvPr/>
+          </p:nvSpPr>
+          <p:spPr>
+            <a:xfrm>
+              <a:off x="4078058" y="930727"/>
+              <a:ext cx="220436" cy="220436"/>
+            </a:xfrm>
+            <a:prstGeom prst="mathMultiply">
+              <a:avLst/>
+            </a:prstGeom>
+            <a:solidFill>
+              <a:srgbClr val="FF0000"/>
+            </a:solidFill>
+            <a:ln>
+              <a:solidFill>
+                <a:srgbClr val="FF0000"/>
+              </a:solidFill>
+            </a:ln>
+          </p:spPr>
+          <p:style>
+            <a:lnRef idx="2">
+              <a:schemeClr val="accent1">
+                <a:shade val="50000"/>
+              </a:schemeClr>
+            </a:lnRef>
+            <a:fillRef idx="1">
+              <a:schemeClr val="accent1"/>
+            </a:fillRef>
+            <a:effectRef idx="0">
+              <a:schemeClr val="accent1"/>
+            </a:effectRef>
+            <a:fontRef idx="minor">
+              <a:schemeClr val="lt1"/>
+            </a:fontRef>
+          </p:style>
+          <p:txBody>
+            <a:bodyPr rtlCol="0" anchor="ctr"/>
+            <a:lstStyle/>
+            <a:p>
+              <a:pPr algn="ctr"/>
+              <a:endParaRPr lang="zh-CN" altLang="en-US"/>
+            </a:p>
+          </p:txBody>
+        </p:sp>
+        <mc:AlternateContent xmlns:mc="http://schemas.openxmlformats.org/markup-compatibility/2006">
+          <mc:Choice xmlns:a14="http://schemas.microsoft.com/office/drawing/2010/main" Requires="a14">
+            <p:sp>
+              <p:nvSpPr>
+                <p:cNvPr id="23" name="文本框 22"/>
+                <p:cNvSpPr txBox="1"/>
+                <p:nvPr/>
+              </p:nvSpPr>
+              <p:spPr>
+                <a:xfrm>
+                  <a:off x="3848975" y="1900532"/>
+                  <a:ext cx="1217449" cy="276999"/>
+                </a:xfrm>
+                <a:prstGeom prst="rect">
+                  <a:avLst/>
+                </a:prstGeom>
+                <a:noFill/>
+              </p:spPr>
+              <p:txBody>
+                <a:bodyPr wrap="none" lIns="0" tIns="0" rIns="0" bIns="0" rtlCol="0">
+                  <a:spAutoFit/>
+                </a:bodyPr>
+                <a:lstStyle/>
+                <a:p>
+                  <a14:m>
+                    <m:oMathPara xmlns:m="http://schemas.openxmlformats.org/officeDocument/2006/math">
+                      <m:oMathParaPr>
+                        <m:jc m:val="centerGroup"/>
+                      </m:oMathParaPr>
+                      <m:oMath xmlns:m="http://schemas.openxmlformats.org/officeDocument/2006/math">
+                        <m:sSub>
+                          <m:sSubPr>
+                            <m:ctrlPr>
+                              <a:rPr lang="en-US" altLang="zh-CN" b="1" i="1" smtClean="0">
+                                <a:latin typeface="Cambria Math" panose="02040503050406030204" pitchFamily="18" charset="0"/>
+                              </a:rPr>
+                            </m:ctrlPr>
+                          </m:sSubPr>
+                          <m:e>
+                            <m:r>
+                              <a:rPr lang="en-US" altLang="zh-CN" b="1" i="1" smtClean="0">
+                                <a:latin typeface="Cambria Math" panose="02040503050406030204" pitchFamily="18" charset="0"/>
+                              </a:rPr>
+                              <m:t>𝒉</m:t>
+                            </m:r>
+                          </m:e>
+                          <m:sub>
+                            <m:r>
+                              <a:rPr lang="zh-CN" altLang="en-US" b="1" i="1" smtClean="0">
+                                <a:latin typeface="Cambria Math" panose="02040503050406030204" pitchFamily="18" charset="0"/>
+                              </a:rPr>
+                              <m:t>𝜽</m:t>
+                            </m:r>
+                          </m:sub>
+                        </m:sSub>
+                        <m:d>
+                          <m:dPr>
+                            <m:ctrlPr>
+                              <a:rPr lang="en-US" altLang="zh-CN" b="1" i="1" smtClean="0">
+                                <a:latin typeface="Cambria Math" panose="02040503050406030204" pitchFamily="18" charset="0"/>
+                              </a:rPr>
+                            </m:ctrlPr>
+                          </m:dPr>
+                          <m:e>
+                            <m:r>
+                              <a:rPr lang="en-US" altLang="zh-CN" b="1" i="1" smtClean="0">
+                                <a:latin typeface="Cambria Math" panose="02040503050406030204" pitchFamily="18" charset="0"/>
+                              </a:rPr>
+                              <m:t>𝒙</m:t>
+                            </m:r>
+                          </m:e>
+                        </m:d>
+                        <m:r>
+                          <a:rPr lang="en-US" altLang="zh-CN" b="1" i="1" smtClean="0">
+                            <a:latin typeface="Cambria Math" panose="02040503050406030204" pitchFamily="18" charset="0"/>
+                          </a:rPr>
+                          <m:t>=</m:t>
+                        </m:r>
+                        <m:r>
+                          <a:rPr lang="zh-CN" altLang="en-US" b="1" i="1" smtClean="0">
+                            <a:latin typeface="Cambria Math" panose="02040503050406030204" pitchFamily="18" charset="0"/>
+                          </a:rPr>
+                          <m:t>𝜽</m:t>
+                        </m:r>
+                        <m:r>
+                          <a:rPr lang="en-US" altLang="zh-CN" b="1" i="1" smtClean="0">
+                            <a:latin typeface="Cambria Math" panose="02040503050406030204" pitchFamily="18" charset="0"/>
+                          </a:rPr>
+                          <m:t>𝒙</m:t>
+                        </m:r>
+                      </m:oMath>
+                    </m:oMathPara>
+                  </a14:m>
+                  <a:endParaRPr lang="zh-CN" altLang="en-US" b="1" dirty="0"/>
+                </a:p>
+              </p:txBody>
+            </p:sp>
+          </mc:Choice>
+          <mc:Fallback>
+            <p:sp>
+              <p:nvSpPr>
+                <p:cNvPr id="23" name="文本框 22"/>
+                <p:cNvSpPr txBox="1">
+                  <a:spLocks noRot="1" noChangeAspect="1" noMove="1" noResize="1" noEditPoints="1" noAdjustHandles="1" noChangeArrowheads="1" noChangeShapeType="1" noTextEdit="1"/>
+                </p:cNvSpPr>
+                <p:nvPr/>
+              </p:nvSpPr>
+              <p:spPr>
+                <a:xfrm>
+                  <a:off x="3848975" y="1900532"/>
+                  <a:ext cx="1217449" cy="276999"/>
+                </a:xfrm>
+                <a:prstGeom prst="rect">
+                  <a:avLst/>
+                </a:prstGeom>
+                <a:blipFill rotWithShape="0">
+                  <a:blip r:embed="rId2"/>
+                  <a:stretch>
+                    <a:fillRect t="-1563"/>
+                  </a:stretch>
+                </a:blipFill>
+              </p:spPr>
+              <p:txBody>
+                <a:bodyPr/>
+                <a:lstStyle/>
+                <a:p>
+                  <a:r>
+                    <a:rPr lang="zh-CN" altLang="en-US">
+                      <a:noFill/>
+                    </a:rPr>
+                    <a:t> </a:t>
+                  </a:r>
+                </a:p>
+              </p:txBody>
+            </p:sp>
+          </mc:Fallback>
+        </mc:AlternateContent>
+        <p:cxnSp>
+          <p:nvCxnSpPr>
+            <p:cNvPr id="32" name="直接箭头连接符 31"/>
+            <p:cNvCxnSpPr/>
+            <p:nvPr/>
+          </p:nvCxnSpPr>
+          <p:spPr>
+            <a:xfrm>
+              <a:off x="2796268" y="1781856"/>
+              <a:ext cx="0" cy="395675"/>
+            </a:xfrm>
+            <a:prstGeom prst="straightConnector1">
+              <a:avLst/>
+            </a:prstGeom>
+            <a:ln>
+              <a:headEnd type="triangle"/>
+              <a:tailEnd type="triangle"/>
+            </a:ln>
+          </p:spPr>
+          <p:style>
+            <a:lnRef idx="3">
+              <a:schemeClr val="accent4"/>
+            </a:lnRef>
+            <a:fillRef idx="0">
+              <a:schemeClr val="accent4"/>
+            </a:fillRef>
+            <a:effectRef idx="2">
+              <a:schemeClr val="accent4"/>
+            </a:effectRef>
+            <a:fontRef idx="minor">
+              <a:schemeClr val="tx1"/>
+            </a:fontRef>
+          </p:style>
+        </p:cxnSp>
+        <p:cxnSp>
+          <p:nvCxnSpPr>
+            <p:cNvPr id="33" name="直接箭头连接符 32"/>
+            <p:cNvCxnSpPr/>
+            <p:nvPr/>
+          </p:nvCxnSpPr>
+          <p:spPr>
+            <a:xfrm>
+              <a:off x="2996293" y="1436914"/>
+              <a:ext cx="0" cy="649061"/>
+            </a:xfrm>
+            <a:prstGeom prst="straightConnector1">
+              <a:avLst/>
+            </a:prstGeom>
+            <a:ln>
+              <a:headEnd type="triangle"/>
+              <a:tailEnd type="triangle"/>
+            </a:ln>
+          </p:spPr>
+          <p:style>
+            <a:lnRef idx="3">
+              <a:schemeClr val="accent4"/>
+            </a:lnRef>
+            <a:fillRef idx="0">
+              <a:schemeClr val="accent4"/>
+            </a:fillRef>
+            <a:effectRef idx="2">
+              <a:schemeClr val="accent4"/>
+            </a:effectRef>
+            <a:fontRef idx="minor">
+              <a:schemeClr val="tx1"/>
+            </a:fontRef>
+          </p:style>
+        </p:cxnSp>
+        <p:cxnSp>
+          <p:nvCxnSpPr>
+            <p:cNvPr id="37" name="直接箭头连接符 36"/>
+            <p:cNvCxnSpPr/>
+            <p:nvPr/>
+          </p:nvCxnSpPr>
+          <p:spPr>
+            <a:xfrm>
+              <a:off x="3343954" y="1712605"/>
+              <a:ext cx="0" cy="230495"/>
+            </a:xfrm>
+            <a:prstGeom prst="straightConnector1">
+              <a:avLst/>
+            </a:prstGeom>
+            <a:ln>
+              <a:headEnd type="triangle"/>
+              <a:tailEnd type="triangle"/>
+            </a:ln>
+          </p:spPr>
+          <p:style>
+            <a:lnRef idx="3">
+              <a:schemeClr val="accent4"/>
+            </a:lnRef>
+            <a:fillRef idx="0">
+              <a:schemeClr val="accent4"/>
+            </a:fillRef>
+            <a:effectRef idx="2">
+              <a:schemeClr val="accent4"/>
+            </a:effectRef>
+            <a:fontRef idx="minor">
+              <a:schemeClr val="tx1"/>
+            </a:fontRef>
+          </p:style>
+        </p:cxnSp>
+        <p:cxnSp>
+          <p:nvCxnSpPr>
+            <p:cNvPr id="41" name="直接箭头连接符 40"/>
+            <p:cNvCxnSpPr/>
+            <p:nvPr/>
+          </p:nvCxnSpPr>
+          <p:spPr>
+            <a:xfrm>
+              <a:off x="3580038" y="1350851"/>
+              <a:ext cx="0" cy="496999"/>
+            </a:xfrm>
+            <a:prstGeom prst="straightConnector1">
+              <a:avLst/>
+            </a:prstGeom>
+            <a:ln>
+              <a:headEnd type="triangle"/>
+              <a:tailEnd type="triangle"/>
+            </a:ln>
+          </p:spPr>
+          <p:style>
+            <a:lnRef idx="3">
+              <a:schemeClr val="accent4"/>
+            </a:lnRef>
+            <a:fillRef idx="0">
+              <a:schemeClr val="accent4"/>
+            </a:fillRef>
+            <a:effectRef idx="2">
+              <a:schemeClr val="accent4"/>
+            </a:effectRef>
+            <a:fontRef idx="minor">
+              <a:schemeClr val="tx1"/>
+            </a:fontRef>
+          </p:style>
+        </p:cxnSp>
+        <p:cxnSp>
+          <p:nvCxnSpPr>
+            <p:cNvPr id="43" name="直接箭头连接符 42"/>
+            <p:cNvCxnSpPr/>
+            <p:nvPr/>
+          </p:nvCxnSpPr>
+          <p:spPr>
+            <a:xfrm>
+              <a:off x="3849850" y="989241"/>
+              <a:ext cx="0" cy="741928"/>
+            </a:xfrm>
+            <a:prstGeom prst="straightConnector1">
+              <a:avLst/>
+            </a:prstGeom>
+            <a:ln>
+              <a:headEnd type="triangle"/>
+              <a:tailEnd type="triangle"/>
+            </a:ln>
+          </p:spPr>
+          <p:style>
+            <a:lnRef idx="3">
+              <a:schemeClr val="accent4"/>
+            </a:lnRef>
+            <a:fillRef idx="0">
+              <a:schemeClr val="accent4"/>
+            </a:fillRef>
+            <a:effectRef idx="2">
+              <a:schemeClr val="accent4"/>
+            </a:effectRef>
+            <a:fontRef idx="minor">
+              <a:schemeClr val="tx1"/>
+            </a:fontRef>
+          </p:style>
+        </p:cxnSp>
+        <p:cxnSp>
+          <p:nvCxnSpPr>
+            <p:cNvPr id="47" name="直接箭头连接符 46"/>
+            <p:cNvCxnSpPr/>
+            <p:nvPr/>
+          </p:nvCxnSpPr>
+          <p:spPr>
+            <a:xfrm>
+              <a:off x="4188276" y="1062038"/>
+              <a:ext cx="0" cy="517752"/>
+            </a:xfrm>
+            <a:prstGeom prst="straightConnector1">
+              <a:avLst/>
+            </a:prstGeom>
+            <a:ln>
+              <a:headEnd type="triangle"/>
+              <a:tailEnd type="triangle"/>
+            </a:ln>
+          </p:spPr>
+          <p:style>
+            <a:lnRef idx="3">
+              <a:schemeClr val="accent4"/>
+            </a:lnRef>
+            <a:fillRef idx="0">
+              <a:schemeClr val="accent4"/>
+            </a:fillRef>
+            <a:effectRef idx="2">
+              <a:schemeClr val="accent4"/>
+            </a:effectRef>
+            <a:fontRef idx="minor">
+              <a:schemeClr val="tx1"/>
+            </a:fontRef>
+          </p:style>
+        </p:cxnSp>
+        <p:cxnSp>
+          <p:nvCxnSpPr>
+            <p:cNvPr id="49" name="直接箭头连接符 48"/>
+            <p:cNvCxnSpPr/>
+            <p:nvPr/>
+          </p:nvCxnSpPr>
+          <p:spPr>
+            <a:xfrm flipV="1">
+              <a:off x="6882493" y="693968"/>
+              <a:ext cx="0" cy="1771649"/>
+            </a:xfrm>
+            <a:prstGeom prst="straightConnector1">
+              <a:avLst/>
+            </a:prstGeom>
+            <a:ln w="38100">
+              <a:tailEnd type="triangle"/>
+            </a:ln>
+          </p:spPr>
+          <p:style>
+            <a:lnRef idx="3">
+              <a:schemeClr val="dk1"/>
+            </a:lnRef>
+            <a:fillRef idx="0">
+              <a:schemeClr val="dk1"/>
+            </a:fillRef>
+            <a:effectRef idx="2">
+              <a:schemeClr val="dk1"/>
+            </a:effectRef>
+            <a:fontRef idx="minor">
+              <a:schemeClr val="tx1"/>
+            </a:fontRef>
+          </p:style>
+        </p:cxnSp>
+        <p:cxnSp>
+          <p:nvCxnSpPr>
+            <p:cNvPr id="50" name="直接箭头连接符 49"/>
+            <p:cNvCxnSpPr/>
+            <p:nvPr/>
+          </p:nvCxnSpPr>
+          <p:spPr>
+            <a:xfrm>
+              <a:off x="6866165" y="2465618"/>
+              <a:ext cx="2318657" cy="0"/>
+            </a:xfrm>
+            <a:prstGeom prst="straightConnector1">
+              <a:avLst/>
+            </a:prstGeom>
+            <a:ln w="38100">
+              <a:tailEnd type="triangle"/>
+            </a:ln>
+          </p:spPr>
+          <p:style>
+            <a:lnRef idx="3">
+              <a:schemeClr val="dk1"/>
+            </a:lnRef>
+            <a:fillRef idx="0">
+              <a:schemeClr val="dk1"/>
+            </a:fillRef>
+            <a:effectRef idx="2">
+              <a:schemeClr val="dk1"/>
+            </a:effectRef>
+            <a:fontRef idx="minor">
+              <a:schemeClr val="tx1"/>
+            </a:fontRef>
+          </p:style>
+        </p:cxnSp>
+        <p:sp>
+          <p:nvSpPr>
+            <p:cNvPr id="52" name="弧形 51"/>
+            <p:cNvSpPr/>
+            <p:nvPr/>
+          </p:nvSpPr>
+          <p:spPr>
+            <a:xfrm rot="5400000">
+              <a:off x="6657610" y="116897"/>
+              <a:ext cx="2624820" cy="1504613"/>
+            </a:xfrm>
+            <a:prstGeom prst="arc">
+              <a:avLst>
+                <a:gd name="adj1" fmla="val 16864053"/>
+                <a:gd name="adj2" fmla="val 4214281"/>
+              </a:avLst>
+            </a:prstGeom>
+            <a:ln w="28575"/>
+          </p:spPr>
+          <p:style>
+            <a:lnRef idx="3">
+              <a:schemeClr val="accent1"/>
+            </a:lnRef>
+            <a:fillRef idx="0">
+              <a:schemeClr val="accent1"/>
+            </a:fillRef>
+            <a:effectRef idx="2">
+              <a:schemeClr val="accent1"/>
+            </a:effectRef>
+            <a:fontRef idx="minor">
+              <a:schemeClr val="tx1"/>
+            </a:fontRef>
+          </p:style>
+          <p:txBody>
+            <a:bodyPr rtlCol="0" anchor="ctr"/>
+            <a:lstStyle/>
+            <a:p>
+              <a:pPr algn="ctr"/>
+              <a:endParaRPr lang="zh-CN" altLang="en-US"/>
+            </a:p>
+          </p:txBody>
+        </p:sp>
+        <mc:AlternateContent xmlns:mc="http://schemas.openxmlformats.org/markup-compatibility/2006">
+          <mc:Choice xmlns:a14="http://schemas.microsoft.com/office/drawing/2010/main" Requires="a14">
+            <p:sp>
+              <p:nvSpPr>
+                <p:cNvPr id="56" name="文本框 55"/>
+                <p:cNvSpPr txBox="1"/>
+                <p:nvPr/>
+              </p:nvSpPr>
+              <p:spPr>
+                <a:xfrm>
+                  <a:off x="7314246" y="2530156"/>
+                  <a:ext cx="197169" cy="276999"/>
+                </a:xfrm>
+                <a:prstGeom prst="rect">
+                  <a:avLst/>
+                </a:prstGeom>
+                <a:noFill/>
+              </p:spPr>
+              <p:txBody>
+                <a:bodyPr wrap="none" lIns="0" tIns="0" rIns="0" bIns="0" rtlCol="0">
+                  <a:spAutoFit/>
+                </a:bodyPr>
+                <a:lstStyle/>
+                <a:p>
+                  <a14:m>
+                    <m:oMathPara xmlns:m="http://schemas.openxmlformats.org/officeDocument/2006/math">
+                      <m:oMathParaPr>
+                        <m:jc m:val="centerGroup"/>
+                      </m:oMathParaPr>
+                      <m:oMath xmlns:m="http://schemas.openxmlformats.org/officeDocument/2006/math">
+                        <m:r>
+                          <a:rPr lang="zh-CN" altLang="en-US" b="1" i="1" smtClean="0">
+                            <a:latin typeface="Cambria Math" panose="02040503050406030204" pitchFamily="18" charset="0"/>
+                          </a:rPr>
+                          <m:t>𝜽</m:t>
+                        </m:r>
+                      </m:oMath>
+                    </m:oMathPara>
+                  </a14:m>
+                  <a:endParaRPr lang="zh-CN" altLang="en-US" b="1" dirty="0"/>
+                </a:p>
+              </p:txBody>
+            </p:sp>
+          </mc:Choice>
+          <mc:Fallback>
+            <p:sp>
+              <p:nvSpPr>
+                <p:cNvPr id="56" name="文本框 55"/>
+                <p:cNvSpPr txBox="1">
+                  <a:spLocks noRot="1" noChangeAspect="1" noMove="1" noResize="1" noEditPoints="1" noAdjustHandles="1" noChangeArrowheads="1" noChangeShapeType="1" noTextEdit="1"/>
+                </p:cNvSpPr>
+                <p:nvPr/>
+              </p:nvSpPr>
+              <p:spPr>
+                <a:xfrm>
+                  <a:off x="7314246" y="2530156"/>
+                  <a:ext cx="197169" cy="276999"/>
+                </a:xfrm>
+                <a:prstGeom prst="rect">
+                  <a:avLst/>
+                </a:prstGeom>
+                <a:blipFill rotWithShape="0">
+                  <a:blip r:embed="rId3"/>
+                  <a:stretch>
+                    <a:fillRect l="-6667" r="-6667"/>
+                  </a:stretch>
+                </a:blipFill>
+              </p:spPr>
+              <p:txBody>
+                <a:bodyPr/>
+                <a:lstStyle/>
+                <a:p>
+                  <a:r>
+                    <a:rPr lang="zh-CN" altLang="en-US">
+                      <a:noFill/>
+                    </a:rPr>
+                    <a:t> </a:t>
+                  </a:r>
+                </a:p>
+              </p:txBody>
+            </p:sp>
+          </mc:Fallback>
+        </mc:AlternateContent>
+        <mc:AlternateContent xmlns:mc="http://schemas.openxmlformats.org/markup-compatibility/2006">
+          <mc:Choice xmlns:a14="http://schemas.microsoft.com/office/drawing/2010/main" Requires="a14">
+            <p:sp>
+              <p:nvSpPr>
+                <p:cNvPr id="57" name="文本框 56"/>
+                <p:cNvSpPr txBox="1"/>
+                <p:nvPr/>
+              </p:nvSpPr>
+              <p:spPr>
+                <a:xfrm>
+                  <a:off x="6198199" y="653728"/>
+                  <a:ext cx="544252" cy="276999"/>
+                </a:xfrm>
+                <a:prstGeom prst="rect">
+                  <a:avLst/>
+                </a:prstGeom>
+                <a:noFill/>
+              </p:spPr>
+              <p:txBody>
+                <a:bodyPr wrap="none" lIns="0" tIns="0" rIns="0" bIns="0" rtlCol="0">
+                  <a:spAutoFit/>
+                </a:bodyPr>
+                <a:lstStyle/>
+                <a:p>
+                  <a14:m>
+                    <m:oMathPara xmlns:m="http://schemas.openxmlformats.org/officeDocument/2006/math">
+                      <m:oMathParaPr>
+                        <m:jc m:val="centerGroup"/>
+                      </m:oMathParaPr>
+                      <m:oMath xmlns:m="http://schemas.openxmlformats.org/officeDocument/2006/math">
+                        <m:r>
+                          <a:rPr lang="zh-CN" altLang="en-US" b="1" i="1" smtClean="0">
+                            <a:latin typeface="Cambria Math" panose="02040503050406030204" pitchFamily="18" charset="0"/>
+                          </a:rPr>
+                          <m:t>𝓙</m:t>
+                        </m:r>
+                        <m:d>
+                          <m:dPr>
+                            <m:ctrlPr>
+                              <a:rPr lang="en-US" altLang="zh-CN" b="1" i="1" smtClean="0">
+                                <a:latin typeface="Cambria Math" panose="02040503050406030204" pitchFamily="18" charset="0"/>
+                              </a:rPr>
+                            </m:ctrlPr>
+                          </m:dPr>
+                          <m:e>
+                            <m:r>
+                              <a:rPr lang="zh-CN" altLang="en-US" b="1" i="1" smtClean="0">
+                                <a:latin typeface="Cambria Math" panose="02040503050406030204" pitchFamily="18" charset="0"/>
+                              </a:rPr>
+                              <m:t>𝜽</m:t>
+                            </m:r>
+                          </m:e>
+                        </m:d>
+                      </m:oMath>
+                    </m:oMathPara>
+                  </a14:m>
+                  <a:endParaRPr lang="zh-CN" altLang="en-US" b="1" dirty="0"/>
+                </a:p>
+              </p:txBody>
+            </p:sp>
+          </mc:Choice>
+          <mc:Fallback>
+            <p:sp>
+              <p:nvSpPr>
+                <p:cNvPr id="57" name="文本框 56"/>
+                <p:cNvSpPr txBox="1">
+                  <a:spLocks noRot="1" noChangeAspect="1" noMove="1" noResize="1" noEditPoints="1" noAdjustHandles="1" noChangeArrowheads="1" noChangeShapeType="1" noTextEdit="1"/>
+                </p:cNvSpPr>
+                <p:nvPr/>
+              </p:nvSpPr>
+              <p:spPr>
+                <a:xfrm>
+                  <a:off x="6198199" y="653728"/>
+                  <a:ext cx="544252" cy="276999"/>
+                </a:xfrm>
+                <a:prstGeom prst="rect">
+                  <a:avLst/>
+                </a:prstGeom>
+                <a:blipFill rotWithShape="0">
+                  <a:blip r:embed="rId4"/>
+                  <a:stretch>
+                    <a:fillRect/>
+                  </a:stretch>
+                </a:blipFill>
+              </p:spPr>
+              <p:txBody>
+                <a:bodyPr/>
+                <a:lstStyle/>
+                <a:p>
+                  <a:r>
+                    <a:rPr lang="zh-CN" altLang="en-US">
+                      <a:noFill/>
+                    </a:rPr>
+                    <a:t> </a:t>
+                  </a:r>
+                </a:p>
+              </p:txBody>
+            </p:sp>
+          </mc:Fallback>
+        </mc:AlternateContent>
+        <mc:AlternateContent xmlns:mc="http://schemas.openxmlformats.org/markup-compatibility/2006">
+          <mc:Choice xmlns:a14="http://schemas.microsoft.com/office/drawing/2010/main" Requires="a14">
+            <p:sp>
+              <p:nvSpPr>
+                <p:cNvPr id="58" name="文本框 57"/>
+                <p:cNvSpPr txBox="1"/>
+                <p:nvPr/>
+              </p:nvSpPr>
+              <p:spPr>
+                <a:xfrm>
+                  <a:off x="4489532" y="2327115"/>
+                  <a:ext cx="185948" cy="276999"/>
+                </a:xfrm>
+                <a:prstGeom prst="rect">
+                  <a:avLst/>
+                </a:prstGeom>
+                <a:noFill/>
+              </p:spPr>
+              <p:txBody>
+                <a:bodyPr wrap="none" lIns="0" tIns="0" rIns="0" bIns="0" rtlCol="0">
+                  <a:spAutoFit/>
+                </a:bodyPr>
+                <a:lstStyle/>
+                <a:p>
+                  <a14:m>
+                    <m:oMathPara xmlns:m="http://schemas.openxmlformats.org/officeDocument/2006/math">
+                      <m:oMathParaPr>
+                        <m:jc m:val="centerGroup"/>
+                      </m:oMathParaPr>
+                      <m:oMath xmlns:m="http://schemas.openxmlformats.org/officeDocument/2006/math">
+                        <m:r>
+                          <a:rPr lang="en-US" altLang="zh-CN" b="1" i="1" smtClean="0">
+                            <a:latin typeface="Cambria Math" panose="02040503050406030204" pitchFamily="18" charset="0"/>
+                          </a:rPr>
+                          <m:t>𝒙</m:t>
+                        </m:r>
+                      </m:oMath>
+                    </m:oMathPara>
+                  </a14:m>
+                  <a:endParaRPr lang="zh-CN" altLang="en-US" b="1" dirty="0"/>
+                </a:p>
+              </p:txBody>
+            </p:sp>
+          </mc:Choice>
+          <mc:Fallback>
+            <p:sp>
+              <p:nvSpPr>
+                <p:cNvPr id="58" name="文本框 57"/>
+                <p:cNvSpPr txBox="1">
+                  <a:spLocks noRot="1" noChangeAspect="1" noMove="1" noResize="1" noEditPoints="1" noAdjustHandles="1" noChangeArrowheads="1" noChangeShapeType="1" noTextEdit="1"/>
+                </p:cNvSpPr>
+                <p:nvPr/>
+              </p:nvSpPr>
+              <p:spPr>
+                <a:xfrm>
+                  <a:off x="4489532" y="2327115"/>
+                  <a:ext cx="185948" cy="276999"/>
+                </a:xfrm>
+                <a:prstGeom prst="rect">
+                  <a:avLst/>
+                </a:prstGeom>
+                <a:blipFill rotWithShape="0">
+                  <a:blip r:embed="rId5"/>
+                  <a:stretch>
+                    <a:fillRect/>
+                  </a:stretch>
+                </a:blipFill>
+              </p:spPr>
+              <p:txBody>
+                <a:bodyPr/>
+                <a:lstStyle/>
+                <a:p>
+                  <a:r>
+                    <a:rPr lang="zh-CN" altLang="en-US">
+                      <a:noFill/>
+                    </a:rPr>
+                    <a:t> </a:t>
+                  </a:r>
+                </a:p>
+              </p:txBody>
+            </p:sp>
+          </mc:Fallback>
+        </mc:AlternateContent>
+        <mc:AlternateContent xmlns:mc="http://schemas.openxmlformats.org/markup-compatibility/2006">
+          <mc:Choice xmlns:a14="http://schemas.microsoft.com/office/drawing/2010/main" Requires="a14">
+            <p:sp>
+              <p:nvSpPr>
+                <p:cNvPr id="59" name="文本框 58"/>
+                <p:cNvSpPr txBox="1"/>
+                <p:nvPr/>
+              </p:nvSpPr>
+              <p:spPr>
+                <a:xfrm>
+                  <a:off x="1857634" y="590455"/>
+                  <a:ext cx="190757" cy="276999"/>
+                </a:xfrm>
+                <a:prstGeom prst="rect">
+                  <a:avLst/>
+                </a:prstGeom>
+                <a:noFill/>
+              </p:spPr>
+              <p:txBody>
+                <a:bodyPr wrap="none" lIns="0" tIns="0" rIns="0" bIns="0" rtlCol="0">
+                  <a:spAutoFit/>
+                </a:bodyPr>
+                <a:lstStyle/>
+                <a:p>
+                  <a14:m>
+                    <m:oMathPara xmlns:m="http://schemas.openxmlformats.org/officeDocument/2006/math">
+                      <m:oMathParaPr>
+                        <m:jc m:val="centerGroup"/>
+                      </m:oMathParaPr>
+                      <m:oMath xmlns:m="http://schemas.openxmlformats.org/officeDocument/2006/math">
+                        <m:r>
+                          <a:rPr lang="en-US" altLang="zh-CN" b="1" i="1" smtClean="0">
+                            <a:latin typeface="Cambria Math" panose="02040503050406030204" pitchFamily="18" charset="0"/>
+                          </a:rPr>
+                          <m:t>𝒚</m:t>
+                        </m:r>
+                      </m:oMath>
+                    </m:oMathPara>
+                  </a14:m>
+                  <a:endParaRPr lang="zh-CN" altLang="en-US" b="1" dirty="0"/>
+                </a:p>
+              </p:txBody>
+            </p:sp>
+          </mc:Choice>
+          <mc:Fallback>
+            <p:sp>
+              <p:nvSpPr>
+                <p:cNvPr id="59" name="文本框 58"/>
+                <p:cNvSpPr txBox="1">
+                  <a:spLocks noRot="1" noChangeAspect="1" noMove="1" noResize="1" noEditPoints="1" noAdjustHandles="1" noChangeArrowheads="1" noChangeShapeType="1" noTextEdit="1"/>
+                </p:cNvSpPr>
+                <p:nvPr/>
+              </p:nvSpPr>
+              <p:spPr>
+                <a:xfrm>
+                  <a:off x="1857634" y="590455"/>
+                  <a:ext cx="190757" cy="276999"/>
+                </a:xfrm>
+                <a:prstGeom prst="rect">
+                  <a:avLst/>
+                </a:prstGeom>
+                <a:blipFill rotWithShape="0">
+                  <a:blip r:embed="rId6"/>
+                  <a:stretch>
+                    <a:fillRect l="-6818" r="-9091"/>
+                  </a:stretch>
+                </a:blipFill>
+              </p:spPr>
+              <p:txBody>
+                <a:bodyPr/>
+                <a:lstStyle/>
+                <a:p>
+                  <a:r>
+                    <a:rPr lang="zh-CN" altLang="en-US">
+                      <a:noFill/>
+                    </a:rPr>
+                    <a:t> </a:t>
+                  </a:r>
+                </a:p>
+              </p:txBody>
+            </p:sp>
+          </mc:Fallback>
+        </mc:AlternateContent>
+        <mc:AlternateContent xmlns:mc="http://schemas.openxmlformats.org/markup-compatibility/2006">
+          <mc:Choice xmlns:a14="http://schemas.microsoft.com/office/drawing/2010/main" Requires="a14">
+            <p:sp>
+              <p:nvSpPr>
+                <p:cNvPr id="60" name="文本框 59"/>
+                <p:cNvSpPr txBox="1"/>
+                <p:nvPr/>
+              </p:nvSpPr>
+              <p:spPr>
+                <a:xfrm>
+                  <a:off x="9226279" y="2327114"/>
+                  <a:ext cx="197169" cy="276999"/>
+                </a:xfrm>
+                <a:prstGeom prst="rect">
+                  <a:avLst/>
+                </a:prstGeom>
+                <a:noFill/>
+              </p:spPr>
+              <p:txBody>
+                <a:bodyPr wrap="none" lIns="0" tIns="0" rIns="0" bIns="0" rtlCol="0">
+                  <a:spAutoFit/>
+                </a:bodyPr>
+                <a:lstStyle/>
+                <a:p>
+                  <a14:m>
+                    <m:oMathPara xmlns:m="http://schemas.openxmlformats.org/officeDocument/2006/math">
+                      <m:oMathParaPr>
+                        <m:jc m:val="centerGroup"/>
+                      </m:oMathParaPr>
+                      <m:oMath xmlns:m="http://schemas.openxmlformats.org/officeDocument/2006/math">
+                        <m:r>
+                          <a:rPr lang="zh-CN" altLang="en-US" b="1" i="1" smtClean="0">
+                            <a:latin typeface="Cambria Math" panose="02040503050406030204" pitchFamily="18" charset="0"/>
+                          </a:rPr>
+                          <m:t>𝜽</m:t>
+                        </m:r>
+                      </m:oMath>
+                    </m:oMathPara>
+                  </a14:m>
+                  <a:endParaRPr lang="zh-CN" altLang="en-US" b="1" dirty="0"/>
+                </a:p>
+              </p:txBody>
+            </p:sp>
+          </mc:Choice>
+          <mc:Fallback>
+            <p:sp>
+              <p:nvSpPr>
+                <p:cNvPr id="60" name="文本框 59"/>
+                <p:cNvSpPr txBox="1">
+                  <a:spLocks noRot="1" noChangeAspect="1" noMove="1" noResize="1" noEditPoints="1" noAdjustHandles="1" noChangeArrowheads="1" noChangeShapeType="1" noTextEdit="1"/>
+                </p:cNvSpPr>
+                <p:nvPr/>
+              </p:nvSpPr>
+              <p:spPr>
+                <a:xfrm>
+                  <a:off x="9226279" y="2327114"/>
+                  <a:ext cx="197169" cy="276999"/>
+                </a:xfrm>
+                <a:prstGeom prst="rect">
+                  <a:avLst/>
+                </a:prstGeom>
+                <a:blipFill rotWithShape="0">
+                  <a:blip r:embed="rId7"/>
+                  <a:stretch>
+                    <a:fillRect l="-6667" r="-6667"/>
+                  </a:stretch>
+                </a:blipFill>
+              </p:spPr>
+              <p:txBody>
+                <a:bodyPr/>
+                <a:lstStyle/>
+                <a:p>
+                  <a:r>
+                    <a:rPr lang="zh-CN" altLang="en-US">
+                      <a:noFill/>
+                    </a:rPr>
+                    <a:t> </a:t>
+                  </a:r>
+                </a:p>
+              </p:txBody>
+            </p:sp>
+          </mc:Fallback>
+        </mc:AlternateContent>
+      </p:grpSp>
+    </p:spTree>
+    <p:extLst>
+      <p:ext uri="{BB962C8B-B14F-4D97-AF65-F5344CB8AC3E}">
+        <p14:creationId xmlns:p14="http://schemas.microsoft.com/office/powerpoint/2010/main" val="1343288090"/>
+      </p:ext>
+    </p:extLst>
+  </p:cSld>
+  <p:clrMapOvr>
+    <a:masterClrMapping/>
+  </p:clrMapOvr>
+</p:sld>
+</file>
+
+<file path=ppt/slides/slide9.xml><?xml version="1.0" encoding="utf-8"?>
+<p:sld xmlns:a="http://schemas.openxmlformats.org/drawingml/2006/main" xmlns:r="http://schemas.openxmlformats.org/officeDocument/2006/relationships" xmlns:p="http://schemas.openxmlformats.org/presentationml/2006/main">
+  <p:cSld>
+    <p:spTree>
+      <p:nvGrpSpPr>
+        <p:cNvPr id="1" name=""/>
+        <p:cNvGrpSpPr/>
+        <p:nvPr/>
+      </p:nvGrpSpPr>
+      <p:grpSpPr>
+        <a:xfrm>
+          <a:off x="0" y="0"/>
+          <a:ext cx="0" cy="0"/>
+          <a:chOff x="0" y="0"/>
+          <a:chExt cx="0" cy="0"/>
+        </a:xfrm>
+      </p:grpSpPr>
+      <p:cxnSp>
+        <p:nvCxnSpPr>
+          <p:cNvPr id="6" name="直接连接符 5"/>
+          <p:cNvCxnSpPr/>
+          <p:nvPr/>
+        </p:nvCxnSpPr>
+        <p:spPr>
+          <a:xfrm flipV="1">
+            <a:off x="1103416" y="2200275"/>
+            <a:ext cx="1439759" cy="2726509"/>
+          </a:xfrm>
+          <a:prstGeom prst="line">
+            <a:avLst/>
+          </a:prstGeom>
+          <a:ln w="28575"/>
+        </p:spPr>
+        <p:style>
+          <a:lnRef idx="3">
+            <a:schemeClr val="accent1"/>
+          </a:lnRef>
+          <a:fillRef idx="0">
+            <a:schemeClr val="accent1"/>
+          </a:fillRef>
+          <a:effectRef idx="2">
+            <a:schemeClr val="accent1"/>
+          </a:effectRef>
+          <a:fontRef idx="minor">
+            <a:schemeClr val="tx1"/>
+          </a:fontRef>
+        </p:style>
+      </p:cxnSp>
+      <p:cxnSp>
+        <p:nvCxnSpPr>
+          <p:cNvPr id="7" name="直接箭头连接符 6"/>
+          <p:cNvCxnSpPr/>
+          <p:nvPr/>
+        </p:nvCxnSpPr>
+        <p:spPr>
+          <a:xfrm flipV="1">
+            <a:off x="1103416" y="2419183"/>
+            <a:ext cx="0" cy="2507600"/>
+          </a:xfrm>
+          <a:prstGeom prst="straightConnector1">
+            <a:avLst/>
+          </a:prstGeom>
+          <a:ln w="38100">
+            <a:tailEnd type="triangle"/>
+          </a:ln>
+        </p:spPr>
+        <p:style>
+          <a:lnRef idx="3">
+            <a:schemeClr val="dk1"/>
+          </a:lnRef>
+          <a:fillRef idx="0">
+            <a:schemeClr val="dk1"/>
+          </a:fillRef>
+          <a:effectRef idx="2">
+            <a:schemeClr val="dk1"/>
+          </a:effectRef>
+          <a:fontRef idx="minor">
+            <a:schemeClr val="tx1"/>
+          </a:fontRef>
+        </p:style>
+      </p:cxnSp>
+      <p:cxnSp>
+        <p:nvCxnSpPr>
+          <p:cNvPr id="8" name="直接箭头连接符 7"/>
+          <p:cNvCxnSpPr/>
+          <p:nvPr/>
+        </p:nvCxnSpPr>
+        <p:spPr>
+          <a:xfrm>
+            <a:off x="1080305" y="4926784"/>
+            <a:ext cx="3281837" cy="0"/>
+          </a:xfrm>
+          <a:prstGeom prst="straightConnector1">
+            <a:avLst/>
+          </a:prstGeom>
+          <a:ln w="38100">
+            <a:tailEnd type="triangle"/>
+          </a:ln>
+        </p:spPr>
+        <p:style>
+          <a:lnRef idx="3">
+            <a:schemeClr val="dk1"/>
+          </a:lnRef>
+          <a:fillRef idx="0">
+            <a:schemeClr val="dk1"/>
+          </a:fillRef>
+          <a:effectRef idx="2">
+            <a:schemeClr val="dk1"/>
+          </a:effectRef>
+          <a:fontRef idx="minor">
+            <a:schemeClr val="tx1"/>
+          </a:fontRef>
+        </p:style>
+      </p:cxnSp>
+      <p:sp>
+        <p:nvSpPr>
+          <p:cNvPr id="9" name="乘号 8"/>
+          <p:cNvSpPr/>
+          <p:nvPr/>
+        </p:nvSpPr>
+        <p:spPr>
+          <a:xfrm>
+            <a:off x="1871391" y="3785443"/>
+            <a:ext cx="312006" cy="312006"/>
+          </a:xfrm>
+          <a:prstGeom prst="mathMultiply">
+            <a:avLst/>
+          </a:prstGeom>
+          <a:solidFill>
+            <a:srgbClr val="FF0000"/>
+          </a:solidFill>
+          <a:ln>
+            <a:solidFill>
+              <a:srgbClr val="FF0000"/>
+            </a:solidFill>
+          </a:ln>
+        </p:spPr>
+        <p:style>
+          <a:lnRef idx="2">
+            <a:schemeClr val="accent1">
+              <a:shade val="50000"/>
+            </a:schemeClr>
+          </a:lnRef>
+          <a:fillRef idx="1">
+            <a:schemeClr val="accent1"/>
+          </a:fillRef>
+          <a:effectRef idx="0">
+            <a:schemeClr val="accent1"/>
+          </a:effectRef>
+          <a:fontRef idx="minor">
+            <a:schemeClr val="lt1"/>
+          </a:fontRef>
+        </p:style>
+        <p:txBody>
+          <a:bodyPr rtlCol="0" anchor="ctr"/>
+          <a:lstStyle/>
+          <a:p>
+            <a:pPr algn="ctr"/>
+            <a:endParaRPr lang="zh-CN" altLang="en-US"/>
+          </a:p>
+        </p:txBody>
+      </p:sp>
+      <p:sp>
+        <p:nvSpPr>
+          <p:cNvPr id="10" name="乘号 9"/>
+          <p:cNvSpPr/>
+          <p:nvPr/>
+        </p:nvSpPr>
+        <p:spPr>
+          <a:xfrm>
+            <a:off x="2160768" y="3301546"/>
+            <a:ext cx="312006" cy="312006"/>
+          </a:xfrm>
+          <a:prstGeom prst="mathMultiply">
+            <a:avLst/>
+          </a:prstGeom>
+          <a:solidFill>
+            <a:srgbClr val="FF0000"/>
+          </a:solidFill>
+          <a:ln>
+            <a:solidFill>
+              <a:srgbClr val="FF0000"/>
+            </a:solidFill>
+          </a:ln>
+        </p:spPr>
+        <p:style>
+          <a:lnRef idx="2">
+            <a:schemeClr val="accent1">
+              <a:shade val="50000"/>
+            </a:schemeClr>
+          </a:lnRef>
+          <a:fillRef idx="1">
+            <a:schemeClr val="accent1"/>
+          </a:fillRef>
+          <a:effectRef idx="0">
+            <a:schemeClr val="accent1"/>
+          </a:effectRef>
+          <a:fontRef idx="minor">
+            <a:schemeClr val="lt1"/>
+          </a:fontRef>
+        </p:style>
+        <p:txBody>
+          <a:bodyPr rtlCol="0" anchor="ctr"/>
+          <a:lstStyle/>
+          <a:p>
+            <a:pPr algn="ctr"/>
+            <a:endParaRPr lang="zh-CN" altLang="en-US"/>
+          </a:p>
+        </p:txBody>
+      </p:sp>
+      <p:sp>
+        <p:nvSpPr>
+          <p:cNvPr id="11" name="乘号 10"/>
+          <p:cNvSpPr/>
+          <p:nvPr/>
+        </p:nvSpPr>
+        <p:spPr>
+          <a:xfrm>
+            <a:off x="2651886" y="3661427"/>
+            <a:ext cx="312006" cy="312006"/>
+          </a:xfrm>
+          <a:prstGeom prst="mathMultiply">
+            <a:avLst/>
+          </a:prstGeom>
+          <a:solidFill>
+            <a:srgbClr val="FF0000"/>
+          </a:solidFill>
+          <a:ln>
+            <a:solidFill>
+              <a:srgbClr val="FF0000"/>
+            </a:solidFill>
+          </a:ln>
+        </p:spPr>
+        <p:style>
+          <a:lnRef idx="2">
+            <a:schemeClr val="accent1">
+              <a:shade val="50000"/>
+            </a:schemeClr>
+          </a:lnRef>
+          <a:fillRef idx="1">
+            <a:schemeClr val="accent1"/>
+          </a:fillRef>
+          <a:effectRef idx="0">
+            <a:schemeClr val="accent1"/>
+          </a:effectRef>
+          <a:fontRef idx="minor">
+            <a:schemeClr val="lt1"/>
+          </a:fontRef>
+        </p:style>
+        <p:txBody>
+          <a:bodyPr rtlCol="0" anchor="ctr"/>
+          <a:lstStyle/>
+          <a:p>
+            <a:pPr algn="ctr"/>
+            <a:endParaRPr lang="zh-CN" altLang="en-US"/>
+          </a:p>
+        </p:txBody>
+      </p:sp>
+      <p:sp>
+        <p:nvSpPr>
+          <p:cNvPr id="12" name="乘号 11"/>
+          <p:cNvSpPr/>
+          <p:nvPr/>
+        </p:nvSpPr>
+        <p:spPr>
+          <a:xfrm>
+            <a:off x="2987003" y="3158749"/>
+            <a:ext cx="312006" cy="312006"/>
+          </a:xfrm>
+          <a:prstGeom prst="mathMultiply">
+            <a:avLst/>
+          </a:prstGeom>
+          <a:solidFill>
+            <a:srgbClr val="FF0000"/>
+          </a:solidFill>
+          <a:ln>
+            <a:solidFill>
+              <a:srgbClr val="FF0000"/>
+            </a:solidFill>
+          </a:ln>
+        </p:spPr>
+        <p:style>
+          <a:lnRef idx="2">
+            <a:schemeClr val="accent1">
+              <a:shade val="50000"/>
+            </a:schemeClr>
+          </a:lnRef>
+          <a:fillRef idx="1">
+            <a:schemeClr val="accent1"/>
+          </a:fillRef>
+          <a:effectRef idx="0">
+            <a:schemeClr val="accent1"/>
+          </a:effectRef>
+          <a:fontRef idx="minor">
+            <a:schemeClr val="lt1"/>
+          </a:fontRef>
+        </p:style>
+        <p:txBody>
+          <a:bodyPr rtlCol="0" anchor="ctr"/>
+          <a:lstStyle/>
+          <a:p>
+            <a:pPr algn="ctr"/>
+            <a:endParaRPr lang="zh-CN" altLang="en-US"/>
+          </a:p>
+        </p:txBody>
+      </p:sp>
+      <p:sp>
+        <p:nvSpPr>
+          <p:cNvPr id="13" name="乘号 12"/>
+          <p:cNvSpPr/>
+          <p:nvPr/>
+        </p:nvSpPr>
+        <p:spPr>
+          <a:xfrm>
+            <a:off x="3367658" y="2664739"/>
+            <a:ext cx="312006" cy="312006"/>
+          </a:xfrm>
+          <a:prstGeom prst="mathMultiply">
+            <a:avLst/>
+          </a:prstGeom>
+          <a:solidFill>
+            <a:srgbClr val="FF0000"/>
+          </a:solidFill>
+          <a:ln>
+            <a:solidFill>
+              <a:srgbClr val="FF0000"/>
+            </a:solidFill>
+          </a:ln>
+        </p:spPr>
+        <p:style>
+          <a:lnRef idx="2">
+            <a:schemeClr val="accent1">
+              <a:shade val="50000"/>
+            </a:schemeClr>
+          </a:lnRef>
+          <a:fillRef idx="1">
+            <a:schemeClr val="accent1"/>
+          </a:fillRef>
+          <a:effectRef idx="0">
+            <a:schemeClr val="accent1"/>
+          </a:effectRef>
+          <a:fontRef idx="minor">
+            <a:schemeClr val="lt1"/>
+          </a:fontRef>
+        </p:style>
+        <p:txBody>
+          <a:bodyPr rtlCol="0" anchor="ctr"/>
+          <a:lstStyle/>
+          <a:p>
+            <a:pPr algn="ctr"/>
+            <a:endParaRPr lang="zh-CN" altLang="en-US"/>
+          </a:p>
+        </p:txBody>
+      </p:sp>
+      <p:sp>
+        <p:nvSpPr>
+          <p:cNvPr id="14" name="乘号 13"/>
+          <p:cNvSpPr/>
+          <p:nvPr/>
+        </p:nvSpPr>
+        <p:spPr>
+          <a:xfrm>
+            <a:off x="3847906" y="2754296"/>
+            <a:ext cx="312006" cy="312006"/>
+          </a:xfrm>
+          <a:prstGeom prst="mathMultiply">
+            <a:avLst/>
+          </a:prstGeom>
+          <a:solidFill>
+            <a:srgbClr val="FF0000"/>
+          </a:solidFill>
+          <a:ln>
+            <a:solidFill>
+              <a:srgbClr val="FF0000"/>
+            </a:solidFill>
+          </a:ln>
+        </p:spPr>
+        <p:style>
+          <a:lnRef idx="2">
+            <a:schemeClr val="accent1">
+              <a:shade val="50000"/>
+            </a:schemeClr>
+          </a:lnRef>
+          <a:fillRef idx="1">
+            <a:schemeClr val="accent1"/>
+          </a:fillRef>
+          <a:effectRef idx="0">
+            <a:schemeClr val="accent1"/>
+          </a:effectRef>
+          <a:fontRef idx="minor">
+            <a:schemeClr val="lt1"/>
+          </a:fontRef>
+        </p:style>
+        <p:txBody>
+          <a:bodyPr rtlCol="0" anchor="ctr"/>
+          <a:lstStyle/>
+          <a:p>
+            <a:pPr algn="ctr"/>
+            <a:endParaRPr lang="zh-CN" altLang="en-US"/>
+          </a:p>
+        </p:txBody>
+      </p:sp>
+      <mc:AlternateContent xmlns:mc="http://schemas.openxmlformats.org/markup-compatibility/2006">
+        <mc:Choice xmlns:a14="http://schemas.microsoft.com/office/drawing/2010/main" Requires="a14">
+          <p:sp>
+            <p:nvSpPr>
+              <p:cNvPr id="15" name="文本框 14"/>
+              <p:cNvSpPr txBox="1"/>
+              <p:nvPr/>
+            </p:nvSpPr>
+            <p:spPr>
+              <a:xfrm>
+                <a:off x="2354271" y="1874579"/>
+                <a:ext cx="1723183" cy="392066"/>
+              </a:xfrm>
+              <a:prstGeom prst="rect">
+                <a:avLst/>
+              </a:prstGeom>
+              <a:noFill/>
+            </p:spPr>
+            <p:txBody>
+              <a:bodyPr wrap="none" lIns="0" tIns="0" rIns="0" bIns="0" rtlCol="0">
+                <a:spAutoFit/>
+              </a:bodyPr>
+              <a:lstStyle/>
+              <a:p>
+                <a14:m>
+                  <m:oMathPara xmlns:m="http://schemas.openxmlformats.org/officeDocument/2006/math">
+                    <m:oMathParaPr>
+                      <m:jc m:val="centerGroup"/>
+                    </m:oMathParaPr>
+                    <m:oMath xmlns:m="http://schemas.openxmlformats.org/officeDocument/2006/math">
+                      <m:sSub>
+                        <m:sSubPr>
+                          <m:ctrlPr>
+                            <a:rPr lang="en-US" altLang="zh-CN" b="1" i="1" smtClean="0">
+                              <a:latin typeface="Cambria Math" panose="02040503050406030204" pitchFamily="18" charset="0"/>
+                            </a:rPr>
+                          </m:ctrlPr>
+                        </m:sSubPr>
+                        <m:e>
+                          <m:r>
+                            <a:rPr lang="en-US" altLang="zh-CN" b="1" i="1" smtClean="0">
+                              <a:latin typeface="Cambria Math" panose="02040503050406030204" pitchFamily="18" charset="0"/>
+                            </a:rPr>
+                            <m:t>𝒉</m:t>
+                          </m:r>
+                        </m:e>
+                        <m:sub>
+                          <m:r>
+                            <a:rPr lang="zh-CN" altLang="en-US" b="1" i="1" smtClean="0">
+                              <a:latin typeface="Cambria Math" panose="02040503050406030204" pitchFamily="18" charset="0"/>
+                            </a:rPr>
+                            <m:t>𝜽</m:t>
+                          </m:r>
+                        </m:sub>
+                      </m:sSub>
+                      <m:d>
+                        <m:dPr>
+                          <m:ctrlPr>
+                            <a:rPr lang="en-US" altLang="zh-CN" b="1" i="1" smtClean="0">
+                              <a:latin typeface="Cambria Math" panose="02040503050406030204" pitchFamily="18" charset="0"/>
+                            </a:rPr>
+                          </m:ctrlPr>
+                        </m:dPr>
+                        <m:e>
+                          <m:r>
+                            <a:rPr lang="en-US" altLang="zh-CN" b="1" i="1" smtClean="0">
+                              <a:latin typeface="Cambria Math" panose="02040503050406030204" pitchFamily="18" charset="0"/>
+                            </a:rPr>
+                            <m:t>𝒙</m:t>
+                          </m:r>
+                        </m:e>
+                      </m:d>
+                      <m:r>
+                        <a:rPr lang="en-US" altLang="zh-CN" b="1" i="1" smtClean="0">
+                          <a:latin typeface="Cambria Math" panose="02040503050406030204" pitchFamily="18" charset="0"/>
+                        </a:rPr>
+                        <m:t>=</m:t>
+                      </m:r>
+                      <m:r>
+                        <a:rPr lang="zh-CN" altLang="en-US" b="1" i="1" smtClean="0">
+                          <a:latin typeface="Cambria Math" panose="02040503050406030204" pitchFamily="18" charset="0"/>
+                        </a:rPr>
+                        <m:t>𝜽</m:t>
+                      </m:r>
+                      <m:r>
+                        <a:rPr lang="en-US" altLang="zh-CN" b="1" i="1" smtClean="0">
+                          <a:latin typeface="Cambria Math" panose="02040503050406030204" pitchFamily="18" charset="0"/>
+                        </a:rPr>
+                        <m:t>𝒙</m:t>
+                      </m:r>
+                    </m:oMath>
+                  </m:oMathPara>
+                </a14:m>
+                <a:endParaRPr lang="zh-CN" altLang="en-US" b="1" dirty="0"/>
+              </a:p>
+            </p:txBody>
+          </p:sp>
+        </mc:Choice>
+        <mc:Fallback>
+          <p:sp>
+            <p:nvSpPr>
+              <p:cNvPr id="15" name="文本框 14"/>
+              <p:cNvSpPr txBox="1">
+                <a:spLocks noRot="1" noChangeAspect="1" noMove="1" noResize="1" noEditPoints="1" noAdjustHandles="1" noChangeArrowheads="1" noChangeShapeType="1" noTextEdit="1"/>
+              </p:cNvSpPr>
+              <p:nvPr/>
+            </p:nvSpPr>
+            <p:spPr>
+              <a:xfrm>
+                <a:off x="2354271" y="1874579"/>
+                <a:ext cx="1723183" cy="392066"/>
+              </a:xfrm>
+              <a:prstGeom prst="rect">
+                <a:avLst/>
+              </a:prstGeom>
+              <a:blipFill rotWithShape="0">
+                <a:blip r:embed="rId2"/>
+                <a:stretch>
+                  <a:fillRect t="-1563"/>
+                </a:stretch>
+              </a:blipFill>
+            </p:spPr>
+            <p:txBody>
+              <a:bodyPr/>
+              <a:lstStyle/>
+              <a:p>
+                <a:r>
+                  <a:rPr lang="zh-CN" altLang="en-US">
+                    <a:noFill/>
+                  </a:rPr>
+                  <a:t> </a:t>
+                </a:r>
+              </a:p>
+            </p:txBody>
+          </p:sp>
+        </mc:Fallback>
+      </mc:AlternateContent>
+      <p:cxnSp>
+        <p:nvCxnSpPr>
+          <p:cNvPr id="16" name="直接箭头连接符 15"/>
+          <p:cNvCxnSpPr/>
+          <p:nvPr/>
+        </p:nvCxnSpPr>
+        <p:spPr>
+          <a:xfrm>
+            <a:off x="2027305" y="3197225"/>
+            <a:ext cx="0" cy="710244"/>
+          </a:xfrm>
+          <a:prstGeom prst="straightConnector1">
+            <a:avLst/>
+          </a:prstGeom>
+          <a:ln>
+            <a:headEnd type="triangle"/>
+            <a:tailEnd type="triangle"/>
+          </a:ln>
+        </p:spPr>
+        <p:style>
+          <a:lnRef idx="3">
+            <a:schemeClr val="accent4"/>
+          </a:lnRef>
+          <a:fillRef idx="0">
+            <a:schemeClr val="accent4"/>
+          </a:fillRef>
+          <a:effectRef idx="2">
+            <a:schemeClr val="accent4"/>
+          </a:effectRef>
+          <a:fontRef idx="minor">
+            <a:schemeClr val="tx1"/>
+          </a:fontRef>
+        </p:style>
+      </p:cxnSp>
+      <p:cxnSp>
+        <p:nvCxnSpPr>
+          <p:cNvPr id="17" name="直接箭头连接符 16"/>
+          <p:cNvCxnSpPr/>
+          <p:nvPr/>
+        </p:nvCxnSpPr>
+        <p:spPr>
+          <a:xfrm flipV="1">
+            <a:off x="2316771" y="2664739"/>
+            <a:ext cx="0" cy="761567"/>
+          </a:xfrm>
+          <a:prstGeom prst="straightConnector1">
+            <a:avLst/>
+          </a:prstGeom>
+          <a:ln>
+            <a:headEnd type="triangle"/>
+            <a:tailEnd type="triangle"/>
+          </a:ln>
+        </p:spPr>
+        <p:style>
+          <a:lnRef idx="3">
+            <a:schemeClr val="accent4"/>
+          </a:lnRef>
+          <a:fillRef idx="0">
+            <a:schemeClr val="accent4"/>
+          </a:fillRef>
+          <a:effectRef idx="2">
+            <a:schemeClr val="accent4"/>
+          </a:effectRef>
+          <a:fontRef idx="minor">
+            <a:schemeClr val="tx1"/>
+          </a:fontRef>
+        </p:style>
+      </p:cxnSp>
+      <p:cxnSp>
+        <p:nvCxnSpPr>
+          <p:cNvPr id="18" name="直接箭头连接符 17"/>
+          <p:cNvCxnSpPr/>
+          <p:nvPr/>
+        </p:nvCxnSpPr>
+        <p:spPr>
+          <a:xfrm>
+            <a:off x="2805677" y="2837117"/>
+            <a:ext cx="0" cy="948326"/>
+          </a:xfrm>
+          <a:prstGeom prst="straightConnector1">
+            <a:avLst/>
+          </a:prstGeom>
+          <a:ln>
+            <a:headEnd type="triangle"/>
+            <a:tailEnd type="triangle"/>
+          </a:ln>
+        </p:spPr>
+        <p:style>
+          <a:lnRef idx="3">
+            <a:schemeClr val="accent4"/>
+          </a:lnRef>
+          <a:fillRef idx="0">
+            <a:schemeClr val="accent4"/>
+          </a:fillRef>
+          <a:effectRef idx="2">
+            <a:schemeClr val="accent4"/>
+          </a:effectRef>
+          <a:fontRef idx="minor">
+            <a:schemeClr val="tx1"/>
+          </a:fontRef>
+        </p:style>
+      </p:cxnSp>
+      <p:cxnSp>
+        <p:nvCxnSpPr>
+          <p:cNvPr id="19" name="直接箭头连接符 18"/>
+          <p:cNvCxnSpPr/>
+          <p:nvPr/>
+        </p:nvCxnSpPr>
+        <p:spPr>
+          <a:xfrm>
+            <a:off x="3139831" y="2778125"/>
+            <a:ext cx="0" cy="513756"/>
+          </a:xfrm>
+          <a:prstGeom prst="straightConnector1">
+            <a:avLst/>
+          </a:prstGeom>
+          <a:ln>
+            <a:headEnd type="triangle"/>
+            <a:tailEnd type="triangle"/>
+          </a:ln>
+        </p:spPr>
+        <p:style>
+          <a:lnRef idx="3">
+            <a:schemeClr val="accent4"/>
+          </a:lnRef>
+          <a:fillRef idx="0">
+            <a:schemeClr val="accent4"/>
+          </a:fillRef>
+          <a:effectRef idx="2">
+            <a:schemeClr val="accent4"/>
+          </a:effectRef>
+          <a:fontRef idx="minor">
+            <a:schemeClr val="tx1"/>
+          </a:fontRef>
+        </p:style>
+      </p:cxnSp>
+      <p:cxnSp>
+        <p:nvCxnSpPr>
+          <p:cNvPr id="20" name="直接箭头连接符 19"/>
+          <p:cNvCxnSpPr/>
+          <p:nvPr/>
+        </p:nvCxnSpPr>
+        <p:spPr>
+          <a:xfrm flipV="1">
+            <a:off x="3524899" y="2527300"/>
+            <a:ext cx="0" cy="252667"/>
+          </a:xfrm>
+          <a:prstGeom prst="straightConnector1">
+            <a:avLst/>
+          </a:prstGeom>
+          <a:ln>
+            <a:headEnd type="triangle"/>
+            <a:tailEnd type="triangle"/>
+          </a:ln>
+        </p:spPr>
+        <p:style>
+          <a:lnRef idx="3">
+            <a:schemeClr val="accent4"/>
+          </a:lnRef>
+          <a:fillRef idx="0">
+            <a:schemeClr val="accent4"/>
+          </a:fillRef>
+          <a:effectRef idx="2">
+            <a:schemeClr val="accent4"/>
+          </a:effectRef>
+          <a:fontRef idx="minor">
+            <a:schemeClr val="tx1"/>
+          </a:fontRef>
+        </p:style>
+      </p:cxnSp>
+      <p:cxnSp>
+        <p:nvCxnSpPr>
+          <p:cNvPr id="21" name="直接箭头连接符 20"/>
+          <p:cNvCxnSpPr/>
+          <p:nvPr/>
+        </p:nvCxnSpPr>
+        <p:spPr>
+          <a:xfrm flipV="1">
+            <a:off x="4000734" y="2527300"/>
+            <a:ext cx="0" cy="342279"/>
+          </a:xfrm>
+          <a:prstGeom prst="straightConnector1">
+            <a:avLst/>
+          </a:prstGeom>
+          <a:ln>
+            <a:headEnd type="triangle"/>
+            <a:tailEnd type="triangle"/>
+          </a:ln>
+        </p:spPr>
+        <p:style>
+          <a:lnRef idx="3">
+            <a:schemeClr val="accent4"/>
+          </a:lnRef>
+          <a:fillRef idx="0">
+            <a:schemeClr val="accent4"/>
+          </a:fillRef>
+          <a:effectRef idx="2">
+            <a:schemeClr val="accent4"/>
+          </a:effectRef>
+          <a:fontRef idx="minor">
+            <a:schemeClr val="tx1"/>
+          </a:fontRef>
+        </p:style>
+      </p:cxnSp>
+      <mc:AlternateContent xmlns:mc="http://schemas.openxmlformats.org/markup-compatibility/2006">
+        <mc:Choice xmlns:a14="http://schemas.microsoft.com/office/drawing/2010/main" Requires="a14">
+          <p:sp>
+            <p:nvSpPr>
+              <p:cNvPr id="27" name="文本框 26"/>
+              <p:cNvSpPr txBox="1"/>
+              <p:nvPr/>
+            </p:nvSpPr>
+            <p:spPr>
+              <a:xfrm>
+                <a:off x="4430308" y="4730749"/>
+                <a:ext cx="263192" cy="392066"/>
+              </a:xfrm>
+              <a:prstGeom prst="rect">
+                <a:avLst/>
+              </a:prstGeom>
+              <a:noFill/>
+            </p:spPr>
+            <p:txBody>
+              <a:bodyPr wrap="none" lIns="0" tIns="0" rIns="0" bIns="0" rtlCol="0">
+                <a:spAutoFit/>
+              </a:bodyPr>
+              <a:lstStyle/>
+              <a:p>
+                <a14:m>
+                  <m:oMathPara xmlns:m="http://schemas.openxmlformats.org/officeDocument/2006/math">
+                    <m:oMathParaPr>
+                      <m:jc m:val="centerGroup"/>
+                    </m:oMathParaPr>
+                    <m:oMath xmlns:m="http://schemas.openxmlformats.org/officeDocument/2006/math">
+                      <m:r>
+                        <a:rPr lang="en-US" altLang="zh-CN" b="1" i="1" smtClean="0">
+                          <a:latin typeface="Cambria Math" panose="02040503050406030204" pitchFamily="18" charset="0"/>
+                        </a:rPr>
+                        <m:t>𝒙</m:t>
+                      </m:r>
+                    </m:oMath>
+                  </m:oMathPara>
+                </a14:m>
+                <a:endParaRPr lang="zh-CN" altLang="en-US" b="1" dirty="0"/>
+              </a:p>
+            </p:txBody>
+          </p:sp>
+        </mc:Choice>
+        <mc:Fallback>
+          <p:sp>
+            <p:nvSpPr>
+              <p:cNvPr id="27" name="文本框 26"/>
+              <p:cNvSpPr txBox="1">
+                <a:spLocks noRot="1" noChangeAspect="1" noMove="1" noResize="1" noEditPoints="1" noAdjustHandles="1" noChangeArrowheads="1" noChangeShapeType="1" noTextEdit="1"/>
+              </p:cNvSpPr>
+              <p:nvPr/>
+            </p:nvSpPr>
+            <p:spPr>
+              <a:xfrm>
+                <a:off x="4430308" y="4730749"/>
+                <a:ext cx="263192" cy="392066"/>
+              </a:xfrm>
+              <a:prstGeom prst="rect">
+                <a:avLst/>
+              </a:prstGeom>
+              <a:blipFill rotWithShape="0">
+                <a:blip r:embed="rId3"/>
+                <a:stretch>
+                  <a:fillRect/>
+                </a:stretch>
+              </a:blipFill>
+            </p:spPr>
+            <p:txBody>
+              <a:bodyPr/>
+              <a:lstStyle/>
+              <a:p>
+                <a:r>
+                  <a:rPr lang="zh-CN" altLang="en-US">
+                    <a:noFill/>
+                  </a:rPr>
+                  <a:t> </a:t>
+                </a:r>
+              </a:p>
+            </p:txBody>
+          </p:sp>
+        </mc:Fallback>
+      </mc:AlternateContent>
+      <mc:AlternateContent xmlns:mc="http://schemas.openxmlformats.org/markup-compatibility/2006">
+        <mc:Choice xmlns:a14="http://schemas.microsoft.com/office/drawing/2010/main" Requires="a14">
+          <p:sp>
+            <p:nvSpPr>
+              <p:cNvPr id="28" name="文本框 27"/>
+              <p:cNvSpPr txBox="1"/>
+              <p:nvPr/>
+            </p:nvSpPr>
+            <p:spPr>
+              <a:xfrm>
+                <a:off x="705108" y="2272673"/>
+                <a:ext cx="269998" cy="392066"/>
+              </a:xfrm>
+              <a:prstGeom prst="rect">
+                <a:avLst/>
+              </a:prstGeom>
+              <a:noFill/>
+            </p:spPr>
+            <p:txBody>
+              <a:bodyPr wrap="none" lIns="0" tIns="0" rIns="0" bIns="0" rtlCol="0">
+                <a:spAutoFit/>
+              </a:bodyPr>
+              <a:lstStyle/>
+              <a:p>
+                <a14:m>
+                  <m:oMathPara xmlns:m="http://schemas.openxmlformats.org/officeDocument/2006/math">
+                    <m:oMathParaPr>
+                      <m:jc m:val="centerGroup"/>
+                    </m:oMathParaPr>
+                    <m:oMath xmlns:m="http://schemas.openxmlformats.org/officeDocument/2006/math">
+                      <m:r>
+                        <a:rPr lang="en-US" altLang="zh-CN" b="1" i="1" smtClean="0">
+                          <a:latin typeface="Cambria Math" panose="02040503050406030204" pitchFamily="18" charset="0"/>
+                        </a:rPr>
+                        <m:t>𝒚</m:t>
+                      </m:r>
+                    </m:oMath>
+                  </m:oMathPara>
+                </a14:m>
+                <a:endParaRPr lang="zh-CN" altLang="en-US" b="1" dirty="0"/>
+              </a:p>
+            </p:txBody>
+          </p:sp>
+        </mc:Choice>
+        <mc:Fallback>
+          <p:sp>
+            <p:nvSpPr>
+              <p:cNvPr id="28" name="文本框 27"/>
+              <p:cNvSpPr txBox="1">
+                <a:spLocks noRot="1" noChangeAspect="1" noMove="1" noResize="1" noEditPoints="1" noAdjustHandles="1" noChangeArrowheads="1" noChangeShapeType="1" noTextEdit="1"/>
+              </p:cNvSpPr>
+              <p:nvPr/>
+            </p:nvSpPr>
+            <p:spPr>
+              <a:xfrm>
+                <a:off x="705108" y="2272673"/>
+                <a:ext cx="269998" cy="392066"/>
+              </a:xfrm>
+              <a:prstGeom prst="rect">
+                <a:avLst/>
+              </a:prstGeom>
+              <a:blipFill rotWithShape="0">
+                <a:blip r:embed="rId4"/>
+                <a:stretch>
+                  <a:fillRect l="-6818" r="-9091"/>
+                </a:stretch>
+              </a:blipFill>
+            </p:spPr>
+            <p:txBody>
+              <a:bodyPr/>
+              <a:lstStyle/>
+              <a:p>
+                <a:r>
+                  <a:rPr lang="zh-CN" altLang="en-US">
+                    <a:noFill/>
+                  </a:rPr>
+                  <a:t> </a:t>
+                </a:r>
+              </a:p>
+            </p:txBody>
+          </p:sp>
+        </mc:Fallback>
+      </mc:AlternateContent>
+      <p:grpSp>
+        <p:nvGrpSpPr>
+          <p:cNvPr id="52" name="组合 51"/>
+          <p:cNvGrpSpPr/>
+          <p:nvPr/>
+        </p:nvGrpSpPr>
+        <p:grpSpPr>
+          <a:xfrm>
+            <a:off x="6848763" y="809624"/>
+            <a:ext cx="4565031" cy="4600576"/>
+            <a:chOff x="6848763" y="809624"/>
+            <a:chExt cx="4565031" cy="4600576"/>
+          </a:xfrm>
+        </p:grpSpPr>
+        <p:cxnSp>
+          <p:nvCxnSpPr>
+            <p:cNvPr id="5" name="直接连接符 4"/>
+            <p:cNvCxnSpPr/>
+            <p:nvPr/>
+          </p:nvCxnSpPr>
+          <p:spPr>
+            <a:xfrm>
+              <a:off x="10339608" y="3426306"/>
+              <a:ext cx="0" cy="1500476"/>
+            </a:xfrm>
+            <a:prstGeom prst="line">
+              <a:avLst/>
+            </a:prstGeom>
+            <a:ln>
+              <a:prstDash val="dash"/>
+            </a:ln>
+          </p:spPr>
+          <p:style>
+            <a:lnRef idx="3">
+              <a:schemeClr val="accent2"/>
+            </a:lnRef>
+            <a:fillRef idx="0">
+              <a:schemeClr val="accent2"/>
+            </a:fillRef>
+            <a:effectRef idx="2">
+              <a:schemeClr val="accent2"/>
+            </a:effectRef>
+            <a:fontRef idx="minor">
+              <a:schemeClr val="tx1"/>
+            </a:fontRef>
+          </p:style>
+        </p:cxnSp>
+        <p:cxnSp>
+          <p:nvCxnSpPr>
+            <p:cNvPr id="22" name="直接箭头连接符 21"/>
+            <p:cNvCxnSpPr/>
+            <p:nvPr/>
+          </p:nvCxnSpPr>
+          <p:spPr>
+            <a:xfrm flipV="1">
+              <a:off x="7817315" y="2419186"/>
+              <a:ext cx="0" cy="2507600"/>
+            </a:xfrm>
+            <a:prstGeom prst="straightConnector1">
+              <a:avLst/>
+            </a:prstGeom>
+            <a:ln w="38100">
+              <a:tailEnd type="triangle"/>
+            </a:ln>
+          </p:spPr>
+          <p:style>
+            <a:lnRef idx="3">
+              <a:schemeClr val="dk1"/>
+            </a:lnRef>
+            <a:fillRef idx="0">
+              <a:schemeClr val="dk1"/>
+            </a:fillRef>
+            <a:effectRef idx="2">
+              <a:schemeClr val="dk1"/>
+            </a:effectRef>
+            <a:fontRef idx="minor">
+              <a:schemeClr val="tx1"/>
+            </a:fontRef>
+          </p:style>
+        </p:cxnSp>
+        <p:cxnSp>
+          <p:nvCxnSpPr>
+            <p:cNvPr id="23" name="直接箭头连接符 22"/>
+            <p:cNvCxnSpPr/>
+            <p:nvPr/>
+          </p:nvCxnSpPr>
+          <p:spPr>
+            <a:xfrm>
+              <a:off x="7794205" y="4926787"/>
+              <a:ext cx="3281837" cy="0"/>
+            </a:xfrm>
+            <a:prstGeom prst="straightConnector1">
+              <a:avLst/>
+            </a:prstGeom>
+            <a:ln w="38100">
+              <a:tailEnd type="triangle"/>
+            </a:ln>
+          </p:spPr>
+          <p:style>
+            <a:lnRef idx="3">
+              <a:schemeClr val="dk1"/>
+            </a:lnRef>
+            <a:fillRef idx="0">
+              <a:schemeClr val="dk1"/>
+            </a:fillRef>
+            <a:effectRef idx="2">
+              <a:schemeClr val="dk1"/>
+            </a:effectRef>
+            <a:fontRef idx="minor">
+              <a:schemeClr val="tx1"/>
+            </a:fontRef>
+          </p:style>
+        </p:cxnSp>
+        <p:sp>
+          <p:nvSpPr>
+            <p:cNvPr id="24" name="弧形 23"/>
+            <p:cNvSpPr/>
+            <p:nvPr/>
+          </p:nvSpPr>
+          <p:spPr>
+            <a:xfrm rot="5400000">
+              <a:off x="7499015" y="1602397"/>
+              <a:ext cx="3715182" cy="2129636"/>
+            </a:xfrm>
+            <a:prstGeom prst="arc">
+              <a:avLst>
+                <a:gd name="adj1" fmla="val 16864053"/>
+                <a:gd name="adj2" fmla="val 4214281"/>
+              </a:avLst>
+            </a:prstGeom>
+            <a:ln w="28575"/>
+          </p:spPr>
+          <p:style>
+            <a:lnRef idx="3">
+              <a:schemeClr val="accent1"/>
+            </a:lnRef>
+            <a:fillRef idx="0">
+              <a:schemeClr val="accent1"/>
+            </a:fillRef>
+            <a:effectRef idx="2">
+              <a:schemeClr val="accent1"/>
+            </a:effectRef>
+            <a:fontRef idx="minor">
+              <a:schemeClr val="tx1"/>
+            </a:fontRef>
+          </p:style>
+          <p:txBody>
+            <a:bodyPr rtlCol="0" anchor="ctr"/>
+            <a:lstStyle/>
+            <a:p>
+              <a:pPr algn="ctr"/>
+              <a:endParaRPr lang="zh-CN" altLang="en-US"/>
+            </a:p>
+          </p:txBody>
+        </p:sp>
+        <mc:AlternateContent xmlns:mc="http://schemas.openxmlformats.org/markup-compatibility/2006">
+          <mc:Choice xmlns:a14="http://schemas.microsoft.com/office/drawing/2010/main" Requires="a14">
+            <p:sp>
+              <p:nvSpPr>
+                <p:cNvPr id="25" name="文本框 24"/>
+                <p:cNvSpPr txBox="1"/>
+                <p:nvPr/>
+              </p:nvSpPr>
+              <p:spPr>
+                <a:xfrm>
+                  <a:off x="10200071" y="5018134"/>
+                  <a:ext cx="279074" cy="392066"/>
+                </a:xfrm>
+                <a:prstGeom prst="rect">
+                  <a:avLst/>
+                </a:prstGeom>
+                <a:noFill/>
+              </p:spPr>
+              <p:txBody>
+                <a:bodyPr wrap="none" lIns="0" tIns="0" rIns="0" bIns="0" rtlCol="0">
+                  <a:spAutoFit/>
+                </a:bodyPr>
+                <a:lstStyle/>
+                <a:p>
+                  <a14:m>
+                    <m:oMathPara xmlns:m="http://schemas.openxmlformats.org/officeDocument/2006/math">
+                      <m:oMathParaPr>
+                        <m:jc m:val="centerGroup"/>
+                      </m:oMathParaPr>
+                      <m:oMath xmlns:m="http://schemas.openxmlformats.org/officeDocument/2006/math">
+                        <m:r>
+                          <a:rPr lang="zh-CN" altLang="en-US" b="1" i="1" smtClean="0">
+                            <a:latin typeface="Cambria Math" panose="02040503050406030204" pitchFamily="18" charset="0"/>
+                          </a:rPr>
+                          <m:t>𝜽</m:t>
+                        </m:r>
+                      </m:oMath>
+                    </m:oMathPara>
+                  </a14:m>
+                  <a:endParaRPr lang="zh-CN" altLang="en-US" b="1" dirty="0"/>
+                </a:p>
+              </p:txBody>
+            </p:sp>
+          </mc:Choice>
+          <mc:Fallback>
+            <p:sp>
+              <p:nvSpPr>
+                <p:cNvPr id="25" name="文本框 24"/>
+                <p:cNvSpPr txBox="1">
+                  <a:spLocks noRot="1" noChangeAspect="1" noMove="1" noResize="1" noEditPoints="1" noAdjustHandles="1" noChangeArrowheads="1" noChangeShapeType="1" noTextEdit="1"/>
+                </p:cNvSpPr>
+                <p:nvPr/>
+              </p:nvSpPr>
+              <p:spPr>
+                <a:xfrm>
+                  <a:off x="10200071" y="5018134"/>
+                  <a:ext cx="279074" cy="392066"/>
+                </a:xfrm>
+                <a:prstGeom prst="rect">
+                  <a:avLst/>
+                </a:prstGeom>
+                <a:blipFill rotWithShape="0">
+                  <a:blip r:embed="rId5"/>
+                  <a:stretch>
+                    <a:fillRect l="-4348" r="-6522"/>
+                  </a:stretch>
+                </a:blipFill>
+              </p:spPr>
+              <p:txBody>
+                <a:bodyPr/>
+                <a:lstStyle/>
+                <a:p>
+                  <a:r>
+                    <a:rPr lang="zh-CN" altLang="en-US">
+                      <a:noFill/>
+                    </a:rPr>
+                    <a:t> </a:t>
+                  </a:r>
+                </a:p>
+              </p:txBody>
+            </p:sp>
+          </mc:Fallback>
+        </mc:AlternateContent>
+        <mc:AlternateContent xmlns:mc="http://schemas.openxmlformats.org/markup-compatibility/2006">
+          <mc:Choice xmlns:a14="http://schemas.microsoft.com/office/drawing/2010/main" Requires="a14">
+            <p:sp>
+              <p:nvSpPr>
+                <p:cNvPr id="26" name="文本框 25"/>
+                <p:cNvSpPr txBox="1"/>
+                <p:nvPr/>
+              </p:nvSpPr>
+              <p:spPr>
+                <a:xfrm>
+                  <a:off x="6848763" y="2362230"/>
+                  <a:ext cx="770337" cy="392066"/>
+                </a:xfrm>
+                <a:prstGeom prst="rect">
+                  <a:avLst/>
+                </a:prstGeom>
+                <a:noFill/>
+              </p:spPr>
+              <p:txBody>
+                <a:bodyPr wrap="none" lIns="0" tIns="0" rIns="0" bIns="0" rtlCol="0">
+                  <a:spAutoFit/>
+                </a:bodyPr>
+                <a:lstStyle/>
+                <a:p>
+                  <a14:m>
+                    <m:oMathPara xmlns:m="http://schemas.openxmlformats.org/officeDocument/2006/math">
+                      <m:oMathParaPr>
+                        <m:jc m:val="centerGroup"/>
+                      </m:oMathParaPr>
+                      <m:oMath xmlns:m="http://schemas.openxmlformats.org/officeDocument/2006/math">
+                        <m:r>
+                          <a:rPr lang="zh-CN" altLang="en-US" b="1" i="1" smtClean="0">
+                            <a:latin typeface="Cambria Math" panose="02040503050406030204" pitchFamily="18" charset="0"/>
+                          </a:rPr>
+                          <m:t>𝓙</m:t>
+                        </m:r>
+                        <m:d>
+                          <m:dPr>
+                            <m:ctrlPr>
+                              <a:rPr lang="en-US" altLang="zh-CN" b="1" i="1" smtClean="0">
+                                <a:latin typeface="Cambria Math" panose="02040503050406030204" pitchFamily="18" charset="0"/>
+                              </a:rPr>
+                            </m:ctrlPr>
+                          </m:dPr>
+                          <m:e>
+                            <m:r>
+                              <a:rPr lang="zh-CN" altLang="en-US" b="1" i="1" smtClean="0">
+                                <a:latin typeface="Cambria Math" panose="02040503050406030204" pitchFamily="18" charset="0"/>
+                              </a:rPr>
+                              <m:t>𝜽</m:t>
+                            </m:r>
+                          </m:e>
+                        </m:d>
+                      </m:oMath>
+                    </m:oMathPara>
+                  </a14:m>
+                  <a:endParaRPr lang="zh-CN" altLang="en-US" b="1" dirty="0"/>
+                </a:p>
+              </p:txBody>
+            </p:sp>
+          </mc:Choice>
+          <mc:Fallback>
+            <p:sp>
+              <p:nvSpPr>
+                <p:cNvPr id="26" name="文本框 25"/>
+                <p:cNvSpPr txBox="1">
+                  <a:spLocks noRot="1" noChangeAspect="1" noMove="1" noResize="1" noEditPoints="1" noAdjustHandles="1" noChangeArrowheads="1" noChangeShapeType="1" noTextEdit="1"/>
+                </p:cNvSpPr>
+                <p:nvPr/>
+              </p:nvSpPr>
+              <p:spPr>
+                <a:xfrm>
+                  <a:off x="6848763" y="2362230"/>
+                  <a:ext cx="770337" cy="392066"/>
+                </a:xfrm>
+                <a:prstGeom prst="rect">
+                  <a:avLst/>
+                </a:prstGeom>
+                <a:blipFill rotWithShape="0">
+                  <a:blip r:embed="rId6"/>
+                  <a:stretch>
+                    <a:fillRect/>
+                  </a:stretch>
+                </a:blipFill>
+              </p:spPr>
+              <p:txBody>
+                <a:bodyPr/>
+                <a:lstStyle/>
+                <a:p>
+                  <a:r>
+                    <a:rPr lang="zh-CN" altLang="en-US">
+                      <a:noFill/>
+                    </a:rPr>
+                    <a:t> </a:t>
+                  </a:r>
+                </a:p>
+              </p:txBody>
+            </p:sp>
+          </mc:Fallback>
+        </mc:AlternateContent>
+        <mc:AlternateContent xmlns:mc="http://schemas.openxmlformats.org/markup-compatibility/2006">
+          <mc:Choice xmlns:a14="http://schemas.microsoft.com/office/drawing/2010/main" Requires="a14">
+            <p:sp>
+              <p:nvSpPr>
+                <p:cNvPr id="29" name="文本框 28"/>
+                <p:cNvSpPr txBox="1"/>
+                <p:nvPr/>
+              </p:nvSpPr>
+              <p:spPr>
+                <a:xfrm>
+                  <a:off x="11134720" y="4730748"/>
+                  <a:ext cx="279074" cy="392066"/>
+                </a:xfrm>
+                <a:prstGeom prst="rect">
+                  <a:avLst/>
+                </a:prstGeom>
+                <a:noFill/>
+              </p:spPr>
+              <p:txBody>
+                <a:bodyPr wrap="none" lIns="0" tIns="0" rIns="0" bIns="0" rtlCol="0">
+                  <a:spAutoFit/>
+                </a:bodyPr>
+                <a:lstStyle/>
+                <a:p>
+                  <a14:m>
+                    <m:oMathPara xmlns:m="http://schemas.openxmlformats.org/officeDocument/2006/math">
+                      <m:oMathParaPr>
+                        <m:jc m:val="centerGroup"/>
+                      </m:oMathParaPr>
+                      <m:oMath xmlns:m="http://schemas.openxmlformats.org/officeDocument/2006/math">
+                        <m:r>
+                          <a:rPr lang="zh-CN" altLang="en-US" b="1" i="1" smtClean="0">
+                            <a:latin typeface="Cambria Math" panose="02040503050406030204" pitchFamily="18" charset="0"/>
+                          </a:rPr>
+                          <m:t>𝜽</m:t>
+                        </m:r>
+                      </m:oMath>
+                    </m:oMathPara>
+                  </a14:m>
+                  <a:endParaRPr lang="zh-CN" altLang="en-US" b="1" dirty="0"/>
+                </a:p>
+              </p:txBody>
+            </p:sp>
+          </mc:Choice>
+          <mc:Fallback>
+            <p:sp>
+              <p:nvSpPr>
+                <p:cNvPr id="29" name="文本框 28"/>
+                <p:cNvSpPr txBox="1">
+                  <a:spLocks noRot="1" noChangeAspect="1" noMove="1" noResize="1" noEditPoints="1" noAdjustHandles="1" noChangeArrowheads="1" noChangeShapeType="1" noTextEdit="1"/>
+                </p:cNvSpPr>
+                <p:nvPr/>
+              </p:nvSpPr>
+              <p:spPr>
+                <a:xfrm>
+                  <a:off x="11134720" y="4730748"/>
+                  <a:ext cx="279074" cy="392066"/>
+                </a:xfrm>
+                <a:prstGeom prst="rect">
+                  <a:avLst/>
+                </a:prstGeom>
+                <a:blipFill rotWithShape="0">
+                  <a:blip r:embed="rId7"/>
+                  <a:stretch>
+                    <a:fillRect l="-6667" r="-6667"/>
+                  </a:stretch>
+                </a:blipFill>
+              </p:spPr>
+              <p:txBody>
+                <a:bodyPr/>
+                <a:lstStyle/>
+                <a:p>
+                  <a:r>
+                    <a:rPr lang="zh-CN" altLang="en-US">
+                      <a:noFill/>
+                    </a:rPr>
+                    <a:t> </a:t>
+                  </a:r>
+                </a:p>
+              </p:txBody>
+            </p:sp>
+          </mc:Fallback>
+        </mc:AlternateContent>
+      </p:grpSp>
+      <p:cxnSp>
+        <p:nvCxnSpPr>
+          <p:cNvPr id="43" name="直接连接符 42"/>
+          <p:cNvCxnSpPr/>
+          <p:nvPr/>
+        </p:nvCxnSpPr>
+        <p:spPr>
+          <a:xfrm flipV="1">
+            <a:off x="2805677" y="2368580"/>
+            <a:ext cx="0" cy="474887"/>
+          </a:xfrm>
+          <a:prstGeom prst="line">
+            <a:avLst/>
+          </a:prstGeom>
+          <a:ln>
+            <a:prstDash val="dash"/>
+          </a:ln>
+        </p:spPr>
+        <p:style>
+          <a:lnRef idx="3">
+            <a:schemeClr val="accent4"/>
+          </a:lnRef>
+          <a:fillRef idx="0">
+            <a:schemeClr val="accent4"/>
+          </a:fillRef>
+          <a:effectRef idx="2">
+            <a:schemeClr val="accent4"/>
+          </a:effectRef>
+          <a:fontRef idx="minor">
+            <a:schemeClr val="tx1"/>
+          </a:fontRef>
+        </p:style>
+      </p:cxnSp>
+      <p:cxnSp>
+        <p:nvCxnSpPr>
+          <p:cNvPr id="45" name="直接连接符 44"/>
+          <p:cNvCxnSpPr/>
+          <p:nvPr/>
+        </p:nvCxnSpPr>
+        <p:spPr>
+          <a:xfrm flipV="1">
+            <a:off x="3139831" y="2317780"/>
+            <a:ext cx="0" cy="474887"/>
+          </a:xfrm>
+          <a:prstGeom prst="line">
+            <a:avLst/>
+          </a:prstGeom>
+          <a:ln>
+            <a:prstDash val="dash"/>
+          </a:ln>
+        </p:spPr>
+        <p:style>
+          <a:lnRef idx="3">
+            <a:schemeClr val="accent4"/>
+          </a:lnRef>
+          <a:fillRef idx="0">
+            <a:schemeClr val="accent4"/>
+          </a:fillRef>
+          <a:effectRef idx="2">
+            <a:schemeClr val="accent4"/>
+          </a:effectRef>
+          <a:fontRef idx="minor">
+            <a:schemeClr val="tx1"/>
+          </a:fontRef>
+        </p:style>
+      </p:cxnSp>
+      <p:cxnSp>
+        <p:nvCxnSpPr>
+          <p:cNvPr id="46" name="直接连接符 45"/>
+          <p:cNvCxnSpPr/>
+          <p:nvPr/>
+        </p:nvCxnSpPr>
+        <p:spPr>
+          <a:xfrm flipV="1">
+            <a:off x="3523661" y="2272673"/>
+            <a:ext cx="0" cy="327001"/>
+          </a:xfrm>
+          <a:prstGeom prst="line">
+            <a:avLst/>
+          </a:prstGeom>
+          <a:ln>
+            <a:prstDash val="dash"/>
+          </a:ln>
+        </p:spPr>
+        <p:style>
+          <a:lnRef idx="3">
+            <a:schemeClr val="accent4"/>
+          </a:lnRef>
+          <a:fillRef idx="0">
+            <a:schemeClr val="accent4"/>
+          </a:fillRef>
+          <a:effectRef idx="2">
+            <a:schemeClr val="accent4"/>
+          </a:effectRef>
+          <a:fontRef idx="minor">
+            <a:schemeClr val="tx1"/>
+          </a:fontRef>
+        </p:style>
+      </p:cxnSp>
+      <p:cxnSp>
+        <p:nvCxnSpPr>
+          <p:cNvPr id="48" name="直接连接符 47"/>
+          <p:cNvCxnSpPr/>
+          <p:nvPr/>
+        </p:nvCxnSpPr>
+        <p:spPr>
+          <a:xfrm flipV="1">
+            <a:off x="4000145" y="2212378"/>
+            <a:ext cx="0" cy="327001"/>
+          </a:xfrm>
+          <a:prstGeom prst="line">
+            <a:avLst/>
+          </a:prstGeom>
+          <a:ln>
+            <a:prstDash val="dash"/>
+          </a:ln>
+        </p:spPr>
+        <p:style>
+          <a:lnRef idx="3">
+            <a:schemeClr val="accent4"/>
+          </a:lnRef>
+          <a:fillRef idx="0">
+            <a:schemeClr val="accent4"/>
+          </a:fillRef>
+          <a:effectRef idx="2">
+            <a:schemeClr val="accent4"/>
+          </a:effectRef>
+          <a:fontRef idx="minor">
+            <a:schemeClr val="tx1"/>
+          </a:fontRef>
+        </p:style>
+      </p:cxnSp>
+    </p:spTree>
+    <p:extLst>
+      <p:ext uri="{BB962C8B-B14F-4D97-AF65-F5344CB8AC3E}">
+        <p14:creationId xmlns:p14="http://schemas.microsoft.com/office/powerpoint/2010/main" val="4056324342"/>
+      </p:ext>
+    </p:extLst>
+  </p:cSld>
+  <p:clrMapOvr>
+    <a:masterClrMapping/>
+  </p:clrMapOvr>
+</p:sld>
+</file>
+
 <file path=ppt/theme/theme1.xml><?xml version="1.0" encoding="utf-8"?>
 <a:theme xmlns:a="http://schemas.openxmlformats.org/drawingml/2006/main" name="Office 主题">
   <a:themeElements>

--- a/_mysource/演示文稿1.pptx
+++ b/_mysource/演示文稿1.pptx
@@ -18,6 +18,11 @@
     <p:sldId id="266" r:id="rId12"/>
     <p:sldId id="267" r:id="rId13"/>
     <p:sldId id="268" r:id="rId14"/>
+    <p:sldId id="269" r:id="rId15"/>
+    <p:sldId id="270" r:id="rId16"/>
+    <p:sldId id="271" r:id="rId17"/>
+    <p:sldId id="272" r:id="rId18"/>
+    <p:sldId id="273" r:id="rId19"/>
   </p:sldIdLst>
   <p:sldSz cx="12192000" cy="6858000"/>
   <p:notesSz cx="6858000" cy="9144000"/>
@@ -255,7 +260,7 @@
           <a:p>
             <a:fld id="{952DCE33-D63D-4374-9E7F-E4DF57911103}" type="datetimeFigureOut">
               <a:rPr lang="zh-CN" altLang="en-US" smtClean="0"/>
-              <a:t>2017/10/2</a:t>
+              <a:t>2017/10/3</a:t>
             </a:fld>
             <a:endParaRPr lang="zh-CN" altLang="en-US"/>
           </a:p>
@@ -425,7 +430,7 @@
           <a:p>
             <a:fld id="{952DCE33-D63D-4374-9E7F-E4DF57911103}" type="datetimeFigureOut">
               <a:rPr lang="zh-CN" altLang="en-US" smtClean="0"/>
-              <a:t>2017/10/2</a:t>
+              <a:t>2017/10/3</a:t>
             </a:fld>
             <a:endParaRPr lang="zh-CN" altLang="en-US"/>
           </a:p>
@@ -605,7 +610,7 @@
           <a:p>
             <a:fld id="{952DCE33-D63D-4374-9E7F-E4DF57911103}" type="datetimeFigureOut">
               <a:rPr lang="zh-CN" altLang="en-US" smtClean="0"/>
-              <a:t>2017/10/2</a:t>
+              <a:t>2017/10/3</a:t>
             </a:fld>
             <a:endParaRPr lang="zh-CN" altLang="en-US"/>
           </a:p>
@@ -775,7 +780,7 @@
           <a:p>
             <a:fld id="{952DCE33-D63D-4374-9E7F-E4DF57911103}" type="datetimeFigureOut">
               <a:rPr lang="zh-CN" altLang="en-US" smtClean="0"/>
-              <a:t>2017/10/2</a:t>
+              <a:t>2017/10/3</a:t>
             </a:fld>
             <a:endParaRPr lang="zh-CN" altLang="en-US"/>
           </a:p>
@@ -1021,7 +1026,7 @@
           <a:p>
             <a:fld id="{952DCE33-D63D-4374-9E7F-E4DF57911103}" type="datetimeFigureOut">
               <a:rPr lang="zh-CN" altLang="en-US" smtClean="0"/>
-              <a:t>2017/10/2</a:t>
+              <a:t>2017/10/3</a:t>
             </a:fld>
             <a:endParaRPr lang="zh-CN" altLang="en-US"/>
           </a:p>
@@ -1253,7 +1258,7 @@
           <a:p>
             <a:fld id="{952DCE33-D63D-4374-9E7F-E4DF57911103}" type="datetimeFigureOut">
               <a:rPr lang="zh-CN" altLang="en-US" smtClean="0"/>
-              <a:t>2017/10/2</a:t>
+              <a:t>2017/10/3</a:t>
             </a:fld>
             <a:endParaRPr lang="zh-CN" altLang="en-US"/>
           </a:p>
@@ -1620,7 +1625,7 @@
           <a:p>
             <a:fld id="{952DCE33-D63D-4374-9E7F-E4DF57911103}" type="datetimeFigureOut">
               <a:rPr lang="zh-CN" altLang="en-US" smtClean="0"/>
-              <a:t>2017/10/2</a:t>
+              <a:t>2017/10/3</a:t>
             </a:fld>
             <a:endParaRPr lang="zh-CN" altLang="en-US"/>
           </a:p>
@@ -1738,7 +1743,7 @@
           <a:p>
             <a:fld id="{952DCE33-D63D-4374-9E7F-E4DF57911103}" type="datetimeFigureOut">
               <a:rPr lang="zh-CN" altLang="en-US" smtClean="0"/>
-              <a:t>2017/10/2</a:t>
+              <a:t>2017/10/3</a:t>
             </a:fld>
             <a:endParaRPr lang="zh-CN" altLang="en-US"/>
           </a:p>
@@ -1833,7 +1838,7 @@
           <a:p>
             <a:fld id="{952DCE33-D63D-4374-9E7F-E4DF57911103}" type="datetimeFigureOut">
               <a:rPr lang="zh-CN" altLang="en-US" smtClean="0"/>
-              <a:t>2017/10/2</a:t>
+              <a:t>2017/10/3</a:t>
             </a:fld>
             <a:endParaRPr lang="zh-CN" altLang="en-US"/>
           </a:p>
@@ -2110,7 +2115,7 @@
           <a:p>
             <a:fld id="{952DCE33-D63D-4374-9E7F-E4DF57911103}" type="datetimeFigureOut">
               <a:rPr lang="zh-CN" altLang="en-US" smtClean="0"/>
-              <a:t>2017/10/2</a:t>
+              <a:t>2017/10/3</a:t>
             </a:fld>
             <a:endParaRPr lang="zh-CN" altLang="en-US"/>
           </a:p>
@@ -2363,7 +2368,7 @@
           <a:p>
             <a:fld id="{952DCE33-D63D-4374-9E7F-E4DF57911103}" type="datetimeFigureOut">
               <a:rPr lang="zh-CN" altLang="en-US" smtClean="0"/>
-              <a:t>2017/10/2</a:t>
+              <a:t>2017/10/3</a:t>
             </a:fld>
             <a:endParaRPr lang="zh-CN" altLang="en-US"/>
           </a:p>
@@ -2576,7 +2581,7 @@
           <a:p>
             <a:fld id="{952DCE33-D63D-4374-9E7F-E4DF57911103}" type="datetimeFigureOut">
               <a:rPr lang="zh-CN" altLang="en-US" smtClean="0"/>
-              <a:t>2017/10/2</a:t>
+              <a:t>2017/10/3</a:t>
             </a:fld>
             <a:endParaRPr lang="zh-CN" altLang="en-US"/>
           </a:p>
@@ -11259,8 +11264,8 @@
             </a:p>
           </p:txBody>
         </p:sp>
-        <mc:AlternateContent xmlns:mc="http://schemas.openxmlformats.org/markup-compatibility/2006">
-          <mc:Choice xmlns:a14="http://schemas.microsoft.com/office/drawing/2010/main" Requires="a14">
+        <mc:AlternateContent xmlns:mc="http://schemas.openxmlformats.org/markup-compatibility/2006" xmlns:a14="http://schemas.microsoft.com/office/drawing/2010/main">
+          <mc:Choice Requires="a14">
             <p:sp>
               <p:nvSpPr>
                 <p:cNvPr id="15" name="文本框 14"/>
@@ -11283,6 +11288,7 @@
                 </a:bodyPr>
                 <a:lstStyle/>
                 <a:p>
+                  <a:pPr/>
                   <a14:m>
                     <m:oMathPara xmlns:m="http://schemas.openxmlformats.org/officeDocument/2006/math">
                       <m:oMathParaPr>
@@ -11357,7 +11363,7 @@
               </p:txBody>
             </p:sp>
           </mc:Choice>
-          <mc:Fallback>
+          <mc:Fallback xmlns="">
             <p:sp>
               <p:nvSpPr>
                 <p:cNvPr id="15" name="文本框 14"/>
@@ -11504,8 +11510,8 @@
             </a:p>
           </p:txBody>
         </p:sp>
-        <mc:AlternateContent xmlns:mc="http://schemas.openxmlformats.org/markup-compatibility/2006">
-          <mc:Choice xmlns:a14="http://schemas.microsoft.com/office/drawing/2010/main" Requires="a14">
+        <mc:AlternateContent xmlns:mc="http://schemas.openxmlformats.org/markup-compatibility/2006" xmlns:a14="http://schemas.microsoft.com/office/drawing/2010/main">
+          <mc:Choice Requires="a14">
             <p:sp>
               <p:nvSpPr>
                 <p:cNvPr id="25" name="文本框 24"/>
@@ -11528,6 +11534,7 @@
                 </a:bodyPr>
                 <a:lstStyle/>
                 <a:p>
+                  <a:pPr/>
                   <a14:m>
                     <m:oMathPara xmlns:m="http://schemas.openxmlformats.org/officeDocument/2006/math">
                       <m:oMathParaPr>
@@ -11548,7 +11555,7 @@
               </p:txBody>
             </p:sp>
           </mc:Choice>
-          <mc:Fallback>
+          <mc:Fallback xmlns="">
             <p:sp>
               <p:nvSpPr>
                 <p:cNvPr id="25" name="文本框 24"/>
@@ -11587,8 +11594,8 @@
             </p:sp>
           </mc:Fallback>
         </mc:AlternateContent>
-        <mc:AlternateContent xmlns:mc="http://schemas.openxmlformats.org/markup-compatibility/2006">
-          <mc:Choice xmlns:a14="http://schemas.microsoft.com/office/drawing/2010/main" Requires="a14">
+        <mc:AlternateContent xmlns:mc="http://schemas.openxmlformats.org/markup-compatibility/2006" xmlns:a14="http://schemas.microsoft.com/office/drawing/2010/main">
+          <mc:Choice Requires="a14">
             <p:sp>
               <p:nvSpPr>
                 <p:cNvPr id="26" name="文本框 25"/>
@@ -11611,6 +11618,7 @@
                 </a:bodyPr>
                 <a:lstStyle/>
                 <a:p>
+                  <a:pPr/>
                   <a14:m>
                     <m:oMathPara xmlns:m="http://schemas.openxmlformats.org/officeDocument/2006/math">
                       <m:oMathParaPr>
@@ -11648,7 +11656,7 @@
               </p:txBody>
             </p:sp>
           </mc:Choice>
-          <mc:Fallback>
+          <mc:Fallback xmlns="">
             <p:sp>
               <p:nvSpPr>
                 <p:cNvPr id="26" name="文本框 25"/>
@@ -11687,8 +11695,8 @@
             </p:sp>
           </mc:Fallback>
         </mc:AlternateContent>
-        <mc:AlternateContent xmlns:mc="http://schemas.openxmlformats.org/markup-compatibility/2006">
-          <mc:Choice xmlns:a14="http://schemas.microsoft.com/office/drawing/2010/main" Requires="a14">
+        <mc:AlternateContent xmlns:mc="http://schemas.openxmlformats.org/markup-compatibility/2006" xmlns:a14="http://schemas.microsoft.com/office/drawing/2010/main">
+          <mc:Choice Requires="a14">
             <p:sp>
               <p:nvSpPr>
                 <p:cNvPr id="27" name="文本框 26"/>
@@ -11711,6 +11719,7 @@
                 </a:bodyPr>
                 <a:lstStyle/>
                 <a:p>
+                  <a:pPr/>
                   <a14:m>
                     <m:oMathPara xmlns:m="http://schemas.openxmlformats.org/officeDocument/2006/math">
                       <m:oMathParaPr>
@@ -11731,7 +11740,7 @@
               </p:txBody>
             </p:sp>
           </mc:Choice>
-          <mc:Fallback>
+          <mc:Fallback xmlns="">
             <p:sp>
               <p:nvSpPr>
                 <p:cNvPr id="27" name="文本框 26"/>
@@ -11770,8 +11779,8 @@
             </p:sp>
           </mc:Fallback>
         </mc:AlternateContent>
-        <mc:AlternateContent xmlns:mc="http://schemas.openxmlformats.org/markup-compatibility/2006">
-          <mc:Choice xmlns:a14="http://schemas.microsoft.com/office/drawing/2010/main" Requires="a14">
+        <mc:AlternateContent xmlns:mc="http://schemas.openxmlformats.org/markup-compatibility/2006" xmlns:a14="http://schemas.microsoft.com/office/drawing/2010/main">
+          <mc:Choice Requires="a14">
             <p:sp>
               <p:nvSpPr>
                 <p:cNvPr id="28" name="文本框 27"/>
@@ -11794,6 +11803,7 @@
                 </a:bodyPr>
                 <a:lstStyle/>
                 <a:p>
+                  <a:pPr/>
                   <a14:m>
                     <m:oMathPara xmlns:m="http://schemas.openxmlformats.org/officeDocument/2006/math">
                       <m:oMathParaPr>
@@ -11814,7 +11824,7 @@
               </p:txBody>
             </p:sp>
           </mc:Choice>
-          <mc:Fallback>
+          <mc:Fallback xmlns="">
             <p:sp>
               <p:nvSpPr>
                 <p:cNvPr id="28" name="文本框 27"/>
@@ -11853,8 +11863,8 @@
             </p:sp>
           </mc:Fallback>
         </mc:AlternateContent>
-        <mc:AlternateContent xmlns:mc="http://schemas.openxmlformats.org/markup-compatibility/2006">
-          <mc:Choice xmlns:a14="http://schemas.microsoft.com/office/drawing/2010/main" Requires="a14">
+        <mc:AlternateContent xmlns:mc="http://schemas.openxmlformats.org/markup-compatibility/2006" xmlns:a14="http://schemas.microsoft.com/office/drawing/2010/main">
+          <mc:Choice Requires="a14">
             <p:sp>
               <p:nvSpPr>
                 <p:cNvPr id="29" name="文本框 28"/>
@@ -11877,6 +11887,7 @@
                 </a:bodyPr>
                 <a:lstStyle/>
                 <a:p>
+                  <a:pPr/>
                   <a14:m>
                     <m:oMathPara xmlns:m="http://schemas.openxmlformats.org/officeDocument/2006/math">
                       <m:oMathParaPr>
@@ -11897,7 +11908,7 @@
               </p:txBody>
             </p:sp>
           </mc:Choice>
-          <mc:Fallback>
+          <mc:Fallback xmlns="">
             <p:sp>
               <p:nvSpPr>
                 <p:cNvPr id="29" name="文本框 28"/>
@@ -12169,8 +12180,8 @@
               </a:p>
             </p:txBody>
           </p:sp>
-          <mc:AlternateContent xmlns:mc="http://schemas.openxmlformats.org/markup-compatibility/2006">
-            <mc:Choice xmlns:a14="http://schemas.microsoft.com/office/drawing/2010/main" Requires="a14">
+          <mc:AlternateContent xmlns:mc="http://schemas.openxmlformats.org/markup-compatibility/2006" xmlns:a14="http://schemas.microsoft.com/office/drawing/2010/main">
+            <mc:Choice Requires="a14">
               <p:sp>
                 <p:nvSpPr>
                   <p:cNvPr id="25" name="文本框 24"/>
@@ -12193,6 +12204,7 @@
                   </a:bodyPr>
                   <a:lstStyle/>
                   <a:p>
+                    <a:pPr/>
                     <a14:m>
                       <m:oMathPara xmlns:m="http://schemas.openxmlformats.org/officeDocument/2006/math">
                         <m:oMathParaPr>
@@ -12213,7 +12225,7 @@
                 </p:txBody>
               </p:sp>
             </mc:Choice>
-            <mc:Fallback>
+            <mc:Fallback xmlns="">
               <p:sp>
                 <p:nvSpPr>
                   <p:cNvPr id="25" name="文本框 24"/>
@@ -12252,8 +12264,8 @@
               </p:sp>
             </mc:Fallback>
           </mc:AlternateContent>
-          <mc:AlternateContent xmlns:mc="http://schemas.openxmlformats.org/markup-compatibility/2006">
-            <mc:Choice xmlns:a14="http://schemas.microsoft.com/office/drawing/2010/main" Requires="a14">
+          <mc:AlternateContent xmlns:mc="http://schemas.openxmlformats.org/markup-compatibility/2006" xmlns:a14="http://schemas.microsoft.com/office/drawing/2010/main">
+            <mc:Choice Requires="a14">
               <p:sp>
                 <p:nvSpPr>
                   <p:cNvPr id="26" name="文本框 25"/>
@@ -12276,6 +12288,7 @@
                   </a:bodyPr>
                   <a:lstStyle/>
                   <a:p>
+                    <a:pPr/>
                     <a14:m>
                       <m:oMathPara xmlns:m="http://schemas.openxmlformats.org/officeDocument/2006/math">
                         <m:oMathParaPr>
@@ -12313,7 +12326,7 @@
                 </p:txBody>
               </p:sp>
             </mc:Choice>
-            <mc:Fallback>
+            <mc:Fallback xmlns="">
               <p:sp>
                 <p:nvSpPr>
                   <p:cNvPr id="26" name="文本框 25"/>
@@ -12352,8 +12365,8 @@
               </p:sp>
             </mc:Fallback>
           </mc:AlternateContent>
-          <mc:AlternateContent xmlns:mc="http://schemas.openxmlformats.org/markup-compatibility/2006">
-            <mc:Choice xmlns:a14="http://schemas.microsoft.com/office/drawing/2010/main" Requires="a14">
+          <mc:AlternateContent xmlns:mc="http://schemas.openxmlformats.org/markup-compatibility/2006" xmlns:a14="http://schemas.microsoft.com/office/drawing/2010/main">
+            <mc:Choice Requires="a14">
               <p:sp>
                 <p:nvSpPr>
                   <p:cNvPr id="29" name="文本框 28"/>
@@ -12376,6 +12389,7 @@
                   </a:bodyPr>
                   <a:lstStyle/>
                   <a:p>
+                    <a:pPr/>
                     <a14:m>
                       <m:oMathPara xmlns:m="http://schemas.openxmlformats.org/officeDocument/2006/math">
                         <m:oMathParaPr>
@@ -12396,7 +12410,7 @@
                 </p:txBody>
               </p:sp>
             </mc:Choice>
-            <mc:Fallback>
+            <mc:Fallback xmlns="">
               <p:sp>
                 <p:nvSpPr>
                   <p:cNvPr id="29" name="文本框 28"/>
@@ -12435,8 +12449,8 @@
               </p:sp>
             </mc:Fallback>
           </mc:AlternateContent>
-          <mc:AlternateContent xmlns:mc="http://schemas.openxmlformats.org/markup-compatibility/2006">
-            <mc:Choice xmlns:a14="http://schemas.microsoft.com/office/drawing/2010/main" Requires="a14">
+          <mc:AlternateContent xmlns:mc="http://schemas.openxmlformats.org/markup-compatibility/2006" xmlns:a14="http://schemas.microsoft.com/office/drawing/2010/main">
+            <mc:Choice Requires="a14">
               <p:sp>
                 <p:nvSpPr>
                   <p:cNvPr id="40" name="文本框 39"/>
@@ -12459,6 +12473,7 @@
                   </a:bodyPr>
                   <a:lstStyle/>
                   <a:p>
+                    <a:pPr/>
                     <a14:m>
                       <m:oMathPara xmlns:m="http://schemas.openxmlformats.org/officeDocument/2006/math">
                         <m:oMathParaPr>
@@ -12553,7 +12568,7 @@
                 </p:txBody>
               </p:sp>
             </mc:Choice>
-            <mc:Fallback>
+            <mc:Fallback xmlns="">
               <p:sp>
                 <p:nvSpPr>
                   <p:cNvPr id="40" name="文本框 39"/>
@@ -12628,8 +12643,8 @@
             </a:fontRef>
           </p:style>
         </p:cxnSp>
-        <mc:AlternateContent xmlns:mc="http://schemas.openxmlformats.org/markup-compatibility/2006">
-          <mc:Choice xmlns:a14="http://schemas.microsoft.com/office/drawing/2010/main" Requires="a14">
+        <mc:AlternateContent xmlns:mc="http://schemas.openxmlformats.org/markup-compatibility/2006" xmlns:a14="http://schemas.microsoft.com/office/drawing/2010/main">
+          <mc:Choice Requires="a14">
             <p:sp>
               <p:nvSpPr>
                 <p:cNvPr id="41" name="矩形 40"/>
@@ -12773,7 +12788,7 @@
               </p:txBody>
             </p:sp>
           </mc:Choice>
-          <mc:Fallback>
+          <mc:Fallback xmlns="">
             <p:sp>
               <p:nvSpPr>
                 <p:cNvPr id="41" name="矩形 40"/>
@@ -13019,8 +13034,8 @@
           </a:p>
         </p:txBody>
       </p:sp>
-      <mc:AlternateContent xmlns:mc="http://schemas.openxmlformats.org/markup-compatibility/2006">
-        <mc:Choice xmlns:a14="http://schemas.microsoft.com/office/drawing/2010/main" Requires="a14">
+      <mc:AlternateContent xmlns:mc="http://schemas.openxmlformats.org/markup-compatibility/2006" xmlns:a14="http://schemas.microsoft.com/office/drawing/2010/main">
+        <mc:Choice Requires="a14">
           <p:sp>
             <p:nvSpPr>
               <p:cNvPr id="9" name="文本框 8"/>
@@ -13043,6 +13058,7 @@
               </a:bodyPr>
               <a:lstStyle/>
               <a:p>
+                <a:pPr/>
                 <a14:m>
                   <m:oMathPara xmlns:m="http://schemas.openxmlformats.org/officeDocument/2006/math">
                     <m:oMathParaPr>
@@ -13063,7 +13079,7 @@
             </p:txBody>
           </p:sp>
         </mc:Choice>
-        <mc:Fallback>
+        <mc:Fallback xmlns="">
           <p:sp>
             <p:nvSpPr>
               <p:cNvPr id="9" name="文本框 8"/>
@@ -13102,8 +13118,8 @@
           </p:sp>
         </mc:Fallback>
       </mc:AlternateContent>
-      <mc:AlternateContent xmlns:mc="http://schemas.openxmlformats.org/markup-compatibility/2006">
-        <mc:Choice xmlns:a14="http://schemas.microsoft.com/office/drawing/2010/main" Requires="a14">
+      <mc:AlternateContent xmlns:mc="http://schemas.openxmlformats.org/markup-compatibility/2006" xmlns:a14="http://schemas.microsoft.com/office/drawing/2010/main">
+        <mc:Choice Requires="a14">
           <p:sp>
             <p:nvSpPr>
               <p:cNvPr id="10" name="文本框 9"/>
@@ -13126,6 +13142,7 @@
               </a:bodyPr>
               <a:lstStyle/>
               <a:p>
+                <a:pPr/>
                 <a14:m>
                   <m:oMathPara xmlns:m="http://schemas.openxmlformats.org/officeDocument/2006/math">
                     <m:oMathParaPr>
@@ -13163,7 +13180,7 @@
             </p:txBody>
           </p:sp>
         </mc:Choice>
-        <mc:Fallback>
+        <mc:Fallback xmlns="">
           <p:sp>
             <p:nvSpPr>
               <p:cNvPr id="10" name="文本框 9"/>
@@ -13202,8 +13219,8 @@
           </p:sp>
         </mc:Fallback>
       </mc:AlternateContent>
-      <mc:AlternateContent xmlns:mc="http://schemas.openxmlformats.org/markup-compatibility/2006">
-        <mc:Choice xmlns:a14="http://schemas.microsoft.com/office/drawing/2010/main" Requires="a14">
+      <mc:AlternateContent xmlns:mc="http://schemas.openxmlformats.org/markup-compatibility/2006" xmlns:a14="http://schemas.microsoft.com/office/drawing/2010/main">
+        <mc:Choice Requires="a14">
           <p:sp>
             <p:nvSpPr>
               <p:cNvPr id="11" name="文本框 10"/>
@@ -13226,6 +13243,7 @@
               </a:bodyPr>
               <a:lstStyle/>
               <a:p>
+                <a:pPr/>
                 <a14:m>
                   <m:oMathPara xmlns:m="http://schemas.openxmlformats.org/officeDocument/2006/math">
                     <m:oMathParaPr>
@@ -13246,7 +13264,7 @@
             </p:txBody>
           </p:sp>
         </mc:Choice>
-        <mc:Fallback>
+        <mc:Fallback xmlns="">
           <p:sp>
             <p:nvSpPr>
               <p:cNvPr id="11" name="文本框 10"/>
@@ -13353,8 +13371,8 @@
           </a:fontRef>
         </p:style>
       </p:cxnSp>
-      <mc:AlternateContent xmlns:mc="http://schemas.openxmlformats.org/markup-compatibility/2006">
-        <mc:Choice xmlns:a14="http://schemas.microsoft.com/office/drawing/2010/main" Requires="a14">
+      <mc:AlternateContent xmlns:mc="http://schemas.openxmlformats.org/markup-compatibility/2006" xmlns:a14="http://schemas.microsoft.com/office/drawing/2010/main">
+        <mc:Choice Requires="a14">
           <p:sp>
             <p:nvSpPr>
               <p:cNvPr id="18" name="矩形 17"/>
@@ -13471,7 +13489,7 @@
             </p:txBody>
           </p:sp>
         </mc:Choice>
-        <mc:Fallback>
+        <mc:Fallback xmlns="">
           <p:sp>
             <p:nvSpPr>
               <p:cNvPr id="18" name="矩形 17"/>
@@ -13510,8 +13528,8 @@
           </p:sp>
         </mc:Fallback>
       </mc:AlternateContent>
-      <mc:AlternateContent xmlns:mc="http://schemas.openxmlformats.org/markup-compatibility/2006">
-        <mc:Choice xmlns:a14="http://schemas.microsoft.com/office/drawing/2010/main" Requires="a14">
+      <mc:AlternateContent xmlns:mc="http://schemas.openxmlformats.org/markup-compatibility/2006" xmlns:a14="http://schemas.microsoft.com/office/drawing/2010/main">
+        <mc:Choice Requires="a14">
           <p:sp>
             <p:nvSpPr>
               <p:cNvPr id="19" name="矩形 18"/>
@@ -13655,7 +13673,7 @@
             </p:txBody>
           </p:sp>
         </mc:Choice>
-        <mc:Fallback>
+        <mc:Fallback xmlns="">
           <p:sp>
             <p:nvSpPr>
               <p:cNvPr id="19" name="矩形 18"/>
@@ -13881,8 +13899,8 @@
             </a:p>
           </p:txBody>
         </p:sp>
-        <mc:AlternateContent xmlns:mc="http://schemas.openxmlformats.org/markup-compatibility/2006">
-          <mc:Choice xmlns:a14="http://schemas.microsoft.com/office/drawing/2010/main" Requires="a14">
+        <mc:AlternateContent xmlns:mc="http://schemas.openxmlformats.org/markup-compatibility/2006" xmlns:a14="http://schemas.microsoft.com/office/drawing/2010/main">
+          <mc:Choice Requires="a14">
             <p:sp>
               <p:nvSpPr>
                 <p:cNvPr id="7" name="文本框 6"/>
@@ -13905,6 +13923,7 @@
                 </a:bodyPr>
                 <a:lstStyle/>
                 <a:p>
+                  <a:pPr/>
                   <a14:m>
                     <m:oMathPara xmlns:m="http://schemas.openxmlformats.org/officeDocument/2006/math">
                       <m:oMathParaPr>
@@ -13942,7 +13961,7 @@
               </p:txBody>
             </p:sp>
           </mc:Choice>
-          <mc:Fallback>
+          <mc:Fallback xmlns="">
             <p:sp>
               <p:nvSpPr>
                 <p:cNvPr id="7" name="文本框 6"/>
@@ -13981,8 +14000,8 @@
             </p:sp>
           </mc:Fallback>
         </mc:AlternateContent>
-        <mc:AlternateContent xmlns:mc="http://schemas.openxmlformats.org/markup-compatibility/2006">
-          <mc:Choice xmlns:a14="http://schemas.microsoft.com/office/drawing/2010/main" Requires="a14">
+        <mc:AlternateContent xmlns:mc="http://schemas.openxmlformats.org/markup-compatibility/2006" xmlns:a14="http://schemas.microsoft.com/office/drawing/2010/main">
+          <mc:Choice Requires="a14">
             <p:sp>
               <p:nvSpPr>
                 <p:cNvPr id="8" name="文本框 7"/>
@@ -14005,6 +14024,7 @@
                 </a:bodyPr>
                 <a:lstStyle/>
                 <a:p>
+                  <a:pPr/>
                   <a14:m>
                     <m:oMathPara xmlns:m="http://schemas.openxmlformats.org/officeDocument/2006/math">
                       <m:oMathParaPr>
@@ -14025,7 +14045,7 @@
               </p:txBody>
             </p:sp>
           </mc:Choice>
-          <mc:Fallback>
+          <mc:Fallback xmlns="">
             <p:sp>
               <p:nvSpPr>
                 <p:cNvPr id="8" name="文本框 7"/>
@@ -14356,8 +14376,8 @@
             </a:fontRef>
           </p:style>
         </p:cxnSp>
-        <mc:AlternateContent xmlns:mc="http://schemas.openxmlformats.org/markup-compatibility/2006">
-          <mc:Choice xmlns:a14="http://schemas.microsoft.com/office/drawing/2010/main" Requires="a14">
+        <mc:AlternateContent xmlns:mc="http://schemas.openxmlformats.org/markup-compatibility/2006" xmlns:a14="http://schemas.microsoft.com/office/drawing/2010/main">
+          <mc:Choice Requires="a14">
             <p:sp>
               <p:nvSpPr>
                 <p:cNvPr id="27" name="文本框 26"/>
@@ -14380,6 +14400,7 @@
                 </a:bodyPr>
                 <a:lstStyle/>
                 <a:p>
+                  <a:pPr/>
                   <a14:m>
                     <m:oMathPara xmlns:m="http://schemas.openxmlformats.org/officeDocument/2006/math">
                       <m:oMathParaPr>
@@ -14400,7 +14421,7 @@
               </p:txBody>
             </p:sp>
           </mc:Choice>
-          <mc:Fallback>
+          <mc:Fallback xmlns="">
             <p:sp>
               <p:nvSpPr>
                 <p:cNvPr id="27" name="文本框 26"/>
@@ -14444,6 +14465,7512 @@
     <p:extLst>
       <p:ext uri="{BB962C8B-B14F-4D97-AF65-F5344CB8AC3E}">
         <p14:creationId xmlns:p14="http://schemas.microsoft.com/office/powerpoint/2010/main" val="906509004"/>
+      </p:ext>
+    </p:extLst>
+  </p:cSld>
+  <p:clrMapOvr>
+    <a:masterClrMapping/>
+  </p:clrMapOvr>
+</p:sld>
+</file>
+
+<file path=ppt/slides/slide14.xml><?xml version="1.0" encoding="utf-8"?>
+<p:sld xmlns:a="http://schemas.openxmlformats.org/drawingml/2006/main" xmlns:r="http://schemas.openxmlformats.org/officeDocument/2006/relationships" xmlns:p="http://schemas.openxmlformats.org/presentationml/2006/main">
+  <p:cSld>
+    <p:spTree>
+      <p:nvGrpSpPr>
+        <p:cNvPr id="1" name=""/>
+        <p:cNvGrpSpPr/>
+        <p:nvPr/>
+      </p:nvGrpSpPr>
+      <p:grpSpPr>
+        <a:xfrm>
+          <a:off x="0" y="0"/>
+          <a:ext cx="0" cy="0"/>
+          <a:chOff x="0" y="0"/>
+          <a:chExt cx="0" cy="0"/>
+        </a:xfrm>
+      </p:grpSpPr>
+      <p:grpSp>
+        <p:nvGrpSpPr>
+          <p:cNvPr id="65" name="组合 64"/>
+          <p:cNvGrpSpPr/>
+          <p:nvPr/>
+        </p:nvGrpSpPr>
+        <p:grpSpPr>
+          <a:xfrm>
+            <a:off x="3310719" y="1143001"/>
+            <a:ext cx="5617318" cy="4233074"/>
+            <a:chOff x="3310719" y="1143001"/>
+            <a:chExt cx="5617318" cy="4233074"/>
+          </a:xfrm>
+        </p:grpSpPr>
+        <p:cxnSp>
+          <p:nvCxnSpPr>
+            <p:cNvPr id="5" name="直接箭头连接符 4"/>
+            <p:cNvCxnSpPr/>
+            <p:nvPr/>
+          </p:nvCxnSpPr>
+          <p:spPr>
+            <a:xfrm flipV="1">
+              <a:off x="3930302" y="1216479"/>
+              <a:ext cx="0" cy="4159596"/>
+            </a:xfrm>
+            <a:prstGeom prst="straightConnector1">
+              <a:avLst/>
+            </a:prstGeom>
+            <a:ln w="38100">
+              <a:tailEnd type="triangle"/>
+            </a:ln>
+          </p:spPr>
+          <p:style>
+            <a:lnRef idx="3">
+              <a:schemeClr val="dk1"/>
+            </a:lnRef>
+            <a:fillRef idx="0">
+              <a:schemeClr val="dk1"/>
+            </a:fillRef>
+            <a:effectRef idx="2">
+              <a:schemeClr val="dk1"/>
+            </a:effectRef>
+            <a:fontRef idx="minor">
+              <a:schemeClr val="tx1"/>
+            </a:fontRef>
+          </p:style>
+        </p:cxnSp>
+        <p:cxnSp>
+          <p:nvCxnSpPr>
+            <p:cNvPr id="6" name="直接箭头连接符 5"/>
+            <p:cNvCxnSpPr/>
+            <p:nvPr/>
+          </p:nvCxnSpPr>
+          <p:spPr>
+            <a:xfrm>
+              <a:off x="3911502" y="5376075"/>
+              <a:ext cx="4875606" cy="0"/>
+            </a:xfrm>
+            <a:prstGeom prst="straightConnector1">
+              <a:avLst/>
+            </a:prstGeom>
+            <a:ln w="38100">
+              <a:tailEnd type="triangle"/>
+            </a:ln>
+          </p:spPr>
+          <p:style>
+            <a:lnRef idx="3">
+              <a:schemeClr val="dk1"/>
+            </a:lnRef>
+            <a:fillRef idx="0">
+              <a:schemeClr val="dk1"/>
+            </a:fillRef>
+            <a:effectRef idx="2">
+              <a:schemeClr val="dk1"/>
+            </a:effectRef>
+            <a:fontRef idx="minor">
+              <a:schemeClr val="tx1"/>
+            </a:fontRef>
+          </p:style>
+        </p:cxnSp>
+        <mc:AlternateContent xmlns:mc="http://schemas.openxmlformats.org/markup-compatibility/2006">
+          <mc:Choice xmlns:a14="http://schemas.microsoft.com/office/drawing/2010/main" Requires="a14">
+            <p:sp>
+              <p:nvSpPr>
+                <p:cNvPr id="9" name="文本框 8"/>
+                <p:cNvSpPr txBox="1"/>
+                <p:nvPr/>
+              </p:nvSpPr>
+              <p:spPr>
+                <a:xfrm>
+                  <a:off x="8620325" y="4959984"/>
+                  <a:ext cx="307712" cy="276999"/>
+                </a:xfrm>
+                <a:prstGeom prst="rect">
+                  <a:avLst/>
+                </a:prstGeom>
+                <a:noFill/>
+              </p:spPr>
+              <p:txBody>
+                <a:bodyPr wrap="none" lIns="0" tIns="0" rIns="0" bIns="0" rtlCol="0">
+                  <a:spAutoFit/>
+                </a:bodyPr>
+                <a:lstStyle/>
+                <a:p>
+                  <a:pPr/>
+                  <a14:m>
+                    <m:oMathPara xmlns:m="http://schemas.openxmlformats.org/officeDocument/2006/math">
+                      <m:oMathParaPr>
+                        <m:jc m:val="centerGroup"/>
+                      </m:oMathParaPr>
+                      <m:oMath xmlns:m="http://schemas.openxmlformats.org/officeDocument/2006/math">
+                        <m:sSub>
+                          <m:sSubPr>
+                            <m:ctrlPr>
+                              <a:rPr lang="en-US" altLang="zh-CN" b="1" i="1" smtClean="0">
+                                <a:latin typeface="Cambria Math" panose="02040503050406030204" pitchFamily="18" charset="0"/>
+                              </a:rPr>
+                            </m:ctrlPr>
+                          </m:sSubPr>
+                          <m:e>
+                            <m:r>
+                              <a:rPr lang="zh-CN" altLang="en-US" b="1" i="1" smtClean="0">
+                                <a:latin typeface="Cambria Math" panose="02040503050406030204" pitchFamily="18" charset="0"/>
+                              </a:rPr>
+                              <m:t>𝜽</m:t>
+                            </m:r>
+                          </m:e>
+                          <m:sub>
+                            <m:r>
+                              <a:rPr lang="en-US" altLang="zh-CN" b="1" i="1" smtClean="0">
+                                <a:latin typeface="Cambria Math" panose="02040503050406030204" pitchFamily="18" charset="0"/>
+                              </a:rPr>
+                              <m:t>𝟏</m:t>
+                            </m:r>
+                          </m:sub>
+                        </m:sSub>
+                      </m:oMath>
+                    </m:oMathPara>
+                  </a14:m>
+                  <a:endParaRPr lang="zh-CN" altLang="en-US" b="1" dirty="0"/>
+                </a:p>
+              </p:txBody>
+            </p:sp>
+          </mc:Choice>
+          <mc:Fallback>
+            <p:sp>
+              <p:nvSpPr>
+                <p:cNvPr id="9" name="文本框 8"/>
+                <p:cNvSpPr txBox="1">
+                  <a:spLocks noRot="1" noChangeAspect="1" noMove="1" noResize="1" noEditPoints="1" noAdjustHandles="1" noChangeArrowheads="1" noChangeShapeType="1" noTextEdit="1"/>
+                </p:cNvSpPr>
+                <p:nvPr/>
+              </p:nvSpPr>
+              <p:spPr>
+                <a:xfrm>
+                  <a:off x="8620325" y="4959984"/>
+                  <a:ext cx="307712" cy="276999"/>
+                </a:xfrm>
+                <a:prstGeom prst="rect">
+                  <a:avLst/>
+                </a:prstGeom>
+                <a:blipFill rotWithShape="0">
+                  <a:blip r:embed="rId2"/>
+                  <a:stretch>
+                    <a:fillRect l="-17647" r="-7843" b="-17778"/>
+                  </a:stretch>
+                </a:blipFill>
+              </p:spPr>
+              <p:txBody>
+                <a:bodyPr/>
+                <a:lstStyle/>
+                <a:p>
+                  <a:r>
+                    <a:rPr lang="zh-CN" altLang="en-US">
+                      <a:noFill/>
+                    </a:rPr>
+                    <a:t> </a:t>
+                  </a:r>
+                </a:p>
+              </p:txBody>
+            </p:sp>
+          </mc:Fallback>
+        </mc:AlternateContent>
+        <mc:AlternateContent xmlns:mc="http://schemas.openxmlformats.org/markup-compatibility/2006">
+          <mc:Choice xmlns:a14="http://schemas.microsoft.com/office/drawing/2010/main" Requires="a14">
+            <p:sp>
+              <p:nvSpPr>
+                <p:cNvPr id="21" name="矩形 20"/>
+                <p:cNvSpPr/>
+                <p:nvPr/>
+              </p:nvSpPr>
+              <p:spPr>
+                <a:xfrm>
+                  <a:off x="3310719" y="1216479"/>
+                  <a:ext cx="492378" cy="369332"/>
+                </a:xfrm>
+                <a:prstGeom prst="rect">
+                  <a:avLst/>
+                </a:prstGeom>
+              </p:spPr>
+              <p:txBody>
+                <a:bodyPr wrap="none">
+                  <a:spAutoFit/>
+                </a:bodyPr>
+                <a:lstStyle/>
+                <a:p>
+                  <a:pPr/>
+                  <a14:m>
+                    <m:oMathPara xmlns:m="http://schemas.openxmlformats.org/officeDocument/2006/math">
+                      <m:oMathParaPr>
+                        <m:jc m:val="centerGroup"/>
+                      </m:oMathParaPr>
+                      <m:oMath xmlns:m="http://schemas.openxmlformats.org/officeDocument/2006/math">
+                        <m:sSub>
+                          <m:sSubPr>
+                            <m:ctrlPr>
+                              <a:rPr lang="en-US" altLang="zh-CN" b="1" i="1" smtClean="0">
+                                <a:latin typeface="Cambria Math" panose="02040503050406030204" pitchFamily="18" charset="0"/>
+                              </a:rPr>
+                            </m:ctrlPr>
+                          </m:sSubPr>
+                          <m:e>
+                            <m:r>
+                              <a:rPr lang="zh-CN" altLang="en-US" b="1" i="1">
+                                <a:latin typeface="Cambria Math" panose="02040503050406030204" pitchFamily="18" charset="0"/>
+                              </a:rPr>
+                              <m:t>𝜽</m:t>
+                            </m:r>
+                          </m:e>
+                          <m:sub>
+                            <m:r>
+                              <a:rPr lang="en-US" altLang="zh-CN" b="1" i="1" smtClean="0">
+                                <a:latin typeface="Cambria Math" panose="02040503050406030204" pitchFamily="18" charset="0"/>
+                              </a:rPr>
+                              <m:t>𝟐</m:t>
+                            </m:r>
+                          </m:sub>
+                        </m:sSub>
+                      </m:oMath>
+                    </m:oMathPara>
+                  </a14:m>
+                  <a:endParaRPr lang="zh-CN" altLang="en-US" b="1" dirty="0"/>
+                </a:p>
+              </p:txBody>
+            </p:sp>
+          </mc:Choice>
+          <mc:Fallback>
+            <p:sp>
+              <p:nvSpPr>
+                <p:cNvPr id="21" name="矩形 20"/>
+                <p:cNvSpPr>
+                  <a:spLocks noRot="1" noChangeAspect="1" noMove="1" noResize="1" noEditPoints="1" noAdjustHandles="1" noChangeArrowheads="1" noChangeShapeType="1" noTextEdit="1"/>
+                </p:cNvSpPr>
+                <p:nvPr/>
+              </p:nvSpPr>
+              <p:spPr>
+                <a:xfrm>
+                  <a:off x="3310719" y="1216479"/>
+                  <a:ext cx="492378" cy="369332"/>
+                </a:xfrm>
+                <a:prstGeom prst="rect">
+                  <a:avLst/>
+                </a:prstGeom>
+                <a:blipFill rotWithShape="0">
+                  <a:blip r:embed="rId3"/>
+                  <a:stretch>
+                    <a:fillRect/>
+                  </a:stretch>
+                </a:blipFill>
+              </p:spPr>
+              <p:txBody>
+                <a:bodyPr/>
+                <a:lstStyle/>
+                <a:p>
+                  <a:r>
+                    <a:rPr lang="zh-CN" altLang="en-US">
+                      <a:noFill/>
+                    </a:rPr>
+                    <a:t> </a:t>
+                  </a:r>
+                </a:p>
+              </p:txBody>
+            </p:sp>
+          </mc:Fallback>
+        </mc:AlternateContent>
+        <p:sp>
+          <p:nvSpPr>
+            <p:cNvPr id="22" name="椭圆 21"/>
+            <p:cNvSpPr/>
+            <p:nvPr/>
+          </p:nvSpPr>
+          <p:spPr>
+            <a:xfrm>
+              <a:off x="5225570" y="1143001"/>
+              <a:ext cx="1126671" cy="4020504"/>
+            </a:xfrm>
+            <a:prstGeom prst="ellipse">
+              <a:avLst/>
+            </a:prstGeom>
+            <a:solidFill>
+              <a:srgbClr val="C00000"/>
+            </a:solidFill>
+            <a:ln>
+              <a:solidFill>
+                <a:srgbClr val="C00000"/>
+              </a:solidFill>
+            </a:ln>
+          </p:spPr>
+          <p:style>
+            <a:lnRef idx="2">
+              <a:schemeClr val="accent1">
+                <a:shade val="50000"/>
+              </a:schemeClr>
+            </a:lnRef>
+            <a:fillRef idx="1">
+              <a:schemeClr val="accent1"/>
+            </a:fillRef>
+            <a:effectRef idx="0">
+              <a:schemeClr val="accent1"/>
+            </a:effectRef>
+            <a:fontRef idx="minor">
+              <a:schemeClr val="lt1"/>
+            </a:fontRef>
+          </p:style>
+          <p:txBody>
+            <a:bodyPr rtlCol="0" anchor="ctr"/>
+            <a:lstStyle/>
+            <a:p>
+              <a:pPr algn="ctr"/>
+              <a:endParaRPr lang="zh-CN" altLang="en-US"/>
+            </a:p>
+          </p:txBody>
+        </p:sp>
+        <p:sp>
+          <p:nvSpPr>
+            <p:cNvPr id="23" name="椭圆 22"/>
+            <p:cNvSpPr/>
+            <p:nvPr/>
+          </p:nvSpPr>
+          <p:spPr>
+            <a:xfrm>
+              <a:off x="5299912" y="1412906"/>
+              <a:ext cx="975399" cy="3480693"/>
+            </a:xfrm>
+            <a:prstGeom prst="ellipse">
+              <a:avLst/>
+            </a:prstGeom>
+            <a:solidFill>
+              <a:srgbClr val="FF0000"/>
+            </a:solidFill>
+            <a:ln>
+              <a:solidFill>
+                <a:srgbClr val="FF0000"/>
+              </a:solidFill>
+            </a:ln>
+          </p:spPr>
+          <p:style>
+            <a:lnRef idx="2">
+              <a:schemeClr val="accent1">
+                <a:shade val="50000"/>
+              </a:schemeClr>
+            </a:lnRef>
+            <a:fillRef idx="1">
+              <a:schemeClr val="accent1"/>
+            </a:fillRef>
+            <a:effectRef idx="0">
+              <a:schemeClr val="accent1"/>
+            </a:effectRef>
+            <a:fontRef idx="minor">
+              <a:schemeClr val="lt1"/>
+            </a:fontRef>
+          </p:style>
+          <p:txBody>
+            <a:bodyPr rtlCol="0" anchor="ctr"/>
+            <a:lstStyle/>
+            <a:p>
+              <a:pPr algn="ctr"/>
+              <a:endParaRPr lang="zh-CN" altLang="en-US"/>
+            </a:p>
+          </p:txBody>
+        </p:sp>
+        <p:sp>
+          <p:nvSpPr>
+            <p:cNvPr id="24" name="椭圆 23"/>
+            <p:cNvSpPr/>
+            <p:nvPr/>
+          </p:nvSpPr>
+          <p:spPr>
+            <a:xfrm>
+              <a:off x="5380804" y="1701572"/>
+              <a:ext cx="813613" cy="2903360"/>
+            </a:xfrm>
+            <a:prstGeom prst="ellipse">
+              <a:avLst/>
+            </a:prstGeom>
+            <a:solidFill>
+              <a:srgbClr val="FFC000"/>
+            </a:solidFill>
+            <a:ln>
+              <a:solidFill>
+                <a:srgbClr val="FFC000"/>
+              </a:solidFill>
+            </a:ln>
+          </p:spPr>
+          <p:style>
+            <a:lnRef idx="2">
+              <a:schemeClr val="accent1">
+                <a:shade val="50000"/>
+              </a:schemeClr>
+            </a:lnRef>
+            <a:fillRef idx="1">
+              <a:schemeClr val="accent1"/>
+            </a:fillRef>
+            <a:effectRef idx="0">
+              <a:schemeClr val="accent1"/>
+            </a:effectRef>
+            <a:fontRef idx="minor">
+              <a:schemeClr val="lt1"/>
+            </a:fontRef>
+          </p:style>
+          <p:txBody>
+            <a:bodyPr rtlCol="0" anchor="ctr"/>
+            <a:lstStyle/>
+            <a:p>
+              <a:pPr algn="ctr"/>
+              <a:endParaRPr lang="zh-CN" altLang="en-US"/>
+            </a:p>
+          </p:txBody>
+        </p:sp>
+        <p:sp>
+          <p:nvSpPr>
+            <p:cNvPr id="25" name="椭圆 24"/>
+            <p:cNvSpPr/>
+            <p:nvPr/>
+          </p:nvSpPr>
+          <p:spPr>
+            <a:xfrm>
+              <a:off x="5447581" y="1939868"/>
+              <a:ext cx="680057" cy="2426768"/>
+            </a:xfrm>
+            <a:prstGeom prst="ellipse">
+              <a:avLst/>
+            </a:prstGeom>
+            <a:solidFill>
+              <a:srgbClr val="FFFF00"/>
+            </a:solidFill>
+            <a:ln>
+              <a:solidFill>
+                <a:srgbClr val="FFFF00"/>
+              </a:solidFill>
+            </a:ln>
+          </p:spPr>
+          <p:style>
+            <a:lnRef idx="2">
+              <a:schemeClr val="accent1">
+                <a:shade val="50000"/>
+              </a:schemeClr>
+            </a:lnRef>
+            <a:fillRef idx="1">
+              <a:schemeClr val="accent1"/>
+            </a:fillRef>
+            <a:effectRef idx="0">
+              <a:schemeClr val="accent1"/>
+            </a:effectRef>
+            <a:fontRef idx="minor">
+              <a:schemeClr val="lt1"/>
+            </a:fontRef>
+          </p:style>
+          <p:txBody>
+            <a:bodyPr rtlCol="0" anchor="ctr"/>
+            <a:lstStyle/>
+            <a:p>
+              <a:pPr algn="ctr"/>
+              <a:endParaRPr lang="zh-CN" altLang="en-US"/>
+            </a:p>
+          </p:txBody>
+        </p:sp>
+        <p:sp>
+          <p:nvSpPr>
+            <p:cNvPr id="26" name="椭圆 25"/>
+            <p:cNvSpPr/>
+            <p:nvPr/>
+          </p:nvSpPr>
+          <p:spPr>
+            <a:xfrm>
+              <a:off x="5506029" y="2148440"/>
+              <a:ext cx="563160" cy="2009624"/>
+            </a:xfrm>
+            <a:prstGeom prst="ellipse">
+              <a:avLst/>
+            </a:prstGeom>
+            <a:solidFill>
+              <a:srgbClr val="92D050"/>
+            </a:solidFill>
+            <a:ln>
+              <a:solidFill>
+                <a:srgbClr val="92D050"/>
+              </a:solidFill>
+            </a:ln>
+          </p:spPr>
+          <p:style>
+            <a:lnRef idx="2">
+              <a:schemeClr val="accent1">
+                <a:shade val="50000"/>
+              </a:schemeClr>
+            </a:lnRef>
+            <a:fillRef idx="1">
+              <a:schemeClr val="accent1"/>
+            </a:fillRef>
+            <a:effectRef idx="0">
+              <a:schemeClr val="accent1"/>
+            </a:effectRef>
+            <a:fontRef idx="minor">
+              <a:schemeClr val="lt1"/>
+            </a:fontRef>
+          </p:style>
+          <p:txBody>
+            <a:bodyPr rtlCol="0" anchor="ctr"/>
+            <a:lstStyle/>
+            <a:p>
+              <a:pPr algn="ctr"/>
+              <a:endParaRPr lang="zh-CN" altLang="en-US"/>
+            </a:p>
+          </p:txBody>
+        </p:sp>
+        <p:sp>
+          <p:nvSpPr>
+            <p:cNvPr id="27" name="椭圆 26"/>
+            <p:cNvSpPr/>
+            <p:nvPr/>
+          </p:nvSpPr>
+          <p:spPr>
+            <a:xfrm>
+              <a:off x="5573349" y="2415472"/>
+              <a:ext cx="428520" cy="1529164"/>
+            </a:xfrm>
+            <a:prstGeom prst="ellipse">
+              <a:avLst/>
+            </a:prstGeom>
+            <a:solidFill>
+              <a:srgbClr val="00B050"/>
+            </a:solidFill>
+            <a:ln>
+              <a:solidFill>
+                <a:srgbClr val="00B050"/>
+              </a:solidFill>
+            </a:ln>
+          </p:spPr>
+          <p:style>
+            <a:lnRef idx="2">
+              <a:schemeClr val="accent1">
+                <a:shade val="50000"/>
+              </a:schemeClr>
+            </a:lnRef>
+            <a:fillRef idx="1">
+              <a:schemeClr val="accent1"/>
+            </a:fillRef>
+            <a:effectRef idx="0">
+              <a:schemeClr val="accent1"/>
+            </a:effectRef>
+            <a:fontRef idx="minor">
+              <a:schemeClr val="lt1"/>
+            </a:fontRef>
+          </p:style>
+          <p:txBody>
+            <a:bodyPr rtlCol="0" anchor="ctr"/>
+            <a:lstStyle/>
+            <a:p>
+              <a:pPr algn="ctr"/>
+              <a:endParaRPr lang="zh-CN" altLang="en-US"/>
+            </a:p>
+          </p:txBody>
+        </p:sp>
+        <p:sp>
+          <p:nvSpPr>
+            <p:cNvPr id="28" name="椭圆 27"/>
+            <p:cNvSpPr/>
+            <p:nvPr/>
+          </p:nvSpPr>
+          <p:spPr>
+            <a:xfrm>
+              <a:off x="5644872" y="2658757"/>
+              <a:ext cx="302361" cy="1078970"/>
+            </a:xfrm>
+            <a:prstGeom prst="ellipse">
+              <a:avLst/>
+            </a:prstGeom>
+            <a:solidFill>
+              <a:srgbClr val="00B0F0"/>
+            </a:solidFill>
+            <a:ln>
+              <a:solidFill>
+                <a:srgbClr val="00B0F0"/>
+              </a:solidFill>
+            </a:ln>
+          </p:spPr>
+          <p:style>
+            <a:lnRef idx="2">
+              <a:schemeClr val="accent1">
+                <a:shade val="50000"/>
+              </a:schemeClr>
+            </a:lnRef>
+            <a:fillRef idx="1">
+              <a:schemeClr val="accent1"/>
+            </a:fillRef>
+            <a:effectRef idx="0">
+              <a:schemeClr val="accent1"/>
+            </a:effectRef>
+            <a:fontRef idx="minor">
+              <a:schemeClr val="lt1"/>
+            </a:fontRef>
+          </p:style>
+          <p:txBody>
+            <a:bodyPr rtlCol="0" anchor="ctr"/>
+            <a:lstStyle/>
+            <a:p>
+              <a:pPr algn="ctr"/>
+              <a:endParaRPr lang="zh-CN" altLang="en-US"/>
+            </a:p>
+          </p:txBody>
+        </p:sp>
+        <p:sp>
+          <p:nvSpPr>
+            <p:cNvPr id="29" name="椭圆 28"/>
+            <p:cNvSpPr/>
+            <p:nvPr/>
+          </p:nvSpPr>
+          <p:spPr>
+            <a:xfrm>
+              <a:off x="5688673" y="2844932"/>
+              <a:ext cx="198017" cy="706619"/>
+            </a:xfrm>
+            <a:prstGeom prst="ellipse">
+              <a:avLst/>
+            </a:prstGeom>
+            <a:solidFill>
+              <a:srgbClr val="0070C0"/>
+            </a:solidFill>
+            <a:ln>
+              <a:solidFill>
+                <a:srgbClr val="0070C0"/>
+              </a:solidFill>
+            </a:ln>
+          </p:spPr>
+          <p:style>
+            <a:lnRef idx="2">
+              <a:schemeClr val="accent1">
+                <a:shade val="50000"/>
+              </a:schemeClr>
+            </a:lnRef>
+            <a:fillRef idx="1">
+              <a:schemeClr val="accent1"/>
+            </a:fillRef>
+            <a:effectRef idx="0">
+              <a:schemeClr val="accent1"/>
+            </a:effectRef>
+            <a:fontRef idx="minor">
+              <a:schemeClr val="lt1"/>
+            </a:fontRef>
+          </p:style>
+          <p:txBody>
+            <a:bodyPr rtlCol="0" anchor="ctr"/>
+            <a:lstStyle/>
+            <a:p>
+              <a:pPr algn="ctr"/>
+              <a:endParaRPr lang="zh-CN" altLang="en-US"/>
+            </a:p>
+          </p:txBody>
+        </p:sp>
+        <p:sp>
+          <p:nvSpPr>
+            <p:cNvPr id="30" name="椭圆 29"/>
+            <p:cNvSpPr/>
+            <p:nvPr/>
+          </p:nvSpPr>
+          <p:spPr>
+            <a:xfrm>
+              <a:off x="5750186" y="3064697"/>
+              <a:ext cx="74846" cy="267087"/>
+            </a:xfrm>
+            <a:prstGeom prst="ellipse">
+              <a:avLst/>
+            </a:prstGeom>
+            <a:solidFill>
+              <a:srgbClr val="002060"/>
+            </a:solidFill>
+            <a:ln>
+              <a:solidFill>
+                <a:srgbClr val="002060"/>
+              </a:solidFill>
+            </a:ln>
+          </p:spPr>
+          <p:style>
+            <a:lnRef idx="2">
+              <a:schemeClr val="accent1">
+                <a:shade val="50000"/>
+              </a:schemeClr>
+            </a:lnRef>
+            <a:fillRef idx="1">
+              <a:schemeClr val="accent1"/>
+            </a:fillRef>
+            <a:effectRef idx="0">
+              <a:schemeClr val="accent1"/>
+            </a:effectRef>
+            <a:fontRef idx="minor">
+              <a:schemeClr val="lt1"/>
+            </a:fontRef>
+          </p:style>
+          <p:txBody>
+            <a:bodyPr rtlCol="0" anchor="ctr"/>
+            <a:lstStyle/>
+            <a:p>
+              <a:pPr algn="ctr"/>
+              <a:endParaRPr lang="zh-CN" altLang="en-US"/>
+            </a:p>
+          </p:txBody>
+        </p:sp>
+        <p:sp>
+          <p:nvSpPr>
+            <p:cNvPr id="31" name="圆角矩形 30"/>
+            <p:cNvSpPr/>
+            <p:nvPr/>
+          </p:nvSpPr>
+          <p:spPr>
+            <a:xfrm>
+              <a:off x="7385417" y="1585811"/>
+              <a:ext cx="318407" cy="318407"/>
+            </a:xfrm>
+            <a:prstGeom prst="roundRect">
+              <a:avLst/>
+            </a:prstGeom>
+            <a:solidFill>
+              <a:srgbClr val="C00000"/>
+            </a:solidFill>
+            <a:ln>
+              <a:solidFill>
+                <a:srgbClr val="C00000"/>
+              </a:solidFill>
+            </a:ln>
+          </p:spPr>
+          <p:style>
+            <a:lnRef idx="2">
+              <a:schemeClr val="accent1">
+                <a:shade val="50000"/>
+              </a:schemeClr>
+            </a:lnRef>
+            <a:fillRef idx="1">
+              <a:schemeClr val="accent1"/>
+            </a:fillRef>
+            <a:effectRef idx="0">
+              <a:schemeClr val="accent1"/>
+            </a:effectRef>
+            <a:fontRef idx="minor">
+              <a:schemeClr val="lt1"/>
+            </a:fontRef>
+          </p:style>
+          <p:txBody>
+            <a:bodyPr rtlCol="0" anchor="ctr"/>
+            <a:lstStyle/>
+            <a:p>
+              <a:pPr algn="ctr"/>
+              <a:endParaRPr lang="zh-CN" altLang="en-US"/>
+            </a:p>
+          </p:txBody>
+        </p:sp>
+        <mc:AlternateContent xmlns:mc="http://schemas.openxmlformats.org/markup-compatibility/2006">
+          <mc:Choice xmlns:a14="http://schemas.microsoft.com/office/drawing/2010/main" Requires="a14">
+            <p:sp>
+              <p:nvSpPr>
+                <p:cNvPr id="33" name="文本框 32"/>
+                <p:cNvSpPr txBox="1"/>
+                <p:nvPr/>
+              </p:nvSpPr>
+              <p:spPr>
+                <a:xfrm>
+                  <a:off x="7797151" y="1585811"/>
+                  <a:ext cx="823174" cy="276999"/>
+                </a:xfrm>
+                <a:prstGeom prst="rect">
+                  <a:avLst/>
+                </a:prstGeom>
+                <a:noFill/>
+              </p:spPr>
+              <p:txBody>
+                <a:bodyPr wrap="none" lIns="0" tIns="0" rIns="0" bIns="0" rtlCol="0">
+                  <a:spAutoFit/>
+                </a:bodyPr>
+                <a:lstStyle/>
+                <a:p>
+                  <a14:m>
+                    <m:oMath xmlns:m="http://schemas.openxmlformats.org/officeDocument/2006/math">
+                      <m:r>
+                        <a:rPr lang="en-US" altLang="zh-CN" b="1" i="1" smtClean="0">
+                          <a:latin typeface="Cambria Math" panose="02040503050406030204" pitchFamily="18" charset="0"/>
+                        </a:rPr>
+                        <m:t>:</m:t>
+                      </m:r>
+                      <m:r>
+                        <a:rPr lang="zh-CN" altLang="en-US" b="1" i="1" smtClean="0">
+                          <a:latin typeface="Cambria Math" panose="02040503050406030204" pitchFamily="18" charset="0"/>
+                        </a:rPr>
+                        <m:t>𝓙</m:t>
+                      </m:r>
+                      <m:d>
+                        <m:dPr>
+                          <m:ctrlPr>
+                            <a:rPr lang="en-US" altLang="zh-CN" b="1" i="1" smtClean="0">
+                              <a:latin typeface="Cambria Math" panose="02040503050406030204" pitchFamily="18" charset="0"/>
+                            </a:rPr>
+                          </m:ctrlPr>
+                        </m:dPr>
+                        <m:e>
+                          <m:r>
+                            <a:rPr lang="zh-CN" altLang="en-US" b="1" i="1" smtClean="0">
+                              <a:latin typeface="Cambria Math" panose="02040503050406030204" pitchFamily="18" charset="0"/>
+                            </a:rPr>
+                            <m:t>𝜽</m:t>
+                          </m:r>
+                        </m:e>
+                      </m:d>
+                    </m:oMath>
+                  </a14:m>
+                  <a:r>
+                    <a:rPr lang="zh-CN" altLang="en-US" b="1" dirty="0" smtClean="0"/>
+                    <a:t>大</a:t>
+                  </a:r>
+                  <a:endParaRPr lang="zh-CN" altLang="en-US" b="1" dirty="0"/>
+                </a:p>
+              </p:txBody>
+            </p:sp>
+          </mc:Choice>
+          <mc:Fallback>
+            <p:sp>
+              <p:nvSpPr>
+                <p:cNvPr id="33" name="文本框 32"/>
+                <p:cNvSpPr txBox="1">
+                  <a:spLocks noRot="1" noChangeAspect="1" noMove="1" noResize="1" noEditPoints="1" noAdjustHandles="1" noChangeArrowheads="1" noChangeShapeType="1" noTextEdit="1"/>
+                </p:cNvSpPr>
+                <p:nvPr/>
+              </p:nvSpPr>
+              <p:spPr>
+                <a:xfrm>
+                  <a:off x="7797151" y="1585811"/>
+                  <a:ext cx="823174" cy="276999"/>
+                </a:xfrm>
+                <a:prstGeom prst="rect">
+                  <a:avLst/>
+                </a:prstGeom>
+                <a:blipFill rotWithShape="0">
+                  <a:blip r:embed="rId4"/>
+                  <a:stretch>
+                    <a:fillRect l="-6667" t="-34783" r="-17778" b="-43478"/>
+                  </a:stretch>
+                </a:blipFill>
+              </p:spPr>
+              <p:txBody>
+                <a:bodyPr/>
+                <a:lstStyle/>
+                <a:p>
+                  <a:r>
+                    <a:rPr lang="zh-CN" altLang="en-US">
+                      <a:noFill/>
+                    </a:rPr>
+                    <a:t> </a:t>
+                  </a:r>
+                </a:p>
+              </p:txBody>
+            </p:sp>
+          </mc:Fallback>
+        </mc:AlternateContent>
+        <p:sp>
+          <p:nvSpPr>
+            <p:cNvPr id="34" name="圆角矩形 33"/>
+            <p:cNvSpPr/>
+            <p:nvPr/>
+          </p:nvSpPr>
+          <p:spPr>
+            <a:xfrm>
+              <a:off x="7385417" y="2116788"/>
+              <a:ext cx="318407" cy="318407"/>
+            </a:xfrm>
+            <a:prstGeom prst="roundRect">
+              <a:avLst/>
+            </a:prstGeom>
+            <a:solidFill>
+              <a:srgbClr val="002060"/>
+            </a:solidFill>
+            <a:ln>
+              <a:solidFill>
+                <a:srgbClr val="002060"/>
+              </a:solidFill>
+            </a:ln>
+          </p:spPr>
+          <p:style>
+            <a:lnRef idx="2">
+              <a:schemeClr val="accent1">
+                <a:shade val="50000"/>
+              </a:schemeClr>
+            </a:lnRef>
+            <a:fillRef idx="1">
+              <a:schemeClr val="accent1"/>
+            </a:fillRef>
+            <a:effectRef idx="0">
+              <a:schemeClr val="accent1"/>
+            </a:effectRef>
+            <a:fontRef idx="minor">
+              <a:schemeClr val="lt1"/>
+            </a:fontRef>
+          </p:style>
+          <p:txBody>
+            <a:bodyPr rtlCol="0" anchor="ctr"/>
+            <a:lstStyle/>
+            <a:p>
+              <a:pPr algn="ctr"/>
+              <a:endParaRPr lang="zh-CN" altLang="en-US"/>
+            </a:p>
+          </p:txBody>
+        </p:sp>
+        <mc:AlternateContent xmlns:mc="http://schemas.openxmlformats.org/markup-compatibility/2006">
+          <mc:Choice xmlns:a14="http://schemas.microsoft.com/office/drawing/2010/main" Requires="a14">
+            <p:sp>
+              <p:nvSpPr>
+                <p:cNvPr id="35" name="文本框 34"/>
+                <p:cNvSpPr txBox="1"/>
+                <p:nvPr/>
+              </p:nvSpPr>
+              <p:spPr>
+                <a:xfrm>
+                  <a:off x="7797151" y="2116788"/>
+                  <a:ext cx="823174" cy="276999"/>
+                </a:xfrm>
+                <a:prstGeom prst="rect">
+                  <a:avLst/>
+                </a:prstGeom>
+                <a:noFill/>
+              </p:spPr>
+              <p:txBody>
+                <a:bodyPr wrap="none" lIns="0" tIns="0" rIns="0" bIns="0" rtlCol="0">
+                  <a:spAutoFit/>
+                </a:bodyPr>
+                <a:lstStyle/>
+                <a:p>
+                  <a14:m>
+                    <m:oMath xmlns:m="http://schemas.openxmlformats.org/officeDocument/2006/math">
+                      <m:r>
+                        <a:rPr lang="en-US" altLang="zh-CN" b="1" i="1" smtClean="0">
+                          <a:latin typeface="Cambria Math" panose="02040503050406030204" pitchFamily="18" charset="0"/>
+                        </a:rPr>
+                        <m:t>:</m:t>
+                      </m:r>
+                      <m:r>
+                        <a:rPr lang="zh-CN" altLang="en-US" b="1" i="1" smtClean="0">
+                          <a:latin typeface="Cambria Math" panose="02040503050406030204" pitchFamily="18" charset="0"/>
+                        </a:rPr>
+                        <m:t>𝓙</m:t>
+                      </m:r>
+                      <m:d>
+                        <m:dPr>
+                          <m:ctrlPr>
+                            <a:rPr lang="en-US" altLang="zh-CN" b="1" i="1" smtClean="0">
+                              <a:latin typeface="Cambria Math" panose="02040503050406030204" pitchFamily="18" charset="0"/>
+                            </a:rPr>
+                          </m:ctrlPr>
+                        </m:dPr>
+                        <m:e>
+                          <m:r>
+                            <a:rPr lang="zh-CN" altLang="en-US" b="1" i="1" smtClean="0">
+                              <a:latin typeface="Cambria Math" panose="02040503050406030204" pitchFamily="18" charset="0"/>
+                            </a:rPr>
+                            <m:t>𝜽</m:t>
+                          </m:r>
+                        </m:e>
+                      </m:d>
+                    </m:oMath>
+                  </a14:m>
+                  <a:r>
+                    <a:rPr lang="zh-CN" altLang="en-US" b="1" dirty="0" smtClean="0"/>
+                    <a:t>小</a:t>
+                  </a:r>
+                  <a:endParaRPr lang="zh-CN" altLang="en-US" b="1" dirty="0"/>
+                </a:p>
+              </p:txBody>
+            </p:sp>
+          </mc:Choice>
+          <mc:Fallback>
+            <p:sp>
+              <p:nvSpPr>
+                <p:cNvPr id="35" name="文本框 34"/>
+                <p:cNvSpPr txBox="1">
+                  <a:spLocks noRot="1" noChangeAspect="1" noMove="1" noResize="1" noEditPoints="1" noAdjustHandles="1" noChangeArrowheads="1" noChangeShapeType="1" noTextEdit="1"/>
+                </p:cNvSpPr>
+                <p:nvPr/>
+              </p:nvSpPr>
+              <p:spPr>
+                <a:xfrm>
+                  <a:off x="7797151" y="2116788"/>
+                  <a:ext cx="823174" cy="276999"/>
+                </a:xfrm>
+                <a:prstGeom prst="rect">
+                  <a:avLst/>
+                </a:prstGeom>
+                <a:blipFill rotWithShape="0">
+                  <a:blip r:embed="rId5"/>
+                  <a:stretch>
+                    <a:fillRect l="-6667" t="-34783" r="-17778" b="-43478"/>
+                  </a:stretch>
+                </a:blipFill>
+              </p:spPr>
+              <p:txBody>
+                <a:bodyPr/>
+                <a:lstStyle/>
+                <a:p>
+                  <a:r>
+                    <a:rPr lang="zh-CN" altLang="en-US">
+                      <a:noFill/>
+                    </a:rPr>
+                    <a:t> </a:t>
+                  </a:r>
+                </a:p>
+              </p:txBody>
+            </p:sp>
+          </mc:Fallback>
+        </mc:AlternateContent>
+        <p:cxnSp>
+          <p:nvCxnSpPr>
+            <p:cNvPr id="37" name="直接箭头连接符 36"/>
+            <p:cNvCxnSpPr/>
+            <p:nvPr/>
+          </p:nvCxnSpPr>
+          <p:spPr>
+            <a:xfrm flipV="1">
+              <a:off x="5527203" y="4726781"/>
+              <a:ext cx="442591" cy="208125"/>
+            </a:xfrm>
+            <a:prstGeom prst="straightConnector1">
+              <a:avLst/>
+            </a:prstGeom>
+            <a:ln w="19050">
+              <a:solidFill>
+                <a:schemeClr val="tx1"/>
+              </a:solidFill>
+              <a:tailEnd type="triangle"/>
+            </a:ln>
+          </p:spPr>
+          <p:style>
+            <a:lnRef idx="1">
+              <a:schemeClr val="accent1"/>
+            </a:lnRef>
+            <a:fillRef idx="0">
+              <a:schemeClr val="accent1"/>
+            </a:fillRef>
+            <a:effectRef idx="0">
+              <a:schemeClr val="accent1"/>
+            </a:effectRef>
+            <a:fontRef idx="minor">
+              <a:schemeClr val="tx1"/>
+            </a:fontRef>
+          </p:style>
+        </p:cxnSp>
+        <p:cxnSp>
+          <p:nvCxnSpPr>
+            <p:cNvPr id="39" name="直接箭头连接符 38"/>
+            <p:cNvCxnSpPr/>
+            <p:nvPr/>
+          </p:nvCxnSpPr>
+          <p:spPr>
+            <a:xfrm flipH="1" flipV="1">
+              <a:off x="5688673" y="4575208"/>
+              <a:ext cx="274038" cy="159528"/>
+            </a:xfrm>
+            <a:prstGeom prst="straightConnector1">
+              <a:avLst/>
+            </a:prstGeom>
+            <a:ln w="19050">
+              <a:solidFill>
+                <a:schemeClr val="tx1"/>
+              </a:solidFill>
+              <a:tailEnd type="triangle"/>
+            </a:ln>
+          </p:spPr>
+          <p:style>
+            <a:lnRef idx="1">
+              <a:schemeClr val="accent1"/>
+            </a:lnRef>
+            <a:fillRef idx="0">
+              <a:schemeClr val="accent1"/>
+            </a:fillRef>
+            <a:effectRef idx="0">
+              <a:schemeClr val="accent1"/>
+            </a:effectRef>
+            <a:fontRef idx="minor">
+              <a:schemeClr val="tx1"/>
+            </a:fontRef>
+          </p:style>
+        </p:cxnSp>
+        <p:cxnSp>
+          <p:nvCxnSpPr>
+            <p:cNvPr id="42" name="直接箭头连接符 41"/>
+            <p:cNvCxnSpPr/>
+            <p:nvPr/>
+          </p:nvCxnSpPr>
+          <p:spPr>
+            <a:xfrm flipV="1">
+              <a:off x="5698739" y="4464081"/>
+              <a:ext cx="236317" cy="111128"/>
+            </a:xfrm>
+            <a:prstGeom prst="straightConnector1">
+              <a:avLst/>
+            </a:prstGeom>
+            <a:ln w="19050">
+              <a:solidFill>
+                <a:schemeClr val="tx1"/>
+              </a:solidFill>
+              <a:tailEnd type="triangle"/>
+            </a:ln>
+          </p:spPr>
+          <p:style>
+            <a:lnRef idx="1">
+              <a:schemeClr val="accent1"/>
+            </a:lnRef>
+            <a:fillRef idx="0">
+              <a:schemeClr val="accent1"/>
+            </a:fillRef>
+            <a:effectRef idx="0">
+              <a:schemeClr val="accent1"/>
+            </a:effectRef>
+            <a:fontRef idx="minor">
+              <a:schemeClr val="tx1"/>
+            </a:fontRef>
+          </p:style>
+        </p:cxnSp>
+        <p:cxnSp>
+          <p:nvCxnSpPr>
+            <p:cNvPr id="44" name="直接箭头连接符 43"/>
+            <p:cNvCxnSpPr/>
+            <p:nvPr/>
+          </p:nvCxnSpPr>
+          <p:spPr>
+            <a:xfrm flipH="1" flipV="1">
+              <a:off x="5697247" y="4337517"/>
+              <a:ext cx="225733" cy="131407"/>
+            </a:xfrm>
+            <a:prstGeom prst="straightConnector1">
+              <a:avLst/>
+            </a:prstGeom>
+            <a:ln w="19050">
+              <a:solidFill>
+                <a:schemeClr val="tx1"/>
+              </a:solidFill>
+              <a:tailEnd type="triangle"/>
+            </a:ln>
+          </p:spPr>
+          <p:style>
+            <a:lnRef idx="1">
+              <a:schemeClr val="accent1"/>
+            </a:lnRef>
+            <a:fillRef idx="0">
+              <a:schemeClr val="accent1"/>
+            </a:fillRef>
+            <a:effectRef idx="0">
+              <a:schemeClr val="accent1"/>
+            </a:effectRef>
+            <a:fontRef idx="minor">
+              <a:schemeClr val="tx1"/>
+            </a:fontRef>
+          </p:style>
+        </p:cxnSp>
+        <p:cxnSp>
+          <p:nvCxnSpPr>
+            <p:cNvPr id="50" name="直接箭头连接符 49"/>
+            <p:cNvCxnSpPr/>
+            <p:nvPr/>
+          </p:nvCxnSpPr>
+          <p:spPr>
+            <a:xfrm flipV="1">
+              <a:off x="5698739" y="4235482"/>
+              <a:ext cx="226737" cy="106623"/>
+            </a:xfrm>
+            <a:prstGeom prst="straightConnector1">
+              <a:avLst/>
+            </a:prstGeom>
+            <a:ln w="19050">
+              <a:solidFill>
+                <a:schemeClr val="tx1"/>
+              </a:solidFill>
+              <a:tailEnd type="triangle"/>
+            </a:ln>
+          </p:spPr>
+          <p:style>
+            <a:lnRef idx="1">
+              <a:schemeClr val="accent1"/>
+            </a:lnRef>
+            <a:fillRef idx="0">
+              <a:schemeClr val="accent1"/>
+            </a:fillRef>
+            <a:effectRef idx="0">
+              <a:schemeClr val="accent1"/>
+            </a:effectRef>
+            <a:fontRef idx="minor">
+              <a:schemeClr val="tx1"/>
+            </a:fontRef>
+          </p:style>
+        </p:cxnSp>
+        <p:cxnSp>
+          <p:nvCxnSpPr>
+            <p:cNvPr id="52" name="直接箭头连接符 51"/>
+            <p:cNvCxnSpPr/>
+            <p:nvPr/>
+          </p:nvCxnSpPr>
+          <p:spPr>
+            <a:xfrm flipH="1" flipV="1">
+              <a:off x="5697246" y="4107222"/>
+              <a:ext cx="225733" cy="131407"/>
+            </a:xfrm>
+            <a:prstGeom prst="straightConnector1">
+              <a:avLst/>
+            </a:prstGeom>
+            <a:ln w="19050">
+              <a:solidFill>
+                <a:schemeClr val="tx1"/>
+              </a:solidFill>
+              <a:tailEnd type="triangle"/>
+            </a:ln>
+          </p:spPr>
+          <p:style>
+            <a:lnRef idx="1">
+              <a:schemeClr val="accent1"/>
+            </a:lnRef>
+            <a:fillRef idx="0">
+              <a:schemeClr val="accent1"/>
+            </a:fillRef>
+            <a:effectRef idx="0">
+              <a:schemeClr val="accent1"/>
+            </a:effectRef>
+            <a:fontRef idx="minor">
+              <a:schemeClr val="tx1"/>
+            </a:fontRef>
+          </p:style>
+        </p:cxnSp>
+        <p:cxnSp>
+          <p:nvCxnSpPr>
+            <p:cNvPr id="53" name="直接箭头连接符 52"/>
+            <p:cNvCxnSpPr/>
+            <p:nvPr/>
+          </p:nvCxnSpPr>
+          <p:spPr>
+            <a:xfrm flipV="1">
+              <a:off x="5697246" y="4004890"/>
+              <a:ext cx="226737" cy="106623"/>
+            </a:xfrm>
+            <a:prstGeom prst="straightConnector1">
+              <a:avLst/>
+            </a:prstGeom>
+            <a:ln w="19050">
+              <a:solidFill>
+                <a:schemeClr val="tx1"/>
+              </a:solidFill>
+              <a:tailEnd type="triangle"/>
+            </a:ln>
+          </p:spPr>
+          <p:style>
+            <a:lnRef idx="1">
+              <a:schemeClr val="accent1"/>
+            </a:lnRef>
+            <a:fillRef idx="0">
+              <a:schemeClr val="accent1"/>
+            </a:fillRef>
+            <a:effectRef idx="0">
+              <a:schemeClr val="accent1"/>
+            </a:effectRef>
+            <a:fontRef idx="minor">
+              <a:schemeClr val="tx1"/>
+            </a:fontRef>
+          </p:style>
+        </p:cxnSp>
+        <p:cxnSp>
+          <p:nvCxnSpPr>
+            <p:cNvPr id="54" name="直接箭头连接符 53"/>
+            <p:cNvCxnSpPr/>
+            <p:nvPr/>
+          </p:nvCxnSpPr>
+          <p:spPr>
+            <a:xfrm flipH="1" flipV="1">
+              <a:off x="5699743" y="3876225"/>
+              <a:ext cx="225733" cy="131407"/>
+            </a:xfrm>
+            <a:prstGeom prst="straightConnector1">
+              <a:avLst/>
+            </a:prstGeom>
+            <a:ln w="19050">
+              <a:solidFill>
+                <a:schemeClr val="tx1"/>
+              </a:solidFill>
+              <a:tailEnd type="triangle"/>
+            </a:ln>
+          </p:spPr>
+          <p:style>
+            <a:lnRef idx="1">
+              <a:schemeClr val="accent1"/>
+            </a:lnRef>
+            <a:fillRef idx="0">
+              <a:schemeClr val="accent1"/>
+            </a:fillRef>
+            <a:effectRef idx="0">
+              <a:schemeClr val="accent1"/>
+            </a:effectRef>
+            <a:fontRef idx="minor">
+              <a:schemeClr val="tx1"/>
+            </a:fontRef>
+          </p:style>
+        </p:cxnSp>
+        <p:cxnSp>
+          <p:nvCxnSpPr>
+            <p:cNvPr id="55" name="直接箭头连接符 54"/>
+            <p:cNvCxnSpPr/>
+            <p:nvPr/>
+          </p:nvCxnSpPr>
+          <p:spPr>
+            <a:xfrm flipV="1">
+              <a:off x="5706059" y="3774498"/>
+              <a:ext cx="226737" cy="106623"/>
+            </a:xfrm>
+            <a:prstGeom prst="straightConnector1">
+              <a:avLst/>
+            </a:prstGeom>
+            <a:ln w="19050">
+              <a:solidFill>
+                <a:schemeClr val="tx1"/>
+              </a:solidFill>
+              <a:tailEnd type="triangle"/>
+            </a:ln>
+          </p:spPr>
+          <p:style>
+            <a:lnRef idx="1">
+              <a:schemeClr val="accent1"/>
+            </a:lnRef>
+            <a:fillRef idx="0">
+              <a:schemeClr val="accent1"/>
+            </a:fillRef>
+            <a:effectRef idx="0">
+              <a:schemeClr val="accent1"/>
+            </a:effectRef>
+            <a:fontRef idx="minor">
+              <a:schemeClr val="tx1"/>
+            </a:fontRef>
+          </p:style>
+        </p:cxnSp>
+        <p:cxnSp>
+          <p:nvCxnSpPr>
+            <p:cNvPr id="56" name="直接箭头连接符 55"/>
+            <p:cNvCxnSpPr/>
+            <p:nvPr/>
+          </p:nvCxnSpPr>
+          <p:spPr>
+            <a:xfrm flipH="1" flipV="1">
+              <a:off x="5701496" y="3645029"/>
+              <a:ext cx="225733" cy="131407"/>
+            </a:xfrm>
+            <a:prstGeom prst="straightConnector1">
+              <a:avLst/>
+            </a:prstGeom>
+            <a:ln w="19050">
+              <a:solidFill>
+                <a:schemeClr val="tx1"/>
+              </a:solidFill>
+              <a:tailEnd type="triangle"/>
+            </a:ln>
+          </p:spPr>
+          <p:style>
+            <a:lnRef idx="1">
+              <a:schemeClr val="accent1"/>
+            </a:lnRef>
+            <a:fillRef idx="0">
+              <a:schemeClr val="accent1"/>
+            </a:fillRef>
+            <a:effectRef idx="0">
+              <a:schemeClr val="accent1"/>
+            </a:effectRef>
+            <a:fontRef idx="minor">
+              <a:schemeClr val="tx1"/>
+            </a:fontRef>
+          </p:style>
+        </p:cxnSp>
+        <p:cxnSp>
+          <p:nvCxnSpPr>
+            <p:cNvPr id="57" name="直接箭头连接符 56"/>
+            <p:cNvCxnSpPr/>
+            <p:nvPr/>
+          </p:nvCxnSpPr>
+          <p:spPr>
+            <a:xfrm flipV="1">
+              <a:off x="5703754" y="3542741"/>
+              <a:ext cx="226737" cy="106623"/>
+            </a:xfrm>
+            <a:prstGeom prst="straightConnector1">
+              <a:avLst/>
+            </a:prstGeom>
+            <a:ln w="19050">
+              <a:solidFill>
+                <a:schemeClr val="tx1"/>
+              </a:solidFill>
+              <a:tailEnd type="triangle"/>
+            </a:ln>
+          </p:spPr>
+          <p:style>
+            <a:lnRef idx="1">
+              <a:schemeClr val="accent1"/>
+            </a:lnRef>
+            <a:fillRef idx="0">
+              <a:schemeClr val="accent1"/>
+            </a:fillRef>
+            <a:effectRef idx="0">
+              <a:schemeClr val="accent1"/>
+            </a:effectRef>
+            <a:fontRef idx="minor">
+              <a:schemeClr val="tx1"/>
+            </a:fontRef>
+          </p:style>
+        </p:cxnSp>
+        <p:cxnSp>
+          <p:nvCxnSpPr>
+            <p:cNvPr id="58" name="直接箭头连接符 57"/>
+            <p:cNvCxnSpPr/>
+            <p:nvPr/>
+          </p:nvCxnSpPr>
+          <p:spPr>
+            <a:xfrm flipH="1" flipV="1">
+              <a:off x="5697245" y="3415371"/>
+              <a:ext cx="225733" cy="131407"/>
+            </a:xfrm>
+            <a:prstGeom prst="straightConnector1">
+              <a:avLst/>
+            </a:prstGeom>
+            <a:ln w="19050">
+              <a:solidFill>
+                <a:schemeClr val="tx1"/>
+              </a:solidFill>
+              <a:tailEnd type="triangle"/>
+            </a:ln>
+          </p:spPr>
+          <p:style>
+            <a:lnRef idx="1">
+              <a:schemeClr val="accent1"/>
+            </a:lnRef>
+            <a:fillRef idx="0">
+              <a:schemeClr val="accent1"/>
+            </a:fillRef>
+            <a:effectRef idx="0">
+              <a:schemeClr val="accent1"/>
+            </a:effectRef>
+            <a:fontRef idx="minor">
+              <a:schemeClr val="tx1"/>
+            </a:fontRef>
+          </p:style>
+        </p:cxnSp>
+        <p:cxnSp>
+          <p:nvCxnSpPr>
+            <p:cNvPr id="59" name="直接箭头连接符 58"/>
+            <p:cNvCxnSpPr/>
+            <p:nvPr/>
+          </p:nvCxnSpPr>
+          <p:spPr>
+            <a:xfrm flipV="1">
+              <a:off x="5701613" y="3328268"/>
+              <a:ext cx="186903" cy="87892"/>
+            </a:xfrm>
+            <a:prstGeom prst="straightConnector1">
+              <a:avLst/>
+            </a:prstGeom>
+            <a:ln w="19050">
+              <a:solidFill>
+                <a:schemeClr val="tx1"/>
+              </a:solidFill>
+              <a:tailEnd type="triangle"/>
+            </a:ln>
+          </p:spPr>
+          <p:style>
+            <a:lnRef idx="1">
+              <a:schemeClr val="accent1"/>
+            </a:lnRef>
+            <a:fillRef idx="0">
+              <a:schemeClr val="accent1"/>
+            </a:fillRef>
+            <a:effectRef idx="0">
+              <a:schemeClr val="accent1"/>
+            </a:effectRef>
+            <a:fontRef idx="minor">
+              <a:schemeClr val="tx1"/>
+            </a:fontRef>
+          </p:style>
+        </p:cxnSp>
+        <p:cxnSp>
+          <p:nvCxnSpPr>
+            <p:cNvPr id="61" name="直接箭头连接符 60"/>
+            <p:cNvCxnSpPr/>
+            <p:nvPr/>
+          </p:nvCxnSpPr>
+          <p:spPr>
+            <a:xfrm flipH="1" flipV="1">
+              <a:off x="5743043" y="3191098"/>
+              <a:ext cx="138747" cy="139966"/>
+            </a:xfrm>
+            <a:prstGeom prst="straightConnector1">
+              <a:avLst/>
+            </a:prstGeom>
+            <a:ln w="19050">
+              <a:solidFill>
+                <a:schemeClr val="tx1"/>
+              </a:solidFill>
+              <a:tailEnd type="triangle"/>
+            </a:ln>
+          </p:spPr>
+          <p:style>
+            <a:lnRef idx="1">
+              <a:schemeClr val="accent1"/>
+            </a:lnRef>
+            <a:fillRef idx="0">
+              <a:schemeClr val="accent1"/>
+            </a:fillRef>
+            <a:effectRef idx="0">
+              <a:schemeClr val="accent1"/>
+            </a:effectRef>
+            <a:fontRef idx="minor">
+              <a:schemeClr val="tx1"/>
+            </a:fontRef>
+          </p:style>
+        </p:cxnSp>
+        <p:sp>
+          <p:nvSpPr>
+            <p:cNvPr id="64" name="流程图: 联系 63"/>
+            <p:cNvSpPr/>
+            <p:nvPr/>
+          </p:nvSpPr>
+          <p:spPr>
+            <a:xfrm>
+              <a:off x="5501962" y="4914700"/>
+              <a:ext cx="45719" cy="45719"/>
+            </a:xfrm>
+            <a:prstGeom prst="flowChartConnector">
+              <a:avLst/>
+            </a:prstGeom>
+            <a:solidFill>
+              <a:schemeClr val="tx1"/>
+            </a:solidFill>
+            <a:ln>
+              <a:solidFill>
+                <a:schemeClr val="tx1"/>
+              </a:solidFill>
+            </a:ln>
+          </p:spPr>
+          <p:style>
+            <a:lnRef idx="2">
+              <a:schemeClr val="accent1">
+                <a:shade val="50000"/>
+              </a:schemeClr>
+            </a:lnRef>
+            <a:fillRef idx="1">
+              <a:schemeClr val="accent1"/>
+            </a:fillRef>
+            <a:effectRef idx="0">
+              <a:schemeClr val="accent1"/>
+            </a:effectRef>
+            <a:fontRef idx="minor">
+              <a:schemeClr val="lt1"/>
+            </a:fontRef>
+          </p:style>
+          <p:txBody>
+            <a:bodyPr rtlCol="0" anchor="ctr"/>
+            <a:lstStyle/>
+            <a:p>
+              <a:pPr algn="ctr"/>
+              <a:endParaRPr lang="zh-CN" altLang="en-US"/>
+            </a:p>
+          </p:txBody>
+        </p:sp>
+      </p:grpSp>
+    </p:spTree>
+    <p:extLst>
+      <p:ext uri="{BB962C8B-B14F-4D97-AF65-F5344CB8AC3E}">
+        <p14:creationId xmlns:p14="http://schemas.microsoft.com/office/powerpoint/2010/main" val="2108420707"/>
+      </p:ext>
+    </p:extLst>
+  </p:cSld>
+  <p:clrMapOvr>
+    <a:masterClrMapping/>
+  </p:clrMapOvr>
+</p:sld>
+</file>
+
+<file path=ppt/slides/slide15.xml><?xml version="1.0" encoding="utf-8"?>
+<p:sld xmlns:a="http://schemas.openxmlformats.org/drawingml/2006/main" xmlns:r="http://schemas.openxmlformats.org/officeDocument/2006/relationships" xmlns:p="http://schemas.openxmlformats.org/presentationml/2006/main">
+  <p:cSld>
+    <p:spTree>
+      <p:nvGrpSpPr>
+        <p:cNvPr id="1" name=""/>
+        <p:cNvGrpSpPr/>
+        <p:nvPr/>
+      </p:nvGrpSpPr>
+      <p:grpSpPr>
+        <a:xfrm>
+          <a:off x="0" y="0"/>
+          <a:ext cx="0" cy="0"/>
+          <a:chOff x="0" y="0"/>
+          <a:chExt cx="0" cy="0"/>
+        </a:xfrm>
+      </p:grpSpPr>
+      <p:grpSp>
+        <p:nvGrpSpPr>
+          <p:cNvPr id="58" name="组合 57"/>
+          <p:cNvGrpSpPr/>
+          <p:nvPr/>
+        </p:nvGrpSpPr>
+        <p:grpSpPr>
+          <a:xfrm>
+            <a:off x="3310719" y="1216479"/>
+            <a:ext cx="5721193" cy="4159596"/>
+            <a:chOff x="3310719" y="1216479"/>
+            <a:chExt cx="5721193" cy="4159596"/>
+          </a:xfrm>
+        </p:grpSpPr>
+        <p:cxnSp>
+          <p:nvCxnSpPr>
+            <p:cNvPr id="5" name="直接箭头连接符 4"/>
+            <p:cNvCxnSpPr/>
+            <p:nvPr/>
+          </p:nvCxnSpPr>
+          <p:spPr>
+            <a:xfrm flipV="1">
+              <a:off x="3930302" y="1216479"/>
+              <a:ext cx="0" cy="4159596"/>
+            </a:xfrm>
+            <a:prstGeom prst="straightConnector1">
+              <a:avLst/>
+            </a:prstGeom>
+            <a:ln w="38100">
+              <a:tailEnd type="triangle"/>
+            </a:ln>
+          </p:spPr>
+          <p:style>
+            <a:lnRef idx="3">
+              <a:schemeClr val="dk1"/>
+            </a:lnRef>
+            <a:fillRef idx="0">
+              <a:schemeClr val="dk1"/>
+            </a:fillRef>
+            <a:effectRef idx="2">
+              <a:schemeClr val="dk1"/>
+            </a:effectRef>
+            <a:fontRef idx="minor">
+              <a:schemeClr val="tx1"/>
+            </a:fontRef>
+          </p:style>
+        </p:cxnSp>
+        <p:cxnSp>
+          <p:nvCxnSpPr>
+            <p:cNvPr id="6" name="直接箭头连接符 5"/>
+            <p:cNvCxnSpPr/>
+            <p:nvPr/>
+          </p:nvCxnSpPr>
+          <p:spPr>
+            <a:xfrm>
+              <a:off x="3911502" y="5376075"/>
+              <a:ext cx="4875606" cy="0"/>
+            </a:xfrm>
+            <a:prstGeom prst="straightConnector1">
+              <a:avLst/>
+            </a:prstGeom>
+            <a:ln w="38100">
+              <a:tailEnd type="triangle"/>
+            </a:ln>
+          </p:spPr>
+          <p:style>
+            <a:lnRef idx="3">
+              <a:schemeClr val="dk1"/>
+            </a:lnRef>
+            <a:fillRef idx="0">
+              <a:schemeClr val="dk1"/>
+            </a:fillRef>
+            <a:effectRef idx="2">
+              <a:schemeClr val="dk1"/>
+            </a:effectRef>
+            <a:fontRef idx="minor">
+              <a:schemeClr val="tx1"/>
+            </a:fontRef>
+          </p:style>
+        </p:cxnSp>
+        <mc:AlternateContent xmlns:mc="http://schemas.openxmlformats.org/markup-compatibility/2006">
+          <mc:Choice xmlns:a14="http://schemas.microsoft.com/office/drawing/2010/main" Requires="a14">
+            <p:sp>
+              <p:nvSpPr>
+                <p:cNvPr id="7" name="文本框 6"/>
+                <p:cNvSpPr txBox="1"/>
+                <p:nvPr/>
+              </p:nvSpPr>
+              <p:spPr>
+                <a:xfrm>
+                  <a:off x="8620325" y="4959984"/>
+                  <a:ext cx="307712" cy="276999"/>
+                </a:xfrm>
+                <a:prstGeom prst="rect">
+                  <a:avLst/>
+                </a:prstGeom>
+                <a:noFill/>
+              </p:spPr>
+              <p:txBody>
+                <a:bodyPr wrap="none" lIns="0" tIns="0" rIns="0" bIns="0" rtlCol="0">
+                  <a:spAutoFit/>
+                </a:bodyPr>
+                <a:lstStyle/>
+                <a:p>
+                  <a:pPr/>
+                  <a14:m>
+                    <m:oMathPara xmlns:m="http://schemas.openxmlformats.org/officeDocument/2006/math">
+                      <m:oMathParaPr>
+                        <m:jc m:val="centerGroup"/>
+                      </m:oMathParaPr>
+                      <m:oMath xmlns:m="http://schemas.openxmlformats.org/officeDocument/2006/math">
+                        <m:sSub>
+                          <m:sSubPr>
+                            <m:ctrlPr>
+                              <a:rPr lang="en-US" altLang="zh-CN" b="1" i="1" smtClean="0">
+                                <a:latin typeface="Cambria Math" panose="02040503050406030204" pitchFamily="18" charset="0"/>
+                              </a:rPr>
+                            </m:ctrlPr>
+                          </m:sSubPr>
+                          <m:e>
+                            <m:r>
+                              <a:rPr lang="zh-CN" altLang="en-US" b="1" i="1" smtClean="0">
+                                <a:latin typeface="Cambria Math" panose="02040503050406030204" pitchFamily="18" charset="0"/>
+                              </a:rPr>
+                              <m:t>𝜽</m:t>
+                            </m:r>
+                          </m:e>
+                          <m:sub>
+                            <m:r>
+                              <a:rPr lang="en-US" altLang="zh-CN" b="1" i="1" smtClean="0">
+                                <a:latin typeface="Cambria Math" panose="02040503050406030204" pitchFamily="18" charset="0"/>
+                              </a:rPr>
+                              <m:t>𝟏</m:t>
+                            </m:r>
+                          </m:sub>
+                        </m:sSub>
+                      </m:oMath>
+                    </m:oMathPara>
+                  </a14:m>
+                  <a:endParaRPr lang="zh-CN" altLang="en-US" b="1" dirty="0"/>
+                </a:p>
+              </p:txBody>
+            </p:sp>
+          </mc:Choice>
+          <mc:Fallback>
+            <p:sp>
+              <p:nvSpPr>
+                <p:cNvPr id="7" name="文本框 6"/>
+                <p:cNvSpPr txBox="1">
+                  <a:spLocks noRot="1" noChangeAspect="1" noMove="1" noResize="1" noEditPoints="1" noAdjustHandles="1" noChangeArrowheads="1" noChangeShapeType="1" noTextEdit="1"/>
+                </p:cNvSpPr>
+                <p:nvPr/>
+              </p:nvSpPr>
+              <p:spPr>
+                <a:xfrm>
+                  <a:off x="8620325" y="4959984"/>
+                  <a:ext cx="307712" cy="276999"/>
+                </a:xfrm>
+                <a:prstGeom prst="rect">
+                  <a:avLst/>
+                </a:prstGeom>
+                <a:blipFill rotWithShape="0">
+                  <a:blip r:embed="rId2"/>
+                  <a:stretch>
+                    <a:fillRect l="-17647" r="-7843" b="-17778"/>
+                  </a:stretch>
+                </a:blipFill>
+              </p:spPr>
+              <p:txBody>
+                <a:bodyPr/>
+                <a:lstStyle/>
+                <a:p>
+                  <a:r>
+                    <a:rPr lang="zh-CN" altLang="en-US">
+                      <a:noFill/>
+                    </a:rPr>
+                    <a:t> </a:t>
+                  </a:r>
+                </a:p>
+              </p:txBody>
+            </p:sp>
+          </mc:Fallback>
+        </mc:AlternateContent>
+        <mc:AlternateContent xmlns:mc="http://schemas.openxmlformats.org/markup-compatibility/2006">
+          <mc:Choice xmlns:a14="http://schemas.microsoft.com/office/drawing/2010/main" Requires="a14">
+            <p:sp>
+              <p:nvSpPr>
+                <p:cNvPr id="8" name="矩形 7"/>
+                <p:cNvSpPr/>
+                <p:nvPr/>
+              </p:nvSpPr>
+              <p:spPr>
+                <a:xfrm>
+                  <a:off x="3310719" y="1216479"/>
+                  <a:ext cx="492378" cy="369332"/>
+                </a:xfrm>
+                <a:prstGeom prst="rect">
+                  <a:avLst/>
+                </a:prstGeom>
+              </p:spPr>
+              <p:txBody>
+                <a:bodyPr wrap="none">
+                  <a:spAutoFit/>
+                </a:bodyPr>
+                <a:lstStyle/>
+                <a:p>
+                  <a:pPr/>
+                  <a14:m>
+                    <m:oMathPara xmlns:m="http://schemas.openxmlformats.org/officeDocument/2006/math">
+                      <m:oMathParaPr>
+                        <m:jc m:val="centerGroup"/>
+                      </m:oMathParaPr>
+                      <m:oMath xmlns:m="http://schemas.openxmlformats.org/officeDocument/2006/math">
+                        <m:sSub>
+                          <m:sSubPr>
+                            <m:ctrlPr>
+                              <a:rPr lang="en-US" altLang="zh-CN" b="1" i="1" smtClean="0">
+                                <a:latin typeface="Cambria Math" panose="02040503050406030204" pitchFamily="18" charset="0"/>
+                              </a:rPr>
+                            </m:ctrlPr>
+                          </m:sSubPr>
+                          <m:e>
+                            <m:r>
+                              <a:rPr lang="zh-CN" altLang="en-US" b="1" i="1">
+                                <a:latin typeface="Cambria Math" panose="02040503050406030204" pitchFamily="18" charset="0"/>
+                              </a:rPr>
+                              <m:t>𝜽</m:t>
+                            </m:r>
+                          </m:e>
+                          <m:sub>
+                            <m:r>
+                              <a:rPr lang="en-US" altLang="zh-CN" b="1" i="1" smtClean="0">
+                                <a:latin typeface="Cambria Math" panose="02040503050406030204" pitchFamily="18" charset="0"/>
+                              </a:rPr>
+                              <m:t>𝟐</m:t>
+                            </m:r>
+                          </m:sub>
+                        </m:sSub>
+                      </m:oMath>
+                    </m:oMathPara>
+                  </a14:m>
+                  <a:endParaRPr lang="zh-CN" altLang="en-US" b="1" dirty="0"/>
+                </a:p>
+              </p:txBody>
+            </p:sp>
+          </mc:Choice>
+          <mc:Fallback>
+            <p:sp>
+              <p:nvSpPr>
+                <p:cNvPr id="8" name="矩形 7"/>
+                <p:cNvSpPr>
+                  <a:spLocks noRot="1" noChangeAspect="1" noMove="1" noResize="1" noEditPoints="1" noAdjustHandles="1" noChangeArrowheads="1" noChangeShapeType="1" noTextEdit="1"/>
+                </p:cNvSpPr>
+                <p:nvPr/>
+              </p:nvSpPr>
+              <p:spPr>
+                <a:xfrm>
+                  <a:off x="3310719" y="1216479"/>
+                  <a:ext cx="492378" cy="369332"/>
+                </a:xfrm>
+                <a:prstGeom prst="rect">
+                  <a:avLst/>
+                </a:prstGeom>
+                <a:blipFill rotWithShape="0">
+                  <a:blip r:embed="rId3"/>
+                  <a:stretch>
+                    <a:fillRect/>
+                  </a:stretch>
+                </a:blipFill>
+              </p:spPr>
+              <p:txBody>
+                <a:bodyPr/>
+                <a:lstStyle/>
+                <a:p>
+                  <a:r>
+                    <a:rPr lang="zh-CN" altLang="en-US">
+                      <a:noFill/>
+                    </a:rPr>
+                    <a:t> </a:t>
+                  </a:r>
+                </a:p>
+              </p:txBody>
+            </p:sp>
+          </mc:Fallback>
+        </mc:AlternateContent>
+        <p:sp>
+          <p:nvSpPr>
+            <p:cNvPr id="18" name="圆角矩形 17"/>
+            <p:cNvSpPr/>
+            <p:nvPr/>
+          </p:nvSpPr>
+          <p:spPr>
+            <a:xfrm>
+              <a:off x="7797004" y="1585811"/>
+              <a:ext cx="318407" cy="318407"/>
+            </a:xfrm>
+            <a:prstGeom prst="roundRect">
+              <a:avLst/>
+            </a:prstGeom>
+            <a:solidFill>
+              <a:srgbClr val="C00000"/>
+            </a:solidFill>
+            <a:ln>
+              <a:solidFill>
+                <a:srgbClr val="C00000"/>
+              </a:solidFill>
+            </a:ln>
+          </p:spPr>
+          <p:style>
+            <a:lnRef idx="2">
+              <a:schemeClr val="accent1">
+                <a:shade val="50000"/>
+              </a:schemeClr>
+            </a:lnRef>
+            <a:fillRef idx="1">
+              <a:schemeClr val="accent1"/>
+            </a:fillRef>
+            <a:effectRef idx="0">
+              <a:schemeClr val="accent1"/>
+            </a:effectRef>
+            <a:fontRef idx="minor">
+              <a:schemeClr val="lt1"/>
+            </a:fontRef>
+          </p:style>
+          <p:txBody>
+            <a:bodyPr rtlCol="0" anchor="ctr"/>
+            <a:lstStyle/>
+            <a:p>
+              <a:pPr algn="ctr"/>
+              <a:endParaRPr lang="zh-CN" altLang="en-US"/>
+            </a:p>
+          </p:txBody>
+        </p:sp>
+        <mc:AlternateContent xmlns:mc="http://schemas.openxmlformats.org/markup-compatibility/2006">
+          <mc:Choice xmlns:a14="http://schemas.microsoft.com/office/drawing/2010/main" Requires="a14">
+            <p:sp>
+              <p:nvSpPr>
+                <p:cNvPr id="19" name="文本框 18"/>
+                <p:cNvSpPr txBox="1"/>
+                <p:nvPr/>
+              </p:nvSpPr>
+              <p:spPr>
+                <a:xfrm>
+                  <a:off x="8208738" y="1585811"/>
+                  <a:ext cx="823174" cy="276999"/>
+                </a:xfrm>
+                <a:prstGeom prst="rect">
+                  <a:avLst/>
+                </a:prstGeom>
+                <a:noFill/>
+              </p:spPr>
+              <p:txBody>
+                <a:bodyPr wrap="none" lIns="0" tIns="0" rIns="0" bIns="0" rtlCol="0">
+                  <a:spAutoFit/>
+                </a:bodyPr>
+                <a:lstStyle/>
+                <a:p>
+                  <a14:m>
+                    <m:oMath xmlns:m="http://schemas.openxmlformats.org/officeDocument/2006/math">
+                      <m:r>
+                        <a:rPr lang="en-US" altLang="zh-CN" b="1" i="1" smtClean="0">
+                          <a:latin typeface="Cambria Math" panose="02040503050406030204" pitchFamily="18" charset="0"/>
+                        </a:rPr>
+                        <m:t>:</m:t>
+                      </m:r>
+                      <m:r>
+                        <a:rPr lang="zh-CN" altLang="en-US" b="1" i="1" smtClean="0">
+                          <a:latin typeface="Cambria Math" panose="02040503050406030204" pitchFamily="18" charset="0"/>
+                        </a:rPr>
+                        <m:t>𝓙</m:t>
+                      </m:r>
+                      <m:d>
+                        <m:dPr>
+                          <m:ctrlPr>
+                            <a:rPr lang="en-US" altLang="zh-CN" b="1" i="1" smtClean="0">
+                              <a:latin typeface="Cambria Math" panose="02040503050406030204" pitchFamily="18" charset="0"/>
+                            </a:rPr>
+                          </m:ctrlPr>
+                        </m:dPr>
+                        <m:e>
+                          <m:r>
+                            <a:rPr lang="zh-CN" altLang="en-US" b="1" i="1" smtClean="0">
+                              <a:latin typeface="Cambria Math" panose="02040503050406030204" pitchFamily="18" charset="0"/>
+                            </a:rPr>
+                            <m:t>𝜽</m:t>
+                          </m:r>
+                        </m:e>
+                      </m:d>
+                    </m:oMath>
+                  </a14:m>
+                  <a:r>
+                    <a:rPr lang="zh-CN" altLang="en-US" b="1" dirty="0" smtClean="0"/>
+                    <a:t>大</a:t>
+                  </a:r>
+                  <a:endParaRPr lang="zh-CN" altLang="en-US" b="1" dirty="0"/>
+                </a:p>
+              </p:txBody>
+            </p:sp>
+          </mc:Choice>
+          <mc:Fallback>
+            <p:sp>
+              <p:nvSpPr>
+                <p:cNvPr id="19" name="文本框 18"/>
+                <p:cNvSpPr txBox="1">
+                  <a:spLocks noRot="1" noChangeAspect="1" noMove="1" noResize="1" noEditPoints="1" noAdjustHandles="1" noChangeArrowheads="1" noChangeShapeType="1" noTextEdit="1"/>
+                </p:cNvSpPr>
+                <p:nvPr/>
+              </p:nvSpPr>
+              <p:spPr>
+                <a:xfrm>
+                  <a:off x="8208738" y="1585811"/>
+                  <a:ext cx="823174" cy="276999"/>
+                </a:xfrm>
+                <a:prstGeom prst="rect">
+                  <a:avLst/>
+                </a:prstGeom>
+                <a:blipFill rotWithShape="0">
+                  <a:blip r:embed="rId4"/>
+                  <a:stretch>
+                    <a:fillRect l="-6667" t="-34783" r="-17037" b="-43478"/>
+                  </a:stretch>
+                </a:blipFill>
+              </p:spPr>
+              <p:txBody>
+                <a:bodyPr/>
+                <a:lstStyle/>
+                <a:p>
+                  <a:r>
+                    <a:rPr lang="zh-CN" altLang="en-US">
+                      <a:noFill/>
+                    </a:rPr>
+                    <a:t> </a:t>
+                  </a:r>
+                </a:p>
+              </p:txBody>
+            </p:sp>
+          </mc:Fallback>
+        </mc:AlternateContent>
+        <p:sp>
+          <p:nvSpPr>
+            <p:cNvPr id="20" name="圆角矩形 19"/>
+            <p:cNvSpPr/>
+            <p:nvPr/>
+          </p:nvSpPr>
+          <p:spPr>
+            <a:xfrm>
+              <a:off x="7797004" y="2116788"/>
+              <a:ext cx="318407" cy="318407"/>
+            </a:xfrm>
+            <a:prstGeom prst="roundRect">
+              <a:avLst/>
+            </a:prstGeom>
+            <a:solidFill>
+              <a:srgbClr val="002060"/>
+            </a:solidFill>
+            <a:ln>
+              <a:solidFill>
+                <a:srgbClr val="002060"/>
+              </a:solidFill>
+            </a:ln>
+          </p:spPr>
+          <p:style>
+            <a:lnRef idx="2">
+              <a:schemeClr val="accent1">
+                <a:shade val="50000"/>
+              </a:schemeClr>
+            </a:lnRef>
+            <a:fillRef idx="1">
+              <a:schemeClr val="accent1"/>
+            </a:fillRef>
+            <a:effectRef idx="0">
+              <a:schemeClr val="accent1"/>
+            </a:effectRef>
+            <a:fontRef idx="minor">
+              <a:schemeClr val="lt1"/>
+            </a:fontRef>
+          </p:style>
+          <p:txBody>
+            <a:bodyPr rtlCol="0" anchor="ctr"/>
+            <a:lstStyle/>
+            <a:p>
+              <a:pPr algn="ctr"/>
+              <a:endParaRPr lang="zh-CN" altLang="en-US"/>
+            </a:p>
+          </p:txBody>
+        </p:sp>
+        <mc:AlternateContent xmlns:mc="http://schemas.openxmlformats.org/markup-compatibility/2006">
+          <mc:Choice xmlns:a14="http://schemas.microsoft.com/office/drawing/2010/main" Requires="a14">
+            <p:sp>
+              <p:nvSpPr>
+                <p:cNvPr id="21" name="文本框 20"/>
+                <p:cNvSpPr txBox="1"/>
+                <p:nvPr/>
+              </p:nvSpPr>
+              <p:spPr>
+                <a:xfrm>
+                  <a:off x="8208738" y="2116788"/>
+                  <a:ext cx="823174" cy="276999"/>
+                </a:xfrm>
+                <a:prstGeom prst="rect">
+                  <a:avLst/>
+                </a:prstGeom>
+                <a:noFill/>
+              </p:spPr>
+              <p:txBody>
+                <a:bodyPr wrap="none" lIns="0" tIns="0" rIns="0" bIns="0" rtlCol="0">
+                  <a:spAutoFit/>
+                </a:bodyPr>
+                <a:lstStyle/>
+                <a:p>
+                  <a14:m>
+                    <m:oMath xmlns:m="http://schemas.openxmlformats.org/officeDocument/2006/math">
+                      <m:r>
+                        <a:rPr lang="en-US" altLang="zh-CN" b="1" i="1" smtClean="0">
+                          <a:latin typeface="Cambria Math" panose="02040503050406030204" pitchFamily="18" charset="0"/>
+                        </a:rPr>
+                        <m:t>:</m:t>
+                      </m:r>
+                      <m:r>
+                        <a:rPr lang="zh-CN" altLang="en-US" b="1" i="1" smtClean="0">
+                          <a:latin typeface="Cambria Math" panose="02040503050406030204" pitchFamily="18" charset="0"/>
+                        </a:rPr>
+                        <m:t>𝓙</m:t>
+                      </m:r>
+                      <m:d>
+                        <m:dPr>
+                          <m:ctrlPr>
+                            <a:rPr lang="en-US" altLang="zh-CN" b="1" i="1" smtClean="0">
+                              <a:latin typeface="Cambria Math" panose="02040503050406030204" pitchFamily="18" charset="0"/>
+                            </a:rPr>
+                          </m:ctrlPr>
+                        </m:dPr>
+                        <m:e>
+                          <m:r>
+                            <a:rPr lang="zh-CN" altLang="en-US" b="1" i="1" smtClean="0">
+                              <a:latin typeface="Cambria Math" panose="02040503050406030204" pitchFamily="18" charset="0"/>
+                            </a:rPr>
+                            <m:t>𝜽</m:t>
+                          </m:r>
+                        </m:e>
+                      </m:d>
+                    </m:oMath>
+                  </a14:m>
+                  <a:r>
+                    <a:rPr lang="zh-CN" altLang="en-US" b="1" dirty="0" smtClean="0"/>
+                    <a:t>小</a:t>
+                  </a:r>
+                  <a:endParaRPr lang="zh-CN" altLang="en-US" b="1" dirty="0"/>
+                </a:p>
+              </p:txBody>
+            </p:sp>
+          </mc:Choice>
+          <mc:Fallback>
+            <p:sp>
+              <p:nvSpPr>
+                <p:cNvPr id="21" name="文本框 20"/>
+                <p:cNvSpPr txBox="1">
+                  <a:spLocks noRot="1" noChangeAspect="1" noMove="1" noResize="1" noEditPoints="1" noAdjustHandles="1" noChangeArrowheads="1" noChangeShapeType="1" noTextEdit="1"/>
+                </p:cNvSpPr>
+                <p:nvPr/>
+              </p:nvSpPr>
+              <p:spPr>
+                <a:xfrm>
+                  <a:off x="8208738" y="2116788"/>
+                  <a:ext cx="823174" cy="276999"/>
+                </a:xfrm>
+                <a:prstGeom prst="rect">
+                  <a:avLst/>
+                </a:prstGeom>
+                <a:blipFill rotWithShape="0">
+                  <a:blip r:embed="rId5"/>
+                  <a:stretch>
+                    <a:fillRect l="-6667" t="-34783" r="-17037" b="-43478"/>
+                  </a:stretch>
+                </a:blipFill>
+              </p:spPr>
+              <p:txBody>
+                <a:bodyPr/>
+                <a:lstStyle/>
+                <a:p>
+                  <a:r>
+                    <a:rPr lang="zh-CN" altLang="en-US">
+                      <a:noFill/>
+                    </a:rPr>
+                    <a:t> </a:t>
+                  </a:r>
+                </a:p>
+              </p:txBody>
+            </p:sp>
+          </mc:Fallback>
+        </mc:AlternateContent>
+        <p:sp>
+          <p:nvSpPr>
+            <p:cNvPr id="9" name="椭圆 8"/>
+            <p:cNvSpPr/>
+            <p:nvPr/>
+          </p:nvSpPr>
+          <p:spPr>
+            <a:xfrm>
+              <a:off x="4455950" y="1703698"/>
+              <a:ext cx="2950690" cy="3185159"/>
+            </a:xfrm>
+            <a:prstGeom prst="ellipse">
+              <a:avLst/>
+            </a:prstGeom>
+            <a:solidFill>
+              <a:srgbClr val="C00000"/>
+            </a:solidFill>
+            <a:ln>
+              <a:solidFill>
+                <a:srgbClr val="C00000"/>
+              </a:solidFill>
+            </a:ln>
+          </p:spPr>
+          <p:style>
+            <a:lnRef idx="2">
+              <a:schemeClr val="accent1">
+                <a:shade val="50000"/>
+              </a:schemeClr>
+            </a:lnRef>
+            <a:fillRef idx="1">
+              <a:schemeClr val="accent1"/>
+            </a:fillRef>
+            <a:effectRef idx="0">
+              <a:schemeClr val="accent1"/>
+            </a:effectRef>
+            <a:fontRef idx="minor">
+              <a:schemeClr val="lt1"/>
+            </a:fontRef>
+          </p:style>
+          <p:txBody>
+            <a:bodyPr rtlCol="0" anchor="ctr"/>
+            <a:lstStyle/>
+            <a:p>
+              <a:pPr algn="ctr"/>
+              <a:endParaRPr lang="zh-CN" altLang="en-US"/>
+            </a:p>
+          </p:txBody>
+        </p:sp>
+        <p:sp>
+          <p:nvSpPr>
+            <p:cNvPr id="10" name="椭圆 9"/>
+            <p:cNvSpPr/>
+            <p:nvPr/>
+          </p:nvSpPr>
+          <p:spPr>
+            <a:xfrm>
+              <a:off x="4650648" y="1917525"/>
+              <a:ext cx="2554517" cy="2757505"/>
+            </a:xfrm>
+            <a:prstGeom prst="ellipse">
+              <a:avLst/>
+            </a:prstGeom>
+            <a:solidFill>
+              <a:srgbClr val="FF0000"/>
+            </a:solidFill>
+            <a:ln>
+              <a:solidFill>
+                <a:srgbClr val="FF0000"/>
+              </a:solidFill>
+            </a:ln>
+          </p:spPr>
+          <p:style>
+            <a:lnRef idx="2">
+              <a:schemeClr val="accent1">
+                <a:shade val="50000"/>
+              </a:schemeClr>
+            </a:lnRef>
+            <a:fillRef idx="1">
+              <a:schemeClr val="accent1"/>
+            </a:fillRef>
+            <a:effectRef idx="0">
+              <a:schemeClr val="accent1"/>
+            </a:effectRef>
+            <a:fontRef idx="minor">
+              <a:schemeClr val="lt1"/>
+            </a:fontRef>
+          </p:style>
+          <p:txBody>
+            <a:bodyPr rtlCol="0" anchor="ctr"/>
+            <a:lstStyle/>
+            <a:p>
+              <a:pPr algn="ctr"/>
+              <a:endParaRPr lang="zh-CN" altLang="en-US"/>
+            </a:p>
+          </p:txBody>
+        </p:sp>
+        <p:sp>
+          <p:nvSpPr>
+            <p:cNvPr id="11" name="椭圆 10"/>
+            <p:cNvSpPr/>
+            <p:nvPr/>
+          </p:nvSpPr>
+          <p:spPr>
+            <a:xfrm>
+              <a:off x="4862499" y="2146214"/>
+              <a:ext cx="2130808" cy="2300125"/>
+            </a:xfrm>
+            <a:prstGeom prst="ellipse">
+              <a:avLst/>
+            </a:prstGeom>
+            <a:solidFill>
+              <a:srgbClr val="FFC000"/>
+            </a:solidFill>
+            <a:ln>
+              <a:solidFill>
+                <a:srgbClr val="FFC000"/>
+              </a:solidFill>
+            </a:ln>
+          </p:spPr>
+          <p:style>
+            <a:lnRef idx="2">
+              <a:schemeClr val="accent1">
+                <a:shade val="50000"/>
+              </a:schemeClr>
+            </a:lnRef>
+            <a:fillRef idx="1">
+              <a:schemeClr val="accent1"/>
+            </a:fillRef>
+            <a:effectRef idx="0">
+              <a:schemeClr val="accent1"/>
+            </a:effectRef>
+            <a:fontRef idx="minor">
+              <a:schemeClr val="lt1"/>
+            </a:fontRef>
+          </p:style>
+          <p:txBody>
+            <a:bodyPr rtlCol="0" anchor="ctr"/>
+            <a:lstStyle/>
+            <a:p>
+              <a:pPr algn="ctr"/>
+              <a:endParaRPr lang="zh-CN" altLang="en-US"/>
+            </a:p>
+          </p:txBody>
+        </p:sp>
+        <p:sp>
+          <p:nvSpPr>
+            <p:cNvPr id="12" name="椭圆 11"/>
+            <p:cNvSpPr/>
+            <p:nvPr/>
+          </p:nvSpPr>
+          <p:spPr>
+            <a:xfrm>
+              <a:off x="5037385" y="2334999"/>
+              <a:ext cx="1781032" cy="1922555"/>
+            </a:xfrm>
+            <a:prstGeom prst="ellipse">
+              <a:avLst/>
+            </a:prstGeom>
+            <a:solidFill>
+              <a:srgbClr val="FFFF00"/>
+            </a:solidFill>
+            <a:ln>
+              <a:solidFill>
+                <a:srgbClr val="FFFF00"/>
+              </a:solidFill>
+            </a:ln>
+          </p:spPr>
+          <p:style>
+            <a:lnRef idx="2">
+              <a:schemeClr val="accent1">
+                <a:shade val="50000"/>
+              </a:schemeClr>
+            </a:lnRef>
+            <a:fillRef idx="1">
+              <a:schemeClr val="accent1"/>
+            </a:fillRef>
+            <a:effectRef idx="0">
+              <a:schemeClr val="accent1"/>
+            </a:effectRef>
+            <a:fontRef idx="minor">
+              <a:schemeClr val="lt1"/>
+            </a:fontRef>
+          </p:style>
+          <p:txBody>
+            <a:bodyPr rtlCol="0" anchor="ctr"/>
+            <a:lstStyle/>
+            <a:p>
+              <a:pPr algn="ctr"/>
+              <a:endParaRPr lang="zh-CN" altLang="en-US"/>
+            </a:p>
+          </p:txBody>
+        </p:sp>
+        <p:sp>
+          <p:nvSpPr>
+            <p:cNvPr id="13" name="椭圆 12"/>
+            <p:cNvSpPr/>
+            <p:nvPr/>
+          </p:nvSpPr>
+          <p:spPr>
+            <a:xfrm>
+              <a:off x="5190457" y="2500236"/>
+              <a:ext cx="1474885" cy="1592082"/>
+            </a:xfrm>
+            <a:prstGeom prst="ellipse">
+              <a:avLst/>
+            </a:prstGeom>
+            <a:solidFill>
+              <a:srgbClr val="92D050"/>
+            </a:solidFill>
+            <a:ln>
+              <a:solidFill>
+                <a:srgbClr val="92D050"/>
+              </a:solidFill>
+            </a:ln>
+          </p:spPr>
+          <p:style>
+            <a:lnRef idx="2">
+              <a:schemeClr val="accent1">
+                <a:shade val="50000"/>
+              </a:schemeClr>
+            </a:lnRef>
+            <a:fillRef idx="1">
+              <a:schemeClr val="accent1"/>
+            </a:fillRef>
+            <a:effectRef idx="0">
+              <a:schemeClr val="accent1"/>
+            </a:effectRef>
+            <a:fontRef idx="minor">
+              <a:schemeClr val="lt1"/>
+            </a:fontRef>
+          </p:style>
+          <p:txBody>
+            <a:bodyPr rtlCol="0" anchor="ctr"/>
+            <a:lstStyle/>
+            <a:p>
+              <a:pPr algn="ctr"/>
+              <a:endParaRPr lang="zh-CN" altLang="en-US"/>
+            </a:p>
+          </p:txBody>
+        </p:sp>
+        <p:sp>
+          <p:nvSpPr>
+            <p:cNvPr id="14" name="椭圆 13"/>
+            <p:cNvSpPr/>
+            <p:nvPr/>
+          </p:nvSpPr>
+          <p:spPr>
+            <a:xfrm>
+              <a:off x="5366764" y="2711786"/>
+              <a:ext cx="1122271" cy="1211448"/>
+            </a:xfrm>
+            <a:prstGeom prst="ellipse">
+              <a:avLst/>
+            </a:prstGeom>
+            <a:solidFill>
+              <a:srgbClr val="00B050"/>
+            </a:solidFill>
+            <a:ln>
+              <a:solidFill>
+                <a:srgbClr val="00B050"/>
+              </a:solidFill>
+            </a:ln>
+          </p:spPr>
+          <p:style>
+            <a:lnRef idx="2">
+              <a:schemeClr val="accent1">
+                <a:shade val="50000"/>
+              </a:schemeClr>
+            </a:lnRef>
+            <a:fillRef idx="1">
+              <a:schemeClr val="accent1"/>
+            </a:fillRef>
+            <a:effectRef idx="0">
+              <a:schemeClr val="accent1"/>
+            </a:effectRef>
+            <a:fontRef idx="minor">
+              <a:schemeClr val="lt1"/>
+            </a:fontRef>
+          </p:style>
+          <p:txBody>
+            <a:bodyPr rtlCol="0" anchor="ctr"/>
+            <a:lstStyle/>
+            <a:p>
+              <a:pPr algn="ctr"/>
+              <a:endParaRPr lang="zh-CN" altLang="en-US"/>
+            </a:p>
+          </p:txBody>
+        </p:sp>
+        <p:sp>
+          <p:nvSpPr>
+            <p:cNvPr id="15" name="椭圆 14"/>
+            <p:cNvSpPr/>
+            <p:nvPr/>
+          </p:nvSpPr>
+          <p:spPr>
+            <a:xfrm>
+              <a:off x="5554079" y="2904524"/>
+              <a:ext cx="791867" cy="854791"/>
+            </a:xfrm>
+            <a:prstGeom prst="ellipse">
+              <a:avLst/>
+            </a:prstGeom>
+            <a:solidFill>
+              <a:srgbClr val="00B0F0"/>
+            </a:solidFill>
+            <a:ln>
+              <a:solidFill>
+                <a:srgbClr val="00B0F0"/>
+              </a:solidFill>
+            </a:ln>
+          </p:spPr>
+          <p:style>
+            <a:lnRef idx="2">
+              <a:schemeClr val="accent1">
+                <a:shade val="50000"/>
+              </a:schemeClr>
+            </a:lnRef>
+            <a:fillRef idx="1">
+              <a:schemeClr val="accent1"/>
+            </a:fillRef>
+            <a:effectRef idx="0">
+              <a:schemeClr val="accent1"/>
+            </a:effectRef>
+            <a:fontRef idx="minor">
+              <a:schemeClr val="lt1"/>
+            </a:fontRef>
+          </p:style>
+          <p:txBody>
+            <a:bodyPr rtlCol="0" anchor="ctr"/>
+            <a:lstStyle/>
+            <a:p>
+              <a:pPr algn="ctr"/>
+              <a:endParaRPr lang="zh-CN" altLang="en-US"/>
+            </a:p>
+          </p:txBody>
+        </p:sp>
+        <p:sp>
+          <p:nvSpPr>
+            <p:cNvPr id="16" name="椭圆 15"/>
+            <p:cNvSpPr/>
+            <p:nvPr/>
+          </p:nvSpPr>
+          <p:spPr>
+            <a:xfrm>
+              <a:off x="5668792" y="3052017"/>
+              <a:ext cx="518596" cy="559804"/>
+            </a:xfrm>
+            <a:prstGeom prst="ellipse">
+              <a:avLst/>
+            </a:prstGeom>
+            <a:solidFill>
+              <a:srgbClr val="0070C0"/>
+            </a:solidFill>
+            <a:ln>
+              <a:solidFill>
+                <a:srgbClr val="0070C0"/>
+              </a:solidFill>
+            </a:ln>
+          </p:spPr>
+          <p:style>
+            <a:lnRef idx="2">
+              <a:schemeClr val="accent1">
+                <a:shade val="50000"/>
+              </a:schemeClr>
+            </a:lnRef>
+            <a:fillRef idx="1">
+              <a:schemeClr val="accent1"/>
+            </a:fillRef>
+            <a:effectRef idx="0">
+              <a:schemeClr val="accent1"/>
+            </a:effectRef>
+            <a:fontRef idx="minor">
+              <a:schemeClr val="lt1"/>
+            </a:fontRef>
+          </p:style>
+          <p:txBody>
+            <a:bodyPr rtlCol="0" anchor="ctr"/>
+            <a:lstStyle/>
+            <a:p>
+              <a:pPr algn="ctr"/>
+              <a:endParaRPr lang="zh-CN" altLang="en-US"/>
+            </a:p>
+          </p:txBody>
+        </p:sp>
+        <p:sp>
+          <p:nvSpPr>
+            <p:cNvPr id="17" name="椭圆 16"/>
+            <p:cNvSpPr/>
+            <p:nvPr/>
+          </p:nvSpPr>
+          <p:spPr>
+            <a:xfrm>
+              <a:off x="5829891" y="3226121"/>
+              <a:ext cx="196018" cy="211594"/>
+            </a:xfrm>
+            <a:prstGeom prst="ellipse">
+              <a:avLst/>
+            </a:prstGeom>
+            <a:solidFill>
+              <a:srgbClr val="002060"/>
+            </a:solidFill>
+            <a:ln>
+              <a:solidFill>
+                <a:srgbClr val="002060"/>
+              </a:solidFill>
+            </a:ln>
+          </p:spPr>
+          <p:style>
+            <a:lnRef idx="2">
+              <a:schemeClr val="accent1">
+                <a:shade val="50000"/>
+              </a:schemeClr>
+            </a:lnRef>
+            <a:fillRef idx="1">
+              <a:schemeClr val="accent1"/>
+            </a:fillRef>
+            <a:effectRef idx="0">
+              <a:schemeClr val="accent1"/>
+            </a:effectRef>
+            <a:fontRef idx="minor">
+              <a:schemeClr val="lt1"/>
+            </a:fontRef>
+          </p:style>
+          <p:txBody>
+            <a:bodyPr rtlCol="0" anchor="ctr"/>
+            <a:lstStyle/>
+            <a:p>
+              <a:pPr algn="ctr"/>
+              <a:endParaRPr lang="zh-CN" altLang="en-US"/>
+            </a:p>
+          </p:txBody>
+        </p:sp>
+        <p:cxnSp>
+          <p:nvCxnSpPr>
+            <p:cNvPr id="22" name="直接箭头连接符 21"/>
+            <p:cNvCxnSpPr>
+              <a:stCxn id="9" idx="3"/>
+              <a:endCxn id="17" idx="7"/>
+            </p:cNvCxnSpPr>
+            <p:nvPr/>
+          </p:nvCxnSpPr>
+          <p:spPr>
+            <a:xfrm flipV="1">
+              <a:off x="4888069" y="3257108"/>
+              <a:ext cx="1109134" cy="1165293"/>
+            </a:xfrm>
+            <a:prstGeom prst="straightConnector1">
+              <a:avLst/>
+            </a:prstGeom>
+            <a:ln w="19050">
+              <a:solidFill>
+                <a:schemeClr val="tx1"/>
+              </a:solidFill>
+              <a:tailEnd type="triangle"/>
+            </a:ln>
+          </p:spPr>
+          <p:style>
+            <a:lnRef idx="1">
+              <a:schemeClr val="accent1"/>
+            </a:lnRef>
+            <a:fillRef idx="0">
+              <a:schemeClr val="accent1"/>
+            </a:fillRef>
+            <a:effectRef idx="0">
+              <a:schemeClr val="accent1"/>
+            </a:effectRef>
+            <a:fontRef idx="minor">
+              <a:schemeClr val="tx1"/>
+            </a:fontRef>
+          </p:style>
+        </p:cxnSp>
+        <p:sp>
+          <p:nvSpPr>
+            <p:cNvPr id="36" name="流程图: 联系 35"/>
+            <p:cNvSpPr/>
+            <p:nvPr/>
+          </p:nvSpPr>
+          <p:spPr>
+            <a:xfrm>
+              <a:off x="4859121" y="4395695"/>
+              <a:ext cx="55156" cy="53025"/>
+            </a:xfrm>
+            <a:prstGeom prst="flowChartConnector">
+              <a:avLst/>
+            </a:prstGeom>
+            <a:solidFill>
+              <a:schemeClr val="tx1"/>
+            </a:solidFill>
+            <a:ln>
+              <a:solidFill>
+                <a:schemeClr val="tx1"/>
+              </a:solidFill>
+            </a:ln>
+          </p:spPr>
+          <p:style>
+            <a:lnRef idx="2">
+              <a:schemeClr val="accent1">
+                <a:shade val="50000"/>
+              </a:schemeClr>
+            </a:lnRef>
+            <a:fillRef idx="1">
+              <a:schemeClr val="accent1"/>
+            </a:fillRef>
+            <a:effectRef idx="0">
+              <a:schemeClr val="accent1"/>
+            </a:effectRef>
+            <a:fontRef idx="minor">
+              <a:schemeClr val="lt1"/>
+            </a:fontRef>
+          </p:style>
+          <p:txBody>
+            <a:bodyPr rtlCol="0" anchor="ctr"/>
+            <a:lstStyle/>
+            <a:p>
+              <a:pPr algn="ctr"/>
+              <a:endParaRPr lang="zh-CN" altLang="en-US"/>
+            </a:p>
+          </p:txBody>
+        </p:sp>
+        <p:cxnSp>
+          <p:nvCxnSpPr>
+            <p:cNvPr id="39" name="直接箭头连接符 38"/>
+            <p:cNvCxnSpPr/>
+            <p:nvPr/>
+          </p:nvCxnSpPr>
+          <p:spPr>
+            <a:xfrm flipV="1">
+              <a:off x="4906200" y="4184249"/>
+              <a:ext cx="216550" cy="221592"/>
+            </a:xfrm>
+            <a:prstGeom prst="straightConnector1">
+              <a:avLst/>
+            </a:prstGeom>
+            <a:ln w="19050">
+              <a:solidFill>
+                <a:schemeClr val="tx1"/>
+              </a:solidFill>
+              <a:tailEnd type="triangle"/>
+            </a:ln>
+          </p:spPr>
+          <p:style>
+            <a:lnRef idx="1">
+              <a:schemeClr val="accent1"/>
+            </a:lnRef>
+            <a:fillRef idx="0">
+              <a:schemeClr val="accent1"/>
+            </a:fillRef>
+            <a:effectRef idx="0">
+              <a:schemeClr val="accent1"/>
+            </a:effectRef>
+            <a:fontRef idx="minor">
+              <a:schemeClr val="tx1"/>
+            </a:fontRef>
+          </p:style>
+        </p:cxnSp>
+        <p:cxnSp>
+          <p:nvCxnSpPr>
+            <p:cNvPr id="46" name="直接箭头连接符 45"/>
+            <p:cNvCxnSpPr/>
+            <p:nvPr/>
+          </p:nvCxnSpPr>
+          <p:spPr>
+            <a:xfrm flipV="1">
+              <a:off x="5103710" y="4017169"/>
+              <a:ext cx="173140" cy="182062"/>
+            </a:xfrm>
+            <a:prstGeom prst="straightConnector1">
+              <a:avLst/>
+            </a:prstGeom>
+            <a:ln w="19050">
+              <a:solidFill>
+                <a:schemeClr val="tx1"/>
+              </a:solidFill>
+              <a:tailEnd type="triangle"/>
+            </a:ln>
+          </p:spPr>
+          <p:style>
+            <a:lnRef idx="1">
+              <a:schemeClr val="accent1"/>
+            </a:lnRef>
+            <a:fillRef idx="0">
+              <a:schemeClr val="accent1"/>
+            </a:fillRef>
+            <a:effectRef idx="0">
+              <a:schemeClr val="accent1"/>
+            </a:effectRef>
+            <a:fontRef idx="minor">
+              <a:schemeClr val="tx1"/>
+            </a:fontRef>
+          </p:style>
+        </p:cxnSp>
+        <p:cxnSp>
+          <p:nvCxnSpPr>
+            <p:cNvPr id="53" name="直接箭头连接符 52"/>
+            <p:cNvCxnSpPr/>
+            <p:nvPr/>
+          </p:nvCxnSpPr>
+          <p:spPr>
+            <a:xfrm flipV="1">
+              <a:off x="5256605" y="3857898"/>
+              <a:ext cx="173140" cy="182062"/>
+            </a:xfrm>
+            <a:prstGeom prst="straightConnector1">
+              <a:avLst/>
+            </a:prstGeom>
+            <a:ln w="19050">
+              <a:solidFill>
+                <a:schemeClr val="tx1"/>
+              </a:solidFill>
+              <a:tailEnd type="triangle"/>
+            </a:ln>
+          </p:spPr>
+          <p:style>
+            <a:lnRef idx="1">
+              <a:schemeClr val="accent1"/>
+            </a:lnRef>
+            <a:fillRef idx="0">
+              <a:schemeClr val="accent1"/>
+            </a:fillRef>
+            <a:effectRef idx="0">
+              <a:schemeClr val="accent1"/>
+            </a:effectRef>
+            <a:fontRef idx="minor">
+              <a:schemeClr val="tx1"/>
+            </a:fontRef>
+          </p:style>
+        </p:cxnSp>
+        <p:cxnSp>
+          <p:nvCxnSpPr>
+            <p:cNvPr id="54" name="直接箭头连接符 53"/>
+            <p:cNvCxnSpPr/>
+            <p:nvPr/>
+          </p:nvCxnSpPr>
+          <p:spPr>
+            <a:xfrm flipV="1">
+              <a:off x="5409323" y="3696141"/>
+              <a:ext cx="173140" cy="182062"/>
+            </a:xfrm>
+            <a:prstGeom prst="straightConnector1">
+              <a:avLst/>
+            </a:prstGeom>
+            <a:ln w="19050">
+              <a:solidFill>
+                <a:schemeClr val="tx1"/>
+              </a:solidFill>
+              <a:tailEnd type="triangle"/>
+            </a:ln>
+          </p:spPr>
+          <p:style>
+            <a:lnRef idx="1">
+              <a:schemeClr val="accent1"/>
+            </a:lnRef>
+            <a:fillRef idx="0">
+              <a:schemeClr val="accent1"/>
+            </a:fillRef>
+            <a:effectRef idx="0">
+              <a:schemeClr val="accent1"/>
+            </a:effectRef>
+            <a:fontRef idx="minor">
+              <a:schemeClr val="tx1"/>
+            </a:fontRef>
+          </p:style>
+        </p:cxnSp>
+        <p:cxnSp>
+          <p:nvCxnSpPr>
+            <p:cNvPr id="55" name="直接箭头连接符 54"/>
+            <p:cNvCxnSpPr/>
+            <p:nvPr/>
+          </p:nvCxnSpPr>
+          <p:spPr>
+            <a:xfrm flipV="1">
+              <a:off x="5575305" y="3524362"/>
+              <a:ext cx="173140" cy="182062"/>
+            </a:xfrm>
+            <a:prstGeom prst="straightConnector1">
+              <a:avLst/>
+            </a:prstGeom>
+            <a:ln w="19050">
+              <a:solidFill>
+                <a:schemeClr val="tx1"/>
+              </a:solidFill>
+              <a:tailEnd type="triangle"/>
+            </a:ln>
+          </p:spPr>
+          <p:style>
+            <a:lnRef idx="1">
+              <a:schemeClr val="accent1"/>
+            </a:lnRef>
+            <a:fillRef idx="0">
+              <a:schemeClr val="accent1"/>
+            </a:fillRef>
+            <a:effectRef idx="0">
+              <a:schemeClr val="accent1"/>
+            </a:effectRef>
+            <a:fontRef idx="minor">
+              <a:schemeClr val="tx1"/>
+            </a:fontRef>
+          </p:style>
+        </p:cxnSp>
+      </p:grpSp>
+    </p:spTree>
+    <p:extLst>
+      <p:ext uri="{BB962C8B-B14F-4D97-AF65-F5344CB8AC3E}">
+        <p14:creationId xmlns:p14="http://schemas.microsoft.com/office/powerpoint/2010/main" val="52942045"/>
+      </p:ext>
+    </p:extLst>
+  </p:cSld>
+  <p:clrMapOvr>
+    <a:masterClrMapping/>
+  </p:clrMapOvr>
+</p:sld>
+</file>
+
+<file path=ppt/slides/slide16.xml><?xml version="1.0" encoding="utf-8"?>
+<p:sld xmlns:a="http://schemas.openxmlformats.org/drawingml/2006/main" xmlns:r="http://schemas.openxmlformats.org/officeDocument/2006/relationships" xmlns:p="http://schemas.openxmlformats.org/presentationml/2006/main">
+  <p:cSld>
+    <p:spTree>
+      <p:nvGrpSpPr>
+        <p:cNvPr id="1" name=""/>
+        <p:cNvGrpSpPr/>
+        <p:nvPr/>
+      </p:nvGrpSpPr>
+      <p:grpSpPr>
+        <a:xfrm>
+          <a:off x="0" y="0"/>
+          <a:ext cx="0" cy="0"/>
+          <a:chOff x="0" y="0"/>
+          <a:chExt cx="0" cy="0"/>
+        </a:xfrm>
+      </p:grpSpPr>
+      <p:grpSp>
+        <p:nvGrpSpPr>
+          <p:cNvPr id="20" name="组合 19"/>
+          <p:cNvGrpSpPr/>
+          <p:nvPr/>
+        </p:nvGrpSpPr>
+        <p:grpSpPr>
+          <a:xfrm>
+            <a:off x="2711771" y="192326"/>
+            <a:ext cx="7340527" cy="5767035"/>
+            <a:chOff x="2711771" y="192326"/>
+            <a:chExt cx="7340527" cy="5767035"/>
+          </a:xfrm>
+        </p:grpSpPr>
+        <p:cxnSp>
+          <p:nvCxnSpPr>
+            <p:cNvPr id="4" name="直接箭头连接符 3"/>
+            <p:cNvCxnSpPr/>
+            <p:nvPr/>
+          </p:nvCxnSpPr>
+          <p:spPr>
+            <a:xfrm flipV="1">
+              <a:off x="3892202" y="1349829"/>
+              <a:ext cx="0" cy="4159596"/>
+            </a:xfrm>
+            <a:prstGeom prst="straightConnector1">
+              <a:avLst/>
+            </a:prstGeom>
+            <a:ln w="38100">
+              <a:tailEnd type="triangle"/>
+            </a:ln>
+          </p:spPr>
+          <p:style>
+            <a:lnRef idx="3">
+              <a:schemeClr val="dk1"/>
+            </a:lnRef>
+            <a:fillRef idx="0">
+              <a:schemeClr val="dk1"/>
+            </a:fillRef>
+            <a:effectRef idx="2">
+              <a:schemeClr val="dk1"/>
+            </a:effectRef>
+            <a:fontRef idx="minor">
+              <a:schemeClr val="tx1"/>
+            </a:fontRef>
+          </p:style>
+        </p:cxnSp>
+        <p:cxnSp>
+          <p:nvCxnSpPr>
+            <p:cNvPr id="5" name="直接箭头连接符 4"/>
+            <p:cNvCxnSpPr/>
+            <p:nvPr/>
+          </p:nvCxnSpPr>
+          <p:spPr>
+            <a:xfrm>
+              <a:off x="3873402" y="5509425"/>
+              <a:ext cx="4875606" cy="0"/>
+            </a:xfrm>
+            <a:prstGeom prst="straightConnector1">
+              <a:avLst/>
+            </a:prstGeom>
+            <a:ln w="38100">
+              <a:tailEnd type="triangle"/>
+            </a:ln>
+          </p:spPr>
+          <p:style>
+            <a:lnRef idx="3">
+              <a:schemeClr val="dk1"/>
+            </a:lnRef>
+            <a:fillRef idx="0">
+              <a:schemeClr val="dk1"/>
+            </a:fillRef>
+            <a:effectRef idx="2">
+              <a:schemeClr val="dk1"/>
+            </a:effectRef>
+            <a:fontRef idx="minor">
+              <a:schemeClr val="tx1"/>
+            </a:fontRef>
+          </p:style>
+        </p:cxnSp>
+        <p:sp>
+          <p:nvSpPr>
+            <p:cNvPr id="6" name="弧形 5"/>
+            <p:cNvSpPr/>
+            <p:nvPr/>
+          </p:nvSpPr>
+          <p:spPr>
+            <a:xfrm rot="7451297">
+              <a:off x="4822664" y="-343501"/>
+              <a:ext cx="4693807" cy="5765461"/>
+            </a:xfrm>
+            <a:prstGeom prst="arc">
+              <a:avLst>
+                <a:gd name="adj1" fmla="val 18916013"/>
+                <a:gd name="adj2" fmla="val 3501838"/>
+              </a:avLst>
+            </a:prstGeom>
+            <a:ln w="28575"/>
+          </p:spPr>
+          <p:style>
+            <a:lnRef idx="3">
+              <a:schemeClr val="accent1"/>
+            </a:lnRef>
+            <a:fillRef idx="0">
+              <a:schemeClr val="accent1"/>
+            </a:fillRef>
+            <a:effectRef idx="2">
+              <a:schemeClr val="accent1"/>
+            </a:effectRef>
+            <a:fontRef idx="minor">
+              <a:schemeClr val="tx1"/>
+            </a:fontRef>
+          </p:style>
+          <p:txBody>
+            <a:bodyPr rtlCol="0" anchor="ctr"/>
+            <a:lstStyle/>
+            <a:p>
+              <a:pPr algn="ctr"/>
+              <a:endParaRPr lang="zh-CN" altLang="en-US"/>
+            </a:p>
+          </p:txBody>
+        </p:sp>
+        <p:sp>
+          <p:nvSpPr>
+            <p:cNvPr id="7" name="流程图: 联系 6"/>
+            <p:cNvSpPr/>
+            <p:nvPr/>
+          </p:nvSpPr>
+          <p:spPr>
+            <a:xfrm>
+              <a:off x="4605020" y="5460853"/>
+              <a:ext cx="55721" cy="55721"/>
+            </a:xfrm>
+            <a:prstGeom prst="flowChartConnector">
+              <a:avLst/>
+            </a:prstGeom>
+            <a:solidFill>
+              <a:schemeClr val="tx1"/>
+            </a:solidFill>
+            <a:ln>
+              <a:solidFill>
+                <a:schemeClr val="tx1"/>
+              </a:solidFill>
+            </a:ln>
+          </p:spPr>
+          <p:style>
+            <a:lnRef idx="2">
+              <a:schemeClr val="accent1">
+                <a:shade val="50000"/>
+              </a:schemeClr>
+            </a:lnRef>
+            <a:fillRef idx="1">
+              <a:schemeClr val="accent1"/>
+            </a:fillRef>
+            <a:effectRef idx="0">
+              <a:schemeClr val="accent1"/>
+            </a:effectRef>
+            <a:fontRef idx="minor">
+              <a:schemeClr val="lt1"/>
+            </a:fontRef>
+          </p:style>
+          <p:txBody>
+            <a:bodyPr rtlCol="0" anchor="ctr"/>
+            <a:lstStyle/>
+            <a:p>
+              <a:pPr algn="ctr"/>
+              <a:endParaRPr lang="zh-CN" altLang="en-US"/>
+            </a:p>
+          </p:txBody>
+        </p:sp>
+        <p:sp>
+          <p:nvSpPr>
+            <p:cNvPr id="8" name="流程图: 联系 7"/>
+            <p:cNvSpPr/>
+            <p:nvPr/>
+          </p:nvSpPr>
+          <p:spPr>
+            <a:xfrm>
+              <a:off x="5370938" y="5453704"/>
+              <a:ext cx="55721" cy="55721"/>
+            </a:xfrm>
+            <a:prstGeom prst="flowChartConnector">
+              <a:avLst/>
+            </a:prstGeom>
+            <a:solidFill>
+              <a:schemeClr val="tx1"/>
+            </a:solidFill>
+            <a:ln>
+              <a:solidFill>
+                <a:schemeClr val="tx1"/>
+              </a:solidFill>
+            </a:ln>
+          </p:spPr>
+          <p:style>
+            <a:lnRef idx="2">
+              <a:schemeClr val="accent1">
+                <a:shade val="50000"/>
+              </a:schemeClr>
+            </a:lnRef>
+            <a:fillRef idx="1">
+              <a:schemeClr val="accent1"/>
+            </a:fillRef>
+            <a:effectRef idx="0">
+              <a:schemeClr val="accent1"/>
+            </a:effectRef>
+            <a:fontRef idx="minor">
+              <a:schemeClr val="lt1"/>
+            </a:fontRef>
+          </p:style>
+          <p:txBody>
+            <a:bodyPr rtlCol="0" anchor="ctr"/>
+            <a:lstStyle/>
+            <a:p>
+              <a:pPr algn="ctr"/>
+              <a:endParaRPr lang="zh-CN" altLang="en-US"/>
+            </a:p>
+          </p:txBody>
+        </p:sp>
+        <p:sp>
+          <p:nvSpPr>
+            <p:cNvPr id="9" name="流程图: 联系 8"/>
+            <p:cNvSpPr/>
+            <p:nvPr/>
+          </p:nvSpPr>
+          <p:spPr>
+            <a:xfrm>
+              <a:off x="6136856" y="5453704"/>
+              <a:ext cx="55721" cy="55721"/>
+            </a:xfrm>
+            <a:prstGeom prst="flowChartConnector">
+              <a:avLst/>
+            </a:prstGeom>
+            <a:solidFill>
+              <a:schemeClr val="tx1"/>
+            </a:solidFill>
+            <a:ln>
+              <a:solidFill>
+                <a:schemeClr val="tx1"/>
+              </a:solidFill>
+            </a:ln>
+          </p:spPr>
+          <p:style>
+            <a:lnRef idx="2">
+              <a:schemeClr val="accent1">
+                <a:shade val="50000"/>
+              </a:schemeClr>
+            </a:lnRef>
+            <a:fillRef idx="1">
+              <a:schemeClr val="accent1"/>
+            </a:fillRef>
+            <a:effectRef idx="0">
+              <a:schemeClr val="accent1"/>
+            </a:effectRef>
+            <a:fontRef idx="minor">
+              <a:schemeClr val="lt1"/>
+            </a:fontRef>
+          </p:style>
+          <p:txBody>
+            <a:bodyPr rtlCol="0" anchor="ctr"/>
+            <a:lstStyle/>
+            <a:p>
+              <a:pPr algn="ctr"/>
+              <a:endParaRPr lang="zh-CN" altLang="en-US"/>
+            </a:p>
+          </p:txBody>
+        </p:sp>
+        <p:sp>
+          <p:nvSpPr>
+            <p:cNvPr id="10" name="流程图: 联系 9"/>
+            <p:cNvSpPr/>
+            <p:nvPr/>
+          </p:nvSpPr>
+          <p:spPr>
+            <a:xfrm>
+              <a:off x="5370938" y="5460852"/>
+              <a:ext cx="55721" cy="55721"/>
+            </a:xfrm>
+            <a:prstGeom prst="flowChartConnector">
+              <a:avLst/>
+            </a:prstGeom>
+            <a:solidFill>
+              <a:schemeClr val="tx1"/>
+            </a:solidFill>
+            <a:ln>
+              <a:solidFill>
+                <a:schemeClr val="tx1"/>
+              </a:solidFill>
+            </a:ln>
+          </p:spPr>
+          <p:style>
+            <a:lnRef idx="2">
+              <a:schemeClr val="accent1">
+                <a:shade val="50000"/>
+              </a:schemeClr>
+            </a:lnRef>
+            <a:fillRef idx="1">
+              <a:schemeClr val="accent1"/>
+            </a:fillRef>
+            <a:effectRef idx="0">
+              <a:schemeClr val="accent1"/>
+            </a:effectRef>
+            <a:fontRef idx="minor">
+              <a:schemeClr val="lt1"/>
+            </a:fontRef>
+          </p:style>
+          <p:txBody>
+            <a:bodyPr rtlCol="0" anchor="ctr"/>
+            <a:lstStyle/>
+            <a:p>
+              <a:pPr algn="ctr"/>
+              <a:endParaRPr lang="zh-CN" altLang="en-US"/>
+            </a:p>
+          </p:txBody>
+        </p:sp>
+        <p:sp>
+          <p:nvSpPr>
+            <p:cNvPr id="11" name="流程图: 联系 10"/>
+            <p:cNvSpPr/>
+            <p:nvPr/>
+          </p:nvSpPr>
+          <p:spPr>
+            <a:xfrm>
+              <a:off x="6136855" y="5460852"/>
+              <a:ext cx="55721" cy="55721"/>
+            </a:xfrm>
+            <a:prstGeom prst="flowChartConnector">
+              <a:avLst/>
+            </a:prstGeom>
+            <a:solidFill>
+              <a:schemeClr val="tx1"/>
+            </a:solidFill>
+            <a:ln>
+              <a:solidFill>
+                <a:schemeClr val="tx1"/>
+              </a:solidFill>
+            </a:ln>
+          </p:spPr>
+          <p:style>
+            <a:lnRef idx="2">
+              <a:schemeClr val="accent1">
+                <a:shade val="50000"/>
+              </a:schemeClr>
+            </a:lnRef>
+            <a:fillRef idx="1">
+              <a:schemeClr val="accent1"/>
+            </a:fillRef>
+            <a:effectRef idx="0">
+              <a:schemeClr val="accent1"/>
+            </a:effectRef>
+            <a:fontRef idx="minor">
+              <a:schemeClr val="lt1"/>
+            </a:fontRef>
+          </p:style>
+          <p:txBody>
+            <a:bodyPr rtlCol="0" anchor="ctr"/>
+            <a:lstStyle/>
+            <a:p>
+              <a:pPr algn="ctr"/>
+              <a:endParaRPr lang="zh-CN" altLang="en-US"/>
+            </a:p>
+          </p:txBody>
+        </p:sp>
+        <p:sp>
+          <p:nvSpPr>
+            <p:cNvPr id="12" name="流程图: 联系 11"/>
+            <p:cNvSpPr/>
+            <p:nvPr/>
+          </p:nvSpPr>
+          <p:spPr>
+            <a:xfrm>
+              <a:off x="6902772" y="5453704"/>
+              <a:ext cx="55721" cy="55721"/>
+            </a:xfrm>
+            <a:prstGeom prst="flowChartConnector">
+              <a:avLst/>
+            </a:prstGeom>
+            <a:solidFill>
+              <a:schemeClr val="tx1"/>
+            </a:solidFill>
+            <a:ln>
+              <a:solidFill>
+                <a:schemeClr val="tx1"/>
+              </a:solidFill>
+            </a:ln>
+          </p:spPr>
+          <p:style>
+            <a:lnRef idx="2">
+              <a:schemeClr val="accent1">
+                <a:shade val="50000"/>
+              </a:schemeClr>
+            </a:lnRef>
+            <a:fillRef idx="1">
+              <a:schemeClr val="accent1"/>
+            </a:fillRef>
+            <a:effectRef idx="0">
+              <a:schemeClr val="accent1"/>
+            </a:effectRef>
+            <a:fontRef idx="minor">
+              <a:schemeClr val="lt1"/>
+            </a:fontRef>
+          </p:style>
+          <p:txBody>
+            <a:bodyPr rtlCol="0" anchor="ctr"/>
+            <a:lstStyle/>
+            <a:p>
+              <a:pPr algn="ctr"/>
+              <a:endParaRPr lang="zh-CN" altLang="en-US"/>
+            </a:p>
+          </p:txBody>
+        </p:sp>
+        <mc:AlternateContent xmlns:mc="http://schemas.openxmlformats.org/markup-compatibility/2006">
+          <mc:Choice xmlns:a14="http://schemas.microsoft.com/office/drawing/2010/main" Requires="a14">
+            <p:sp>
+              <p:nvSpPr>
+                <p:cNvPr id="13" name="文本框 12"/>
+                <p:cNvSpPr txBox="1"/>
+                <p:nvPr/>
+              </p:nvSpPr>
+              <p:spPr>
+                <a:xfrm>
+                  <a:off x="4463763" y="5596629"/>
+                  <a:ext cx="338233" cy="215444"/>
+                </a:xfrm>
+                <a:prstGeom prst="rect">
+                  <a:avLst/>
+                </a:prstGeom>
+                <a:noFill/>
+              </p:spPr>
+              <p:txBody>
+                <a:bodyPr wrap="none" lIns="0" tIns="0" rIns="0" bIns="0" rtlCol="0">
+                  <a:spAutoFit/>
+                </a:bodyPr>
+                <a:lstStyle/>
+                <a:p>
+                  <a14:m>
+                    <m:oMathPara xmlns:m="http://schemas.openxmlformats.org/officeDocument/2006/math">
+                      <m:oMathParaPr>
+                        <m:jc m:val="centerGroup"/>
+                      </m:oMathParaPr>
+                      <m:oMath xmlns:m="http://schemas.openxmlformats.org/officeDocument/2006/math">
+                        <m:r>
+                          <a:rPr lang="en-US" altLang="zh-CN" sz="1400" b="0" i="1" smtClean="0">
+                            <a:latin typeface="Cambria Math" panose="02040503050406030204" pitchFamily="18" charset="0"/>
+                          </a:rPr>
+                          <m:t>100</m:t>
+                        </m:r>
+                      </m:oMath>
+                    </m:oMathPara>
+                  </a14:m>
+                  <a:endParaRPr lang="zh-CN" altLang="en-US" dirty="0"/>
+                </a:p>
+              </p:txBody>
+            </p:sp>
+          </mc:Choice>
+          <mc:Fallback>
+            <p:sp>
+              <p:nvSpPr>
+                <p:cNvPr id="13" name="文本框 12"/>
+                <p:cNvSpPr txBox="1">
+                  <a:spLocks noRot="1" noChangeAspect="1" noMove="1" noResize="1" noEditPoints="1" noAdjustHandles="1" noChangeArrowheads="1" noChangeShapeType="1" noTextEdit="1"/>
+                </p:cNvSpPr>
+                <p:nvPr/>
+              </p:nvSpPr>
+              <p:spPr>
+                <a:xfrm>
+                  <a:off x="4463763" y="5596629"/>
+                  <a:ext cx="338233" cy="215444"/>
+                </a:xfrm>
+                <a:prstGeom prst="rect">
+                  <a:avLst/>
+                </a:prstGeom>
+                <a:blipFill rotWithShape="0">
+                  <a:blip r:embed="rId2"/>
+                  <a:stretch>
+                    <a:fillRect l="-10714" r="-10714" b="-5714"/>
+                  </a:stretch>
+                </a:blipFill>
+              </p:spPr>
+              <p:txBody>
+                <a:bodyPr/>
+                <a:lstStyle/>
+                <a:p>
+                  <a:r>
+                    <a:rPr lang="zh-CN" altLang="en-US">
+                      <a:noFill/>
+                    </a:rPr>
+                    <a:t> </a:t>
+                  </a:r>
+                </a:p>
+              </p:txBody>
+            </p:sp>
+          </mc:Fallback>
+        </mc:AlternateContent>
+        <mc:AlternateContent xmlns:mc="http://schemas.openxmlformats.org/markup-compatibility/2006">
+          <mc:Choice xmlns:a14="http://schemas.microsoft.com/office/drawing/2010/main" Requires="a14">
+            <p:sp>
+              <p:nvSpPr>
+                <p:cNvPr id="14" name="文本框 13"/>
+                <p:cNvSpPr txBox="1"/>
+                <p:nvPr/>
+              </p:nvSpPr>
+              <p:spPr>
+                <a:xfrm>
+                  <a:off x="5229681" y="5596629"/>
+                  <a:ext cx="338233" cy="215444"/>
+                </a:xfrm>
+                <a:prstGeom prst="rect">
+                  <a:avLst/>
+                </a:prstGeom>
+                <a:noFill/>
+              </p:spPr>
+              <p:txBody>
+                <a:bodyPr wrap="none" lIns="0" tIns="0" rIns="0" bIns="0" rtlCol="0">
+                  <a:spAutoFit/>
+                </a:bodyPr>
+                <a:lstStyle/>
+                <a:p>
+                  <a14:m>
+                    <m:oMathPara xmlns:m="http://schemas.openxmlformats.org/officeDocument/2006/math">
+                      <m:oMathParaPr>
+                        <m:jc m:val="centerGroup"/>
+                      </m:oMathParaPr>
+                      <m:oMath xmlns:m="http://schemas.openxmlformats.org/officeDocument/2006/math">
+                        <m:r>
+                          <a:rPr lang="en-US" altLang="zh-CN" sz="1400" b="0" i="1" smtClean="0">
+                            <a:latin typeface="Cambria Math" panose="02040503050406030204" pitchFamily="18" charset="0"/>
+                          </a:rPr>
+                          <m:t>200</m:t>
+                        </m:r>
+                      </m:oMath>
+                    </m:oMathPara>
+                  </a14:m>
+                  <a:endParaRPr lang="zh-CN" altLang="en-US" dirty="0"/>
+                </a:p>
+              </p:txBody>
+            </p:sp>
+          </mc:Choice>
+          <mc:Fallback>
+            <p:sp>
+              <p:nvSpPr>
+                <p:cNvPr id="14" name="文本框 13"/>
+                <p:cNvSpPr txBox="1">
+                  <a:spLocks noRot="1" noChangeAspect="1" noMove="1" noResize="1" noEditPoints="1" noAdjustHandles="1" noChangeArrowheads="1" noChangeShapeType="1" noTextEdit="1"/>
+                </p:cNvSpPr>
+                <p:nvPr/>
+              </p:nvSpPr>
+              <p:spPr>
+                <a:xfrm>
+                  <a:off x="5229681" y="5596629"/>
+                  <a:ext cx="338233" cy="215444"/>
+                </a:xfrm>
+                <a:prstGeom prst="rect">
+                  <a:avLst/>
+                </a:prstGeom>
+                <a:blipFill rotWithShape="0">
+                  <a:blip r:embed="rId3"/>
+                  <a:stretch>
+                    <a:fillRect l="-10909" r="-12727" b="-5714"/>
+                  </a:stretch>
+                </a:blipFill>
+              </p:spPr>
+              <p:txBody>
+                <a:bodyPr/>
+                <a:lstStyle/>
+                <a:p>
+                  <a:r>
+                    <a:rPr lang="zh-CN" altLang="en-US">
+                      <a:noFill/>
+                    </a:rPr>
+                    <a:t> </a:t>
+                  </a:r>
+                </a:p>
+              </p:txBody>
+            </p:sp>
+          </mc:Fallback>
+        </mc:AlternateContent>
+        <mc:AlternateContent xmlns:mc="http://schemas.openxmlformats.org/markup-compatibility/2006">
+          <mc:Choice xmlns:a14="http://schemas.microsoft.com/office/drawing/2010/main" Requires="a14">
+            <p:sp>
+              <p:nvSpPr>
+                <p:cNvPr id="15" name="文本框 14"/>
+                <p:cNvSpPr txBox="1"/>
+                <p:nvPr/>
+              </p:nvSpPr>
+              <p:spPr>
+                <a:xfrm>
+                  <a:off x="5995598" y="5596629"/>
+                  <a:ext cx="338233" cy="215444"/>
+                </a:xfrm>
+                <a:prstGeom prst="rect">
+                  <a:avLst/>
+                </a:prstGeom>
+                <a:noFill/>
+              </p:spPr>
+              <p:txBody>
+                <a:bodyPr wrap="none" lIns="0" tIns="0" rIns="0" bIns="0" rtlCol="0">
+                  <a:spAutoFit/>
+                </a:bodyPr>
+                <a:lstStyle/>
+                <a:p>
+                  <a14:m>
+                    <m:oMathPara xmlns:m="http://schemas.openxmlformats.org/officeDocument/2006/math">
+                      <m:oMathParaPr>
+                        <m:jc m:val="centerGroup"/>
+                      </m:oMathParaPr>
+                      <m:oMath xmlns:m="http://schemas.openxmlformats.org/officeDocument/2006/math">
+                        <m:r>
+                          <a:rPr lang="en-US" altLang="zh-CN" sz="1400" b="0" i="1" smtClean="0">
+                            <a:latin typeface="Cambria Math" panose="02040503050406030204" pitchFamily="18" charset="0"/>
+                          </a:rPr>
+                          <m:t>300</m:t>
+                        </m:r>
+                      </m:oMath>
+                    </m:oMathPara>
+                  </a14:m>
+                  <a:endParaRPr lang="zh-CN" altLang="en-US" dirty="0"/>
+                </a:p>
+              </p:txBody>
+            </p:sp>
+          </mc:Choice>
+          <mc:Fallback>
+            <p:sp>
+              <p:nvSpPr>
+                <p:cNvPr id="15" name="文本框 14"/>
+                <p:cNvSpPr txBox="1">
+                  <a:spLocks noRot="1" noChangeAspect="1" noMove="1" noResize="1" noEditPoints="1" noAdjustHandles="1" noChangeArrowheads="1" noChangeShapeType="1" noTextEdit="1"/>
+                </p:cNvSpPr>
+                <p:nvPr/>
+              </p:nvSpPr>
+              <p:spPr>
+                <a:xfrm>
+                  <a:off x="5995598" y="5596629"/>
+                  <a:ext cx="338233" cy="215444"/>
+                </a:xfrm>
+                <a:prstGeom prst="rect">
+                  <a:avLst/>
+                </a:prstGeom>
+                <a:blipFill rotWithShape="0">
+                  <a:blip r:embed="rId4"/>
+                  <a:stretch>
+                    <a:fillRect l="-10909" r="-12727" b="-5714"/>
+                  </a:stretch>
+                </a:blipFill>
+              </p:spPr>
+              <p:txBody>
+                <a:bodyPr/>
+                <a:lstStyle/>
+                <a:p>
+                  <a:r>
+                    <a:rPr lang="zh-CN" altLang="en-US">
+                      <a:noFill/>
+                    </a:rPr>
+                    <a:t> </a:t>
+                  </a:r>
+                </a:p>
+              </p:txBody>
+            </p:sp>
+          </mc:Fallback>
+        </mc:AlternateContent>
+        <mc:AlternateContent xmlns:mc="http://schemas.openxmlformats.org/markup-compatibility/2006">
+          <mc:Choice xmlns:a14="http://schemas.microsoft.com/office/drawing/2010/main" Requires="a14">
+            <p:sp>
+              <p:nvSpPr>
+                <p:cNvPr id="16" name="文本框 15"/>
+                <p:cNvSpPr txBox="1"/>
+                <p:nvPr/>
+              </p:nvSpPr>
+              <p:spPr>
+                <a:xfrm>
+                  <a:off x="6761515" y="5598452"/>
+                  <a:ext cx="338233" cy="215444"/>
+                </a:xfrm>
+                <a:prstGeom prst="rect">
+                  <a:avLst/>
+                </a:prstGeom>
+                <a:noFill/>
+              </p:spPr>
+              <p:txBody>
+                <a:bodyPr wrap="none" lIns="0" tIns="0" rIns="0" bIns="0" rtlCol="0">
+                  <a:spAutoFit/>
+                </a:bodyPr>
+                <a:lstStyle/>
+                <a:p>
+                  <a14:m>
+                    <m:oMathPara xmlns:m="http://schemas.openxmlformats.org/officeDocument/2006/math">
+                      <m:oMathParaPr>
+                        <m:jc m:val="centerGroup"/>
+                      </m:oMathParaPr>
+                      <m:oMath xmlns:m="http://schemas.openxmlformats.org/officeDocument/2006/math">
+                        <m:r>
+                          <a:rPr lang="en-US" altLang="zh-CN" sz="1400" b="0" i="1" smtClean="0">
+                            <a:latin typeface="Cambria Math" panose="02040503050406030204" pitchFamily="18" charset="0"/>
+                          </a:rPr>
+                          <m:t>400</m:t>
+                        </m:r>
+                      </m:oMath>
+                    </m:oMathPara>
+                  </a14:m>
+                  <a:endParaRPr lang="zh-CN" altLang="en-US" dirty="0"/>
+                </a:p>
+              </p:txBody>
+            </p:sp>
+          </mc:Choice>
+          <mc:Fallback>
+            <p:sp>
+              <p:nvSpPr>
+                <p:cNvPr id="16" name="文本框 15"/>
+                <p:cNvSpPr txBox="1">
+                  <a:spLocks noRot="1" noChangeAspect="1" noMove="1" noResize="1" noEditPoints="1" noAdjustHandles="1" noChangeArrowheads="1" noChangeShapeType="1" noTextEdit="1"/>
+                </p:cNvSpPr>
+                <p:nvPr/>
+              </p:nvSpPr>
+              <p:spPr>
+                <a:xfrm>
+                  <a:off x="6761515" y="5598452"/>
+                  <a:ext cx="338233" cy="215444"/>
+                </a:xfrm>
+                <a:prstGeom prst="rect">
+                  <a:avLst/>
+                </a:prstGeom>
+                <a:blipFill rotWithShape="0">
+                  <a:blip r:embed="rId5"/>
+                  <a:stretch>
+                    <a:fillRect l="-10714" r="-10714" b="-2778"/>
+                  </a:stretch>
+                </a:blipFill>
+              </p:spPr>
+              <p:txBody>
+                <a:bodyPr/>
+                <a:lstStyle/>
+                <a:p>
+                  <a:r>
+                    <a:rPr lang="zh-CN" altLang="en-US">
+                      <a:noFill/>
+                    </a:rPr>
+                    <a:t> </a:t>
+                  </a:r>
+                </a:p>
+              </p:txBody>
+            </p:sp>
+          </mc:Fallback>
+        </mc:AlternateContent>
+        <mc:AlternateContent xmlns:mc="http://schemas.openxmlformats.org/markup-compatibility/2006">
+          <mc:Choice xmlns:a14="http://schemas.microsoft.com/office/drawing/2010/main" Requires="a14">
+            <p:sp>
+              <p:nvSpPr>
+                <p:cNvPr id="18" name="文本框 17"/>
+                <p:cNvSpPr txBox="1"/>
+                <p:nvPr/>
+              </p:nvSpPr>
+              <p:spPr>
+                <a:xfrm>
+                  <a:off x="2711771" y="1457778"/>
+                  <a:ext cx="967444" cy="365421"/>
+                </a:xfrm>
+                <a:prstGeom prst="rect">
+                  <a:avLst/>
+                </a:prstGeom>
+                <a:noFill/>
+              </p:spPr>
+              <p:txBody>
+                <a:bodyPr wrap="none" lIns="0" tIns="0" rIns="0" bIns="0" rtlCol="0">
+                  <a:spAutoFit/>
+                </a:bodyPr>
+                <a:lstStyle/>
+                <a:p>
+                  <a:pPr/>
+                  <a14:m>
+                    <m:oMathPara xmlns:m="http://schemas.openxmlformats.org/officeDocument/2006/math">
+                      <m:oMathParaPr>
+                        <m:jc m:val="centerGroup"/>
+                      </m:oMathParaPr>
+                      <m:oMath xmlns:m="http://schemas.openxmlformats.org/officeDocument/2006/math">
+                        <m:func>
+                          <m:funcPr>
+                            <m:ctrlPr>
+                              <a:rPr lang="arn-CL" altLang="zh-CN" b="1" i="1" smtClean="0">
+                                <a:latin typeface="Cambria Math" panose="02040503050406030204" pitchFamily="18" charset="0"/>
+                              </a:rPr>
+                            </m:ctrlPr>
+                          </m:funcPr>
+                          <m:fName>
+                            <m:limLow>
+                              <m:limLowPr>
+                                <m:ctrlPr>
+                                  <a:rPr lang="arn-CL" altLang="zh-CN" b="1" i="1" smtClean="0">
+                                    <a:latin typeface="Cambria Math" panose="02040503050406030204" pitchFamily="18" charset="0"/>
+                                  </a:rPr>
+                                </m:ctrlPr>
+                              </m:limLowPr>
+                              <m:e>
+                                <m:r>
+                                  <m:rPr>
+                                    <m:sty m:val="p"/>
+                                  </m:rPr>
+                                  <a:rPr lang="arn-CL" altLang="zh-CN" b="0" i="0" smtClean="0">
+                                    <a:latin typeface="Cambria Math" panose="02040503050406030204" pitchFamily="18" charset="0"/>
+                                  </a:rPr>
+                                  <m:t>min</m:t>
+                                </m:r>
+                              </m:e>
+                              <m:lim>
+                                <m:r>
+                                  <a:rPr lang="zh-CN" altLang="arn-CL" b="0" i="1" smtClean="0">
+                                    <a:latin typeface="Cambria Math" panose="02040503050406030204" pitchFamily="18" charset="0"/>
+                                  </a:rPr>
+                                  <m:t>𝜽</m:t>
+                                </m:r>
+                              </m:lim>
+                            </m:limLow>
+                          </m:fName>
+                          <m:e>
+                            <m:r>
+                              <a:rPr lang="zh-CN" altLang="en-US" b="1" i="1">
+                                <a:latin typeface="Cambria Math" panose="02040503050406030204" pitchFamily="18" charset="0"/>
+                              </a:rPr>
+                              <m:t>𝓙</m:t>
+                            </m:r>
+                            <m:d>
+                              <m:dPr>
+                                <m:ctrlPr>
+                                  <a:rPr lang="en-US" altLang="zh-CN" b="1" i="1">
+                                    <a:latin typeface="Cambria Math" panose="02040503050406030204" pitchFamily="18" charset="0"/>
+                                  </a:rPr>
+                                </m:ctrlPr>
+                              </m:dPr>
+                              <m:e>
+                                <m:r>
+                                  <a:rPr lang="zh-CN" altLang="en-US" b="1" i="1">
+                                    <a:latin typeface="Cambria Math" panose="02040503050406030204" pitchFamily="18" charset="0"/>
+                                  </a:rPr>
+                                  <m:t>𝜽</m:t>
+                                </m:r>
+                              </m:e>
+                            </m:d>
+                          </m:e>
+                        </m:func>
+                      </m:oMath>
+                    </m:oMathPara>
+                  </a14:m>
+                  <a:endParaRPr lang="zh-CN" altLang="en-US" b="1" dirty="0"/>
+                </a:p>
+              </p:txBody>
+            </p:sp>
+          </mc:Choice>
+          <mc:Fallback>
+            <p:sp>
+              <p:nvSpPr>
+                <p:cNvPr id="18" name="文本框 17"/>
+                <p:cNvSpPr txBox="1">
+                  <a:spLocks noRot="1" noChangeAspect="1" noMove="1" noResize="1" noEditPoints="1" noAdjustHandles="1" noChangeArrowheads="1" noChangeShapeType="1" noTextEdit="1"/>
+                </p:cNvSpPr>
+                <p:nvPr/>
+              </p:nvSpPr>
+              <p:spPr>
+                <a:xfrm>
+                  <a:off x="2711771" y="1457778"/>
+                  <a:ext cx="967444" cy="365421"/>
+                </a:xfrm>
+                <a:prstGeom prst="rect">
+                  <a:avLst/>
+                </a:prstGeom>
+                <a:blipFill rotWithShape="0">
+                  <a:blip r:embed="rId6"/>
+                  <a:stretch>
+                    <a:fillRect l="-5660" b="-15000"/>
+                  </a:stretch>
+                </a:blipFill>
+              </p:spPr>
+              <p:txBody>
+                <a:bodyPr/>
+                <a:lstStyle/>
+                <a:p>
+                  <a:r>
+                    <a:rPr lang="zh-CN" altLang="en-US">
+                      <a:noFill/>
+                    </a:rPr>
+                    <a:t> </a:t>
+                  </a:r>
+                </a:p>
+              </p:txBody>
+            </p:sp>
+          </mc:Fallback>
+        </mc:AlternateContent>
+        <mc:AlternateContent xmlns:mc="http://schemas.openxmlformats.org/markup-compatibility/2006">
+          <mc:Choice xmlns:a14="http://schemas.microsoft.com/office/drawing/2010/main" Requires="a14">
+            <p:sp>
+              <p:nvSpPr>
+                <p:cNvPr id="19" name="矩形 18"/>
+                <p:cNvSpPr/>
+                <p:nvPr/>
+              </p:nvSpPr>
+              <p:spPr>
+                <a:xfrm>
+                  <a:off x="7367454" y="5590029"/>
+                  <a:ext cx="1851789" cy="369332"/>
+                </a:xfrm>
+                <a:prstGeom prst="rect">
+                  <a:avLst/>
+                </a:prstGeom>
+              </p:spPr>
+              <p:txBody>
+                <a:bodyPr wrap="none">
+                  <a:spAutoFit/>
+                </a:bodyPr>
+                <a:lstStyle/>
+                <a:p>
+                  <a:pPr/>
+                  <a14:m>
+                    <m:oMathPara xmlns:m="http://schemas.openxmlformats.org/officeDocument/2006/math">
+                      <m:oMathParaPr>
+                        <m:jc m:val="centerGroup"/>
+                      </m:oMathParaPr>
+                      <m:oMath xmlns:m="http://schemas.openxmlformats.org/officeDocument/2006/math">
+                        <m:r>
+                          <a:rPr lang="en-US" altLang="zh-CN" b="1" i="0" smtClean="0">
+                            <a:latin typeface="Cambria Math" panose="02040503050406030204" pitchFamily="18" charset="0"/>
+                          </a:rPr>
+                          <m:t>𝐧𝐨</m:t>
+                        </m:r>
+                        <m:r>
+                          <a:rPr lang="en-US" altLang="zh-CN" b="1" i="0" smtClean="0">
+                            <a:latin typeface="Cambria Math" panose="02040503050406030204" pitchFamily="18" charset="0"/>
+                          </a:rPr>
+                          <m:t>. </m:t>
+                        </m:r>
+                        <m:r>
+                          <a:rPr lang="en-US" altLang="zh-CN" b="1" i="0" smtClean="0">
+                            <a:latin typeface="Cambria Math" panose="02040503050406030204" pitchFamily="18" charset="0"/>
+                          </a:rPr>
+                          <m:t>𝐨𝐟</m:t>
+                        </m:r>
+                        <m:r>
+                          <a:rPr lang="en-US" altLang="zh-CN" b="1" i="0" smtClean="0">
+                            <a:latin typeface="Cambria Math" panose="02040503050406030204" pitchFamily="18" charset="0"/>
+                          </a:rPr>
+                          <m:t> </m:t>
+                        </m:r>
+                        <m:r>
+                          <a:rPr lang="en-US" altLang="zh-CN" b="1" i="0" smtClean="0">
+                            <a:latin typeface="Cambria Math" panose="02040503050406030204" pitchFamily="18" charset="0"/>
+                          </a:rPr>
+                          <m:t>𝐢𝐭𝐞𝐫𝐚𝐭𝐢𝐨𝐧</m:t>
+                        </m:r>
+                      </m:oMath>
+                    </m:oMathPara>
+                  </a14:m>
+                  <a:endParaRPr lang="zh-CN" altLang="en-US" b="1" dirty="0"/>
+                </a:p>
+              </p:txBody>
+            </p:sp>
+          </mc:Choice>
+          <mc:Fallback>
+            <p:sp>
+              <p:nvSpPr>
+                <p:cNvPr id="19" name="矩形 18"/>
+                <p:cNvSpPr>
+                  <a:spLocks noRot="1" noChangeAspect="1" noMove="1" noResize="1" noEditPoints="1" noAdjustHandles="1" noChangeArrowheads="1" noChangeShapeType="1" noTextEdit="1"/>
+                </p:cNvSpPr>
+                <p:nvPr/>
+              </p:nvSpPr>
+              <p:spPr>
+                <a:xfrm>
+                  <a:off x="7367454" y="5590029"/>
+                  <a:ext cx="1851789" cy="369332"/>
+                </a:xfrm>
+                <a:prstGeom prst="rect">
+                  <a:avLst/>
+                </a:prstGeom>
+                <a:blipFill rotWithShape="0">
+                  <a:blip r:embed="rId7"/>
+                  <a:stretch>
+                    <a:fillRect/>
+                  </a:stretch>
+                </a:blipFill>
+              </p:spPr>
+              <p:txBody>
+                <a:bodyPr/>
+                <a:lstStyle/>
+                <a:p>
+                  <a:r>
+                    <a:rPr lang="zh-CN" altLang="en-US">
+                      <a:noFill/>
+                    </a:rPr>
+                    <a:t> </a:t>
+                  </a:r>
+                </a:p>
+              </p:txBody>
+            </p:sp>
+          </mc:Fallback>
+        </mc:AlternateContent>
+      </p:grpSp>
+    </p:spTree>
+    <p:extLst>
+      <p:ext uri="{BB962C8B-B14F-4D97-AF65-F5344CB8AC3E}">
+        <p14:creationId xmlns:p14="http://schemas.microsoft.com/office/powerpoint/2010/main" val="3838371465"/>
+      </p:ext>
+    </p:extLst>
+  </p:cSld>
+  <p:clrMapOvr>
+    <a:masterClrMapping/>
+  </p:clrMapOvr>
+</p:sld>
+</file>
+
+<file path=ppt/slides/slide17.xml><?xml version="1.0" encoding="utf-8"?>
+<p:sld xmlns:a="http://schemas.openxmlformats.org/drawingml/2006/main" xmlns:r="http://schemas.openxmlformats.org/officeDocument/2006/relationships" xmlns:p="http://schemas.openxmlformats.org/presentationml/2006/main">
+  <p:cSld>
+    <p:spTree>
+      <p:nvGrpSpPr>
+        <p:cNvPr id="1" name=""/>
+        <p:cNvGrpSpPr/>
+        <p:nvPr/>
+      </p:nvGrpSpPr>
+      <p:grpSpPr>
+        <a:xfrm>
+          <a:off x="0" y="0"/>
+          <a:ext cx="0" cy="0"/>
+          <a:chOff x="0" y="0"/>
+          <a:chExt cx="0" cy="0"/>
+        </a:xfrm>
+      </p:grpSpPr>
+      <p:grpSp>
+        <p:nvGrpSpPr>
+          <p:cNvPr id="26" name="组合 25"/>
+          <p:cNvGrpSpPr/>
+          <p:nvPr/>
+        </p:nvGrpSpPr>
+        <p:grpSpPr>
+          <a:xfrm>
+            <a:off x="2711771" y="-343661"/>
+            <a:ext cx="6507472" cy="6303022"/>
+            <a:chOff x="2711771" y="-343661"/>
+            <a:chExt cx="6507472" cy="6303022"/>
+          </a:xfrm>
+        </p:grpSpPr>
+        <p:cxnSp>
+          <p:nvCxnSpPr>
+            <p:cNvPr id="5" name="直接箭头连接符 4"/>
+            <p:cNvCxnSpPr/>
+            <p:nvPr/>
+          </p:nvCxnSpPr>
+          <p:spPr>
+            <a:xfrm flipV="1">
+              <a:off x="3892202" y="1349829"/>
+              <a:ext cx="0" cy="4159596"/>
+            </a:xfrm>
+            <a:prstGeom prst="straightConnector1">
+              <a:avLst/>
+            </a:prstGeom>
+            <a:ln w="38100">
+              <a:tailEnd type="triangle"/>
+            </a:ln>
+          </p:spPr>
+          <p:style>
+            <a:lnRef idx="3">
+              <a:schemeClr val="dk1"/>
+            </a:lnRef>
+            <a:fillRef idx="0">
+              <a:schemeClr val="dk1"/>
+            </a:fillRef>
+            <a:effectRef idx="2">
+              <a:schemeClr val="dk1"/>
+            </a:effectRef>
+            <a:fontRef idx="minor">
+              <a:schemeClr val="tx1"/>
+            </a:fontRef>
+          </p:style>
+        </p:cxnSp>
+        <p:cxnSp>
+          <p:nvCxnSpPr>
+            <p:cNvPr id="6" name="直接箭头连接符 5"/>
+            <p:cNvCxnSpPr/>
+            <p:nvPr/>
+          </p:nvCxnSpPr>
+          <p:spPr>
+            <a:xfrm>
+              <a:off x="3873402" y="5509425"/>
+              <a:ext cx="4875606" cy="0"/>
+            </a:xfrm>
+            <a:prstGeom prst="straightConnector1">
+              <a:avLst/>
+            </a:prstGeom>
+            <a:ln w="38100">
+              <a:tailEnd type="triangle"/>
+            </a:ln>
+          </p:spPr>
+          <p:style>
+            <a:lnRef idx="3">
+              <a:schemeClr val="dk1"/>
+            </a:lnRef>
+            <a:fillRef idx="0">
+              <a:schemeClr val="dk1"/>
+            </a:fillRef>
+            <a:effectRef idx="2">
+              <a:schemeClr val="dk1"/>
+            </a:effectRef>
+            <a:fontRef idx="minor">
+              <a:schemeClr val="tx1"/>
+            </a:fontRef>
+          </p:style>
+        </p:cxnSp>
+        <p:sp>
+          <p:nvSpPr>
+            <p:cNvPr id="7" name="弧形 6"/>
+            <p:cNvSpPr/>
+            <p:nvPr/>
+          </p:nvSpPr>
+          <p:spPr>
+            <a:xfrm rot="5075538">
+              <a:off x="3683016" y="493368"/>
+              <a:ext cx="5256376" cy="3582317"/>
+            </a:xfrm>
+            <a:prstGeom prst="arc">
+              <a:avLst>
+                <a:gd name="adj1" fmla="val 20192151"/>
+                <a:gd name="adj2" fmla="val 5413151"/>
+              </a:avLst>
+            </a:prstGeom>
+            <a:ln w="28575"/>
+          </p:spPr>
+          <p:style>
+            <a:lnRef idx="3">
+              <a:schemeClr val="accent1"/>
+            </a:lnRef>
+            <a:fillRef idx="0">
+              <a:schemeClr val="accent1"/>
+            </a:fillRef>
+            <a:effectRef idx="2">
+              <a:schemeClr val="accent1"/>
+            </a:effectRef>
+            <a:fontRef idx="minor">
+              <a:schemeClr val="tx1"/>
+            </a:fontRef>
+          </p:style>
+          <p:txBody>
+            <a:bodyPr rtlCol="0" anchor="ctr"/>
+            <a:lstStyle/>
+            <a:p>
+              <a:pPr algn="ctr"/>
+              <a:endParaRPr lang="zh-CN" altLang="en-US"/>
+            </a:p>
+          </p:txBody>
+        </p:sp>
+        <p:sp>
+          <p:nvSpPr>
+            <p:cNvPr id="8" name="流程图: 联系 7"/>
+            <p:cNvSpPr/>
+            <p:nvPr/>
+          </p:nvSpPr>
+          <p:spPr>
+            <a:xfrm>
+              <a:off x="4605020" y="5460853"/>
+              <a:ext cx="55721" cy="55721"/>
+            </a:xfrm>
+            <a:prstGeom prst="flowChartConnector">
+              <a:avLst/>
+            </a:prstGeom>
+            <a:solidFill>
+              <a:schemeClr val="tx1"/>
+            </a:solidFill>
+            <a:ln>
+              <a:solidFill>
+                <a:schemeClr val="tx1"/>
+              </a:solidFill>
+            </a:ln>
+          </p:spPr>
+          <p:style>
+            <a:lnRef idx="2">
+              <a:schemeClr val="accent1">
+                <a:shade val="50000"/>
+              </a:schemeClr>
+            </a:lnRef>
+            <a:fillRef idx="1">
+              <a:schemeClr val="accent1"/>
+            </a:fillRef>
+            <a:effectRef idx="0">
+              <a:schemeClr val="accent1"/>
+            </a:effectRef>
+            <a:fontRef idx="minor">
+              <a:schemeClr val="lt1"/>
+            </a:fontRef>
+          </p:style>
+          <p:txBody>
+            <a:bodyPr rtlCol="0" anchor="ctr"/>
+            <a:lstStyle/>
+            <a:p>
+              <a:pPr algn="ctr"/>
+              <a:endParaRPr lang="zh-CN" altLang="en-US"/>
+            </a:p>
+          </p:txBody>
+        </p:sp>
+        <p:sp>
+          <p:nvSpPr>
+            <p:cNvPr id="9" name="流程图: 联系 8"/>
+            <p:cNvSpPr/>
+            <p:nvPr/>
+          </p:nvSpPr>
+          <p:spPr>
+            <a:xfrm>
+              <a:off x="5370938" y="5453704"/>
+              <a:ext cx="55721" cy="55721"/>
+            </a:xfrm>
+            <a:prstGeom prst="flowChartConnector">
+              <a:avLst/>
+            </a:prstGeom>
+            <a:solidFill>
+              <a:schemeClr val="tx1"/>
+            </a:solidFill>
+            <a:ln>
+              <a:solidFill>
+                <a:schemeClr val="tx1"/>
+              </a:solidFill>
+            </a:ln>
+          </p:spPr>
+          <p:style>
+            <a:lnRef idx="2">
+              <a:schemeClr val="accent1">
+                <a:shade val="50000"/>
+              </a:schemeClr>
+            </a:lnRef>
+            <a:fillRef idx="1">
+              <a:schemeClr val="accent1"/>
+            </a:fillRef>
+            <a:effectRef idx="0">
+              <a:schemeClr val="accent1"/>
+            </a:effectRef>
+            <a:fontRef idx="minor">
+              <a:schemeClr val="lt1"/>
+            </a:fontRef>
+          </p:style>
+          <p:txBody>
+            <a:bodyPr rtlCol="0" anchor="ctr"/>
+            <a:lstStyle/>
+            <a:p>
+              <a:pPr algn="ctr"/>
+              <a:endParaRPr lang="zh-CN" altLang="en-US"/>
+            </a:p>
+          </p:txBody>
+        </p:sp>
+        <p:sp>
+          <p:nvSpPr>
+            <p:cNvPr id="10" name="流程图: 联系 9"/>
+            <p:cNvSpPr/>
+            <p:nvPr/>
+          </p:nvSpPr>
+          <p:spPr>
+            <a:xfrm>
+              <a:off x="6136856" y="5453704"/>
+              <a:ext cx="55721" cy="55721"/>
+            </a:xfrm>
+            <a:prstGeom prst="flowChartConnector">
+              <a:avLst/>
+            </a:prstGeom>
+            <a:solidFill>
+              <a:schemeClr val="tx1"/>
+            </a:solidFill>
+            <a:ln>
+              <a:solidFill>
+                <a:schemeClr val="tx1"/>
+              </a:solidFill>
+            </a:ln>
+          </p:spPr>
+          <p:style>
+            <a:lnRef idx="2">
+              <a:schemeClr val="accent1">
+                <a:shade val="50000"/>
+              </a:schemeClr>
+            </a:lnRef>
+            <a:fillRef idx="1">
+              <a:schemeClr val="accent1"/>
+            </a:fillRef>
+            <a:effectRef idx="0">
+              <a:schemeClr val="accent1"/>
+            </a:effectRef>
+            <a:fontRef idx="minor">
+              <a:schemeClr val="lt1"/>
+            </a:fontRef>
+          </p:style>
+          <p:txBody>
+            <a:bodyPr rtlCol="0" anchor="ctr"/>
+            <a:lstStyle/>
+            <a:p>
+              <a:pPr algn="ctr"/>
+              <a:endParaRPr lang="zh-CN" altLang="en-US"/>
+            </a:p>
+          </p:txBody>
+        </p:sp>
+        <p:sp>
+          <p:nvSpPr>
+            <p:cNvPr id="11" name="流程图: 联系 10"/>
+            <p:cNvSpPr/>
+            <p:nvPr/>
+          </p:nvSpPr>
+          <p:spPr>
+            <a:xfrm>
+              <a:off x="5370938" y="5460852"/>
+              <a:ext cx="55721" cy="55721"/>
+            </a:xfrm>
+            <a:prstGeom prst="flowChartConnector">
+              <a:avLst/>
+            </a:prstGeom>
+            <a:solidFill>
+              <a:schemeClr val="tx1"/>
+            </a:solidFill>
+            <a:ln>
+              <a:solidFill>
+                <a:schemeClr val="tx1"/>
+              </a:solidFill>
+            </a:ln>
+          </p:spPr>
+          <p:style>
+            <a:lnRef idx="2">
+              <a:schemeClr val="accent1">
+                <a:shade val="50000"/>
+              </a:schemeClr>
+            </a:lnRef>
+            <a:fillRef idx="1">
+              <a:schemeClr val="accent1"/>
+            </a:fillRef>
+            <a:effectRef idx="0">
+              <a:schemeClr val="accent1"/>
+            </a:effectRef>
+            <a:fontRef idx="minor">
+              <a:schemeClr val="lt1"/>
+            </a:fontRef>
+          </p:style>
+          <p:txBody>
+            <a:bodyPr rtlCol="0" anchor="ctr"/>
+            <a:lstStyle/>
+            <a:p>
+              <a:pPr algn="ctr"/>
+              <a:endParaRPr lang="zh-CN" altLang="en-US"/>
+            </a:p>
+          </p:txBody>
+        </p:sp>
+        <p:sp>
+          <p:nvSpPr>
+            <p:cNvPr id="12" name="流程图: 联系 11"/>
+            <p:cNvSpPr/>
+            <p:nvPr/>
+          </p:nvSpPr>
+          <p:spPr>
+            <a:xfrm>
+              <a:off x="6136855" y="5460852"/>
+              <a:ext cx="55721" cy="55721"/>
+            </a:xfrm>
+            <a:prstGeom prst="flowChartConnector">
+              <a:avLst/>
+            </a:prstGeom>
+            <a:solidFill>
+              <a:schemeClr val="tx1"/>
+            </a:solidFill>
+            <a:ln>
+              <a:solidFill>
+                <a:schemeClr val="tx1"/>
+              </a:solidFill>
+            </a:ln>
+          </p:spPr>
+          <p:style>
+            <a:lnRef idx="2">
+              <a:schemeClr val="accent1">
+                <a:shade val="50000"/>
+              </a:schemeClr>
+            </a:lnRef>
+            <a:fillRef idx="1">
+              <a:schemeClr val="accent1"/>
+            </a:fillRef>
+            <a:effectRef idx="0">
+              <a:schemeClr val="accent1"/>
+            </a:effectRef>
+            <a:fontRef idx="minor">
+              <a:schemeClr val="lt1"/>
+            </a:fontRef>
+          </p:style>
+          <p:txBody>
+            <a:bodyPr rtlCol="0" anchor="ctr"/>
+            <a:lstStyle/>
+            <a:p>
+              <a:pPr algn="ctr"/>
+              <a:endParaRPr lang="zh-CN" altLang="en-US"/>
+            </a:p>
+          </p:txBody>
+        </p:sp>
+        <p:sp>
+          <p:nvSpPr>
+            <p:cNvPr id="13" name="流程图: 联系 12"/>
+            <p:cNvSpPr/>
+            <p:nvPr/>
+          </p:nvSpPr>
+          <p:spPr>
+            <a:xfrm>
+              <a:off x="6902772" y="5453704"/>
+              <a:ext cx="55721" cy="55721"/>
+            </a:xfrm>
+            <a:prstGeom prst="flowChartConnector">
+              <a:avLst/>
+            </a:prstGeom>
+            <a:solidFill>
+              <a:schemeClr val="tx1"/>
+            </a:solidFill>
+            <a:ln>
+              <a:solidFill>
+                <a:schemeClr val="tx1"/>
+              </a:solidFill>
+            </a:ln>
+          </p:spPr>
+          <p:style>
+            <a:lnRef idx="2">
+              <a:schemeClr val="accent1">
+                <a:shade val="50000"/>
+              </a:schemeClr>
+            </a:lnRef>
+            <a:fillRef idx="1">
+              <a:schemeClr val="accent1"/>
+            </a:fillRef>
+            <a:effectRef idx="0">
+              <a:schemeClr val="accent1"/>
+            </a:effectRef>
+            <a:fontRef idx="minor">
+              <a:schemeClr val="lt1"/>
+            </a:fontRef>
+          </p:style>
+          <p:txBody>
+            <a:bodyPr rtlCol="0" anchor="ctr"/>
+            <a:lstStyle/>
+            <a:p>
+              <a:pPr algn="ctr"/>
+              <a:endParaRPr lang="zh-CN" altLang="en-US"/>
+            </a:p>
+          </p:txBody>
+        </p:sp>
+        <mc:AlternateContent xmlns:mc="http://schemas.openxmlformats.org/markup-compatibility/2006">
+          <mc:Choice xmlns:a14="http://schemas.microsoft.com/office/drawing/2010/main" Requires="a14">
+            <p:sp>
+              <p:nvSpPr>
+                <p:cNvPr id="14" name="文本框 13"/>
+                <p:cNvSpPr txBox="1"/>
+                <p:nvPr/>
+              </p:nvSpPr>
+              <p:spPr>
+                <a:xfrm>
+                  <a:off x="4463763" y="5596629"/>
+                  <a:ext cx="338233" cy="215444"/>
+                </a:xfrm>
+                <a:prstGeom prst="rect">
+                  <a:avLst/>
+                </a:prstGeom>
+                <a:noFill/>
+              </p:spPr>
+              <p:txBody>
+                <a:bodyPr wrap="none" lIns="0" tIns="0" rIns="0" bIns="0" rtlCol="0">
+                  <a:spAutoFit/>
+                </a:bodyPr>
+                <a:lstStyle/>
+                <a:p>
+                  <a14:m>
+                    <m:oMathPara xmlns:m="http://schemas.openxmlformats.org/officeDocument/2006/math">
+                      <m:oMathParaPr>
+                        <m:jc m:val="centerGroup"/>
+                      </m:oMathParaPr>
+                      <m:oMath xmlns:m="http://schemas.openxmlformats.org/officeDocument/2006/math">
+                        <m:r>
+                          <a:rPr lang="en-US" altLang="zh-CN" sz="1400" b="0" i="1" smtClean="0">
+                            <a:latin typeface="Cambria Math" panose="02040503050406030204" pitchFamily="18" charset="0"/>
+                          </a:rPr>
+                          <m:t>100</m:t>
+                        </m:r>
+                      </m:oMath>
+                    </m:oMathPara>
+                  </a14:m>
+                  <a:endParaRPr lang="zh-CN" altLang="en-US" dirty="0"/>
+                </a:p>
+              </p:txBody>
+            </p:sp>
+          </mc:Choice>
+          <mc:Fallback>
+            <p:sp>
+              <p:nvSpPr>
+                <p:cNvPr id="14" name="文本框 13"/>
+                <p:cNvSpPr txBox="1">
+                  <a:spLocks noRot="1" noChangeAspect="1" noMove="1" noResize="1" noEditPoints="1" noAdjustHandles="1" noChangeArrowheads="1" noChangeShapeType="1" noTextEdit="1"/>
+                </p:cNvSpPr>
+                <p:nvPr/>
+              </p:nvSpPr>
+              <p:spPr>
+                <a:xfrm>
+                  <a:off x="4463763" y="5596629"/>
+                  <a:ext cx="338233" cy="215444"/>
+                </a:xfrm>
+                <a:prstGeom prst="rect">
+                  <a:avLst/>
+                </a:prstGeom>
+                <a:blipFill rotWithShape="0">
+                  <a:blip r:embed="rId2"/>
+                  <a:stretch>
+                    <a:fillRect l="-10714" r="-10714" b="-5714"/>
+                  </a:stretch>
+                </a:blipFill>
+              </p:spPr>
+              <p:txBody>
+                <a:bodyPr/>
+                <a:lstStyle/>
+                <a:p>
+                  <a:r>
+                    <a:rPr lang="zh-CN" altLang="en-US">
+                      <a:noFill/>
+                    </a:rPr>
+                    <a:t> </a:t>
+                  </a:r>
+                </a:p>
+              </p:txBody>
+            </p:sp>
+          </mc:Fallback>
+        </mc:AlternateContent>
+        <mc:AlternateContent xmlns:mc="http://schemas.openxmlformats.org/markup-compatibility/2006">
+          <mc:Choice xmlns:a14="http://schemas.microsoft.com/office/drawing/2010/main" Requires="a14">
+            <p:sp>
+              <p:nvSpPr>
+                <p:cNvPr id="15" name="文本框 14"/>
+                <p:cNvSpPr txBox="1"/>
+                <p:nvPr/>
+              </p:nvSpPr>
+              <p:spPr>
+                <a:xfrm>
+                  <a:off x="5229681" y="5596629"/>
+                  <a:ext cx="338233" cy="215444"/>
+                </a:xfrm>
+                <a:prstGeom prst="rect">
+                  <a:avLst/>
+                </a:prstGeom>
+                <a:noFill/>
+              </p:spPr>
+              <p:txBody>
+                <a:bodyPr wrap="none" lIns="0" tIns="0" rIns="0" bIns="0" rtlCol="0">
+                  <a:spAutoFit/>
+                </a:bodyPr>
+                <a:lstStyle/>
+                <a:p>
+                  <a14:m>
+                    <m:oMathPara xmlns:m="http://schemas.openxmlformats.org/officeDocument/2006/math">
+                      <m:oMathParaPr>
+                        <m:jc m:val="centerGroup"/>
+                      </m:oMathParaPr>
+                      <m:oMath xmlns:m="http://schemas.openxmlformats.org/officeDocument/2006/math">
+                        <m:r>
+                          <a:rPr lang="en-US" altLang="zh-CN" sz="1400" b="0" i="1" smtClean="0">
+                            <a:latin typeface="Cambria Math" panose="02040503050406030204" pitchFamily="18" charset="0"/>
+                          </a:rPr>
+                          <m:t>200</m:t>
+                        </m:r>
+                      </m:oMath>
+                    </m:oMathPara>
+                  </a14:m>
+                  <a:endParaRPr lang="zh-CN" altLang="en-US" dirty="0"/>
+                </a:p>
+              </p:txBody>
+            </p:sp>
+          </mc:Choice>
+          <mc:Fallback>
+            <p:sp>
+              <p:nvSpPr>
+                <p:cNvPr id="15" name="文本框 14"/>
+                <p:cNvSpPr txBox="1">
+                  <a:spLocks noRot="1" noChangeAspect="1" noMove="1" noResize="1" noEditPoints="1" noAdjustHandles="1" noChangeArrowheads="1" noChangeShapeType="1" noTextEdit="1"/>
+                </p:cNvSpPr>
+                <p:nvPr/>
+              </p:nvSpPr>
+              <p:spPr>
+                <a:xfrm>
+                  <a:off x="5229681" y="5596629"/>
+                  <a:ext cx="338233" cy="215444"/>
+                </a:xfrm>
+                <a:prstGeom prst="rect">
+                  <a:avLst/>
+                </a:prstGeom>
+                <a:blipFill rotWithShape="0">
+                  <a:blip r:embed="rId3"/>
+                  <a:stretch>
+                    <a:fillRect l="-10909" r="-12727" b="-5714"/>
+                  </a:stretch>
+                </a:blipFill>
+              </p:spPr>
+              <p:txBody>
+                <a:bodyPr/>
+                <a:lstStyle/>
+                <a:p>
+                  <a:r>
+                    <a:rPr lang="zh-CN" altLang="en-US">
+                      <a:noFill/>
+                    </a:rPr>
+                    <a:t> </a:t>
+                  </a:r>
+                </a:p>
+              </p:txBody>
+            </p:sp>
+          </mc:Fallback>
+        </mc:AlternateContent>
+        <mc:AlternateContent xmlns:mc="http://schemas.openxmlformats.org/markup-compatibility/2006">
+          <mc:Choice xmlns:a14="http://schemas.microsoft.com/office/drawing/2010/main" Requires="a14">
+            <p:sp>
+              <p:nvSpPr>
+                <p:cNvPr id="16" name="文本框 15"/>
+                <p:cNvSpPr txBox="1"/>
+                <p:nvPr/>
+              </p:nvSpPr>
+              <p:spPr>
+                <a:xfrm>
+                  <a:off x="5995598" y="5596629"/>
+                  <a:ext cx="338233" cy="215444"/>
+                </a:xfrm>
+                <a:prstGeom prst="rect">
+                  <a:avLst/>
+                </a:prstGeom>
+                <a:noFill/>
+              </p:spPr>
+              <p:txBody>
+                <a:bodyPr wrap="none" lIns="0" tIns="0" rIns="0" bIns="0" rtlCol="0">
+                  <a:spAutoFit/>
+                </a:bodyPr>
+                <a:lstStyle/>
+                <a:p>
+                  <a14:m>
+                    <m:oMathPara xmlns:m="http://schemas.openxmlformats.org/officeDocument/2006/math">
+                      <m:oMathParaPr>
+                        <m:jc m:val="centerGroup"/>
+                      </m:oMathParaPr>
+                      <m:oMath xmlns:m="http://schemas.openxmlformats.org/officeDocument/2006/math">
+                        <m:r>
+                          <a:rPr lang="en-US" altLang="zh-CN" sz="1400" b="0" i="1" smtClean="0">
+                            <a:latin typeface="Cambria Math" panose="02040503050406030204" pitchFamily="18" charset="0"/>
+                          </a:rPr>
+                          <m:t>300</m:t>
+                        </m:r>
+                      </m:oMath>
+                    </m:oMathPara>
+                  </a14:m>
+                  <a:endParaRPr lang="zh-CN" altLang="en-US" dirty="0"/>
+                </a:p>
+              </p:txBody>
+            </p:sp>
+          </mc:Choice>
+          <mc:Fallback>
+            <p:sp>
+              <p:nvSpPr>
+                <p:cNvPr id="16" name="文本框 15"/>
+                <p:cNvSpPr txBox="1">
+                  <a:spLocks noRot="1" noChangeAspect="1" noMove="1" noResize="1" noEditPoints="1" noAdjustHandles="1" noChangeArrowheads="1" noChangeShapeType="1" noTextEdit="1"/>
+                </p:cNvSpPr>
+                <p:nvPr/>
+              </p:nvSpPr>
+              <p:spPr>
+                <a:xfrm>
+                  <a:off x="5995598" y="5596629"/>
+                  <a:ext cx="338233" cy="215444"/>
+                </a:xfrm>
+                <a:prstGeom prst="rect">
+                  <a:avLst/>
+                </a:prstGeom>
+                <a:blipFill rotWithShape="0">
+                  <a:blip r:embed="rId4"/>
+                  <a:stretch>
+                    <a:fillRect l="-10909" r="-12727" b="-5714"/>
+                  </a:stretch>
+                </a:blipFill>
+              </p:spPr>
+              <p:txBody>
+                <a:bodyPr/>
+                <a:lstStyle/>
+                <a:p>
+                  <a:r>
+                    <a:rPr lang="zh-CN" altLang="en-US">
+                      <a:noFill/>
+                    </a:rPr>
+                    <a:t> </a:t>
+                  </a:r>
+                </a:p>
+              </p:txBody>
+            </p:sp>
+          </mc:Fallback>
+        </mc:AlternateContent>
+        <mc:AlternateContent xmlns:mc="http://schemas.openxmlformats.org/markup-compatibility/2006">
+          <mc:Choice xmlns:a14="http://schemas.microsoft.com/office/drawing/2010/main" Requires="a14">
+            <p:sp>
+              <p:nvSpPr>
+                <p:cNvPr id="17" name="文本框 16"/>
+                <p:cNvSpPr txBox="1"/>
+                <p:nvPr/>
+              </p:nvSpPr>
+              <p:spPr>
+                <a:xfrm>
+                  <a:off x="6761515" y="5598452"/>
+                  <a:ext cx="338233" cy="215444"/>
+                </a:xfrm>
+                <a:prstGeom prst="rect">
+                  <a:avLst/>
+                </a:prstGeom>
+                <a:noFill/>
+              </p:spPr>
+              <p:txBody>
+                <a:bodyPr wrap="none" lIns="0" tIns="0" rIns="0" bIns="0" rtlCol="0">
+                  <a:spAutoFit/>
+                </a:bodyPr>
+                <a:lstStyle/>
+                <a:p>
+                  <a14:m>
+                    <m:oMathPara xmlns:m="http://schemas.openxmlformats.org/officeDocument/2006/math">
+                      <m:oMathParaPr>
+                        <m:jc m:val="centerGroup"/>
+                      </m:oMathParaPr>
+                      <m:oMath xmlns:m="http://schemas.openxmlformats.org/officeDocument/2006/math">
+                        <m:r>
+                          <a:rPr lang="en-US" altLang="zh-CN" sz="1400" b="0" i="1" smtClean="0">
+                            <a:latin typeface="Cambria Math" panose="02040503050406030204" pitchFamily="18" charset="0"/>
+                          </a:rPr>
+                          <m:t>400</m:t>
+                        </m:r>
+                      </m:oMath>
+                    </m:oMathPara>
+                  </a14:m>
+                  <a:endParaRPr lang="zh-CN" altLang="en-US" dirty="0"/>
+                </a:p>
+              </p:txBody>
+            </p:sp>
+          </mc:Choice>
+          <mc:Fallback>
+            <p:sp>
+              <p:nvSpPr>
+                <p:cNvPr id="17" name="文本框 16"/>
+                <p:cNvSpPr txBox="1">
+                  <a:spLocks noRot="1" noChangeAspect="1" noMove="1" noResize="1" noEditPoints="1" noAdjustHandles="1" noChangeArrowheads="1" noChangeShapeType="1" noTextEdit="1"/>
+                </p:cNvSpPr>
+                <p:nvPr/>
+              </p:nvSpPr>
+              <p:spPr>
+                <a:xfrm>
+                  <a:off x="6761515" y="5598452"/>
+                  <a:ext cx="338233" cy="215444"/>
+                </a:xfrm>
+                <a:prstGeom prst="rect">
+                  <a:avLst/>
+                </a:prstGeom>
+                <a:blipFill rotWithShape="0">
+                  <a:blip r:embed="rId5"/>
+                  <a:stretch>
+                    <a:fillRect l="-10714" r="-10714" b="-2778"/>
+                  </a:stretch>
+                </a:blipFill>
+              </p:spPr>
+              <p:txBody>
+                <a:bodyPr/>
+                <a:lstStyle/>
+                <a:p>
+                  <a:r>
+                    <a:rPr lang="zh-CN" altLang="en-US">
+                      <a:noFill/>
+                    </a:rPr>
+                    <a:t> </a:t>
+                  </a:r>
+                </a:p>
+              </p:txBody>
+            </p:sp>
+          </mc:Fallback>
+        </mc:AlternateContent>
+        <mc:AlternateContent xmlns:mc="http://schemas.openxmlformats.org/markup-compatibility/2006">
+          <mc:Choice xmlns:a14="http://schemas.microsoft.com/office/drawing/2010/main" Requires="a14">
+            <p:sp>
+              <p:nvSpPr>
+                <p:cNvPr id="18" name="文本框 17"/>
+                <p:cNvSpPr txBox="1"/>
+                <p:nvPr/>
+              </p:nvSpPr>
+              <p:spPr>
+                <a:xfrm>
+                  <a:off x="2711771" y="1457778"/>
+                  <a:ext cx="967444" cy="365421"/>
+                </a:xfrm>
+                <a:prstGeom prst="rect">
+                  <a:avLst/>
+                </a:prstGeom>
+                <a:noFill/>
+              </p:spPr>
+              <p:txBody>
+                <a:bodyPr wrap="none" lIns="0" tIns="0" rIns="0" bIns="0" rtlCol="0">
+                  <a:spAutoFit/>
+                </a:bodyPr>
+                <a:lstStyle/>
+                <a:p>
+                  <a:pPr/>
+                  <a14:m>
+                    <m:oMathPara xmlns:m="http://schemas.openxmlformats.org/officeDocument/2006/math">
+                      <m:oMathParaPr>
+                        <m:jc m:val="centerGroup"/>
+                      </m:oMathParaPr>
+                      <m:oMath xmlns:m="http://schemas.openxmlformats.org/officeDocument/2006/math">
+                        <m:func>
+                          <m:funcPr>
+                            <m:ctrlPr>
+                              <a:rPr lang="arn-CL" altLang="zh-CN" b="1" i="1" smtClean="0">
+                                <a:latin typeface="Cambria Math" panose="02040503050406030204" pitchFamily="18" charset="0"/>
+                              </a:rPr>
+                            </m:ctrlPr>
+                          </m:funcPr>
+                          <m:fName>
+                            <m:limLow>
+                              <m:limLowPr>
+                                <m:ctrlPr>
+                                  <a:rPr lang="arn-CL" altLang="zh-CN" b="1" i="1" smtClean="0">
+                                    <a:latin typeface="Cambria Math" panose="02040503050406030204" pitchFamily="18" charset="0"/>
+                                  </a:rPr>
+                                </m:ctrlPr>
+                              </m:limLowPr>
+                              <m:e>
+                                <m:r>
+                                  <m:rPr>
+                                    <m:sty m:val="p"/>
+                                  </m:rPr>
+                                  <a:rPr lang="arn-CL" altLang="zh-CN" b="0" i="0" smtClean="0">
+                                    <a:latin typeface="Cambria Math" panose="02040503050406030204" pitchFamily="18" charset="0"/>
+                                  </a:rPr>
+                                  <m:t>min</m:t>
+                                </m:r>
+                              </m:e>
+                              <m:lim>
+                                <m:r>
+                                  <a:rPr lang="zh-CN" altLang="arn-CL" b="0" i="1" smtClean="0">
+                                    <a:latin typeface="Cambria Math" panose="02040503050406030204" pitchFamily="18" charset="0"/>
+                                  </a:rPr>
+                                  <m:t>𝜽</m:t>
+                                </m:r>
+                              </m:lim>
+                            </m:limLow>
+                          </m:fName>
+                          <m:e>
+                            <m:r>
+                              <a:rPr lang="zh-CN" altLang="en-US" b="1" i="1">
+                                <a:latin typeface="Cambria Math" panose="02040503050406030204" pitchFamily="18" charset="0"/>
+                              </a:rPr>
+                              <m:t>𝓙</m:t>
+                            </m:r>
+                            <m:d>
+                              <m:dPr>
+                                <m:ctrlPr>
+                                  <a:rPr lang="en-US" altLang="zh-CN" b="1" i="1">
+                                    <a:latin typeface="Cambria Math" panose="02040503050406030204" pitchFamily="18" charset="0"/>
+                                  </a:rPr>
+                                </m:ctrlPr>
+                              </m:dPr>
+                              <m:e>
+                                <m:r>
+                                  <a:rPr lang="zh-CN" altLang="en-US" b="1" i="1">
+                                    <a:latin typeface="Cambria Math" panose="02040503050406030204" pitchFamily="18" charset="0"/>
+                                  </a:rPr>
+                                  <m:t>𝜽</m:t>
+                                </m:r>
+                              </m:e>
+                            </m:d>
+                          </m:e>
+                        </m:func>
+                      </m:oMath>
+                    </m:oMathPara>
+                  </a14:m>
+                  <a:endParaRPr lang="zh-CN" altLang="en-US" b="1" dirty="0"/>
+                </a:p>
+              </p:txBody>
+            </p:sp>
+          </mc:Choice>
+          <mc:Fallback>
+            <p:sp>
+              <p:nvSpPr>
+                <p:cNvPr id="18" name="文本框 17"/>
+                <p:cNvSpPr txBox="1">
+                  <a:spLocks noRot="1" noChangeAspect="1" noMove="1" noResize="1" noEditPoints="1" noAdjustHandles="1" noChangeArrowheads="1" noChangeShapeType="1" noTextEdit="1"/>
+                </p:cNvSpPr>
+                <p:nvPr/>
+              </p:nvSpPr>
+              <p:spPr>
+                <a:xfrm>
+                  <a:off x="2711771" y="1457778"/>
+                  <a:ext cx="967444" cy="365421"/>
+                </a:xfrm>
+                <a:prstGeom prst="rect">
+                  <a:avLst/>
+                </a:prstGeom>
+                <a:blipFill rotWithShape="0">
+                  <a:blip r:embed="rId6"/>
+                  <a:stretch>
+                    <a:fillRect l="-5660" b="-15000"/>
+                  </a:stretch>
+                </a:blipFill>
+              </p:spPr>
+              <p:txBody>
+                <a:bodyPr/>
+                <a:lstStyle/>
+                <a:p>
+                  <a:r>
+                    <a:rPr lang="zh-CN" altLang="en-US">
+                      <a:noFill/>
+                    </a:rPr>
+                    <a:t> </a:t>
+                  </a:r>
+                </a:p>
+              </p:txBody>
+            </p:sp>
+          </mc:Fallback>
+        </mc:AlternateContent>
+        <mc:AlternateContent xmlns:mc="http://schemas.openxmlformats.org/markup-compatibility/2006">
+          <mc:Choice xmlns:a14="http://schemas.microsoft.com/office/drawing/2010/main" Requires="a14">
+            <p:sp>
+              <p:nvSpPr>
+                <p:cNvPr id="19" name="矩形 18"/>
+                <p:cNvSpPr/>
+                <p:nvPr/>
+              </p:nvSpPr>
+              <p:spPr>
+                <a:xfrm>
+                  <a:off x="7367454" y="5590029"/>
+                  <a:ext cx="1851789" cy="369332"/>
+                </a:xfrm>
+                <a:prstGeom prst="rect">
+                  <a:avLst/>
+                </a:prstGeom>
+              </p:spPr>
+              <p:txBody>
+                <a:bodyPr wrap="none">
+                  <a:spAutoFit/>
+                </a:bodyPr>
+                <a:lstStyle/>
+                <a:p>
+                  <a:pPr/>
+                  <a14:m>
+                    <m:oMathPara xmlns:m="http://schemas.openxmlformats.org/officeDocument/2006/math">
+                      <m:oMathParaPr>
+                        <m:jc m:val="centerGroup"/>
+                      </m:oMathParaPr>
+                      <m:oMath xmlns:m="http://schemas.openxmlformats.org/officeDocument/2006/math">
+                        <m:r>
+                          <a:rPr lang="en-US" altLang="zh-CN" b="1" i="0" smtClean="0">
+                            <a:latin typeface="Cambria Math" panose="02040503050406030204" pitchFamily="18" charset="0"/>
+                          </a:rPr>
+                          <m:t>𝐧𝐨</m:t>
+                        </m:r>
+                        <m:r>
+                          <a:rPr lang="en-US" altLang="zh-CN" b="1" i="0" smtClean="0">
+                            <a:latin typeface="Cambria Math" panose="02040503050406030204" pitchFamily="18" charset="0"/>
+                          </a:rPr>
+                          <m:t>. </m:t>
+                        </m:r>
+                        <m:r>
+                          <a:rPr lang="en-US" altLang="zh-CN" b="1" i="0" smtClean="0">
+                            <a:latin typeface="Cambria Math" panose="02040503050406030204" pitchFamily="18" charset="0"/>
+                          </a:rPr>
+                          <m:t>𝐨𝐟</m:t>
+                        </m:r>
+                        <m:r>
+                          <a:rPr lang="en-US" altLang="zh-CN" b="1" i="0" smtClean="0">
+                            <a:latin typeface="Cambria Math" panose="02040503050406030204" pitchFamily="18" charset="0"/>
+                          </a:rPr>
+                          <m:t> </m:t>
+                        </m:r>
+                        <m:r>
+                          <a:rPr lang="en-US" altLang="zh-CN" b="1" i="0" smtClean="0">
+                            <a:latin typeface="Cambria Math" panose="02040503050406030204" pitchFamily="18" charset="0"/>
+                          </a:rPr>
+                          <m:t>𝐢𝐭𝐞𝐫𝐚𝐭𝐢𝐨𝐧</m:t>
+                        </m:r>
+                      </m:oMath>
+                    </m:oMathPara>
+                  </a14:m>
+                  <a:endParaRPr lang="zh-CN" altLang="en-US" b="1" dirty="0"/>
+                </a:p>
+              </p:txBody>
+            </p:sp>
+          </mc:Choice>
+          <mc:Fallback>
+            <p:sp>
+              <p:nvSpPr>
+                <p:cNvPr id="19" name="矩形 18"/>
+                <p:cNvSpPr>
+                  <a:spLocks noRot="1" noChangeAspect="1" noMove="1" noResize="1" noEditPoints="1" noAdjustHandles="1" noChangeArrowheads="1" noChangeShapeType="1" noTextEdit="1"/>
+                </p:cNvSpPr>
+                <p:nvPr/>
+              </p:nvSpPr>
+              <p:spPr>
+                <a:xfrm>
+                  <a:off x="7367454" y="5590029"/>
+                  <a:ext cx="1851789" cy="369332"/>
+                </a:xfrm>
+                <a:prstGeom prst="rect">
+                  <a:avLst/>
+                </a:prstGeom>
+                <a:blipFill rotWithShape="0">
+                  <a:blip r:embed="rId7"/>
+                  <a:stretch>
+                    <a:fillRect/>
+                  </a:stretch>
+                </a:blipFill>
+              </p:spPr>
+              <p:txBody>
+                <a:bodyPr/>
+                <a:lstStyle/>
+                <a:p>
+                  <a:r>
+                    <a:rPr lang="zh-CN" altLang="en-US">
+                      <a:noFill/>
+                    </a:rPr>
+                    <a:t> </a:t>
+                  </a:r>
+                </a:p>
+              </p:txBody>
+            </p:sp>
+          </mc:Fallback>
+        </mc:AlternateContent>
+      </p:grpSp>
+    </p:spTree>
+    <p:extLst>
+      <p:ext uri="{BB962C8B-B14F-4D97-AF65-F5344CB8AC3E}">
+        <p14:creationId xmlns:p14="http://schemas.microsoft.com/office/powerpoint/2010/main" val="2563589482"/>
+      </p:ext>
+    </p:extLst>
+  </p:cSld>
+  <p:clrMapOvr>
+    <a:masterClrMapping/>
+  </p:clrMapOvr>
+</p:sld>
+</file>
+
+<file path=ppt/slides/slide18.xml><?xml version="1.0" encoding="utf-8"?>
+<p:sld xmlns:a="http://schemas.openxmlformats.org/drawingml/2006/main" xmlns:r="http://schemas.openxmlformats.org/officeDocument/2006/relationships" xmlns:p="http://schemas.openxmlformats.org/presentationml/2006/main">
+  <p:cSld>
+    <p:spTree>
+      <p:nvGrpSpPr>
+        <p:cNvPr id="1" name=""/>
+        <p:cNvGrpSpPr/>
+        <p:nvPr/>
+      </p:nvGrpSpPr>
+      <p:grpSpPr>
+        <a:xfrm>
+          <a:off x="0" y="0"/>
+          <a:ext cx="0" cy="0"/>
+          <a:chOff x="0" y="0"/>
+          <a:chExt cx="0" cy="0"/>
+        </a:xfrm>
+      </p:grpSpPr>
+      <p:grpSp>
+        <p:nvGrpSpPr>
+          <p:cNvPr id="54" name="组合 53"/>
+          <p:cNvGrpSpPr/>
+          <p:nvPr/>
+        </p:nvGrpSpPr>
+        <p:grpSpPr>
+          <a:xfrm>
+            <a:off x="1573819" y="-1676825"/>
+            <a:ext cx="11464696" cy="10283479"/>
+            <a:chOff x="2450119" y="-1778425"/>
+            <a:chExt cx="11464696" cy="10283479"/>
+          </a:xfrm>
+        </p:grpSpPr>
+        <p:cxnSp>
+          <p:nvCxnSpPr>
+            <p:cNvPr id="7" name="直接箭头连接符 6"/>
+            <p:cNvCxnSpPr/>
+            <p:nvPr/>
+          </p:nvCxnSpPr>
+          <p:spPr>
+            <a:xfrm flipV="1">
+              <a:off x="3447209" y="1254909"/>
+              <a:ext cx="0" cy="4089196"/>
+            </a:xfrm>
+            <a:prstGeom prst="straightConnector1">
+              <a:avLst/>
+            </a:prstGeom>
+            <a:ln w="38100">
+              <a:tailEnd type="triangle"/>
+            </a:ln>
+          </p:spPr>
+          <p:style>
+            <a:lnRef idx="3">
+              <a:schemeClr val="dk1"/>
+            </a:lnRef>
+            <a:fillRef idx="0">
+              <a:schemeClr val="dk1"/>
+            </a:fillRef>
+            <a:effectRef idx="2">
+              <a:schemeClr val="dk1"/>
+            </a:effectRef>
+            <a:fontRef idx="minor">
+              <a:schemeClr val="tx1"/>
+            </a:fontRef>
+          </p:style>
+        </p:cxnSp>
+        <p:cxnSp>
+          <p:nvCxnSpPr>
+            <p:cNvPr id="8" name="直接箭头连接符 7"/>
+            <p:cNvCxnSpPr/>
+            <p:nvPr/>
+          </p:nvCxnSpPr>
+          <p:spPr>
+            <a:xfrm>
+              <a:off x="3432382" y="5344107"/>
+              <a:ext cx="5351762" cy="0"/>
+            </a:xfrm>
+            <a:prstGeom prst="straightConnector1">
+              <a:avLst/>
+            </a:prstGeom>
+            <a:ln w="38100">
+              <a:tailEnd type="triangle"/>
+            </a:ln>
+          </p:spPr>
+          <p:style>
+            <a:lnRef idx="3">
+              <a:schemeClr val="dk1"/>
+            </a:lnRef>
+            <a:fillRef idx="0">
+              <a:schemeClr val="dk1"/>
+            </a:fillRef>
+            <a:effectRef idx="2">
+              <a:schemeClr val="dk1"/>
+            </a:effectRef>
+            <a:fontRef idx="minor">
+              <a:schemeClr val="tx1"/>
+            </a:fontRef>
+          </p:style>
+        </p:cxnSp>
+        <p:sp>
+          <p:nvSpPr>
+            <p:cNvPr id="9" name="乘号 8"/>
+            <p:cNvSpPr/>
+            <p:nvPr/>
+          </p:nvSpPr>
+          <p:spPr>
+            <a:xfrm>
+              <a:off x="3937021" y="3851966"/>
+              <a:ext cx="234491" cy="234491"/>
+            </a:xfrm>
+            <a:prstGeom prst="mathMultiply">
+              <a:avLst/>
+            </a:prstGeom>
+            <a:solidFill>
+              <a:srgbClr val="FF0000"/>
+            </a:solidFill>
+            <a:ln>
+              <a:solidFill>
+                <a:srgbClr val="FF0000"/>
+              </a:solidFill>
+            </a:ln>
+          </p:spPr>
+          <p:style>
+            <a:lnRef idx="2">
+              <a:schemeClr val="accent1">
+                <a:shade val="50000"/>
+              </a:schemeClr>
+            </a:lnRef>
+            <a:fillRef idx="1">
+              <a:schemeClr val="accent1"/>
+            </a:fillRef>
+            <a:effectRef idx="0">
+              <a:schemeClr val="accent1"/>
+            </a:effectRef>
+            <a:fontRef idx="minor">
+              <a:schemeClr val="lt1"/>
+            </a:fontRef>
+          </p:style>
+          <p:txBody>
+            <a:bodyPr rtlCol="0" anchor="ctr"/>
+            <a:lstStyle/>
+            <a:p>
+              <a:pPr algn="ctr"/>
+              <a:endParaRPr lang="zh-CN" altLang="en-US"/>
+            </a:p>
+          </p:txBody>
+        </p:sp>
+        <p:sp>
+          <p:nvSpPr>
+            <p:cNvPr id="10" name="乘号 9"/>
+            <p:cNvSpPr/>
+            <p:nvPr/>
+          </p:nvSpPr>
+          <p:spPr>
+            <a:xfrm>
+              <a:off x="4092501" y="4533643"/>
+              <a:ext cx="234491" cy="234491"/>
+            </a:xfrm>
+            <a:prstGeom prst="mathMultiply">
+              <a:avLst/>
+            </a:prstGeom>
+            <a:solidFill>
+              <a:srgbClr val="FF0000"/>
+            </a:solidFill>
+            <a:ln>
+              <a:solidFill>
+                <a:srgbClr val="FF0000"/>
+              </a:solidFill>
+            </a:ln>
+          </p:spPr>
+          <p:style>
+            <a:lnRef idx="2">
+              <a:schemeClr val="accent1">
+                <a:shade val="50000"/>
+              </a:schemeClr>
+            </a:lnRef>
+            <a:fillRef idx="1">
+              <a:schemeClr val="accent1"/>
+            </a:fillRef>
+            <a:effectRef idx="0">
+              <a:schemeClr val="accent1"/>
+            </a:effectRef>
+            <a:fontRef idx="minor">
+              <a:schemeClr val="lt1"/>
+            </a:fontRef>
+          </p:style>
+          <p:txBody>
+            <a:bodyPr rtlCol="0" anchor="ctr"/>
+            <a:lstStyle/>
+            <a:p>
+              <a:pPr algn="ctr"/>
+              <a:endParaRPr lang="zh-CN" altLang="en-US"/>
+            </a:p>
+          </p:txBody>
+        </p:sp>
+        <p:sp>
+          <p:nvSpPr>
+            <p:cNvPr id="11" name="乘号 10"/>
+            <p:cNvSpPr/>
+            <p:nvPr/>
+          </p:nvSpPr>
+          <p:spPr>
+            <a:xfrm>
+              <a:off x="4262937" y="3053392"/>
+              <a:ext cx="234491" cy="234491"/>
+            </a:xfrm>
+            <a:prstGeom prst="mathMultiply">
+              <a:avLst/>
+            </a:prstGeom>
+            <a:solidFill>
+              <a:srgbClr val="FF0000"/>
+            </a:solidFill>
+            <a:ln>
+              <a:solidFill>
+                <a:srgbClr val="FF0000"/>
+              </a:solidFill>
+            </a:ln>
+          </p:spPr>
+          <p:style>
+            <a:lnRef idx="2">
+              <a:schemeClr val="accent1">
+                <a:shade val="50000"/>
+              </a:schemeClr>
+            </a:lnRef>
+            <a:fillRef idx="1">
+              <a:schemeClr val="accent1"/>
+            </a:fillRef>
+            <a:effectRef idx="0">
+              <a:schemeClr val="accent1"/>
+            </a:effectRef>
+            <a:fontRef idx="minor">
+              <a:schemeClr val="lt1"/>
+            </a:fontRef>
+          </p:style>
+          <p:txBody>
+            <a:bodyPr rtlCol="0" anchor="ctr"/>
+            <a:lstStyle/>
+            <a:p>
+              <a:pPr algn="ctr"/>
+              <a:endParaRPr lang="zh-CN" altLang="en-US"/>
+            </a:p>
+          </p:txBody>
+        </p:sp>
+        <p:sp>
+          <p:nvSpPr>
+            <p:cNvPr id="12" name="乘号 11"/>
+            <p:cNvSpPr/>
+            <p:nvPr/>
+          </p:nvSpPr>
+          <p:spPr>
+            <a:xfrm>
+              <a:off x="5128958" y="2164152"/>
+              <a:ext cx="234491" cy="234491"/>
+            </a:xfrm>
+            <a:prstGeom prst="mathMultiply">
+              <a:avLst/>
+            </a:prstGeom>
+            <a:solidFill>
+              <a:srgbClr val="FF0000"/>
+            </a:solidFill>
+            <a:ln>
+              <a:solidFill>
+                <a:srgbClr val="FF0000"/>
+              </a:solidFill>
+            </a:ln>
+          </p:spPr>
+          <p:style>
+            <a:lnRef idx="2">
+              <a:schemeClr val="accent1">
+                <a:shade val="50000"/>
+              </a:schemeClr>
+            </a:lnRef>
+            <a:fillRef idx="1">
+              <a:schemeClr val="accent1"/>
+            </a:fillRef>
+            <a:effectRef idx="0">
+              <a:schemeClr val="accent1"/>
+            </a:effectRef>
+            <a:fontRef idx="minor">
+              <a:schemeClr val="lt1"/>
+            </a:fontRef>
+          </p:style>
+          <p:txBody>
+            <a:bodyPr rtlCol="0" anchor="ctr"/>
+            <a:lstStyle/>
+            <a:p>
+              <a:pPr algn="ctr"/>
+              <a:endParaRPr lang="zh-CN" altLang="en-US"/>
+            </a:p>
+          </p:txBody>
+        </p:sp>
+        <p:sp>
+          <p:nvSpPr>
+            <p:cNvPr id="13" name="乘号 12"/>
+            <p:cNvSpPr/>
+            <p:nvPr/>
+          </p:nvSpPr>
+          <p:spPr>
+            <a:xfrm>
+              <a:off x="5956458" y="2231860"/>
+              <a:ext cx="234491" cy="234491"/>
+            </a:xfrm>
+            <a:prstGeom prst="mathMultiply">
+              <a:avLst/>
+            </a:prstGeom>
+            <a:solidFill>
+              <a:srgbClr val="FF0000"/>
+            </a:solidFill>
+            <a:ln>
+              <a:solidFill>
+                <a:srgbClr val="FF0000"/>
+              </a:solidFill>
+            </a:ln>
+          </p:spPr>
+          <p:style>
+            <a:lnRef idx="2">
+              <a:schemeClr val="accent1">
+                <a:shade val="50000"/>
+              </a:schemeClr>
+            </a:lnRef>
+            <a:fillRef idx="1">
+              <a:schemeClr val="accent1"/>
+            </a:fillRef>
+            <a:effectRef idx="0">
+              <a:schemeClr val="accent1"/>
+            </a:effectRef>
+            <a:fontRef idx="minor">
+              <a:schemeClr val="lt1"/>
+            </a:fontRef>
+          </p:style>
+          <p:txBody>
+            <a:bodyPr rtlCol="0" anchor="ctr"/>
+            <a:lstStyle/>
+            <a:p>
+              <a:pPr algn="ctr"/>
+              <a:endParaRPr lang="zh-CN" altLang="en-US"/>
+            </a:p>
+          </p:txBody>
+        </p:sp>
+        <p:sp>
+          <p:nvSpPr>
+            <p:cNvPr id="14" name="乘号 13"/>
+            <p:cNvSpPr/>
+            <p:nvPr/>
+          </p:nvSpPr>
+          <p:spPr>
+            <a:xfrm>
+              <a:off x="5776527" y="2909567"/>
+              <a:ext cx="234491" cy="234491"/>
+            </a:xfrm>
+            <a:prstGeom prst="mathMultiply">
+              <a:avLst/>
+            </a:prstGeom>
+            <a:solidFill>
+              <a:srgbClr val="FF0000"/>
+            </a:solidFill>
+            <a:ln>
+              <a:solidFill>
+                <a:srgbClr val="FF0000"/>
+              </a:solidFill>
+            </a:ln>
+          </p:spPr>
+          <p:style>
+            <a:lnRef idx="2">
+              <a:schemeClr val="accent1">
+                <a:shade val="50000"/>
+              </a:schemeClr>
+            </a:lnRef>
+            <a:fillRef idx="1">
+              <a:schemeClr val="accent1"/>
+            </a:fillRef>
+            <a:effectRef idx="0">
+              <a:schemeClr val="accent1"/>
+            </a:effectRef>
+            <a:fontRef idx="minor">
+              <a:schemeClr val="lt1"/>
+            </a:fontRef>
+          </p:style>
+          <p:txBody>
+            <a:bodyPr rtlCol="0" anchor="ctr"/>
+            <a:lstStyle/>
+            <a:p>
+              <a:pPr algn="ctr"/>
+              <a:endParaRPr lang="zh-CN" altLang="en-US"/>
+            </a:p>
+          </p:txBody>
+        </p:sp>
+        <mc:AlternateContent xmlns:mc="http://schemas.openxmlformats.org/markup-compatibility/2006">
+          <mc:Choice xmlns:a14="http://schemas.microsoft.com/office/drawing/2010/main" Requires="a14">
+            <p:sp>
+              <p:nvSpPr>
+                <p:cNvPr id="15" name="文本框 14"/>
+                <p:cNvSpPr txBox="1"/>
+                <p:nvPr/>
+              </p:nvSpPr>
+              <p:spPr>
+                <a:xfrm>
+                  <a:off x="9119483" y="2449992"/>
+                  <a:ext cx="1754198" cy="188834"/>
+                </a:xfrm>
+                <a:prstGeom prst="rect">
+                  <a:avLst/>
+                </a:prstGeom>
+                <a:noFill/>
+              </p:spPr>
+              <p:txBody>
+                <a:bodyPr wrap="none" lIns="0" tIns="0" rIns="0" bIns="0" rtlCol="0">
+                  <a:spAutoFit/>
+                </a:bodyPr>
+                <a:lstStyle/>
+                <a:p>
+                  <a:pPr/>
+                  <a14:m>
+                    <m:oMathPara xmlns:m="http://schemas.openxmlformats.org/officeDocument/2006/math">
+                      <m:oMathParaPr>
+                        <m:jc m:val="centerGroup"/>
+                      </m:oMathParaPr>
+                      <m:oMath xmlns:m="http://schemas.openxmlformats.org/officeDocument/2006/math">
+                        <m:sSub>
+                          <m:sSubPr>
+                            <m:ctrlPr>
+                              <a:rPr lang="en-US" altLang="zh-CN" sz="1200" b="1" i="1" smtClean="0">
+                                <a:latin typeface="Cambria Math" panose="02040503050406030204" pitchFamily="18" charset="0"/>
+                              </a:rPr>
+                            </m:ctrlPr>
+                          </m:sSubPr>
+                          <m:e>
+                            <m:r>
+                              <a:rPr lang="en-US" altLang="zh-CN" sz="1200" b="1" i="1" smtClean="0">
+                                <a:latin typeface="Cambria Math" panose="02040503050406030204" pitchFamily="18" charset="0"/>
+                              </a:rPr>
+                              <m:t>𝒉</m:t>
+                            </m:r>
+                          </m:e>
+                          <m:sub>
+                            <m:r>
+                              <a:rPr lang="zh-CN" altLang="en-US" sz="1200" b="1" i="1" smtClean="0">
+                                <a:latin typeface="Cambria Math" panose="02040503050406030204" pitchFamily="18" charset="0"/>
+                              </a:rPr>
+                              <m:t>𝜽</m:t>
+                            </m:r>
+                          </m:sub>
+                        </m:sSub>
+                        <m:d>
+                          <m:dPr>
+                            <m:ctrlPr>
+                              <a:rPr lang="en-US" altLang="zh-CN" sz="1200" b="1" i="1" smtClean="0">
+                                <a:latin typeface="Cambria Math" panose="02040503050406030204" pitchFamily="18" charset="0"/>
+                              </a:rPr>
+                            </m:ctrlPr>
+                          </m:dPr>
+                          <m:e>
+                            <m:r>
+                              <a:rPr lang="en-US" altLang="zh-CN" sz="1200" b="1" i="1" smtClean="0">
+                                <a:latin typeface="Cambria Math" panose="02040503050406030204" pitchFamily="18" charset="0"/>
+                              </a:rPr>
+                              <m:t>𝒙</m:t>
+                            </m:r>
+                          </m:e>
+                        </m:d>
+                        <m:r>
+                          <a:rPr lang="en-US" altLang="zh-CN" sz="1200" b="1" i="1" smtClean="0">
+                            <a:latin typeface="Cambria Math" panose="02040503050406030204" pitchFamily="18" charset="0"/>
+                          </a:rPr>
+                          <m:t>=</m:t>
+                        </m:r>
+                        <m:sSub>
+                          <m:sSubPr>
+                            <m:ctrlPr>
+                              <a:rPr lang="en-US" altLang="zh-CN" sz="1200" b="1" i="1" smtClean="0">
+                                <a:latin typeface="Cambria Math" panose="02040503050406030204" pitchFamily="18" charset="0"/>
+                              </a:rPr>
+                            </m:ctrlPr>
+                          </m:sSubPr>
+                          <m:e>
+                            <m:r>
+                              <a:rPr lang="zh-CN" altLang="en-US" sz="1200" b="1" i="1">
+                                <a:latin typeface="Cambria Math" panose="02040503050406030204" pitchFamily="18" charset="0"/>
+                              </a:rPr>
+                              <m:t>𝜽</m:t>
+                            </m:r>
+                          </m:e>
+                          <m:sub>
+                            <m:r>
+                              <a:rPr lang="en-US" altLang="zh-CN" sz="1200" b="1" i="1" smtClean="0">
+                                <a:latin typeface="Cambria Math" panose="02040503050406030204" pitchFamily="18" charset="0"/>
+                              </a:rPr>
+                              <m:t>𝟎</m:t>
+                            </m:r>
+                          </m:sub>
+                        </m:sSub>
+                        <m:r>
+                          <a:rPr lang="en-US" altLang="zh-CN" sz="1200" b="1" i="1" smtClean="0">
+                            <a:latin typeface="Cambria Math" panose="02040503050406030204" pitchFamily="18" charset="0"/>
+                          </a:rPr>
+                          <m:t>+</m:t>
+                        </m:r>
+                        <m:sSub>
+                          <m:sSubPr>
+                            <m:ctrlPr>
+                              <a:rPr lang="en-US" altLang="zh-CN" sz="1200" b="1" i="1" smtClean="0">
+                                <a:latin typeface="Cambria Math" panose="02040503050406030204" pitchFamily="18" charset="0"/>
+                              </a:rPr>
+                            </m:ctrlPr>
+                          </m:sSubPr>
+                          <m:e>
+                            <m:r>
+                              <a:rPr lang="zh-CN" altLang="en-US" sz="1200" b="1" i="1">
+                                <a:latin typeface="Cambria Math" panose="02040503050406030204" pitchFamily="18" charset="0"/>
+                              </a:rPr>
+                              <m:t>𝜽</m:t>
+                            </m:r>
+                          </m:e>
+                          <m:sub>
+                            <m:r>
+                              <a:rPr lang="en-US" altLang="zh-CN" sz="1200" b="1" i="1" smtClean="0">
+                                <a:latin typeface="Cambria Math" panose="02040503050406030204" pitchFamily="18" charset="0"/>
+                              </a:rPr>
+                              <m:t>𝟏</m:t>
+                            </m:r>
+                          </m:sub>
+                        </m:sSub>
+                        <m:r>
+                          <a:rPr lang="en-US" altLang="zh-CN" sz="1200" b="1" i="1" smtClean="0">
+                            <a:latin typeface="Cambria Math" panose="02040503050406030204" pitchFamily="18" charset="0"/>
+                          </a:rPr>
+                          <m:t>𝒙</m:t>
+                        </m:r>
+                        <m:r>
+                          <a:rPr lang="en-US" altLang="zh-CN" sz="1200" b="1" i="1" smtClean="0">
+                            <a:latin typeface="Cambria Math" panose="02040503050406030204" pitchFamily="18" charset="0"/>
+                          </a:rPr>
+                          <m:t>+</m:t>
+                        </m:r>
+                        <m:sSub>
+                          <m:sSubPr>
+                            <m:ctrlPr>
+                              <a:rPr lang="en-US" altLang="zh-CN" sz="1200" b="1" i="1" smtClean="0">
+                                <a:latin typeface="Cambria Math" panose="02040503050406030204" pitchFamily="18" charset="0"/>
+                              </a:rPr>
+                            </m:ctrlPr>
+                          </m:sSubPr>
+                          <m:e>
+                            <m:r>
+                              <a:rPr lang="zh-CN" altLang="en-US" sz="1200" b="1" i="1" smtClean="0">
+                                <a:latin typeface="Cambria Math" panose="02040503050406030204" pitchFamily="18" charset="0"/>
+                              </a:rPr>
+                              <m:t>𝜽</m:t>
+                            </m:r>
+                          </m:e>
+                          <m:sub>
+                            <m:r>
+                              <a:rPr lang="en-US" altLang="zh-CN" sz="1200" b="1" i="1" smtClean="0">
+                                <a:latin typeface="Cambria Math" panose="02040503050406030204" pitchFamily="18" charset="0"/>
+                              </a:rPr>
+                              <m:t>𝟐</m:t>
+                            </m:r>
+                          </m:sub>
+                        </m:sSub>
+                        <m:sSup>
+                          <m:sSupPr>
+                            <m:ctrlPr>
+                              <a:rPr lang="en-US" altLang="zh-CN" sz="1200" b="1" i="1" smtClean="0">
+                                <a:latin typeface="Cambria Math" panose="02040503050406030204" pitchFamily="18" charset="0"/>
+                              </a:rPr>
+                            </m:ctrlPr>
+                          </m:sSupPr>
+                          <m:e>
+                            <m:r>
+                              <a:rPr lang="en-US" altLang="zh-CN" sz="1200" b="1" i="1" smtClean="0">
+                                <a:latin typeface="Cambria Math" panose="02040503050406030204" pitchFamily="18" charset="0"/>
+                              </a:rPr>
+                              <m:t>𝒙</m:t>
+                            </m:r>
+                          </m:e>
+                          <m:sup>
+                            <m:r>
+                              <a:rPr lang="en-US" altLang="zh-CN" sz="1200" b="1" i="1" smtClean="0">
+                                <a:latin typeface="Cambria Math" panose="02040503050406030204" pitchFamily="18" charset="0"/>
+                              </a:rPr>
+                              <m:t>𝟐</m:t>
+                            </m:r>
+                          </m:sup>
+                        </m:sSup>
+                      </m:oMath>
+                    </m:oMathPara>
+                  </a14:m>
+                  <a:endParaRPr lang="zh-CN" altLang="en-US" sz="1200" b="1" dirty="0"/>
+                </a:p>
+              </p:txBody>
+            </p:sp>
+          </mc:Choice>
+          <mc:Fallback>
+            <p:sp>
+              <p:nvSpPr>
+                <p:cNvPr id="15" name="文本框 14"/>
+                <p:cNvSpPr txBox="1">
+                  <a:spLocks noRot="1" noChangeAspect="1" noMove="1" noResize="1" noEditPoints="1" noAdjustHandles="1" noChangeArrowheads="1" noChangeShapeType="1" noTextEdit="1"/>
+                </p:cNvSpPr>
+                <p:nvPr/>
+              </p:nvSpPr>
+              <p:spPr>
+                <a:xfrm>
+                  <a:off x="9119483" y="2449992"/>
+                  <a:ext cx="1754198" cy="188834"/>
+                </a:xfrm>
+                <a:prstGeom prst="rect">
+                  <a:avLst/>
+                </a:prstGeom>
+                <a:blipFill rotWithShape="0">
+                  <a:blip r:embed="rId2"/>
+                  <a:stretch>
+                    <a:fillRect l="-2083" t="-3226" r="-694" b="-12903"/>
+                  </a:stretch>
+                </a:blipFill>
+              </p:spPr>
+              <p:txBody>
+                <a:bodyPr/>
+                <a:lstStyle/>
+                <a:p>
+                  <a:r>
+                    <a:rPr lang="zh-CN" altLang="en-US">
+                      <a:noFill/>
+                    </a:rPr>
+                    <a:t> </a:t>
+                  </a:r>
+                </a:p>
+              </p:txBody>
+            </p:sp>
+          </mc:Fallback>
+        </mc:AlternateContent>
+        <mc:AlternateContent xmlns:mc="http://schemas.openxmlformats.org/markup-compatibility/2006">
+          <mc:Choice xmlns:a14="http://schemas.microsoft.com/office/drawing/2010/main" Requires="a14">
+            <p:sp>
+              <p:nvSpPr>
+                <p:cNvPr id="21" name="文本框 20"/>
+                <p:cNvSpPr txBox="1"/>
+                <p:nvPr/>
+              </p:nvSpPr>
+              <p:spPr>
+                <a:xfrm>
+                  <a:off x="8872443" y="5024429"/>
+                  <a:ext cx="429193" cy="639350"/>
+                </a:xfrm>
+                <a:prstGeom prst="rect">
+                  <a:avLst/>
+                </a:prstGeom>
+                <a:noFill/>
+              </p:spPr>
+              <p:txBody>
+                <a:bodyPr wrap="none" lIns="0" tIns="0" rIns="0" bIns="0" rtlCol="0">
+                  <a:spAutoFit/>
+                </a:bodyPr>
+                <a:lstStyle/>
+                <a:p>
+                  <a:pPr/>
+                  <a14:m>
+                    <m:oMathPara xmlns:m="http://schemas.openxmlformats.org/officeDocument/2006/math">
+                      <m:oMathParaPr>
+                        <m:jc m:val="centerGroup"/>
+                      </m:oMathParaPr>
+                      <m:oMath xmlns:m="http://schemas.openxmlformats.org/officeDocument/2006/math">
+                        <m:r>
+                          <a:rPr lang="en-US" altLang="zh-CN" b="1" i="1" smtClean="0">
+                            <a:latin typeface="Cambria Math" panose="02040503050406030204" pitchFamily="18" charset="0"/>
+                          </a:rPr>
+                          <m:t>𝒙</m:t>
+                        </m:r>
+                      </m:oMath>
+                    </m:oMathPara>
+                  </a14:m>
+                  <a:endParaRPr lang="zh-CN" altLang="en-US" b="1" dirty="0"/>
+                </a:p>
+              </p:txBody>
+            </p:sp>
+          </mc:Choice>
+          <mc:Fallback>
+            <p:sp>
+              <p:nvSpPr>
+                <p:cNvPr id="21" name="文本框 20"/>
+                <p:cNvSpPr txBox="1">
+                  <a:spLocks noRot="1" noChangeAspect="1" noMove="1" noResize="1" noEditPoints="1" noAdjustHandles="1" noChangeArrowheads="1" noChangeShapeType="1" noTextEdit="1"/>
+                </p:cNvSpPr>
+                <p:nvPr/>
+              </p:nvSpPr>
+              <p:spPr>
+                <a:xfrm>
+                  <a:off x="8872443" y="5024429"/>
+                  <a:ext cx="429193" cy="639350"/>
+                </a:xfrm>
+                <a:prstGeom prst="rect">
+                  <a:avLst/>
+                </a:prstGeom>
+                <a:blipFill rotWithShape="0">
+                  <a:blip r:embed="rId3"/>
+                  <a:stretch>
+                    <a:fillRect/>
+                  </a:stretch>
+                </a:blipFill>
+              </p:spPr>
+              <p:txBody>
+                <a:bodyPr/>
+                <a:lstStyle/>
+                <a:p>
+                  <a:r>
+                    <a:rPr lang="zh-CN" altLang="en-US">
+                      <a:noFill/>
+                    </a:rPr>
+                    <a:t> </a:t>
+                  </a:r>
+                </a:p>
+              </p:txBody>
+            </p:sp>
+          </mc:Fallback>
+        </mc:AlternateContent>
+        <mc:AlternateContent xmlns:mc="http://schemas.openxmlformats.org/markup-compatibility/2006">
+          <mc:Choice xmlns:a14="http://schemas.microsoft.com/office/drawing/2010/main" Requires="a14">
+            <p:sp>
+              <p:nvSpPr>
+                <p:cNvPr id="22" name="文本框 21"/>
+                <p:cNvSpPr txBox="1"/>
+                <p:nvPr/>
+              </p:nvSpPr>
+              <p:spPr>
+                <a:xfrm>
+                  <a:off x="2797680" y="1015992"/>
+                  <a:ext cx="440292" cy="639350"/>
+                </a:xfrm>
+                <a:prstGeom prst="rect">
+                  <a:avLst/>
+                </a:prstGeom>
+                <a:noFill/>
+              </p:spPr>
+              <p:txBody>
+                <a:bodyPr wrap="none" lIns="0" tIns="0" rIns="0" bIns="0" rtlCol="0">
+                  <a:spAutoFit/>
+                </a:bodyPr>
+                <a:lstStyle/>
+                <a:p>
+                  <a:pPr/>
+                  <a14:m>
+                    <m:oMathPara xmlns:m="http://schemas.openxmlformats.org/officeDocument/2006/math">
+                      <m:oMathParaPr>
+                        <m:jc m:val="centerGroup"/>
+                      </m:oMathParaPr>
+                      <m:oMath xmlns:m="http://schemas.openxmlformats.org/officeDocument/2006/math">
+                        <m:r>
+                          <a:rPr lang="en-US" altLang="zh-CN" b="1" i="1" smtClean="0">
+                            <a:latin typeface="Cambria Math" panose="02040503050406030204" pitchFamily="18" charset="0"/>
+                          </a:rPr>
+                          <m:t>𝒚</m:t>
+                        </m:r>
+                      </m:oMath>
+                    </m:oMathPara>
+                  </a14:m>
+                  <a:endParaRPr lang="zh-CN" altLang="en-US" b="1" dirty="0"/>
+                </a:p>
+              </p:txBody>
+            </p:sp>
+          </mc:Choice>
+          <mc:Fallback>
+            <p:sp>
+              <p:nvSpPr>
+                <p:cNvPr id="22" name="文本框 21"/>
+                <p:cNvSpPr txBox="1">
+                  <a:spLocks noRot="1" noChangeAspect="1" noMove="1" noResize="1" noEditPoints="1" noAdjustHandles="1" noChangeArrowheads="1" noChangeShapeType="1" noTextEdit="1"/>
+                </p:cNvSpPr>
+                <p:nvPr/>
+              </p:nvSpPr>
+              <p:spPr>
+                <a:xfrm>
+                  <a:off x="2797680" y="1015992"/>
+                  <a:ext cx="440292" cy="639350"/>
+                </a:xfrm>
+                <a:prstGeom prst="rect">
+                  <a:avLst/>
+                </a:prstGeom>
+                <a:blipFill rotWithShape="0">
+                  <a:blip r:embed="rId4"/>
+                  <a:stretch>
+                    <a:fillRect/>
+                  </a:stretch>
+                </a:blipFill>
+              </p:spPr>
+              <p:txBody>
+                <a:bodyPr/>
+                <a:lstStyle/>
+                <a:p>
+                  <a:r>
+                    <a:rPr lang="zh-CN" altLang="en-US">
+                      <a:noFill/>
+                    </a:rPr>
+                    <a:t> </a:t>
+                  </a:r>
+                </a:p>
+              </p:txBody>
+            </p:sp>
+          </mc:Fallback>
+        </mc:AlternateContent>
+        <p:sp>
+          <p:nvSpPr>
+            <p:cNvPr id="25" name="乘号 24"/>
+            <p:cNvSpPr/>
+            <p:nvPr/>
+          </p:nvSpPr>
+          <p:spPr>
+            <a:xfrm>
+              <a:off x="7415445" y="2432325"/>
+              <a:ext cx="234491" cy="234491"/>
+            </a:xfrm>
+            <a:prstGeom prst="mathMultiply">
+              <a:avLst/>
+            </a:prstGeom>
+            <a:solidFill>
+              <a:srgbClr val="FF0000"/>
+            </a:solidFill>
+            <a:ln>
+              <a:solidFill>
+                <a:srgbClr val="FF0000"/>
+              </a:solidFill>
+            </a:ln>
+          </p:spPr>
+          <p:style>
+            <a:lnRef idx="2">
+              <a:schemeClr val="accent1">
+                <a:shade val="50000"/>
+              </a:schemeClr>
+            </a:lnRef>
+            <a:fillRef idx="1">
+              <a:schemeClr val="accent1"/>
+            </a:fillRef>
+            <a:effectRef idx="0">
+              <a:schemeClr val="accent1"/>
+            </a:effectRef>
+            <a:fontRef idx="minor">
+              <a:schemeClr val="lt1"/>
+            </a:fontRef>
+          </p:style>
+          <p:txBody>
+            <a:bodyPr rtlCol="0" anchor="ctr"/>
+            <a:lstStyle/>
+            <a:p>
+              <a:pPr algn="ctr"/>
+              <a:endParaRPr lang="zh-CN" altLang="en-US"/>
+            </a:p>
+          </p:txBody>
+        </p:sp>
+        <p:sp>
+          <p:nvSpPr>
+            <p:cNvPr id="26" name="乘号 25"/>
+            <p:cNvSpPr/>
+            <p:nvPr/>
+          </p:nvSpPr>
+          <p:spPr>
+            <a:xfrm>
+              <a:off x="4992431" y="2913537"/>
+              <a:ext cx="234491" cy="234491"/>
+            </a:xfrm>
+            <a:prstGeom prst="mathMultiply">
+              <a:avLst/>
+            </a:prstGeom>
+            <a:solidFill>
+              <a:srgbClr val="FF0000"/>
+            </a:solidFill>
+            <a:ln>
+              <a:solidFill>
+                <a:srgbClr val="FF0000"/>
+              </a:solidFill>
+            </a:ln>
+          </p:spPr>
+          <p:style>
+            <a:lnRef idx="2">
+              <a:schemeClr val="accent1">
+                <a:shade val="50000"/>
+              </a:schemeClr>
+            </a:lnRef>
+            <a:fillRef idx="1">
+              <a:schemeClr val="accent1"/>
+            </a:fillRef>
+            <a:effectRef idx="0">
+              <a:schemeClr val="accent1"/>
+            </a:effectRef>
+            <a:fontRef idx="minor">
+              <a:schemeClr val="lt1"/>
+            </a:fontRef>
+          </p:style>
+          <p:txBody>
+            <a:bodyPr rtlCol="0" anchor="ctr"/>
+            <a:lstStyle/>
+            <a:p>
+              <a:pPr algn="ctr"/>
+              <a:endParaRPr lang="zh-CN" altLang="en-US"/>
+            </a:p>
+          </p:txBody>
+        </p:sp>
+        <p:sp>
+          <p:nvSpPr>
+            <p:cNvPr id="27" name="乘号 26"/>
+            <p:cNvSpPr/>
+            <p:nvPr/>
+          </p:nvSpPr>
+          <p:spPr>
+            <a:xfrm>
+              <a:off x="4804509" y="3562187"/>
+              <a:ext cx="234491" cy="234491"/>
+            </a:xfrm>
+            <a:prstGeom prst="mathMultiply">
+              <a:avLst/>
+            </a:prstGeom>
+            <a:solidFill>
+              <a:srgbClr val="FF0000"/>
+            </a:solidFill>
+            <a:ln>
+              <a:solidFill>
+                <a:srgbClr val="FF0000"/>
+              </a:solidFill>
+            </a:ln>
+          </p:spPr>
+          <p:style>
+            <a:lnRef idx="2">
+              <a:schemeClr val="accent1">
+                <a:shade val="50000"/>
+              </a:schemeClr>
+            </a:lnRef>
+            <a:fillRef idx="1">
+              <a:schemeClr val="accent1"/>
+            </a:fillRef>
+            <a:effectRef idx="0">
+              <a:schemeClr val="accent1"/>
+            </a:effectRef>
+            <a:fontRef idx="minor">
+              <a:schemeClr val="lt1"/>
+            </a:fontRef>
+          </p:style>
+          <p:txBody>
+            <a:bodyPr rtlCol="0" anchor="ctr"/>
+            <a:lstStyle/>
+            <a:p>
+              <a:pPr algn="ctr"/>
+              <a:endParaRPr lang="zh-CN" altLang="en-US"/>
+            </a:p>
+          </p:txBody>
+        </p:sp>
+        <p:sp>
+          <p:nvSpPr>
+            <p:cNvPr id="28" name="乘号 27"/>
+            <p:cNvSpPr/>
+            <p:nvPr/>
+          </p:nvSpPr>
+          <p:spPr>
+            <a:xfrm>
+              <a:off x="6729151" y="2035802"/>
+              <a:ext cx="234491" cy="234491"/>
+            </a:xfrm>
+            <a:prstGeom prst="mathMultiply">
+              <a:avLst/>
+            </a:prstGeom>
+            <a:solidFill>
+              <a:srgbClr val="FF0000"/>
+            </a:solidFill>
+            <a:ln>
+              <a:solidFill>
+                <a:srgbClr val="FF0000"/>
+              </a:solidFill>
+            </a:ln>
+          </p:spPr>
+          <p:style>
+            <a:lnRef idx="2">
+              <a:schemeClr val="accent1">
+                <a:shade val="50000"/>
+              </a:schemeClr>
+            </a:lnRef>
+            <a:fillRef idx="1">
+              <a:schemeClr val="accent1"/>
+            </a:fillRef>
+            <a:effectRef idx="0">
+              <a:schemeClr val="accent1"/>
+            </a:effectRef>
+            <a:fontRef idx="minor">
+              <a:schemeClr val="lt1"/>
+            </a:fontRef>
+          </p:style>
+          <p:txBody>
+            <a:bodyPr rtlCol="0" anchor="ctr"/>
+            <a:lstStyle/>
+            <a:p>
+              <a:pPr algn="ctr"/>
+              <a:endParaRPr lang="zh-CN" altLang="en-US"/>
+            </a:p>
+          </p:txBody>
+        </p:sp>
+        <p:sp>
+          <p:nvSpPr>
+            <p:cNvPr id="31" name="乘号 30"/>
+            <p:cNvSpPr/>
+            <p:nvPr/>
+          </p:nvSpPr>
+          <p:spPr>
+            <a:xfrm>
+              <a:off x="6424759" y="2661208"/>
+              <a:ext cx="234491" cy="234491"/>
+            </a:xfrm>
+            <a:prstGeom prst="mathMultiply">
+              <a:avLst/>
+            </a:prstGeom>
+            <a:solidFill>
+              <a:srgbClr val="FF0000"/>
+            </a:solidFill>
+            <a:ln>
+              <a:solidFill>
+                <a:srgbClr val="FF0000"/>
+              </a:solidFill>
+            </a:ln>
+          </p:spPr>
+          <p:style>
+            <a:lnRef idx="2">
+              <a:schemeClr val="accent1">
+                <a:shade val="50000"/>
+              </a:schemeClr>
+            </a:lnRef>
+            <a:fillRef idx="1">
+              <a:schemeClr val="accent1"/>
+            </a:fillRef>
+            <a:effectRef idx="0">
+              <a:schemeClr val="accent1"/>
+            </a:effectRef>
+            <a:fontRef idx="minor">
+              <a:schemeClr val="lt1"/>
+            </a:fontRef>
+          </p:style>
+          <p:txBody>
+            <a:bodyPr rtlCol="0" anchor="ctr"/>
+            <a:lstStyle/>
+            <a:p>
+              <a:pPr algn="ctr"/>
+              <a:endParaRPr lang="zh-CN" altLang="en-US"/>
+            </a:p>
+          </p:txBody>
+        </p:sp>
+        <p:sp>
+          <p:nvSpPr>
+            <p:cNvPr id="32" name="乘号 31"/>
+            <p:cNvSpPr/>
+            <p:nvPr/>
+          </p:nvSpPr>
+          <p:spPr>
+            <a:xfrm>
+              <a:off x="7990089" y="2155639"/>
+              <a:ext cx="234491" cy="234491"/>
+            </a:xfrm>
+            <a:prstGeom prst="mathMultiply">
+              <a:avLst/>
+            </a:prstGeom>
+            <a:solidFill>
+              <a:srgbClr val="FF0000"/>
+            </a:solidFill>
+            <a:ln>
+              <a:solidFill>
+                <a:srgbClr val="FF0000"/>
+              </a:solidFill>
+            </a:ln>
+          </p:spPr>
+          <p:style>
+            <a:lnRef idx="2">
+              <a:schemeClr val="accent1">
+                <a:shade val="50000"/>
+              </a:schemeClr>
+            </a:lnRef>
+            <a:fillRef idx="1">
+              <a:schemeClr val="accent1"/>
+            </a:fillRef>
+            <a:effectRef idx="0">
+              <a:schemeClr val="accent1"/>
+            </a:effectRef>
+            <a:fontRef idx="minor">
+              <a:schemeClr val="lt1"/>
+            </a:fontRef>
+          </p:style>
+          <p:txBody>
+            <a:bodyPr rtlCol="0" anchor="ctr"/>
+            <a:lstStyle/>
+            <a:p>
+              <a:pPr algn="ctr"/>
+              <a:endParaRPr lang="zh-CN" altLang="en-US"/>
+            </a:p>
+          </p:txBody>
+        </p:sp>
+        <p:sp>
+          <p:nvSpPr>
+            <p:cNvPr id="33" name="乘号 32"/>
+            <p:cNvSpPr/>
+            <p:nvPr/>
+          </p:nvSpPr>
+          <p:spPr>
+            <a:xfrm>
+              <a:off x="3582079" y="4678300"/>
+              <a:ext cx="234491" cy="234491"/>
+            </a:xfrm>
+            <a:prstGeom prst="mathMultiply">
+              <a:avLst/>
+            </a:prstGeom>
+            <a:solidFill>
+              <a:srgbClr val="FF0000"/>
+            </a:solidFill>
+            <a:ln>
+              <a:solidFill>
+                <a:srgbClr val="FF0000"/>
+              </a:solidFill>
+            </a:ln>
+          </p:spPr>
+          <p:style>
+            <a:lnRef idx="2">
+              <a:schemeClr val="accent1">
+                <a:shade val="50000"/>
+              </a:schemeClr>
+            </a:lnRef>
+            <a:fillRef idx="1">
+              <a:schemeClr val="accent1"/>
+            </a:fillRef>
+            <a:effectRef idx="0">
+              <a:schemeClr val="accent1"/>
+            </a:effectRef>
+            <a:fontRef idx="minor">
+              <a:schemeClr val="lt1"/>
+            </a:fontRef>
+          </p:style>
+          <p:txBody>
+            <a:bodyPr rtlCol="0" anchor="ctr"/>
+            <a:lstStyle/>
+            <a:p>
+              <a:pPr algn="ctr"/>
+              <a:endParaRPr lang="zh-CN" altLang="en-US"/>
+            </a:p>
+          </p:txBody>
+        </p:sp>
+        <p:sp>
+          <p:nvSpPr>
+            <p:cNvPr id="34" name="弧形 33"/>
+            <p:cNvSpPr/>
+            <p:nvPr/>
+          </p:nvSpPr>
+          <p:spPr>
+            <a:xfrm rot="16386976">
+              <a:off x="4631272" y="1746032"/>
+              <a:ext cx="6193396" cy="7324647"/>
+            </a:xfrm>
+            <a:prstGeom prst="arc">
+              <a:avLst>
+                <a:gd name="adj1" fmla="val 16200000"/>
+                <a:gd name="adj2" fmla="val 1271135"/>
+              </a:avLst>
+            </a:prstGeom>
+            <a:ln w="38100"/>
+          </p:spPr>
+          <p:style>
+            <a:lnRef idx="3">
+              <a:schemeClr val="accent1"/>
+            </a:lnRef>
+            <a:fillRef idx="0">
+              <a:schemeClr val="accent1"/>
+            </a:fillRef>
+            <a:effectRef idx="2">
+              <a:schemeClr val="accent1"/>
+            </a:effectRef>
+            <a:fontRef idx="minor">
+              <a:schemeClr val="tx1"/>
+            </a:fontRef>
+          </p:style>
+          <p:txBody>
+            <a:bodyPr rtlCol="0" anchor="ctr"/>
+            <a:lstStyle/>
+            <a:p>
+              <a:pPr algn="ctr"/>
+              <a:endParaRPr lang="zh-CN" altLang="en-US"/>
+            </a:p>
+          </p:txBody>
+        </p:sp>
+        <p:sp>
+          <p:nvSpPr>
+            <p:cNvPr id="35" name="乘号 34"/>
+            <p:cNvSpPr/>
+            <p:nvPr/>
+          </p:nvSpPr>
+          <p:spPr>
+            <a:xfrm>
+              <a:off x="7669842" y="1672816"/>
+              <a:ext cx="234491" cy="234491"/>
+            </a:xfrm>
+            <a:prstGeom prst="mathMultiply">
+              <a:avLst/>
+            </a:prstGeom>
+            <a:solidFill>
+              <a:srgbClr val="FF0000"/>
+            </a:solidFill>
+            <a:ln>
+              <a:solidFill>
+                <a:srgbClr val="FF0000"/>
+              </a:solidFill>
+            </a:ln>
+          </p:spPr>
+          <p:style>
+            <a:lnRef idx="2">
+              <a:schemeClr val="accent1">
+                <a:shade val="50000"/>
+              </a:schemeClr>
+            </a:lnRef>
+            <a:fillRef idx="1">
+              <a:schemeClr val="accent1"/>
+            </a:fillRef>
+            <a:effectRef idx="0">
+              <a:schemeClr val="accent1"/>
+            </a:effectRef>
+            <a:fontRef idx="minor">
+              <a:schemeClr val="lt1"/>
+            </a:fontRef>
+          </p:style>
+          <p:txBody>
+            <a:bodyPr rtlCol="0" anchor="ctr"/>
+            <a:lstStyle/>
+            <a:p>
+              <a:pPr algn="ctr"/>
+              <a:endParaRPr lang="zh-CN" altLang="en-US"/>
+            </a:p>
+          </p:txBody>
+        </p:sp>
+        <p:sp>
+          <p:nvSpPr>
+            <p:cNvPr id="36" name="乘号 35"/>
+            <p:cNvSpPr/>
+            <p:nvPr/>
+          </p:nvSpPr>
+          <p:spPr>
+            <a:xfrm>
+              <a:off x="5365236" y="2587744"/>
+              <a:ext cx="234491" cy="234491"/>
+            </a:xfrm>
+            <a:prstGeom prst="mathMultiply">
+              <a:avLst/>
+            </a:prstGeom>
+            <a:solidFill>
+              <a:srgbClr val="FF0000"/>
+            </a:solidFill>
+            <a:ln>
+              <a:solidFill>
+                <a:srgbClr val="FF0000"/>
+              </a:solidFill>
+            </a:ln>
+          </p:spPr>
+          <p:style>
+            <a:lnRef idx="2">
+              <a:schemeClr val="accent1">
+                <a:shade val="50000"/>
+              </a:schemeClr>
+            </a:lnRef>
+            <a:fillRef idx="1">
+              <a:schemeClr val="accent1"/>
+            </a:fillRef>
+            <a:effectRef idx="0">
+              <a:schemeClr val="accent1"/>
+            </a:effectRef>
+            <a:fontRef idx="minor">
+              <a:schemeClr val="lt1"/>
+            </a:fontRef>
+          </p:style>
+          <p:txBody>
+            <a:bodyPr rtlCol="0" anchor="ctr"/>
+            <a:lstStyle/>
+            <a:p>
+              <a:pPr algn="ctr"/>
+              <a:endParaRPr lang="zh-CN" altLang="en-US"/>
+            </a:p>
+          </p:txBody>
+        </p:sp>
+        <p:sp>
+          <p:nvSpPr>
+            <p:cNvPr id="37" name="乘号 36"/>
+            <p:cNvSpPr/>
+            <p:nvPr/>
+          </p:nvSpPr>
+          <p:spPr>
+            <a:xfrm>
+              <a:off x="4557814" y="3230576"/>
+              <a:ext cx="234491" cy="234491"/>
+            </a:xfrm>
+            <a:prstGeom prst="mathMultiply">
+              <a:avLst/>
+            </a:prstGeom>
+            <a:solidFill>
+              <a:srgbClr val="FF0000"/>
+            </a:solidFill>
+            <a:ln>
+              <a:solidFill>
+                <a:srgbClr val="FF0000"/>
+              </a:solidFill>
+            </a:ln>
+          </p:spPr>
+          <p:style>
+            <a:lnRef idx="2">
+              <a:schemeClr val="accent1">
+                <a:shade val="50000"/>
+              </a:schemeClr>
+            </a:lnRef>
+            <a:fillRef idx="1">
+              <a:schemeClr val="accent1"/>
+            </a:fillRef>
+            <a:effectRef idx="0">
+              <a:schemeClr val="accent1"/>
+            </a:effectRef>
+            <a:fontRef idx="minor">
+              <a:schemeClr val="lt1"/>
+            </a:fontRef>
+          </p:style>
+          <p:txBody>
+            <a:bodyPr rtlCol="0" anchor="ctr"/>
+            <a:lstStyle/>
+            <a:p>
+              <a:pPr algn="ctr"/>
+              <a:endParaRPr lang="zh-CN" altLang="en-US"/>
+            </a:p>
+          </p:txBody>
+        </p:sp>
+        <p:sp>
+          <p:nvSpPr>
+            <p:cNvPr id="38" name="乘号 37"/>
+            <p:cNvSpPr/>
+            <p:nvPr/>
+          </p:nvSpPr>
+          <p:spPr>
+            <a:xfrm>
+              <a:off x="4834308" y="2500293"/>
+              <a:ext cx="234491" cy="234491"/>
+            </a:xfrm>
+            <a:prstGeom prst="mathMultiply">
+              <a:avLst/>
+            </a:prstGeom>
+            <a:solidFill>
+              <a:srgbClr val="FF0000"/>
+            </a:solidFill>
+            <a:ln>
+              <a:solidFill>
+                <a:srgbClr val="FF0000"/>
+              </a:solidFill>
+            </a:ln>
+          </p:spPr>
+          <p:style>
+            <a:lnRef idx="2">
+              <a:schemeClr val="accent1">
+                <a:shade val="50000"/>
+              </a:schemeClr>
+            </a:lnRef>
+            <a:fillRef idx="1">
+              <a:schemeClr val="accent1"/>
+            </a:fillRef>
+            <a:effectRef idx="0">
+              <a:schemeClr val="accent1"/>
+            </a:effectRef>
+            <a:fontRef idx="minor">
+              <a:schemeClr val="lt1"/>
+            </a:fontRef>
+          </p:style>
+          <p:txBody>
+            <a:bodyPr rtlCol="0" anchor="ctr"/>
+            <a:lstStyle/>
+            <a:p>
+              <a:pPr algn="ctr"/>
+              <a:endParaRPr lang="zh-CN" altLang="en-US"/>
+            </a:p>
+          </p:txBody>
+        </p:sp>
+        <p:sp>
+          <p:nvSpPr>
+            <p:cNvPr id="39" name="乘号 38"/>
+            <p:cNvSpPr/>
+            <p:nvPr/>
+          </p:nvSpPr>
+          <p:spPr>
+            <a:xfrm>
+              <a:off x="5474412" y="2211024"/>
+              <a:ext cx="234491" cy="234491"/>
+            </a:xfrm>
+            <a:prstGeom prst="mathMultiply">
+              <a:avLst/>
+            </a:prstGeom>
+            <a:solidFill>
+              <a:srgbClr val="FF0000"/>
+            </a:solidFill>
+            <a:ln>
+              <a:solidFill>
+                <a:srgbClr val="FF0000"/>
+              </a:solidFill>
+            </a:ln>
+          </p:spPr>
+          <p:style>
+            <a:lnRef idx="2">
+              <a:schemeClr val="accent1">
+                <a:shade val="50000"/>
+              </a:schemeClr>
+            </a:lnRef>
+            <a:fillRef idx="1">
+              <a:schemeClr val="accent1"/>
+            </a:fillRef>
+            <a:effectRef idx="0">
+              <a:schemeClr val="accent1"/>
+            </a:effectRef>
+            <a:fontRef idx="minor">
+              <a:schemeClr val="lt1"/>
+            </a:fontRef>
+          </p:style>
+          <p:txBody>
+            <a:bodyPr rtlCol="0" anchor="ctr"/>
+            <a:lstStyle/>
+            <a:p>
+              <a:pPr algn="ctr"/>
+              <a:endParaRPr lang="zh-CN" altLang="en-US"/>
+            </a:p>
+          </p:txBody>
+        </p:sp>
+        <p:sp>
+          <p:nvSpPr>
+            <p:cNvPr id="40" name="乘号 39"/>
+            <p:cNvSpPr/>
+            <p:nvPr/>
+          </p:nvSpPr>
+          <p:spPr>
+            <a:xfrm>
+              <a:off x="5942646" y="2570713"/>
+              <a:ext cx="234491" cy="234491"/>
+            </a:xfrm>
+            <a:prstGeom prst="mathMultiply">
+              <a:avLst/>
+            </a:prstGeom>
+            <a:solidFill>
+              <a:srgbClr val="FF0000"/>
+            </a:solidFill>
+            <a:ln>
+              <a:solidFill>
+                <a:srgbClr val="FF0000"/>
+              </a:solidFill>
+            </a:ln>
+          </p:spPr>
+          <p:style>
+            <a:lnRef idx="2">
+              <a:schemeClr val="accent1">
+                <a:shade val="50000"/>
+              </a:schemeClr>
+            </a:lnRef>
+            <a:fillRef idx="1">
+              <a:schemeClr val="accent1"/>
+            </a:fillRef>
+            <a:effectRef idx="0">
+              <a:schemeClr val="accent1"/>
+            </a:effectRef>
+            <a:fontRef idx="minor">
+              <a:schemeClr val="lt1"/>
+            </a:fontRef>
+          </p:style>
+          <p:txBody>
+            <a:bodyPr rtlCol="0" anchor="ctr"/>
+            <a:lstStyle/>
+            <a:p>
+              <a:pPr algn="ctr"/>
+              <a:endParaRPr lang="zh-CN" altLang="en-US"/>
+            </a:p>
+          </p:txBody>
+        </p:sp>
+        <p:sp>
+          <p:nvSpPr>
+            <p:cNvPr id="41" name="乘号 40"/>
+            <p:cNvSpPr/>
+            <p:nvPr/>
+          </p:nvSpPr>
+          <p:spPr>
+            <a:xfrm>
+              <a:off x="6444555" y="2204553"/>
+              <a:ext cx="234491" cy="234491"/>
+            </a:xfrm>
+            <a:prstGeom prst="mathMultiply">
+              <a:avLst/>
+            </a:prstGeom>
+            <a:solidFill>
+              <a:srgbClr val="FF0000"/>
+            </a:solidFill>
+            <a:ln>
+              <a:solidFill>
+                <a:srgbClr val="FF0000"/>
+              </a:solidFill>
+            </a:ln>
+          </p:spPr>
+          <p:style>
+            <a:lnRef idx="2">
+              <a:schemeClr val="accent1">
+                <a:shade val="50000"/>
+              </a:schemeClr>
+            </a:lnRef>
+            <a:fillRef idx="1">
+              <a:schemeClr val="accent1"/>
+            </a:fillRef>
+            <a:effectRef idx="0">
+              <a:schemeClr val="accent1"/>
+            </a:effectRef>
+            <a:fontRef idx="minor">
+              <a:schemeClr val="lt1"/>
+            </a:fontRef>
+          </p:style>
+          <p:txBody>
+            <a:bodyPr rtlCol="0" anchor="ctr"/>
+            <a:lstStyle/>
+            <a:p>
+              <a:pPr algn="ctr"/>
+              <a:endParaRPr lang="zh-CN" altLang="en-US"/>
+            </a:p>
+          </p:txBody>
+        </p:sp>
+        <p:sp>
+          <p:nvSpPr>
+            <p:cNvPr id="42" name="乘号 41"/>
+            <p:cNvSpPr/>
+            <p:nvPr/>
+          </p:nvSpPr>
+          <p:spPr>
+            <a:xfrm>
+              <a:off x="7125129" y="2231860"/>
+              <a:ext cx="234491" cy="234491"/>
+            </a:xfrm>
+            <a:prstGeom prst="mathMultiply">
+              <a:avLst/>
+            </a:prstGeom>
+            <a:solidFill>
+              <a:srgbClr val="FF0000"/>
+            </a:solidFill>
+            <a:ln>
+              <a:solidFill>
+                <a:srgbClr val="FF0000"/>
+              </a:solidFill>
+            </a:ln>
+          </p:spPr>
+          <p:style>
+            <a:lnRef idx="2">
+              <a:schemeClr val="accent1">
+                <a:shade val="50000"/>
+              </a:schemeClr>
+            </a:lnRef>
+            <a:fillRef idx="1">
+              <a:schemeClr val="accent1"/>
+            </a:fillRef>
+            <a:effectRef idx="0">
+              <a:schemeClr val="accent1"/>
+            </a:effectRef>
+            <a:fontRef idx="minor">
+              <a:schemeClr val="lt1"/>
+            </a:fontRef>
+          </p:style>
+          <p:txBody>
+            <a:bodyPr rtlCol="0" anchor="ctr"/>
+            <a:lstStyle/>
+            <a:p>
+              <a:pPr algn="ctr"/>
+              <a:endParaRPr lang="zh-CN" altLang="en-US"/>
+            </a:p>
+          </p:txBody>
+        </p:sp>
+        <p:sp>
+          <p:nvSpPr>
+            <p:cNvPr id="43" name="乘号 42"/>
+            <p:cNvSpPr/>
+            <p:nvPr/>
+          </p:nvSpPr>
+          <p:spPr>
+            <a:xfrm>
+              <a:off x="7597096" y="2056868"/>
+              <a:ext cx="234491" cy="234491"/>
+            </a:xfrm>
+            <a:prstGeom prst="mathMultiply">
+              <a:avLst/>
+            </a:prstGeom>
+            <a:solidFill>
+              <a:srgbClr val="FF0000"/>
+            </a:solidFill>
+            <a:ln>
+              <a:solidFill>
+                <a:srgbClr val="FF0000"/>
+              </a:solidFill>
+            </a:ln>
+          </p:spPr>
+          <p:style>
+            <a:lnRef idx="2">
+              <a:schemeClr val="accent1">
+                <a:shade val="50000"/>
+              </a:schemeClr>
+            </a:lnRef>
+            <a:fillRef idx="1">
+              <a:schemeClr val="accent1"/>
+            </a:fillRef>
+            <a:effectRef idx="0">
+              <a:schemeClr val="accent1"/>
+            </a:effectRef>
+            <a:fontRef idx="minor">
+              <a:schemeClr val="lt1"/>
+            </a:fontRef>
+          </p:style>
+          <p:txBody>
+            <a:bodyPr rtlCol="0" anchor="ctr"/>
+            <a:lstStyle/>
+            <a:p>
+              <a:pPr algn="ctr"/>
+              <a:endParaRPr lang="zh-CN" altLang="en-US"/>
+            </a:p>
+          </p:txBody>
+        </p:sp>
+        <p:sp>
+          <p:nvSpPr>
+            <p:cNvPr id="44" name="乘号 43"/>
+            <p:cNvSpPr/>
+            <p:nvPr/>
+          </p:nvSpPr>
+          <p:spPr>
+            <a:xfrm>
+              <a:off x="4455586" y="3722847"/>
+              <a:ext cx="234491" cy="234491"/>
+            </a:xfrm>
+            <a:prstGeom prst="mathMultiply">
+              <a:avLst/>
+            </a:prstGeom>
+            <a:solidFill>
+              <a:srgbClr val="FF0000"/>
+            </a:solidFill>
+            <a:ln>
+              <a:solidFill>
+                <a:srgbClr val="FF0000"/>
+              </a:solidFill>
+            </a:ln>
+          </p:spPr>
+          <p:style>
+            <a:lnRef idx="2">
+              <a:schemeClr val="accent1">
+                <a:shade val="50000"/>
+              </a:schemeClr>
+            </a:lnRef>
+            <a:fillRef idx="1">
+              <a:schemeClr val="accent1"/>
+            </a:fillRef>
+            <a:effectRef idx="0">
+              <a:schemeClr val="accent1"/>
+            </a:effectRef>
+            <a:fontRef idx="minor">
+              <a:schemeClr val="lt1"/>
+            </a:fontRef>
+          </p:style>
+          <p:txBody>
+            <a:bodyPr rtlCol="0" anchor="ctr"/>
+            <a:lstStyle/>
+            <a:p>
+              <a:pPr algn="ctr"/>
+              <a:endParaRPr lang="zh-CN" altLang="en-US"/>
+            </a:p>
+          </p:txBody>
+        </p:sp>
+        <p:sp>
+          <p:nvSpPr>
+            <p:cNvPr id="45" name="乘号 44"/>
+            <p:cNvSpPr/>
+            <p:nvPr/>
+          </p:nvSpPr>
+          <p:spPr>
+            <a:xfrm>
+              <a:off x="4145691" y="4104040"/>
+              <a:ext cx="234491" cy="234491"/>
+            </a:xfrm>
+            <a:prstGeom prst="mathMultiply">
+              <a:avLst/>
+            </a:prstGeom>
+            <a:solidFill>
+              <a:srgbClr val="FF0000"/>
+            </a:solidFill>
+            <a:ln>
+              <a:solidFill>
+                <a:srgbClr val="FF0000"/>
+              </a:solidFill>
+            </a:ln>
+          </p:spPr>
+          <p:style>
+            <a:lnRef idx="2">
+              <a:schemeClr val="accent1">
+                <a:shade val="50000"/>
+              </a:schemeClr>
+            </a:lnRef>
+            <a:fillRef idx="1">
+              <a:schemeClr val="accent1"/>
+            </a:fillRef>
+            <a:effectRef idx="0">
+              <a:schemeClr val="accent1"/>
+            </a:effectRef>
+            <a:fontRef idx="minor">
+              <a:schemeClr val="lt1"/>
+            </a:fontRef>
+          </p:style>
+          <p:txBody>
+            <a:bodyPr rtlCol="0" anchor="ctr"/>
+            <a:lstStyle/>
+            <a:p>
+              <a:pPr algn="ctr"/>
+              <a:endParaRPr lang="zh-CN" altLang="en-US" dirty="0"/>
+            </a:p>
+          </p:txBody>
+        </p:sp>
+        <p:sp>
+          <p:nvSpPr>
+            <p:cNvPr id="46" name="乘号 45"/>
+            <p:cNvSpPr/>
+            <p:nvPr/>
+          </p:nvSpPr>
+          <p:spPr>
+            <a:xfrm>
+              <a:off x="4205359" y="3471583"/>
+              <a:ext cx="234491" cy="234491"/>
+            </a:xfrm>
+            <a:prstGeom prst="mathMultiply">
+              <a:avLst/>
+            </a:prstGeom>
+            <a:solidFill>
+              <a:srgbClr val="FF0000"/>
+            </a:solidFill>
+            <a:ln>
+              <a:solidFill>
+                <a:srgbClr val="FF0000"/>
+              </a:solidFill>
+            </a:ln>
+          </p:spPr>
+          <p:style>
+            <a:lnRef idx="2">
+              <a:schemeClr val="accent1">
+                <a:shade val="50000"/>
+              </a:schemeClr>
+            </a:lnRef>
+            <a:fillRef idx="1">
+              <a:schemeClr val="accent1"/>
+            </a:fillRef>
+            <a:effectRef idx="0">
+              <a:schemeClr val="accent1"/>
+            </a:effectRef>
+            <a:fontRef idx="minor">
+              <a:schemeClr val="lt1"/>
+            </a:fontRef>
+          </p:style>
+          <p:txBody>
+            <a:bodyPr rtlCol="0" anchor="ctr"/>
+            <a:lstStyle/>
+            <a:p>
+              <a:pPr algn="ctr"/>
+              <a:endParaRPr lang="zh-CN" altLang="en-US"/>
+            </a:p>
+          </p:txBody>
+        </p:sp>
+        <p:sp>
+          <p:nvSpPr>
+            <p:cNvPr id="47" name="乘号 46"/>
+            <p:cNvSpPr/>
+            <p:nvPr/>
+          </p:nvSpPr>
+          <p:spPr>
+            <a:xfrm>
+              <a:off x="5366945" y="3318060"/>
+              <a:ext cx="234491" cy="234491"/>
+            </a:xfrm>
+            <a:prstGeom prst="mathMultiply">
+              <a:avLst/>
+            </a:prstGeom>
+            <a:solidFill>
+              <a:srgbClr val="FF0000"/>
+            </a:solidFill>
+            <a:ln>
+              <a:solidFill>
+                <a:srgbClr val="FF0000"/>
+              </a:solidFill>
+            </a:ln>
+          </p:spPr>
+          <p:style>
+            <a:lnRef idx="2">
+              <a:schemeClr val="accent1">
+                <a:shade val="50000"/>
+              </a:schemeClr>
+            </a:lnRef>
+            <a:fillRef idx="1">
+              <a:schemeClr val="accent1"/>
+            </a:fillRef>
+            <a:effectRef idx="0">
+              <a:schemeClr val="accent1"/>
+            </a:effectRef>
+            <a:fontRef idx="minor">
+              <a:schemeClr val="lt1"/>
+            </a:fontRef>
+          </p:style>
+          <p:txBody>
+            <a:bodyPr rtlCol="0" anchor="ctr"/>
+            <a:lstStyle/>
+            <a:p>
+              <a:pPr algn="ctr"/>
+              <a:endParaRPr lang="zh-CN" altLang="en-US"/>
+            </a:p>
+          </p:txBody>
+        </p:sp>
+        <p:sp>
+          <p:nvSpPr>
+            <p:cNvPr id="48" name="乘号 47"/>
+            <p:cNvSpPr/>
+            <p:nvPr/>
+          </p:nvSpPr>
+          <p:spPr>
+            <a:xfrm>
+              <a:off x="4430647" y="4344008"/>
+              <a:ext cx="234491" cy="234491"/>
+            </a:xfrm>
+            <a:prstGeom prst="mathMultiply">
+              <a:avLst/>
+            </a:prstGeom>
+            <a:solidFill>
+              <a:srgbClr val="FF0000"/>
+            </a:solidFill>
+            <a:ln>
+              <a:solidFill>
+                <a:srgbClr val="FF0000"/>
+              </a:solidFill>
+            </a:ln>
+          </p:spPr>
+          <p:style>
+            <a:lnRef idx="2">
+              <a:schemeClr val="accent1">
+                <a:shade val="50000"/>
+              </a:schemeClr>
+            </a:lnRef>
+            <a:fillRef idx="1">
+              <a:schemeClr val="accent1"/>
+            </a:fillRef>
+            <a:effectRef idx="0">
+              <a:schemeClr val="accent1"/>
+            </a:effectRef>
+            <a:fontRef idx="minor">
+              <a:schemeClr val="lt1"/>
+            </a:fontRef>
+          </p:style>
+          <p:txBody>
+            <a:bodyPr rtlCol="0" anchor="ctr"/>
+            <a:lstStyle/>
+            <a:p>
+              <a:pPr algn="ctr"/>
+              <a:endParaRPr lang="zh-CN" altLang="en-US"/>
+            </a:p>
+          </p:txBody>
+        </p:sp>
+        <p:sp>
+          <p:nvSpPr>
+            <p:cNvPr id="49" name="乘号 48"/>
+            <p:cNvSpPr/>
+            <p:nvPr/>
+          </p:nvSpPr>
+          <p:spPr>
+            <a:xfrm>
+              <a:off x="7125129" y="1918556"/>
+              <a:ext cx="234491" cy="234491"/>
+            </a:xfrm>
+            <a:prstGeom prst="mathMultiply">
+              <a:avLst/>
+            </a:prstGeom>
+            <a:solidFill>
+              <a:srgbClr val="FF0000"/>
+            </a:solidFill>
+            <a:ln>
+              <a:solidFill>
+                <a:srgbClr val="FF0000"/>
+              </a:solidFill>
+            </a:ln>
+          </p:spPr>
+          <p:style>
+            <a:lnRef idx="2">
+              <a:schemeClr val="accent1">
+                <a:shade val="50000"/>
+              </a:schemeClr>
+            </a:lnRef>
+            <a:fillRef idx="1">
+              <a:schemeClr val="accent1"/>
+            </a:fillRef>
+            <a:effectRef idx="0">
+              <a:schemeClr val="accent1"/>
+            </a:effectRef>
+            <a:fontRef idx="minor">
+              <a:schemeClr val="lt1"/>
+            </a:fontRef>
+          </p:style>
+          <p:txBody>
+            <a:bodyPr rtlCol="0" anchor="ctr"/>
+            <a:lstStyle/>
+            <a:p>
+              <a:pPr algn="ctr"/>
+              <a:endParaRPr lang="zh-CN" altLang="en-US"/>
+            </a:p>
+          </p:txBody>
+        </p:sp>
+        <p:sp>
+          <p:nvSpPr>
+            <p:cNvPr id="50" name="弧形 49"/>
+            <p:cNvSpPr/>
+            <p:nvPr/>
+          </p:nvSpPr>
+          <p:spPr>
+            <a:xfrm rot="3331567">
+              <a:off x="5403032" y="-1805496"/>
+              <a:ext cx="4083545" cy="4137688"/>
+            </a:xfrm>
+            <a:prstGeom prst="arc">
+              <a:avLst>
+                <a:gd name="adj1" fmla="val 20763473"/>
+                <a:gd name="adj2" fmla="val 2002734"/>
+              </a:avLst>
+            </a:prstGeom>
+            <a:ln w="38100">
+              <a:prstDash val="dash"/>
+            </a:ln>
+          </p:spPr>
+          <p:style>
+            <a:lnRef idx="3">
+              <a:schemeClr val="accent1"/>
+            </a:lnRef>
+            <a:fillRef idx="0">
+              <a:schemeClr val="accent1"/>
+            </a:fillRef>
+            <a:effectRef idx="2">
+              <a:schemeClr val="accent1"/>
+            </a:effectRef>
+            <a:fontRef idx="minor">
+              <a:schemeClr val="tx1"/>
+            </a:fontRef>
+          </p:style>
+          <p:txBody>
+            <a:bodyPr rtlCol="0" anchor="ctr"/>
+            <a:lstStyle/>
+            <a:p>
+              <a:pPr algn="ctr"/>
+              <a:endParaRPr lang="zh-CN" altLang="en-US"/>
+            </a:p>
+          </p:txBody>
+        </p:sp>
+        <p:sp>
+          <p:nvSpPr>
+            <p:cNvPr id="51" name="弧形 50"/>
+            <p:cNvSpPr/>
+            <p:nvPr/>
+          </p:nvSpPr>
+          <p:spPr>
+            <a:xfrm rot="15942410">
+              <a:off x="6098947" y="-1398579"/>
+              <a:ext cx="4167039" cy="11464696"/>
+            </a:xfrm>
+            <a:prstGeom prst="arc">
+              <a:avLst>
+                <a:gd name="adj1" fmla="val 20529498"/>
+                <a:gd name="adj2" fmla="val 1617575"/>
+              </a:avLst>
+            </a:prstGeom>
+            <a:ln w="38100">
+              <a:prstDash val="sysDot"/>
+            </a:ln>
+          </p:spPr>
+          <p:style>
+            <a:lnRef idx="3">
+              <a:schemeClr val="accent1"/>
+            </a:lnRef>
+            <a:fillRef idx="0">
+              <a:schemeClr val="accent1"/>
+            </a:fillRef>
+            <a:effectRef idx="2">
+              <a:schemeClr val="accent1"/>
+            </a:effectRef>
+            <a:fontRef idx="minor">
+              <a:schemeClr val="tx1"/>
+            </a:fontRef>
+          </p:style>
+          <p:txBody>
+            <a:bodyPr rtlCol="0" anchor="ctr"/>
+            <a:lstStyle/>
+            <a:p>
+              <a:pPr algn="ctr"/>
+              <a:endParaRPr lang="zh-CN" altLang="en-US"/>
+            </a:p>
+          </p:txBody>
+        </p:sp>
+        <mc:AlternateContent xmlns:mc="http://schemas.openxmlformats.org/markup-compatibility/2006">
+          <mc:Choice xmlns:a14="http://schemas.microsoft.com/office/drawing/2010/main" Requires="a14">
+            <p:sp>
+              <p:nvSpPr>
+                <p:cNvPr id="52" name="文本框 51"/>
+                <p:cNvSpPr txBox="1"/>
+                <p:nvPr/>
+              </p:nvSpPr>
+              <p:spPr>
+                <a:xfrm>
+                  <a:off x="9109217" y="2116607"/>
+                  <a:ext cx="1781513" cy="188065"/>
+                </a:xfrm>
+                <a:prstGeom prst="rect">
+                  <a:avLst/>
+                </a:prstGeom>
+                <a:noFill/>
+              </p:spPr>
+              <p:txBody>
+                <a:bodyPr wrap="none" lIns="0" tIns="0" rIns="0" bIns="0" rtlCol="0">
+                  <a:spAutoFit/>
+                </a:bodyPr>
+                <a:lstStyle/>
+                <a:p>
+                  <a:pPr/>
+                  <a14:m>
+                    <m:oMathPara xmlns:m="http://schemas.openxmlformats.org/officeDocument/2006/math">
+                      <m:oMathParaPr>
+                        <m:jc m:val="centerGroup"/>
+                      </m:oMathParaPr>
+                      <m:oMath xmlns:m="http://schemas.openxmlformats.org/officeDocument/2006/math">
+                        <m:sSub>
+                          <m:sSubPr>
+                            <m:ctrlPr>
+                              <a:rPr lang="en-US" altLang="zh-CN" sz="1200" b="1" i="1" smtClean="0">
+                                <a:latin typeface="Cambria Math" panose="02040503050406030204" pitchFamily="18" charset="0"/>
+                              </a:rPr>
+                            </m:ctrlPr>
+                          </m:sSubPr>
+                          <m:e>
+                            <m:r>
+                              <a:rPr lang="en-US" altLang="zh-CN" sz="1200" b="1" i="1" smtClean="0">
+                                <a:latin typeface="Cambria Math" panose="02040503050406030204" pitchFamily="18" charset="0"/>
+                              </a:rPr>
+                              <m:t>𝒉</m:t>
+                            </m:r>
+                          </m:e>
+                          <m:sub>
+                            <m:r>
+                              <a:rPr lang="zh-CN" altLang="en-US" sz="1200" b="1" i="1" smtClean="0">
+                                <a:latin typeface="Cambria Math" panose="02040503050406030204" pitchFamily="18" charset="0"/>
+                              </a:rPr>
+                              <m:t>𝜽</m:t>
+                            </m:r>
+                          </m:sub>
+                        </m:sSub>
+                        <m:d>
+                          <m:dPr>
+                            <m:ctrlPr>
+                              <a:rPr lang="en-US" altLang="zh-CN" sz="1200" b="1" i="1" smtClean="0">
+                                <a:latin typeface="Cambria Math" panose="02040503050406030204" pitchFamily="18" charset="0"/>
+                              </a:rPr>
+                            </m:ctrlPr>
+                          </m:dPr>
+                          <m:e>
+                            <m:r>
+                              <a:rPr lang="en-US" altLang="zh-CN" sz="1200" b="1" i="1" smtClean="0">
+                                <a:latin typeface="Cambria Math" panose="02040503050406030204" pitchFamily="18" charset="0"/>
+                              </a:rPr>
+                              <m:t>𝒙</m:t>
+                            </m:r>
+                          </m:e>
+                        </m:d>
+                        <m:r>
+                          <a:rPr lang="en-US" altLang="zh-CN" sz="1200" b="1" i="1" smtClean="0">
+                            <a:latin typeface="Cambria Math" panose="02040503050406030204" pitchFamily="18" charset="0"/>
+                          </a:rPr>
+                          <m:t>=</m:t>
+                        </m:r>
+                        <m:sSub>
+                          <m:sSubPr>
+                            <m:ctrlPr>
+                              <a:rPr lang="en-US" altLang="zh-CN" sz="1200" b="1" i="1" smtClean="0">
+                                <a:latin typeface="Cambria Math" panose="02040503050406030204" pitchFamily="18" charset="0"/>
+                              </a:rPr>
+                            </m:ctrlPr>
+                          </m:sSubPr>
+                          <m:e>
+                            <m:r>
+                              <a:rPr lang="zh-CN" altLang="en-US" sz="1200" b="1" i="1">
+                                <a:latin typeface="Cambria Math" panose="02040503050406030204" pitchFamily="18" charset="0"/>
+                              </a:rPr>
+                              <m:t>𝜽</m:t>
+                            </m:r>
+                          </m:e>
+                          <m:sub>
+                            <m:r>
+                              <a:rPr lang="en-US" altLang="zh-CN" sz="1200" b="1" i="1" smtClean="0">
+                                <a:latin typeface="Cambria Math" panose="02040503050406030204" pitchFamily="18" charset="0"/>
+                              </a:rPr>
+                              <m:t>𝟎</m:t>
+                            </m:r>
+                          </m:sub>
+                        </m:sSub>
+                        <m:r>
+                          <a:rPr lang="en-US" altLang="zh-CN" sz="1200" b="1" i="1" smtClean="0">
+                            <a:latin typeface="Cambria Math" panose="02040503050406030204" pitchFamily="18" charset="0"/>
+                          </a:rPr>
+                          <m:t>+</m:t>
+                        </m:r>
+                        <m:sSub>
+                          <m:sSubPr>
+                            <m:ctrlPr>
+                              <a:rPr lang="en-US" altLang="zh-CN" sz="1200" b="1" i="1" smtClean="0">
+                                <a:latin typeface="Cambria Math" panose="02040503050406030204" pitchFamily="18" charset="0"/>
+                              </a:rPr>
+                            </m:ctrlPr>
+                          </m:sSubPr>
+                          <m:e>
+                            <m:r>
+                              <a:rPr lang="zh-CN" altLang="en-US" sz="1200" b="1" i="1">
+                                <a:latin typeface="Cambria Math" panose="02040503050406030204" pitchFamily="18" charset="0"/>
+                              </a:rPr>
+                              <m:t>𝜽</m:t>
+                            </m:r>
+                          </m:e>
+                          <m:sub>
+                            <m:r>
+                              <a:rPr lang="en-US" altLang="zh-CN" sz="1200" b="1" i="1" smtClean="0">
+                                <a:latin typeface="Cambria Math" panose="02040503050406030204" pitchFamily="18" charset="0"/>
+                              </a:rPr>
+                              <m:t>𝟏</m:t>
+                            </m:r>
+                          </m:sub>
+                        </m:sSub>
+                        <m:r>
+                          <a:rPr lang="en-US" altLang="zh-CN" sz="1200" b="1" i="1" smtClean="0">
+                            <a:latin typeface="Cambria Math" panose="02040503050406030204" pitchFamily="18" charset="0"/>
+                          </a:rPr>
+                          <m:t>𝒙</m:t>
+                        </m:r>
+                        <m:r>
+                          <a:rPr lang="en-US" altLang="zh-CN" sz="1200" b="1" i="1" smtClean="0">
+                            <a:latin typeface="Cambria Math" panose="02040503050406030204" pitchFamily="18" charset="0"/>
+                          </a:rPr>
+                          <m:t>+</m:t>
+                        </m:r>
+                        <m:sSub>
+                          <m:sSubPr>
+                            <m:ctrlPr>
+                              <a:rPr lang="en-US" altLang="zh-CN" sz="1200" b="1" i="1" smtClean="0">
+                                <a:latin typeface="Cambria Math" panose="02040503050406030204" pitchFamily="18" charset="0"/>
+                              </a:rPr>
+                            </m:ctrlPr>
+                          </m:sSubPr>
+                          <m:e>
+                            <m:r>
+                              <a:rPr lang="zh-CN" altLang="en-US" sz="1200" b="1" i="1" smtClean="0">
+                                <a:latin typeface="Cambria Math" panose="02040503050406030204" pitchFamily="18" charset="0"/>
+                              </a:rPr>
+                              <m:t>𝜽</m:t>
+                            </m:r>
+                          </m:e>
+                          <m:sub>
+                            <m:r>
+                              <a:rPr lang="en-US" altLang="zh-CN" sz="1200" b="1" i="1" smtClean="0">
+                                <a:latin typeface="Cambria Math" panose="02040503050406030204" pitchFamily="18" charset="0"/>
+                              </a:rPr>
+                              <m:t>𝟐</m:t>
+                            </m:r>
+                          </m:sub>
+                        </m:sSub>
+                        <m:rad>
+                          <m:radPr>
+                            <m:degHide m:val="on"/>
+                            <m:ctrlPr>
+                              <a:rPr lang="en-US" altLang="zh-CN" sz="1200" b="1" i="1" smtClean="0">
+                                <a:latin typeface="Cambria Math" panose="02040503050406030204" pitchFamily="18" charset="0"/>
+                              </a:rPr>
+                            </m:ctrlPr>
+                          </m:radPr>
+                          <m:deg/>
+                          <m:e>
+                            <m:r>
+                              <a:rPr lang="en-US" altLang="zh-CN" sz="1200" b="1" i="1" smtClean="0">
+                                <a:latin typeface="Cambria Math" panose="02040503050406030204" pitchFamily="18" charset="0"/>
+                              </a:rPr>
+                              <m:t>𝒙</m:t>
+                            </m:r>
+                          </m:e>
+                        </m:rad>
+                      </m:oMath>
+                    </m:oMathPara>
+                  </a14:m>
+                  <a:endParaRPr lang="zh-CN" altLang="en-US" sz="1200" b="1" dirty="0"/>
+                </a:p>
+              </p:txBody>
+            </p:sp>
+          </mc:Choice>
+          <mc:Fallback>
+            <p:sp>
+              <p:nvSpPr>
+                <p:cNvPr id="52" name="文本框 51"/>
+                <p:cNvSpPr txBox="1">
+                  <a:spLocks noRot="1" noChangeAspect="1" noMove="1" noResize="1" noEditPoints="1" noAdjustHandles="1" noChangeArrowheads="1" noChangeShapeType="1" noTextEdit="1"/>
+                </p:cNvSpPr>
+                <p:nvPr/>
+              </p:nvSpPr>
+              <p:spPr>
+                <a:xfrm>
+                  <a:off x="9109217" y="2116607"/>
+                  <a:ext cx="1781513" cy="188065"/>
+                </a:xfrm>
+                <a:prstGeom prst="rect">
+                  <a:avLst/>
+                </a:prstGeom>
+                <a:blipFill rotWithShape="0">
+                  <a:blip r:embed="rId5"/>
+                  <a:stretch>
+                    <a:fillRect l="-2055" r="-685" b="-12903"/>
+                  </a:stretch>
+                </a:blipFill>
+              </p:spPr>
+              <p:txBody>
+                <a:bodyPr/>
+                <a:lstStyle/>
+                <a:p>
+                  <a:r>
+                    <a:rPr lang="zh-CN" altLang="en-US">
+                      <a:noFill/>
+                    </a:rPr>
+                    <a:t> </a:t>
+                  </a:r>
+                </a:p>
+              </p:txBody>
+            </p:sp>
+          </mc:Fallback>
+        </mc:AlternateContent>
+        <mc:AlternateContent xmlns:mc="http://schemas.openxmlformats.org/markup-compatibility/2006">
+          <mc:Choice xmlns:a14="http://schemas.microsoft.com/office/drawing/2010/main" Requires="a14">
+            <p:sp>
+              <p:nvSpPr>
+                <p:cNvPr id="53" name="文本框 52"/>
+                <p:cNvSpPr txBox="1"/>
+                <p:nvPr/>
+              </p:nvSpPr>
+              <p:spPr>
+                <a:xfrm>
+                  <a:off x="9119483" y="1566132"/>
+                  <a:ext cx="2269788" cy="188834"/>
+                </a:xfrm>
+                <a:prstGeom prst="rect">
+                  <a:avLst/>
+                </a:prstGeom>
+                <a:noFill/>
+              </p:spPr>
+              <p:txBody>
+                <a:bodyPr wrap="none" lIns="0" tIns="0" rIns="0" bIns="0" rtlCol="0">
+                  <a:spAutoFit/>
+                </a:bodyPr>
+                <a:lstStyle/>
+                <a:p>
+                  <a:pPr/>
+                  <a14:m>
+                    <m:oMathPara xmlns:m="http://schemas.openxmlformats.org/officeDocument/2006/math">
+                      <m:oMathParaPr>
+                        <m:jc m:val="centerGroup"/>
+                      </m:oMathParaPr>
+                      <m:oMath xmlns:m="http://schemas.openxmlformats.org/officeDocument/2006/math">
+                        <m:sSub>
+                          <m:sSubPr>
+                            <m:ctrlPr>
+                              <a:rPr lang="en-US" altLang="zh-CN" sz="1200" b="1" i="1" smtClean="0">
+                                <a:latin typeface="Cambria Math" panose="02040503050406030204" pitchFamily="18" charset="0"/>
+                              </a:rPr>
+                            </m:ctrlPr>
+                          </m:sSubPr>
+                          <m:e>
+                            <m:r>
+                              <a:rPr lang="en-US" altLang="zh-CN" sz="1200" b="1" i="1" smtClean="0">
+                                <a:latin typeface="Cambria Math" panose="02040503050406030204" pitchFamily="18" charset="0"/>
+                              </a:rPr>
+                              <m:t>𝒉</m:t>
+                            </m:r>
+                          </m:e>
+                          <m:sub>
+                            <m:r>
+                              <a:rPr lang="zh-CN" altLang="en-US" sz="1200" b="1" i="1" smtClean="0">
+                                <a:latin typeface="Cambria Math" panose="02040503050406030204" pitchFamily="18" charset="0"/>
+                              </a:rPr>
+                              <m:t>𝜽</m:t>
+                            </m:r>
+                          </m:sub>
+                        </m:sSub>
+                        <m:d>
+                          <m:dPr>
+                            <m:ctrlPr>
+                              <a:rPr lang="en-US" altLang="zh-CN" sz="1200" b="1" i="1" smtClean="0">
+                                <a:latin typeface="Cambria Math" panose="02040503050406030204" pitchFamily="18" charset="0"/>
+                              </a:rPr>
+                            </m:ctrlPr>
+                          </m:dPr>
+                          <m:e>
+                            <m:r>
+                              <a:rPr lang="en-US" altLang="zh-CN" sz="1200" b="1" i="1" smtClean="0">
+                                <a:latin typeface="Cambria Math" panose="02040503050406030204" pitchFamily="18" charset="0"/>
+                              </a:rPr>
+                              <m:t>𝒙</m:t>
+                            </m:r>
+                          </m:e>
+                        </m:d>
+                        <m:r>
+                          <a:rPr lang="en-US" altLang="zh-CN" sz="1200" b="1" i="1" smtClean="0">
+                            <a:latin typeface="Cambria Math" panose="02040503050406030204" pitchFamily="18" charset="0"/>
+                          </a:rPr>
+                          <m:t>=</m:t>
+                        </m:r>
+                        <m:sSub>
+                          <m:sSubPr>
+                            <m:ctrlPr>
+                              <a:rPr lang="en-US" altLang="zh-CN" sz="1200" b="1" i="1" smtClean="0">
+                                <a:latin typeface="Cambria Math" panose="02040503050406030204" pitchFamily="18" charset="0"/>
+                              </a:rPr>
+                            </m:ctrlPr>
+                          </m:sSubPr>
+                          <m:e>
+                            <m:r>
+                              <a:rPr lang="zh-CN" altLang="en-US" sz="1200" b="1" i="1">
+                                <a:latin typeface="Cambria Math" panose="02040503050406030204" pitchFamily="18" charset="0"/>
+                              </a:rPr>
+                              <m:t>𝜽</m:t>
+                            </m:r>
+                          </m:e>
+                          <m:sub>
+                            <m:r>
+                              <a:rPr lang="en-US" altLang="zh-CN" sz="1200" b="1" i="1" smtClean="0">
+                                <a:latin typeface="Cambria Math" panose="02040503050406030204" pitchFamily="18" charset="0"/>
+                              </a:rPr>
+                              <m:t>𝟎</m:t>
+                            </m:r>
+                          </m:sub>
+                        </m:sSub>
+                        <m:r>
+                          <a:rPr lang="en-US" altLang="zh-CN" sz="1200" b="1" i="1" smtClean="0">
+                            <a:latin typeface="Cambria Math" panose="02040503050406030204" pitchFamily="18" charset="0"/>
+                          </a:rPr>
+                          <m:t>+</m:t>
+                        </m:r>
+                        <m:sSub>
+                          <m:sSubPr>
+                            <m:ctrlPr>
+                              <a:rPr lang="en-US" altLang="zh-CN" sz="1200" b="1" i="1" smtClean="0">
+                                <a:latin typeface="Cambria Math" panose="02040503050406030204" pitchFamily="18" charset="0"/>
+                              </a:rPr>
+                            </m:ctrlPr>
+                          </m:sSubPr>
+                          <m:e>
+                            <m:r>
+                              <a:rPr lang="zh-CN" altLang="en-US" sz="1200" b="1" i="1">
+                                <a:latin typeface="Cambria Math" panose="02040503050406030204" pitchFamily="18" charset="0"/>
+                              </a:rPr>
+                              <m:t>𝜽</m:t>
+                            </m:r>
+                          </m:e>
+                          <m:sub>
+                            <m:r>
+                              <a:rPr lang="en-US" altLang="zh-CN" sz="1200" b="1" i="1" smtClean="0">
+                                <a:latin typeface="Cambria Math" panose="02040503050406030204" pitchFamily="18" charset="0"/>
+                              </a:rPr>
+                              <m:t>𝟏</m:t>
+                            </m:r>
+                          </m:sub>
+                        </m:sSub>
+                        <m:r>
+                          <a:rPr lang="en-US" altLang="zh-CN" sz="1200" b="1" i="1" smtClean="0">
+                            <a:latin typeface="Cambria Math" panose="02040503050406030204" pitchFamily="18" charset="0"/>
+                          </a:rPr>
+                          <m:t>𝒙</m:t>
+                        </m:r>
+                        <m:r>
+                          <a:rPr lang="en-US" altLang="zh-CN" sz="1200" b="1" i="1" smtClean="0">
+                            <a:latin typeface="Cambria Math" panose="02040503050406030204" pitchFamily="18" charset="0"/>
+                          </a:rPr>
+                          <m:t>+</m:t>
+                        </m:r>
+                        <m:sSub>
+                          <m:sSubPr>
+                            <m:ctrlPr>
+                              <a:rPr lang="en-US" altLang="zh-CN" sz="1200" b="1" i="1" smtClean="0">
+                                <a:latin typeface="Cambria Math" panose="02040503050406030204" pitchFamily="18" charset="0"/>
+                              </a:rPr>
+                            </m:ctrlPr>
+                          </m:sSubPr>
+                          <m:e>
+                            <m:r>
+                              <a:rPr lang="zh-CN" altLang="en-US" sz="1200" b="1" i="1" smtClean="0">
+                                <a:latin typeface="Cambria Math" panose="02040503050406030204" pitchFamily="18" charset="0"/>
+                              </a:rPr>
+                              <m:t>𝜽</m:t>
+                            </m:r>
+                          </m:e>
+                          <m:sub>
+                            <m:r>
+                              <a:rPr lang="en-US" altLang="zh-CN" sz="1200" b="1" i="1" smtClean="0">
+                                <a:latin typeface="Cambria Math" panose="02040503050406030204" pitchFamily="18" charset="0"/>
+                              </a:rPr>
+                              <m:t>𝟐</m:t>
+                            </m:r>
+                          </m:sub>
+                        </m:sSub>
+                        <m:sSup>
+                          <m:sSupPr>
+                            <m:ctrlPr>
+                              <a:rPr lang="en-US" altLang="zh-CN" sz="1200" b="1" i="1" smtClean="0">
+                                <a:latin typeface="Cambria Math" panose="02040503050406030204" pitchFamily="18" charset="0"/>
+                              </a:rPr>
+                            </m:ctrlPr>
+                          </m:sSupPr>
+                          <m:e>
+                            <m:r>
+                              <a:rPr lang="en-US" altLang="zh-CN" sz="1200" b="1" i="1" smtClean="0">
+                                <a:latin typeface="Cambria Math" panose="02040503050406030204" pitchFamily="18" charset="0"/>
+                              </a:rPr>
+                              <m:t>𝒙</m:t>
+                            </m:r>
+                          </m:e>
+                          <m:sup>
+                            <m:r>
+                              <a:rPr lang="en-US" altLang="zh-CN" sz="1200" b="1" i="1" smtClean="0">
+                                <a:latin typeface="Cambria Math" panose="02040503050406030204" pitchFamily="18" charset="0"/>
+                              </a:rPr>
+                              <m:t>𝟐</m:t>
+                            </m:r>
+                          </m:sup>
+                        </m:sSup>
+                        <m:r>
+                          <a:rPr lang="en-US" altLang="zh-CN" sz="1200" b="1" i="1" smtClean="0">
+                            <a:latin typeface="Cambria Math" panose="02040503050406030204" pitchFamily="18" charset="0"/>
+                          </a:rPr>
+                          <m:t>+</m:t>
+                        </m:r>
+                        <m:sSub>
+                          <m:sSubPr>
+                            <m:ctrlPr>
+                              <a:rPr lang="en-US" altLang="zh-CN" sz="1200" b="1" i="1" smtClean="0">
+                                <a:latin typeface="Cambria Math" panose="02040503050406030204" pitchFamily="18" charset="0"/>
+                              </a:rPr>
+                            </m:ctrlPr>
+                          </m:sSubPr>
+                          <m:e>
+                            <m:r>
+                              <a:rPr lang="zh-CN" altLang="en-US" sz="1200" b="1" i="1" smtClean="0">
+                                <a:latin typeface="Cambria Math" panose="02040503050406030204" pitchFamily="18" charset="0"/>
+                              </a:rPr>
+                              <m:t>𝜽</m:t>
+                            </m:r>
+                          </m:e>
+                          <m:sub>
+                            <m:r>
+                              <a:rPr lang="en-US" altLang="zh-CN" sz="1200" b="1" i="1" smtClean="0">
+                                <a:latin typeface="Cambria Math" panose="02040503050406030204" pitchFamily="18" charset="0"/>
+                              </a:rPr>
+                              <m:t>𝟑</m:t>
+                            </m:r>
+                          </m:sub>
+                        </m:sSub>
+                        <m:sSup>
+                          <m:sSupPr>
+                            <m:ctrlPr>
+                              <a:rPr lang="en-US" altLang="zh-CN" sz="1200" b="1" i="1" smtClean="0">
+                                <a:latin typeface="Cambria Math" panose="02040503050406030204" pitchFamily="18" charset="0"/>
+                              </a:rPr>
+                            </m:ctrlPr>
+                          </m:sSupPr>
+                          <m:e>
+                            <m:r>
+                              <a:rPr lang="en-US" altLang="zh-CN" sz="1200" b="1" i="1" smtClean="0">
+                                <a:latin typeface="Cambria Math" panose="02040503050406030204" pitchFamily="18" charset="0"/>
+                              </a:rPr>
+                              <m:t>𝒙</m:t>
+                            </m:r>
+                          </m:e>
+                          <m:sup>
+                            <m:r>
+                              <a:rPr lang="en-US" altLang="zh-CN" sz="1200" b="1" i="1" smtClean="0">
+                                <a:latin typeface="Cambria Math" panose="02040503050406030204" pitchFamily="18" charset="0"/>
+                              </a:rPr>
+                              <m:t>𝟑</m:t>
+                            </m:r>
+                          </m:sup>
+                        </m:sSup>
+                      </m:oMath>
+                    </m:oMathPara>
+                  </a14:m>
+                  <a:endParaRPr lang="zh-CN" altLang="en-US" sz="1200" b="1" dirty="0"/>
+                </a:p>
+              </p:txBody>
+            </p:sp>
+          </mc:Choice>
+          <mc:Fallback>
+            <p:sp>
+              <p:nvSpPr>
+                <p:cNvPr id="53" name="文本框 52"/>
+                <p:cNvSpPr txBox="1">
+                  <a:spLocks noRot="1" noChangeAspect="1" noMove="1" noResize="1" noEditPoints="1" noAdjustHandles="1" noChangeArrowheads="1" noChangeShapeType="1" noTextEdit="1"/>
+                </p:cNvSpPr>
+                <p:nvPr/>
+              </p:nvSpPr>
+              <p:spPr>
+                <a:xfrm>
+                  <a:off x="9119483" y="1566132"/>
+                  <a:ext cx="2269788" cy="188834"/>
+                </a:xfrm>
+                <a:prstGeom prst="rect">
+                  <a:avLst/>
+                </a:prstGeom>
+                <a:blipFill rotWithShape="0">
+                  <a:blip r:embed="rId6"/>
+                  <a:stretch>
+                    <a:fillRect l="-1340" t="-3226" r="-268" b="-12903"/>
+                  </a:stretch>
+                </a:blipFill>
+              </p:spPr>
+              <p:txBody>
+                <a:bodyPr/>
+                <a:lstStyle/>
+                <a:p>
+                  <a:r>
+                    <a:rPr lang="zh-CN" altLang="en-US">
+                      <a:noFill/>
+                    </a:rPr>
+                    <a:t> </a:t>
+                  </a:r>
+                </a:p>
+              </p:txBody>
+            </p:sp>
+          </mc:Fallback>
+        </mc:AlternateContent>
+      </p:grpSp>
+    </p:spTree>
+    <p:extLst>
+      <p:ext uri="{BB962C8B-B14F-4D97-AF65-F5344CB8AC3E}">
+        <p14:creationId xmlns:p14="http://schemas.microsoft.com/office/powerpoint/2010/main" val="2634034993"/>
       </p:ext>
     </p:extLst>
   </p:cSld>
@@ -40064,8 +47591,8 @@
             </a:p>
           </p:txBody>
         </p:sp>
-        <mc:AlternateContent xmlns:mc="http://schemas.openxmlformats.org/markup-compatibility/2006">
-          <mc:Choice xmlns:a14="http://schemas.microsoft.com/office/drawing/2010/main" Requires="a14">
+        <mc:AlternateContent xmlns:mc="http://schemas.openxmlformats.org/markup-compatibility/2006" xmlns:a14="http://schemas.microsoft.com/office/drawing/2010/main">
+          <mc:Choice Requires="a14">
             <p:sp>
               <p:nvSpPr>
                 <p:cNvPr id="23" name="文本框 22"/>
@@ -40088,6 +47615,7 @@
                 </a:bodyPr>
                 <a:lstStyle/>
                 <a:p>
+                  <a:pPr/>
                   <a14:m>
                     <m:oMathPara xmlns:m="http://schemas.openxmlformats.org/officeDocument/2006/math">
                       <m:oMathParaPr>
@@ -40162,7 +47690,7 @@
               </p:txBody>
             </p:sp>
           </mc:Choice>
-          <mc:Fallback>
+          <mc:Fallback xmlns="">
             <p:sp>
               <p:nvSpPr>
                 <p:cNvPr id="23" name="文本框 22"/>
@@ -40513,8 +48041,8 @@
             </a:p>
           </p:txBody>
         </p:sp>
-        <mc:AlternateContent xmlns:mc="http://schemas.openxmlformats.org/markup-compatibility/2006">
-          <mc:Choice xmlns:a14="http://schemas.microsoft.com/office/drawing/2010/main" Requires="a14">
+        <mc:AlternateContent xmlns:mc="http://schemas.openxmlformats.org/markup-compatibility/2006" xmlns:a14="http://schemas.microsoft.com/office/drawing/2010/main">
+          <mc:Choice Requires="a14">
             <p:sp>
               <p:nvSpPr>
                 <p:cNvPr id="56" name="文本框 55"/>
@@ -40537,6 +48065,7 @@
                 </a:bodyPr>
                 <a:lstStyle/>
                 <a:p>
+                  <a:pPr/>
                   <a14:m>
                     <m:oMathPara xmlns:m="http://schemas.openxmlformats.org/officeDocument/2006/math">
                       <m:oMathParaPr>
@@ -40557,7 +48086,7 @@
               </p:txBody>
             </p:sp>
           </mc:Choice>
-          <mc:Fallback>
+          <mc:Fallback xmlns="">
             <p:sp>
               <p:nvSpPr>
                 <p:cNvPr id="56" name="文本框 55"/>
@@ -40596,8 +48125,8 @@
             </p:sp>
           </mc:Fallback>
         </mc:AlternateContent>
-        <mc:AlternateContent xmlns:mc="http://schemas.openxmlformats.org/markup-compatibility/2006">
-          <mc:Choice xmlns:a14="http://schemas.microsoft.com/office/drawing/2010/main" Requires="a14">
+        <mc:AlternateContent xmlns:mc="http://schemas.openxmlformats.org/markup-compatibility/2006" xmlns:a14="http://schemas.microsoft.com/office/drawing/2010/main">
+          <mc:Choice Requires="a14">
             <p:sp>
               <p:nvSpPr>
                 <p:cNvPr id="57" name="文本框 56"/>
@@ -40620,6 +48149,7 @@
                 </a:bodyPr>
                 <a:lstStyle/>
                 <a:p>
+                  <a:pPr/>
                   <a14:m>
                     <m:oMathPara xmlns:m="http://schemas.openxmlformats.org/officeDocument/2006/math">
                       <m:oMathParaPr>
@@ -40657,7 +48187,7 @@
               </p:txBody>
             </p:sp>
           </mc:Choice>
-          <mc:Fallback>
+          <mc:Fallback xmlns="">
             <p:sp>
               <p:nvSpPr>
                 <p:cNvPr id="57" name="文本框 56"/>
@@ -40696,8 +48226,8 @@
             </p:sp>
           </mc:Fallback>
         </mc:AlternateContent>
-        <mc:AlternateContent xmlns:mc="http://schemas.openxmlformats.org/markup-compatibility/2006">
-          <mc:Choice xmlns:a14="http://schemas.microsoft.com/office/drawing/2010/main" Requires="a14">
+        <mc:AlternateContent xmlns:mc="http://schemas.openxmlformats.org/markup-compatibility/2006" xmlns:a14="http://schemas.microsoft.com/office/drawing/2010/main">
+          <mc:Choice Requires="a14">
             <p:sp>
               <p:nvSpPr>
                 <p:cNvPr id="58" name="文本框 57"/>
@@ -40720,6 +48250,7 @@
                 </a:bodyPr>
                 <a:lstStyle/>
                 <a:p>
+                  <a:pPr/>
                   <a14:m>
                     <m:oMathPara xmlns:m="http://schemas.openxmlformats.org/officeDocument/2006/math">
                       <m:oMathParaPr>
@@ -40740,7 +48271,7 @@
               </p:txBody>
             </p:sp>
           </mc:Choice>
-          <mc:Fallback>
+          <mc:Fallback xmlns="">
             <p:sp>
               <p:nvSpPr>
                 <p:cNvPr id="58" name="文本框 57"/>
@@ -40779,8 +48310,8 @@
             </p:sp>
           </mc:Fallback>
         </mc:AlternateContent>
-        <mc:AlternateContent xmlns:mc="http://schemas.openxmlformats.org/markup-compatibility/2006">
-          <mc:Choice xmlns:a14="http://schemas.microsoft.com/office/drawing/2010/main" Requires="a14">
+        <mc:AlternateContent xmlns:mc="http://schemas.openxmlformats.org/markup-compatibility/2006" xmlns:a14="http://schemas.microsoft.com/office/drawing/2010/main">
+          <mc:Choice Requires="a14">
             <p:sp>
               <p:nvSpPr>
                 <p:cNvPr id="59" name="文本框 58"/>
@@ -40803,6 +48334,7 @@
                 </a:bodyPr>
                 <a:lstStyle/>
                 <a:p>
+                  <a:pPr/>
                   <a14:m>
                     <m:oMathPara xmlns:m="http://schemas.openxmlformats.org/officeDocument/2006/math">
                       <m:oMathParaPr>
@@ -40823,7 +48355,7 @@
               </p:txBody>
             </p:sp>
           </mc:Choice>
-          <mc:Fallback>
+          <mc:Fallback xmlns="">
             <p:sp>
               <p:nvSpPr>
                 <p:cNvPr id="59" name="文本框 58"/>
@@ -40862,8 +48394,8 @@
             </p:sp>
           </mc:Fallback>
         </mc:AlternateContent>
-        <mc:AlternateContent xmlns:mc="http://schemas.openxmlformats.org/markup-compatibility/2006">
-          <mc:Choice xmlns:a14="http://schemas.microsoft.com/office/drawing/2010/main" Requires="a14">
+        <mc:AlternateContent xmlns:mc="http://schemas.openxmlformats.org/markup-compatibility/2006" xmlns:a14="http://schemas.microsoft.com/office/drawing/2010/main">
+          <mc:Choice Requires="a14">
             <p:sp>
               <p:nvSpPr>
                 <p:cNvPr id="60" name="文本框 59"/>
@@ -40886,6 +48418,7 @@
                 </a:bodyPr>
                 <a:lstStyle/>
                 <a:p>
+                  <a:pPr/>
                   <a14:m>
                     <m:oMathPara xmlns:m="http://schemas.openxmlformats.org/officeDocument/2006/math">
                       <m:oMathParaPr>
@@ -40906,7 +48439,7 @@
               </p:txBody>
             </p:sp>
           </mc:Choice>
-          <mc:Fallback>
+          <mc:Fallback xmlns="">
             <p:sp>
               <p:nvSpPr>
                 <p:cNvPr id="60" name="文本框 59"/>
@@ -41361,8 +48894,8 @@
           </a:p>
         </p:txBody>
       </p:sp>
-      <mc:AlternateContent xmlns:mc="http://schemas.openxmlformats.org/markup-compatibility/2006">
-        <mc:Choice xmlns:a14="http://schemas.microsoft.com/office/drawing/2010/main" Requires="a14">
+      <mc:AlternateContent xmlns:mc="http://schemas.openxmlformats.org/markup-compatibility/2006" xmlns:a14="http://schemas.microsoft.com/office/drawing/2010/main">
+        <mc:Choice Requires="a14">
           <p:sp>
             <p:nvSpPr>
               <p:cNvPr id="15" name="文本框 14"/>
@@ -41385,6 +48918,7 @@
               </a:bodyPr>
               <a:lstStyle/>
               <a:p>
+                <a:pPr/>
                 <a14:m>
                   <m:oMathPara xmlns:m="http://schemas.openxmlformats.org/officeDocument/2006/math">
                     <m:oMathParaPr>
@@ -41459,7 +48993,7 @@
             </p:txBody>
           </p:sp>
         </mc:Choice>
-        <mc:Fallback>
+        <mc:Fallback xmlns="">
           <p:sp>
             <p:nvSpPr>
               <p:cNvPr id="15" name="文本框 14"/>
@@ -41702,8 +49236,8 @@
           </a:fontRef>
         </p:style>
       </p:cxnSp>
-      <mc:AlternateContent xmlns:mc="http://schemas.openxmlformats.org/markup-compatibility/2006">
-        <mc:Choice xmlns:a14="http://schemas.microsoft.com/office/drawing/2010/main" Requires="a14">
+      <mc:AlternateContent xmlns:mc="http://schemas.openxmlformats.org/markup-compatibility/2006" xmlns:a14="http://schemas.microsoft.com/office/drawing/2010/main">
+        <mc:Choice Requires="a14">
           <p:sp>
             <p:nvSpPr>
               <p:cNvPr id="27" name="文本框 26"/>
@@ -41726,6 +49260,7 @@
               </a:bodyPr>
               <a:lstStyle/>
               <a:p>
+                <a:pPr/>
                 <a14:m>
                   <m:oMathPara xmlns:m="http://schemas.openxmlformats.org/officeDocument/2006/math">
                     <m:oMathParaPr>
@@ -41746,7 +49281,7 @@
             </p:txBody>
           </p:sp>
         </mc:Choice>
-        <mc:Fallback>
+        <mc:Fallback xmlns="">
           <p:sp>
             <p:nvSpPr>
               <p:cNvPr id="27" name="文本框 26"/>
@@ -41785,8 +49320,8 @@
           </p:sp>
         </mc:Fallback>
       </mc:AlternateContent>
-      <mc:AlternateContent xmlns:mc="http://schemas.openxmlformats.org/markup-compatibility/2006">
-        <mc:Choice xmlns:a14="http://schemas.microsoft.com/office/drawing/2010/main" Requires="a14">
+      <mc:AlternateContent xmlns:mc="http://schemas.openxmlformats.org/markup-compatibility/2006" xmlns:a14="http://schemas.microsoft.com/office/drawing/2010/main">
+        <mc:Choice Requires="a14">
           <p:sp>
             <p:nvSpPr>
               <p:cNvPr id="28" name="文本框 27"/>
@@ -41809,6 +49344,7 @@
               </a:bodyPr>
               <a:lstStyle/>
               <a:p>
+                <a:pPr/>
                 <a14:m>
                   <m:oMathPara xmlns:m="http://schemas.openxmlformats.org/officeDocument/2006/math">
                     <m:oMathParaPr>
@@ -41829,7 +49365,7 @@
             </p:txBody>
           </p:sp>
         </mc:Choice>
-        <mc:Fallback>
+        <mc:Fallback xmlns="">
           <p:sp>
             <p:nvSpPr>
               <p:cNvPr id="28" name="文本框 27"/>
@@ -42023,8 +49559,8 @@
             </a:p>
           </p:txBody>
         </p:sp>
-        <mc:AlternateContent xmlns:mc="http://schemas.openxmlformats.org/markup-compatibility/2006">
-          <mc:Choice xmlns:a14="http://schemas.microsoft.com/office/drawing/2010/main" Requires="a14">
+        <mc:AlternateContent xmlns:mc="http://schemas.openxmlformats.org/markup-compatibility/2006" xmlns:a14="http://schemas.microsoft.com/office/drawing/2010/main">
+          <mc:Choice Requires="a14">
             <p:sp>
               <p:nvSpPr>
                 <p:cNvPr id="25" name="文本框 24"/>
@@ -42047,6 +49583,7 @@
                 </a:bodyPr>
                 <a:lstStyle/>
                 <a:p>
+                  <a:pPr/>
                   <a14:m>
                     <m:oMathPara xmlns:m="http://schemas.openxmlformats.org/officeDocument/2006/math">
                       <m:oMathParaPr>
@@ -42067,7 +49604,7 @@
               </p:txBody>
             </p:sp>
           </mc:Choice>
-          <mc:Fallback>
+          <mc:Fallback xmlns="">
             <p:sp>
               <p:nvSpPr>
                 <p:cNvPr id="25" name="文本框 24"/>
@@ -42106,8 +49643,8 @@
             </p:sp>
           </mc:Fallback>
         </mc:AlternateContent>
-        <mc:AlternateContent xmlns:mc="http://schemas.openxmlformats.org/markup-compatibility/2006">
-          <mc:Choice xmlns:a14="http://schemas.microsoft.com/office/drawing/2010/main" Requires="a14">
+        <mc:AlternateContent xmlns:mc="http://schemas.openxmlformats.org/markup-compatibility/2006" xmlns:a14="http://schemas.microsoft.com/office/drawing/2010/main">
+          <mc:Choice Requires="a14">
             <p:sp>
               <p:nvSpPr>
                 <p:cNvPr id="26" name="文本框 25"/>
@@ -42130,6 +49667,7 @@
                 </a:bodyPr>
                 <a:lstStyle/>
                 <a:p>
+                  <a:pPr/>
                   <a14:m>
                     <m:oMathPara xmlns:m="http://schemas.openxmlformats.org/officeDocument/2006/math">
                       <m:oMathParaPr>
@@ -42167,7 +49705,7 @@
               </p:txBody>
             </p:sp>
           </mc:Choice>
-          <mc:Fallback>
+          <mc:Fallback xmlns="">
             <p:sp>
               <p:nvSpPr>
                 <p:cNvPr id="26" name="文本框 25"/>
@@ -42206,8 +49744,8 @@
             </p:sp>
           </mc:Fallback>
         </mc:AlternateContent>
-        <mc:AlternateContent xmlns:mc="http://schemas.openxmlformats.org/markup-compatibility/2006">
-          <mc:Choice xmlns:a14="http://schemas.microsoft.com/office/drawing/2010/main" Requires="a14">
+        <mc:AlternateContent xmlns:mc="http://schemas.openxmlformats.org/markup-compatibility/2006" xmlns:a14="http://schemas.microsoft.com/office/drawing/2010/main">
+          <mc:Choice Requires="a14">
             <p:sp>
               <p:nvSpPr>
                 <p:cNvPr id="29" name="文本框 28"/>
@@ -42230,6 +49768,7 @@
                 </a:bodyPr>
                 <a:lstStyle/>
                 <a:p>
+                  <a:pPr/>
                   <a14:m>
                     <m:oMathPara xmlns:m="http://schemas.openxmlformats.org/officeDocument/2006/math">
                       <m:oMathParaPr>
@@ -42250,7 +49789,7 @@
               </p:txBody>
             </p:sp>
           </mc:Choice>
-          <mc:Fallback>
+          <mc:Fallback xmlns="">
             <p:sp>
               <p:nvSpPr>
                 <p:cNvPr id="29" name="文本框 28"/>
